--- a/Lectures/Lecture 6 - Genome Assembly.pptx
+++ b/Lectures/Lecture 6 - Genome Assembly.pptx
@@ -5,7 +5,7 @@
     <p:sldMasterId id="2147483649" r:id="rId1"/>
   </p:sldMasterIdLst>
   <p:notesMasterIdLst>
-    <p:notesMasterId r:id="rId41"/>
+    <p:notesMasterId r:id="rId40"/>
   </p:notesMasterIdLst>
   <p:sldIdLst>
     <p:sldId id="662" r:id="rId2"/>
@@ -46,7 +46,6 @@
     <p:sldId id="725" r:id="rId37"/>
     <p:sldId id="715" r:id="rId38"/>
     <p:sldId id="716" r:id="rId39"/>
-    <p:sldId id="722" r:id="rId40"/>
   </p:sldIdLst>
   <p:sldSz cx="9144000" cy="6858000" type="screen4x3"/>
   <p:notesSz cx="6858000" cy="9144000"/>
@@ -7943,7 +7942,7 @@
           <a:noFill/>
           <a:extLst>
             <a:ext uri="{909E8E84-426E-40dd-AFC4-6F175D3DCCD1}">
-              <a14:hiddenFill xmlns:a14="http://schemas.microsoft.com/office/drawing/2010/main" xmlns="">
+              <a14:hiddenFill xmlns="" xmlns:a14="http://schemas.microsoft.com/office/drawing/2010/main">
                 <a:solidFill>
                   <a:srgbClr val="FFFFFF"/>
                 </a:solidFill>
@@ -16398,10 +16397,10 @@
       </p:sp>
       <p:pic>
         <p:nvPicPr>
-          <p:cNvPr id="7" name="Picture 6" descr="Graphical user interface, text, application, email&#10;&#10;Description automatically generated">
+          <p:cNvPr id="3" name="Picture 2" descr="A screenshot of a computer&#10;&#10;Description automatically generated">
             <a:extLst>
               <a:ext uri="{FF2B5EF4-FFF2-40B4-BE49-F238E27FC236}">
-                <a16:creationId xmlns:a16="http://schemas.microsoft.com/office/drawing/2014/main" id="{ED7581CF-93B2-634C-ADBD-D84E9D08478B}"/>
+                <a16:creationId xmlns:a16="http://schemas.microsoft.com/office/drawing/2014/main" id="{18F61EB1-9F84-9C23-5A74-455E75922FC5}"/>
               </a:ext>
             </a:extLst>
           </p:cNvPr>
@@ -16418,8 +16417,38 @@
         </p:blipFill>
         <p:spPr>
           <a:xfrm>
-            <a:off x="616925" y="1268760"/>
-            <a:ext cx="7910149" cy="4875802"/>
+            <a:off x="251520" y="1772816"/>
+            <a:ext cx="7772400" cy="1005485"/>
+          </a:xfrm>
+          <a:prstGeom prst="rect">
+            <a:avLst/>
+          </a:prstGeom>
+        </p:spPr>
+      </p:pic>
+      <p:pic>
+        <p:nvPicPr>
+          <p:cNvPr id="5" name="Picture 4" descr="A screenshot of a computer&#10;&#10;Description automatically generated">
+            <a:extLst>
+              <a:ext uri="{FF2B5EF4-FFF2-40B4-BE49-F238E27FC236}">
+                <a16:creationId xmlns:a16="http://schemas.microsoft.com/office/drawing/2014/main" id="{0B30E957-4B30-B604-6B1E-6B65619D4D4E}"/>
+              </a:ext>
+            </a:extLst>
+          </p:cNvPr>
+          <p:cNvPicPr>
+            <a:picLocks noChangeAspect="1"/>
+          </p:cNvPicPr>
+          <p:nvPr/>
+        </p:nvPicPr>
+        <p:blipFill>
+          <a:blip r:embed="rId4"/>
+          <a:stretch>
+            <a:fillRect/>
+          </a:stretch>
+        </p:blipFill>
+        <p:spPr>
+          <a:xfrm>
+            <a:off x="827584" y="3573016"/>
+            <a:ext cx="7772400" cy="2526942"/>
           </a:xfrm>
           <a:prstGeom prst="rect">
             <a:avLst/>
@@ -16430,228 +16459,6 @@
     <p:extLst>
       <p:ext uri="{BB962C8B-B14F-4D97-AF65-F5344CB8AC3E}">
         <p14:creationId xmlns:p14="http://schemas.microsoft.com/office/powerpoint/2010/main" val="3842182682"/>
-      </p:ext>
-    </p:extLst>
-  </p:cSld>
-  <p:clrMapOvr>
-    <a:masterClrMapping/>
-  </p:clrMapOvr>
-</p:sld>
-</file>
-
-<file path=ppt/slides/slide39.xml><?xml version="1.0" encoding="utf-8"?>
-<p:sld xmlns:a="http://schemas.openxmlformats.org/drawingml/2006/main" xmlns:r="http://schemas.openxmlformats.org/officeDocument/2006/relationships" xmlns:p="http://schemas.openxmlformats.org/presentationml/2006/main">
-  <p:cSld>
-    <p:spTree>
-      <p:nvGrpSpPr>
-        <p:cNvPr id="1" name=""/>
-        <p:cNvGrpSpPr/>
-        <p:nvPr/>
-      </p:nvGrpSpPr>
-      <p:grpSpPr>
-        <a:xfrm>
-          <a:off x="0" y="0"/>
-          <a:ext cx="0" cy="0"/>
-          <a:chOff x="0" y="0"/>
-          <a:chExt cx="0" cy="0"/>
-        </a:xfrm>
-      </p:grpSpPr>
-      <p:sp>
-        <p:nvSpPr>
-          <p:cNvPr id="4" name="Rectangle 2">
-            <a:extLst>
-              <a:ext uri="{FF2B5EF4-FFF2-40B4-BE49-F238E27FC236}">
-                <a16:creationId xmlns:a16="http://schemas.microsoft.com/office/drawing/2014/main" id="{FC518306-6278-044A-9611-BB9BA929145E}"/>
-              </a:ext>
-            </a:extLst>
-          </p:cNvPr>
-          <p:cNvSpPr txBox="1">
-            <a:spLocks noChangeArrowheads="1"/>
-          </p:cNvSpPr>
-          <p:nvPr/>
-        </p:nvSpPr>
-        <p:spPr bwMode="auto">
-          <a:xfrm>
-            <a:off x="220988" y="2256656"/>
-            <a:ext cx="8686800" cy="1676400"/>
-          </a:xfrm>
-          <a:prstGeom prst="rect">
-            <a:avLst/>
-          </a:prstGeom>
-          <a:noFill/>
-          <a:ln w="9525">
-            <a:noFill/>
-            <a:miter lim="800000"/>
-            <a:headEnd/>
-            <a:tailEnd/>
-          </a:ln>
-        </p:spPr>
-        <p:txBody>
-          <a:bodyPr vert="horz" wrap="square" lIns="91440" tIns="45720" rIns="91440" bIns="45720" numCol="1" anchor="ctr" anchorCtr="0" compatLnSpc="1">
-            <a:prstTxWarp prst="textNoShape">
-              <a:avLst/>
-            </a:prstTxWarp>
-          </a:bodyPr>
-          <a:lstStyle>
-            <a:lvl1pPr algn="ctr" rtl="0" eaLnBrk="0" fontAlgn="base" hangingPunct="0">
-              <a:spcBef>
-                <a:spcPct val="0"/>
-              </a:spcBef>
-              <a:spcAft>
-                <a:spcPct val="0"/>
-              </a:spcAft>
-              <a:defRPr sz="4400">
-                <a:solidFill>
-                  <a:schemeClr val="tx2"/>
-                </a:solidFill>
-                <a:latin typeface="+mj-lt"/>
-                <a:ea typeface="ＭＳ Ｐゴシック" charset="-128"/>
-                <a:cs typeface="ＭＳ Ｐゴシック" charset="-128"/>
-              </a:defRPr>
-            </a:lvl1pPr>
-            <a:lvl2pPr algn="ctr" rtl="0" eaLnBrk="0" fontAlgn="base" hangingPunct="0">
-              <a:spcBef>
-                <a:spcPct val="0"/>
-              </a:spcBef>
-              <a:spcAft>
-                <a:spcPct val="0"/>
-              </a:spcAft>
-              <a:defRPr sz="4400">
-                <a:solidFill>
-                  <a:schemeClr val="tx2"/>
-                </a:solidFill>
-                <a:latin typeface="Times New Roman" charset="0"/>
-                <a:ea typeface="ＭＳ Ｐゴシック" charset="-128"/>
-                <a:cs typeface="ＭＳ Ｐゴシック" charset="-128"/>
-              </a:defRPr>
-            </a:lvl2pPr>
-            <a:lvl3pPr algn="ctr" rtl="0" eaLnBrk="0" fontAlgn="base" hangingPunct="0">
-              <a:spcBef>
-                <a:spcPct val="0"/>
-              </a:spcBef>
-              <a:spcAft>
-                <a:spcPct val="0"/>
-              </a:spcAft>
-              <a:defRPr sz="4400">
-                <a:solidFill>
-                  <a:schemeClr val="tx2"/>
-                </a:solidFill>
-                <a:latin typeface="Times New Roman" charset="0"/>
-                <a:ea typeface="ＭＳ Ｐゴシック" charset="-128"/>
-                <a:cs typeface="ＭＳ Ｐゴシック" charset="-128"/>
-              </a:defRPr>
-            </a:lvl3pPr>
-            <a:lvl4pPr algn="ctr" rtl="0" eaLnBrk="0" fontAlgn="base" hangingPunct="0">
-              <a:spcBef>
-                <a:spcPct val="0"/>
-              </a:spcBef>
-              <a:spcAft>
-                <a:spcPct val="0"/>
-              </a:spcAft>
-              <a:defRPr sz="4400">
-                <a:solidFill>
-                  <a:schemeClr val="tx2"/>
-                </a:solidFill>
-                <a:latin typeface="Times New Roman" charset="0"/>
-                <a:ea typeface="ＭＳ Ｐゴシック" charset="-128"/>
-                <a:cs typeface="ＭＳ Ｐゴシック" charset="-128"/>
-              </a:defRPr>
-            </a:lvl4pPr>
-            <a:lvl5pPr algn="ctr" rtl="0" eaLnBrk="0" fontAlgn="base" hangingPunct="0">
-              <a:spcBef>
-                <a:spcPct val="0"/>
-              </a:spcBef>
-              <a:spcAft>
-                <a:spcPct val="0"/>
-              </a:spcAft>
-              <a:defRPr sz="4400">
-                <a:solidFill>
-                  <a:schemeClr val="tx2"/>
-                </a:solidFill>
-                <a:latin typeface="Times New Roman" charset="0"/>
-                <a:ea typeface="ＭＳ Ｐゴシック" charset="-128"/>
-                <a:cs typeface="ＭＳ Ｐゴシック" charset="-128"/>
-              </a:defRPr>
-            </a:lvl5pPr>
-            <a:lvl6pPr marL="457200" algn="ctr" rtl="0" fontAlgn="base">
-              <a:spcBef>
-                <a:spcPct val="0"/>
-              </a:spcBef>
-              <a:spcAft>
-                <a:spcPct val="0"/>
-              </a:spcAft>
-              <a:defRPr sz="4400">
-                <a:solidFill>
-                  <a:schemeClr val="tx2"/>
-                </a:solidFill>
-                <a:latin typeface="Times New Roman" charset="0"/>
-              </a:defRPr>
-            </a:lvl6pPr>
-            <a:lvl7pPr marL="914400" algn="ctr" rtl="0" fontAlgn="base">
-              <a:spcBef>
-                <a:spcPct val="0"/>
-              </a:spcBef>
-              <a:spcAft>
-                <a:spcPct val="0"/>
-              </a:spcAft>
-              <a:defRPr sz="4400">
-                <a:solidFill>
-                  <a:schemeClr val="tx2"/>
-                </a:solidFill>
-                <a:latin typeface="Times New Roman" charset="0"/>
-              </a:defRPr>
-            </a:lvl7pPr>
-            <a:lvl8pPr marL="1371600" algn="ctr" rtl="0" fontAlgn="base">
-              <a:spcBef>
-                <a:spcPct val="0"/>
-              </a:spcBef>
-              <a:spcAft>
-                <a:spcPct val="0"/>
-              </a:spcAft>
-              <a:defRPr sz="4400">
-                <a:solidFill>
-                  <a:schemeClr val="tx2"/>
-                </a:solidFill>
-                <a:latin typeface="Times New Roman" charset="0"/>
-              </a:defRPr>
-            </a:lvl8pPr>
-            <a:lvl9pPr marL="1828800" algn="ctr" rtl="0" fontAlgn="base">
-              <a:spcBef>
-                <a:spcPct val="0"/>
-              </a:spcBef>
-              <a:spcAft>
-                <a:spcPct val="0"/>
-              </a:spcAft>
-              <a:defRPr sz="4400">
-                <a:solidFill>
-                  <a:schemeClr val="tx2"/>
-                </a:solidFill>
-                <a:latin typeface="Times New Roman" charset="0"/>
-              </a:defRPr>
-            </a:lvl9pPr>
-          </a:lstStyle>
-          <a:p>
-            <a:pPr eaLnBrk="1" hangingPunct="1"/>
-            <a:r>
-              <a:rPr lang="en-US" sz="1800" b="1" dirty="0">
-                <a:solidFill>
-                  <a:schemeClr val="tx1"/>
-                </a:solidFill>
-              </a:rPr>
-              <a:t>End</a:t>
-            </a:r>
-            <a:endParaRPr lang="en-US" sz="1800" dirty="0">
-              <a:solidFill>
-                <a:schemeClr val="tx1"/>
-              </a:solidFill>
-            </a:endParaRPr>
-          </a:p>
-        </p:txBody>
-      </p:sp>
-    </p:spTree>
-    <p:extLst>
-      <p:ext uri="{BB962C8B-B14F-4D97-AF65-F5344CB8AC3E}">
-        <p14:creationId xmlns:p14="http://schemas.microsoft.com/office/powerpoint/2010/main" val="352779095"/>
       </p:ext>
     </p:extLst>
   </p:cSld>
@@ -17447,7 +17254,7 @@
           <a:noFill/>
           <a:extLst>
             <a:ext uri="{909E8E84-426E-40dd-AFC4-6F175D3DCCD1}">
-              <a14:hiddenFill xmlns:a14="http://schemas.microsoft.com/office/drawing/2010/main" xmlns="">
+              <a14:hiddenFill xmlns="" xmlns:a14="http://schemas.microsoft.com/office/drawing/2010/main">
                 <a:solidFill>
                   <a:srgbClr val="FFFFFF"/>
                 </a:solidFill>
@@ -17705,7 +17512,7 @@
           <a:noFill/>
           <a:extLst>
             <a:ext uri="{909E8E84-426E-40dd-AFC4-6F175D3DCCD1}">
-              <a14:hiddenFill xmlns:a14="http://schemas.microsoft.com/office/drawing/2010/main" xmlns="">
+              <a14:hiddenFill xmlns="" xmlns:a14="http://schemas.microsoft.com/office/drawing/2010/main">
                 <a:solidFill>
                   <a:srgbClr val="FFFFFF"/>
                 </a:solidFill>

--- a/Lectures/Lecture 6 - Genome Assembly.pptx
+++ b/Lectures/Lecture 6 - Genome Assembly.pptx
@@ -5,7 +5,7 @@
     <p:sldMasterId id="2147483649" r:id="rId1"/>
   </p:sldMasterIdLst>
   <p:notesMasterIdLst>
-    <p:notesMasterId r:id="rId40"/>
+    <p:notesMasterId r:id="rId37"/>
   </p:notesMasterIdLst>
   <p:sldIdLst>
     <p:sldId id="662" r:id="rId2"/>
@@ -19,33 +19,30 @@
     <p:sldId id="698" r:id="rId10"/>
     <p:sldId id="726" r:id="rId11"/>
     <p:sldId id="700" r:id="rId12"/>
-    <p:sldId id="701" r:id="rId13"/>
-    <p:sldId id="723" r:id="rId14"/>
-    <p:sldId id="702" r:id="rId15"/>
-    <p:sldId id="703" r:id="rId16"/>
-    <p:sldId id="705" r:id="rId17"/>
-    <p:sldId id="706" r:id="rId18"/>
-    <p:sldId id="704" r:id="rId19"/>
-    <p:sldId id="707" r:id="rId20"/>
-    <p:sldId id="708" r:id="rId21"/>
-    <p:sldId id="727" r:id="rId22"/>
-    <p:sldId id="728" r:id="rId23"/>
-    <p:sldId id="709" r:id="rId24"/>
-    <p:sldId id="710" r:id="rId25"/>
-    <p:sldId id="724" r:id="rId26"/>
-    <p:sldId id="711" r:id="rId27"/>
-    <p:sldId id="729" r:id="rId28"/>
-    <p:sldId id="730" r:id="rId29"/>
-    <p:sldId id="717" r:id="rId30"/>
-    <p:sldId id="718" r:id="rId31"/>
-    <p:sldId id="719" r:id="rId32"/>
-    <p:sldId id="714" r:id="rId33"/>
-    <p:sldId id="720" r:id="rId34"/>
-    <p:sldId id="713" r:id="rId35"/>
-    <p:sldId id="721" r:id="rId36"/>
-    <p:sldId id="725" r:id="rId37"/>
-    <p:sldId id="715" r:id="rId38"/>
-    <p:sldId id="716" r:id="rId39"/>
+    <p:sldId id="723" r:id="rId13"/>
+    <p:sldId id="702" r:id="rId14"/>
+    <p:sldId id="703" r:id="rId15"/>
+    <p:sldId id="705" r:id="rId16"/>
+    <p:sldId id="706" r:id="rId17"/>
+    <p:sldId id="704" r:id="rId18"/>
+    <p:sldId id="707" r:id="rId19"/>
+    <p:sldId id="708" r:id="rId20"/>
+    <p:sldId id="727" r:id="rId21"/>
+    <p:sldId id="728" r:id="rId22"/>
+    <p:sldId id="709" r:id="rId23"/>
+    <p:sldId id="724" r:id="rId24"/>
+    <p:sldId id="711" r:id="rId25"/>
+    <p:sldId id="729" r:id="rId26"/>
+    <p:sldId id="730" r:id="rId27"/>
+    <p:sldId id="717" r:id="rId28"/>
+    <p:sldId id="718" r:id="rId29"/>
+    <p:sldId id="719" r:id="rId30"/>
+    <p:sldId id="720" r:id="rId31"/>
+    <p:sldId id="713" r:id="rId32"/>
+    <p:sldId id="721" r:id="rId33"/>
+    <p:sldId id="725" r:id="rId34"/>
+    <p:sldId id="715" r:id="rId35"/>
+    <p:sldId id="716" r:id="rId36"/>
   </p:sldIdLst>
   <p:sldSz cx="9144000" cy="6858000" type="screen4x3"/>
   <p:notesSz cx="6858000" cy="9144000"/>
@@ -992,6 +989,11 @@
         </p:txBody>
       </p:sp>
     </p:spTree>
+    <p:extLst>
+      <p:ext uri="{BB962C8B-B14F-4D97-AF65-F5344CB8AC3E}">
+        <p14:creationId xmlns:p14="http://schemas.microsoft.com/office/powerpoint/2010/main" val="2720818731"/>
+      </p:ext>
+    </p:extLst>
   </p:cSld>
   <p:clrMapOvr>
     <a:masterClrMapping/>
@@ -1080,11 +1082,6 @@
         </p:txBody>
       </p:sp>
     </p:spTree>
-    <p:extLst>
-      <p:ext uri="{BB962C8B-B14F-4D97-AF65-F5344CB8AC3E}">
-        <p14:creationId xmlns:p14="http://schemas.microsoft.com/office/powerpoint/2010/main" val="2720818731"/>
-      </p:ext>
-    </p:extLst>
   </p:cSld>
   <p:clrMapOvr>
     <a:masterClrMapping/>
@@ -1789,6 +1786,11 @@
         </p:txBody>
       </p:sp>
     </p:spTree>
+    <p:extLst>
+      <p:ext uri="{BB962C8B-B14F-4D97-AF65-F5344CB8AC3E}">
+        <p14:creationId xmlns:p14="http://schemas.microsoft.com/office/powerpoint/2010/main" val="3588211680"/>
+      </p:ext>
+    </p:extLst>
   </p:cSld>
   <p:clrMapOvr>
     <a:masterClrMapping/>
@@ -1879,7 +1881,7 @@
     </p:spTree>
     <p:extLst>
       <p:ext uri="{BB962C8B-B14F-4D97-AF65-F5344CB8AC3E}">
-        <p14:creationId xmlns:p14="http://schemas.microsoft.com/office/powerpoint/2010/main" val="3588211680"/>
+        <p14:creationId xmlns:p14="http://schemas.microsoft.com/office/powerpoint/2010/main" val="613936025"/>
       </p:ext>
     </p:extLst>
   </p:cSld>
@@ -1970,11 +1972,6 @@
         </p:txBody>
       </p:sp>
     </p:spTree>
-    <p:extLst>
-      <p:ext uri="{BB962C8B-B14F-4D97-AF65-F5344CB8AC3E}">
-        <p14:creationId xmlns:p14="http://schemas.microsoft.com/office/powerpoint/2010/main" val="613936025"/>
-      </p:ext>
-    </p:extLst>
   </p:cSld>
   <p:clrMapOvr>
     <a:masterClrMapping/>
@@ -2063,6 +2060,11 @@
         </p:txBody>
       </p:sp>
     </p:spTree>
+    <p:extLst>
+      <p:ext uri="{BB962C8B-B14F-4D97-AF65-F5344CB8AC3E}">
+        <p14:creationId xmlns:p14="http://schemas.microsoft.com/office/powerpoint/2010/main" val="870272851"/>
+      </p:ext>
+    </p:extLst>
   </p:cSld>
   <p:clrMapOvr>
     <a:masterClrMapping/>
@@ -2241,7 +2243,7 @@
     </p:spTree>
     <p:extLst>
       <p:ext uri="{BB962C8B-B14F-4D97-AF65-F5344CB8AC3E}">
-        <p14:creationId xmlns:p14="http://schemas.microsoft.com/office/powerpoint/2010/main" val="870272851"/>
+        <p14:creationId xmlns:p14="http://schemas.microsoft.com/office/powerpoint/2010/main" val="3621580949"/>
       </p:ext>
     </p:extLst>
   </p:cSld>
@@ -2332,6 +2334,11 @@
         </p:txBody>
       </p:sp>
     </p:spTree>
+    <p:extLst>
+      <p:ext uri="{BB962C8B-B14F-4D97-AF65-F5344CB8AC3E}">
+        <p14:creationId xmlns:p14="http://schemas.microsoft.com/office/powerpoint/2010/main" val="1326496381"/>
+      </p:ext>
+    </p:extLst>
   </p:cSld>
   <p:clrMapOvr>
     <a:masterClrMapping/>
@@ -2420,11 +2427,6 @@
         </p:txBody>
       </p:sp>
     </p:spTree>
-    <p:extLst>
-      <p:ext uri="{BB962C8B-B14F-4D97-AF65-F5344CB8AC3E}">
-        <p14:creationId xmlns:p14="http://schemas.microsoft.com/office/powerpoint/2010/main" val="3621580949"/>
-      </p:ext>
-    </p:extLst>
   </p:cSld>
   <p:clrMapOvr>
     <a:masterClrMapping/>
@@ -2513,11 +2515,6 @@
         </p:txBody>
       </p:sp>
     </p:spTree>
-    <p:extLst>
-      <p:ext uri="{BB962C8B-B14F-4D97-AF65-F5344CB8AC3E}">
-        <p14:creationId xmlns:p14="http://schemas.microsoft.com/office/powerpoint/2010/main" val="1326496381"/>
-      </p:ext>
-    </p:extLst>
   </p:cSld>
   <p:clrMapOvr>
     <a:masterClrMapping/>
@@ -2958,6 +2955,11 @@
         </p:txBody>
       </p:sp>
     </p:spTree>
+    <p:extLst>
+      <p:ext uri="{BB962C8B-B14F-4D97-AF65-F5344CB8AC3E}">
+        <p14:creationId xmlns:p14="http://schemas.microsoft.com/office/powerpoint/2010/main" val="22865719"/>
+      </p:ext>
+    </p:extLst>
   </p:cSld>
   <p:clrMapOvr>
     <a:masterClrMapping/>
@@ -3046,6 +3048,11 @@
         </p:txBody>
       </p:sp>
     </p:spTree>
+    <p:extLst>
+      <p:ext uri="{BB962C8B-B14F-4D97-AF65-F5344CB8AC3E}">
+        <p14:creationId xmlns:p14="http://schemas.microsoft.com/office/powerpoint/2010/main" val="3188789746"/>
+      </p:ext>
+    </p:extLst>
   </p:cSld>
   <p:clrMapOvr>
     <a:masterClrMapping/>
@@ -3179,280 +3186,6 @@
               <a:rPr lang="en-US"/>
               <a:pPr/>
               <a:t>35</a:t>
-            </a:fld>
-            <a:endParaRPr lang="en-US"/>
-          </a:p>
-        </p:txBody>
-      </p:sp>
-      <p:sp>
-        <p:nvSpPr>
-          <p:cNvPr id="15363" name="Rectangle 2"/>
-          <p:cNvSpPr>
-            <a:spLocks noGrp="1" noRot="1" noChangeAspect="1" noChangeArrowheads="1" noTextEdit="1"/>
-          </p:cNvSpPr>
-          <p:nvPr>
-            <p:ph type="sldImg"/>
-          </p:nvPr>
-        </p:nvSpPr>
-        <p:spPr>
-          <a:ln/>
-        </p:spPr>
-      </p:sp>
-      <p:sp>
-        <p:nvSpPr>
-          <p:cNvPr id="15364" name="Rectangle 3"/>
-          <p:cNvSpPr>
-            <a:spLocks noGrp="1" noChangeArrowheads="1"/>
-          </p:cNvSpPr>
-          <p:nvPr>
-            <p:ph type="body" idx="1"/>
-          </p:nvPr>
-        </p:nvSpPr>
-        <p:spPr>
-          <a:noFill/>
-          <a:ln/>
-        </p:spPr>
-        <p:txBody>
-          <a:bodyPr/>
-          <a:lstStyle/>
-          <a:p>
-            <a:pPr eaLnBrk="1" hangingPunct="1"/>
-            <a:endParaRPr lang="en-US"/>
-          </a:p>
-        </p:txBody>
-      </p:sp>
-    </p:spTree>
-    <p:extLst>
-      <p:ext uri="{BB962C8B-B14F-4D97-AF65-F5344CB8AC3E}">
-        <p14:creationId xmlns:p14="http://schemas.microsoft.com/office/powerpoint/2010/main" val="22865719"/>
-      </p:ext>
-    </p:extLst>
-  </p:cSld>
-  <p:clrMapOvr>
-    <a:masterClrMapping/>
-  </p:clrMapOvr>
-</p:notes>
-</file>
-
-<file path=ppt/notesSlides/notesSlide36.xml><?xml version="1.0" encoding="utf-8"?>
-<p:notes xmlns:a="http://schemas.openxmlformats.org/drawingml/2006/main" xmlns:r="http://schemas.openxmlformats.org/officeDocument/2006/relationships" xmlns:p="http://schemas.openxmlformats.org/presentationml/2006/main">
-  <p:cSld>
-    <p:spTree>
-      <p:nvGrpSpPr>
-        <p:cNvPr id="1" name=""/>
-        <p:cNvGrpSpPr/>
-        <p:nvPr/>
-      </p:nvGrpSpPr>
-      <p:grpSpPr>
-        <a:xfrm>
-          <a:off x="0" y="0"/>
-          <a:ext cx="0" cy="0"/>
-          <a:chOff x="0" y="0"/>
-          <a:chExt cx="0" cy="0"/>
-        </a:xfrm>
-      </p:grpSpPr>
-      <p:sp>
-        <p:nvSpPr>
-          <p:cNvPr id="15362" name="Rectangle 7"/>
-          <p:cNvSpPr>
-            <a:spLocks noGrp="1" noChangeArrowheads="1"/>
-          </p:cNvSpPr>
-          <p:nvPr>
-            <p:ph type="sldNum" sz="quarter" idx="5"/>
-          </p:nvPr>
-        </p:nvSpPr>
-        <p:spPr>
-          <a:noFill/>
-        </p:spPr>
-        <p:txBody>
-          <a:bodyPr/>
-          <a:lstStyle/>
-          <a:p>
-            <a:fld id="{C3095A83-93CF-9340-9B73-54644CC0C2D9}" type="slidenum">
-              <a:rPr lang="en-US"/>
-              <a:pPr/>
-              <a:t>36</a:t>
-            </a:fld>
-            <a:endParaRPr lang="en-US"/>
-          </a:p>
-        </p:txBody>
-      </p:sp>
-      <p:sp>
-        <p:nvSpPr>
-          <p:cNvPr id="15363" name="Rectangle 2"/>
-          <p:cNvSpPr>
-            <a:spLocks noGrp="1" noRot="1" noChangeAspect="1" noChangeArrowheads="1" noTextEdit="1"/>
-          </p:cNvSpPr>
-          <p:nvPr>
-            <p:ph type="sldImg"/>
-          </p:nvPr>
-        </p:nvSpPr>
-        <p:spPr>
-          <a:ln/>
-        </p:spPr>
-      </p:sp>
-      <p:sp>
-        <p:nvSpPr>
-          <p:cNvPr id="15364" name="Rectangle 3"/>
-          <p:cNvSpPr>
-            <a:spLocks noGrp="1" noChangeArrowheads="1"/>
-          </p:cNvSpPr>
-          <p:nvPr>
-            <p:ph type="body" idx="1"/>
-          </p:nvPr>
-        </p:nvSpPr>
-        <p:spPr>
-          <a:noFill/>
-          <a:ln/>
-        </p:spPr>
-        <p:txBody>
-          <a:bodyPr/>
-          <a:lstStyle/>
-          <a:p>
-            <a:pPr eaLnBrk="1" hangingPunct="1"/>
-            <a:endParaRPr lang="en-US"/>
-          </a:p>
-        </p:txBody>
-      </p:sp>
-    </p:spTree>
-    <p:extLst>
-      <p:ext uri="{BB962C8B-B14F-4D97-AF65-F5344CB8AC3E}">
-        <p14:creationId xmlns:p14="http://schemas.microsoft.com/office/powerpoint/2010/main" val="3188789746"/>
-      </p:ext>
-    </p:extLst>
-  </p:cSld>
-  <p:clrMapOvr>
-    <a:masterClrMapping/>
-  </p:clrMapOvr>
-</p:notes>
-</file>
-
-<file path=ppt/notesSlides/notesSlide37.xml><?xml version="1.0" encoding="utf-8"?>
-<p:notes xmlns:a="http://schemas.openxmlformats.org/drawingml/2006/main" xmlns:r="http://schemas.openxmlformats.org/officeDocument/2006/relationships" xmlns:p="http://schemas.openxmlformats.org/presentationml/2006/main">
-  <p:cSld>
-    <p:spTree>
-      <p:nvGrpSpPr>
-        <p:cNvPr id="1" name=""/>
-        <p:cNvGrpSpPr/>
-        <p:nvPr/>
-      </p:nvGrpSpPr>
-      <p:grpSpPr>
-        <a:xfrm>
-          <a:off x="0" y="0"/>
-          <a:ext cx="0" cy="0"/>
-          <a:chOff x="0" y="0"/>
-          <a:chExt cx="0" cy="0"/>
-        </a:xfrm>
-      </p:grpSpPr>
-      <p:sp>
-        <p:nvSpPr>
-          <p:cNvPr id="15362" name="Rectangle 7"/>
-          <p:cNvSpPr>
-            <a:spLocks noGrp="1" noChangeArrowheads="1"/>
-          </p:cNvSpPr>
-          <p:nvPr>
-            <p:ph type="sldNum" sz="quarter" idx="5"/>
-          </p:nvPr>
-        </p:nvSpPr>
-        <p:spPr>
-          <a:noFill/>
-        </p:spPr>
-        <p:txBody>
-          <a:bodyPr/>
-          <a:lstStyle/>
-          <a:p>
-            <a:fld id="{C3095A83-93CF-9340-9B73-54644CC0C2D9}" type="slidenum">
-              <a:rPr lang="en-US"/>
-              <a:pPr/>
-              <a:t>37</a:t>
-            </a:fld>
-            <a:endParaRPr lang="en-US"/>
-          </a:p>
-        </p:txBody>
-      </p:sp>
-      <p:sp>
-        <p:nvSpPr>
-          <p:cNvPr id="15363" name="Rectangle 2"/>
-          <p:cNvSpPr>
-            <a:spLocks noGrp="1" noRot="1" noChangeAspect="1" noChangeArrowheads="1" noTextEdit="1"/>
-          </p:cNvSpPr>
-          <p:nvPr>
-            <p:ph type="sldImg"/>
-          </p:nvPr>
-        </p:nvSpPr>
-        <p:spPr>
-          <a:ln/>
-        </p:spPr>
-      </p:sp>
-      <p:sp>
-        <p:nvSpPr>
-          <p:cNvPr id="15364" name="Rectangle 3"/>
-          <p:cNvSpPr>
-            <a:spLocks noGrp="1" noChangeArrowheads="1"/>
-          </p:cNvSpPr>
-          <p:nvPr>
-            <p:ph type="body" idx="1"/>
-          </p:nvPr>
-        </p:nvSpPr>
-        <p:spPr>
-          <a:noFill/>
-          <a:ln/>
-        </p:spPr>
-        <p:txBody>
-          <a:bodyPr/>
-          <a:lstStyle/>
-          <a:p>
-            <a:pPr eaLnBrk="1" hangingPunct="1"/>
-            <a:endParaRPr lang="en-US"/>
-          </a:p>
-        </p:txBody>
-      </p:sp>
-    </p:spTree>
-  </p:cSld>
-  <p:clrMapOvr>
-    <a:masterClrMapping/>
-  </p:clrMapOvr>
-</p:notes>
-</file>
-
-<file path=ppt/notesSlides/notesSlide38.xml><?xml version="1.0" encoding="utf-8"?>
-<p:notes xmlns:a="http://schemas.openxmlformats.org/drawingml/2006/main" xmlns:r="http://schemas.openxmlformats.org/officeDocument/2006/relationships" xmlns:p="http://schemas.openxmlformats.org/presentationml/2006/main">
-  <p:cSld>
-    <p:spTree>
-      <p:nvGrpSpPr>
-        <p:cNvPr id="1" name=""/>
-        <p:cNvGrpSpPr/>
-        <p:nvPr/>
-      </p:nvGrpSpPr>
-      <p:grpSpPr>
-        <a:xfrm>
-          <a:off x="0" y="0"/>
-          <a:ext cx="0" cy="0"/>
-          <a:chOff x="0" y="0"/>
-          <a:chExt cx="0" cy="0"/>
-        </a:xfrm>
-      </p:grpSpPr>
-      <p:sp>
-        <p:nvSpPr>
-          <p:cNvPr id="15362" name="Rectangle 7"/>
-          <p:cNvSpPr>
-            <a:spLocks noGrp="1" noChangeArrowheads="1"/>
-          </p:cNvSpPr>
-          <p:nvPr>
-            <p:ph type="sldNum" sz="quarter" idx="5"/>
-          </p:nvPr>
-        </p:nvSpPr>
-        <p:spPr>
-          <a:noFill/>
-        </p:spPr>
-        <p:txBody>
-          <a:bodyPr/>
-          <a:lstStyle/>
-          <a:p>
-            <a:fld id="{C3095A83-93CF-9340-9B73-54644CC0C2D9}" type="slidenum">
-              <a:rPr lang="en-US"/>
-              <a:pPr/>
-              <a:t>38</a:t>
             </a:fld>
             <a:endParaRPr lang="en-US"/>
           </a:p>
@@ -7942,7 +7675,7 @@
           <a:noFill/>
           <a:extLst>
             <a:ext uri="{909E8E84-426E-40dd-AFC4-6F175D3DCCD1}">
-              <a14:hiddenFill xmlns="" xmlns:a14="http://schemas.microsoft.com/office/drawing/2010/main">
+              <a14:hiddenFill xmlns:a14="http://schemas.microsoft.com/office/drawing/2010/main" xmlns="">
                 <a:solidFill>
                   <a:srgbClr val="FFFFFF"/>
                 </a:solidFill>
@@ -8086,43 +7819,209 @@
           <a:chExt cx="0" cy="0"/>
         </a:xfrm>
       </p:grpSpPr>
-      <p:pic>
-        <p:nvPicPr>
-          <p:cNvPr id="7" name="Picture 6" descr="A close up of a logo&#10;&#10;Description automatically generated">
-            <a:extLst>
-              <a:ext uri="{FF2B5EF4-FFF2-40B4-BE49-F238E27FC236}">
-                <a16:creationId xmlns:a16="http://schemas.microsoft.com/office/drawing/2014/main" id="{BC146925-9CC6-1E49-BAFE-4F07454196D6}"/>
-              </a:ext>
-            </a:extLst>
-          </p:cNvPr>
-          <p:cNvPicPr>
-            <a:picLocks noChangeAspect="1"/>
-          </p:cNvPicPr>
+      <p:sp>
+        <p:nvSpPr>
+          <p:cNvPr id="9" name="Rectangle 2"/>
+          <p:cNvSpPr>
+            <a:spLocks noGrp="1" noChangeArrowheads="1"/>
+          </p:cNvSpPr>
+          <p:nvPr>
+            <p:ph type="ctrTitle"/>
+          </p:nvPr>
+        </p:nvSpPr>
+        <p:spPr>
+          <a:xfrm>
+            <a:off x="323528" y="-171400"/>
+            <a:ext cx="8568952" cy="1535832"/>
+          </a:xfrm>
+        </p:spPr>
+        <p:txBody>
+          <a:bodyPr/>
+          <a:lstStyle/>
+          <a:p>
+            <a:pPr algn="l" eaLnBrk="1" hangingPunct="1"/>
+            <a:r>
+              <a:rPr lang="en-US" sz="3200" b="1" dirty="0"/>
+              <a:t>Then</a:t>
+            </a:r>
+            <a:r>
+              <a:rPr lang="is-IS" sz="3200" b="1" dirty="0"/>
+              <a:t>…</a:t>
+            </a:r>
+            <a:endParaRPr lang="en-US" sz="3200" dirty="0"/>
+          </a:p>
+        </p:txBody>
+      </p:sp>
+      <p:sp>
+        <p:nvSpPr>
+          <p:cNvPr id="6" name="TextBox 5"/>
+          <p:cNvSpPr txBox="1"/>
           <p:nvPr/>
-        </p:nvPicPr>
-        <p:blipFill>
-          <a:blip r:embed="rId3"/>
-          <a:stretch>
-            <a:fillRect/>
-          </a:stretch>
-        </p:blipFill>
+        </p:nvSpPr>
         <p:spPr>
           <a:xfrm>
-            <a:off x="3302000" y="2159000"/>
-            <a:ext cx="2540000" cy="2540000"/>
+            <a:off x="323528" y="1196752"/>
+            <a:ext cx="8352928" cy="5324535"/>
           </a:xfrm>
           <a:prstGeom prst="rect">
             <a:avLst/>
           </a:prstGeom>
-          <a:solidFill>
-            <a:schemeClr val="tx1"/>
-          </a:solidFill>
-        </p:spPr>
-      </p:pic>
+          <a:noFill/>
+          <a:ln>
+            <a:noFill/>
+          </a:ln>
+        </p:spPr>
+        <p:txBody>
+          <a:bodyPr wrap="square" rtlCol="0">
+            <a:spAutoFit/>
+          </a:bodyPr>
+          <a:lstStyle/>
+          <a:p>
+            <a:pPr marL="342900" indent="-342900">
+              <a:buFont typeface="Arial"/>
+              <a:buChar char="•"/>
+            </a:pPr>
+            <a:r>
+              <a:rPr lang="en-US" sz="2000" dirty="0"/>
+              <a:t>Pre-NGS used Sanger sequencing</a:t>
+            </a:r>
+          </a:p>
+          <a:p>
+            <a:pPr marL="800100" lvl="1" indent="-342900">
+              <a:buFont typeface="Arial"/>
+              <a:buChar char="•"/>
+            </a:pPr>
+            <a:r>
+              <a:rPr lang="en-US" sz="2000" dirty="0"/>
+              <a:t>Long reads (i.e. Li-COR 1200 </a:t>
+            </a:r>
+            <a:r>
+              <a:rPr lang="en-US" sz="2000" dirty="0" err="1"/>
+              <a:t>bp</a:t>
+            </a:r>
+            <a:r>
+              <a:rPr lang="en-US" sz="2000" dirty="0"/>
+              <a:t>) but very low volume</a:t>
+            </a:r>
+          </a:p>
+          <a:p>
+            <a:pPr marL="800100" lvl="1" indent="-342900">
+              <a:buFont typeface="Arial"/>
+              <a:buChar char="•"/>
+            </a:pPr>
+            <a:r>
+              <a:rPr lang="en-US" sz="2000" dirty="0">
+                <a:solidFill>
+                  <a:srgbClr val="FFFF00"/>
+                </a:solidFill>
+              </a:rPr>
+              <a:t>20-fold was considered good coverage</a:t>
+            </a:r>
+          </a:p>
+          <a:p>
+            <a:pPr marL="800100" lvl="1" indent="-342900">
+              <a:buFont typeface="Arial"/>
+              <a:buChar char="•"/>
+            </a:pPr>
+            <a:r>
+              <a:rPr lang="en-US" sz="2000" dirty="0"/>
+              <a:t>Each sampled DNA fragment had to be cloned into a plasmid or phage vector</a:t>
+            </a:r>
+          </a:p>
+          <a:p>
+            <a:pPr marL="1257300" lvl="2" indent="-342900">
+              <a:buFont typeface="Arial"/>
+              <a:buChar char="•"/>
+            </a:pPr>
+            <a:r>
+              <a:rPr lang="en-US" sz="2000" dirty="0"/>
+              <a:t>Costly and </a:t>
+            </a:r>
+            <a:r>
+              <a:rPr lang="en-US" sz="2000" dirty="0" err="1"/>
+              <a:t>labour</a:t>
+            </a:r>
+            <a:r>
+              <a:rPr lang="en-US" sz="2000" dirty="0"/>
+              <a:t> intensive!</a:t>
+            </a:r>
+          </a:p>
+          <a:p>
+            <a:pPr marL="1257300" lvl="2" indent="-342900">
+              <a:buFont typeface="Arial"/>
+              <a:buChar char="•"/>
+            </a:pPr>
+            <a:r>
+              <a:rPr lang="en-US" sz="2000" dirty="0"/>
+              <a:t>Plasmid library construction will not clone all sections of the genome (i.e. telomeres, centromeres)</a:t>
+            </a:r>
+          </a:p>
+          <a:p>
+            <a:pPr marL="1257300" lvl="2" indent="-342900">
+              <a:buFont typeface="Arial"/>
+              <a:buChar char="•"/>
+            </a:pPr>
+            <a:r>
+              <a:rPr lang="en-US" sz="2000" dirty="0"/>
+              <a:t>Plasmid library construction suffers from sampling bias – </a:t>
+            </a:r>
+            <a:r>
+              <a:rPr lang="en-US" sz="2000" dirty="0" err="1"/>
+              <a:t>unenven</a:t>
+            </a:r>
+            <a:r>
+              <a:rPr lang="en-US" sz="2000" dirty="0"/>
+              <a:t> sampling of mate-pairs across the genome</a:t>
+            </a:r>
+          </a:p>
+          <a:p>
+            <a:pPr marL="800100" lvl="1" indent="-342900">
+              <a:buFont typeface="Arial"/>
+              <a:buChar char="•"/>
+            </a:pPr>
+            <a:r>
+              <a:rPr lang="en-US" sz="2000" dirty="0"/>
+              <a:t>Gel or capillary migration of DNA problematic for some regions of the genome, struggled with GC bias, and often confounded by DNA secondary structure</a:t>
+            </a:r>
+          </a:p>
+          <a:p>
+            <a:pPr marL="800100" lvl="1" indent="-342900">
+              <a:buFont typeface="Arial"/>
+              <a:buChar char="•"/>
+            </a:pPr>
+            <a:r>
+              <a:rPr lang="en-US" sz="2000" dirty="0">
+                <a:solidFill>
+                  <a:srgbClr val="FFFF00"/>
+                </a:solidFill>
+              </a:rPr>
+              <a:t>PHRED was a critical advance</a:t>
+            </a:r>
+          </a:p>
+          <a:p>
+            <a:pPr marL="800100" lvl="1" indent="-342900">
+              <a:buFont typeface="Arial"/>
+              <a:buChar char="•"/>
+            </a:pPr>
+            <a:r>
+              <a:rPr lang="en-US" sz="2000" dirty="0"/>
+              <a:t>Assembly software emphasized mate-pairs and used overlap-layout-consensus (OLC) ‘graph theory’ methods; </a:t>
+            </a:r>
+            <a:r>
+              <a:rPr lang="en-US" sz="2000" dirty="0">
+                <a:solidFill>
+                  <a:srgbClr val="FFFF00"/>
+                </a:solidFill>
+              </a:rPr>
+              <a:t>long reads spanned repeat regions</a:t>
+            </a:r>
+          </a:p>
+        </p:txBody>
+      </p:sp>
     </p:spTree>
     <p:extLst>
       <p:ext uri="{BB962C8B-B14F-4D97-AF65-F5344CB8AC3E}">
-        <p14:creationId xmlns:p14="http://schemas.microsoft.com/office/powerpoint/2010/main" val="3295037076"/>
+        <p14:creationId xmlns:p14="http://schemas.microsoft.com/office/powerpoint/2010/main" val="2343416828"/>
       </p:ext>
     </p:extLst>
   </p:cSld>
@@ -8172,7 +8071,7 @@
             <a:pPr algn="l" eaLnBrk="1" hangingPunct="1"/>
             <a:r>
               <a:rPr lang="en-US" sz="3200" b="1" dirty="0"/>
-              <a:t>Then</a:t>
+              <a:t>Now</a:t>
             </a:r>
             <a:r>
               <a:rPr lang="is-IS" sz="3200" b="1" dirty="0"/>
@@ -8213,7 +8112,7 @@
             </a:pPr>
             <a:r>
               <a:rPr lang="en-US" sz="2000" dirty="0"/>
-              <a:t>Pre-NGS used Sanger sequencing</a:t>
+              <a:t>NGS Genome Assembly</a:t>
             </a:r>
           </a:p>
           <a:p>
@@ -8223,19 +8122,19 @@
             </a:pPr>
             <a:r>
               <a:rPr lang="en-US" sz="2000" dirty="0"/>
-              <a:t>Long reads (i.e. Li-COR 1200 </a:t>
+              <a:t>Currently dominated by </a:t>
             </a:r>
             <a:r>
               <a:rPr lang="en-US" sz="2000" dirty="0" err="1"/>
-              <a:t>bp</a:t>
+              <a:t>Illumina</a:t>
             </a:r>
             <a:r>
               <a:rPr lang="en-US" sz="2000" dirty="0"/>
-              <a:t>) but very low volume</a:t>
-            </a:r>
-          </a:p>
-          <a:p>
-            <a:pPr marL="800100" lvl="1" indent="-342900">
+              <a:t> short read technology</a:t>
+            </a:r>
+          </a:p>
+          <a:p>
+            <a:pPr marL="1257300" lvl="2" indent="-342900">
               <a:buFont typeface="Arial"/>
               <a:buChar char="•"/>
             </a:pPr>
@@ -8245,74 +8144,13 @@
                   <a:srgbClr val="FFFF00"/>
                 </a:solidFill>
               </a:rPr>
-              <a:t>20-fold was considered good coverage</a:t>
-            </a:r>
-          </a:p>
-          <a:p>
-            <a:pPr marL="800100" lvl="1" indent="-342900">
-              <a:buFont typeface="Arial"/>
-              <a:buChar char="•"/>
-            </a:pPr>
-            <a:r>
-              <a:rPr lang="en-US" sz="2000" dirty="0"/>
-              <a:t>Each sampled DNA fragment had to be cloned into a plasmid or phage vector</a:t>
-            </a:r>
-          </a:p>
-          <a:p>
-            <a:pPr marL="1257300" lvl="2" indent="-342900">
-              <a:buFont typeface="Arial"/>
-              <a:buChar char="•"/>
-            </a:pPr>
-            <a:r>
-              <a:rPr lang="en-US" sz="2000" dirty="0"/>
-              <a:t>Costly and </a:t>
-            </a:r>
-            <a:r>
-              <a:rPr lang="en-US" sz="2000" dirty="0" err="1"/>
-              <a:t>labour</a:t>
-            </a:r>
-            <a:r>
-              <a:rPr lang="en-US" sz="2000" dirty="0"/>
-              <a:t> intensive!</a:t>
-            </a:r>
-          </a:p>
-          <a:p>
-            <a:pPr marL="1257300" lvl="2" indent="-342900">
-              <a:buFont typeface="Arial"/>
-              <a:buChar char="•"/>
-            </a:pPr>
-            <a:r>
-              <a:rPr lang="en-US" sz="2000" dirty="0"/>
-              <a:t>Plasmid library construction will not clone all sections of the genome (i.e. telomeres, centromeres)</a:t>
-            </a:r>
-          </a:p>
-          <a:p>
-            <a:pPr marL="1257300" lvl="2" indent="-342900">
-              <a:buFont typeface="Arial"/>
-              <a:buChar char="•"/>
-            </a:pPr>
-            <a:r>
-              <a:rPr lang="en-US" sz="2000" dirty="0"/>
-              <a:t>Plasmid library construction suffers from sampling bias – </a:t>
-            </a:r>
-            <a:r>
-              <a:rPr lang="en-US" sz="2000" dirty="0" err="1"/>
-              <a:t>unenven</a:t>
-            </a:r>
-            <a:r>
-              <a:rPr lang="en-US" sz="2000" dirty="0"/>
-              <a:t> sampling of mate-pairs across the genome</a:t>
-            </a:r>
-          </a:p>
-          <a:p>
-            <a:pPr marL="800100" lvl="1" indent="-342900">
-              <a:buFont typeface="Arial"/>
-              <a:buChar char="•"/>
-            </a:pPr>
-            <a:r>
-              <a:rPr lang="en-US" sz="2000" dirty="0"/>
-              <a:t>Gel or capillary migration of DNA problematic for some regions of the genome, struggled with GC bias, and often confounded by DNA secondary structure</a:t>
-            </a:r>
+              <a:t>250 bp mate pairs but 100s-fold coverage</a:t>
+            </a:r>
+            <a:endParaRPr lang="en-US" sz="2000" baseline="30000" dirty="0">
+              <a:solidFill>
+                <a:srgbClr val="FFFF00"/>
+              </a:solidFill>
+            </a:endParaRPr>
           </a:p>
           <a:p>
             <a:pPr marL="800100" lvl="1" indent="-342900">
@@ -8325,7 +8163,51 @@
                   <a:srgbClr val="FFFF00"/>
                 </a:solidFill>
               </a:rPr>
-              <a:t>PHRED was a critical advance</a:t>
+              <a:t>No cloning </a:t>
+            </a:r>
+            <a:r>
+              <a:rPr lang="en-US" sz="2000" dirty="0"/>
+              <a:t>– DNA fragments ligated directly to sequencing adapters</a:t>
+            </a:r>
+          </a:p>
+          <a:p>
+            <a:pPr marL="1257300" lvl="2" indent="-342900">
+              <a:buFont typeface="Arial"/>
+              <a:buChar char="•"/>
+            </a:pPr>
+            <a:r>
+              <a:rPr lang="en-US" sz="2000" dirty="0"/>
+              <a:t>No specialist cloning skills</a:t>
+            </a:r>
+          </a:p>
+          <a:p>
+            <a:pPr marL="1257300" lvl="2" indent="-342900">
+              <a:buFont typeface="Arial"/>
+              <a:buChar char="•"/>
+            </a:pPr>
+            <a:r>
+              <a:rPr lang="en-US" sz="2000" dirty="0"/>
+              <a:t>Commercial genome sequencing kits</a:t>
+            </a:r>
+          </a:p>
+          <a:p>
+            <a:pPr marL="1257300" lvl="2" indent="-342900">
+              <a:buFont typeface="Arial"/>
+              <a:buChar char="•"/>
+            </a:pPr>
+            <a:r>
+              <a:rPr lang="en-US" sz="2000" dirty="0"/>
+              <a:t>Considerably less sampling bias</a:t>
+            </a:r>
+          </a:p>
+          <a:p>
+            <a:pPr marL="1257300" lvl="2" indent="-342900">
+              <a:buFont typeface="Arial"/>
+              <a:buChar char="•"/>
+            </a:pPr>
+            <a:r>
+              <a:rPr lang="en-US" sz="2000" dirty="0"/>
+              <a:t>Huge cost savings</a:t>
             </a:r>
           </a:p>
           <a:p>
@@ -8335,23 +8217,118 @@
             </a:pPr>
             <a:r>
               <a:rPr lang="en-US" sz="2000" dirty="0"/>
-              <a:t>Assembly software emphasized mate-pairs and used overlap-layout-consensus (OLC) ‘graph theory’ methods; </a:t>
-            </a:r>
+              <a:t>Different sources of DNA sequencing error</a:t>
+            </a:r>
+          </a:p>
+          <a:p>
+            <a:pPr marL="1257300" lvl="2" indent="-342900">
+              <a:buFont typeface="Arial"/>
+              <a:buChar char="•"/>
+            </a:pPr>
+            <a:r>
+              <a:rPr lang="en-US" sz="2000" dirty="0"/>
+              <a:t>PHRED scores adapted for NGS</a:t>
+            </a:r>
+          </a:p>
+          <a:p>
+            <a:pPr marL="1257300" lvl="2" indent="-342900">
+              <a:buFont typeface="Arial"/>
+              <a:buChar char="•"/>
+            </a:pPr>
+            <a:r>
+              <a:rPr lang="en-US" sz="2000" dirty="0"/>
+              <a:t>High fold-coverage = high quality </a:t>
+            </a:r>
+            <a:r>
+              <a:rPr lang="en-US" sz="2000" dirty="0" err="1"/>
+              <a:t>contig</a:t>
+            </a:r>
+            <a:r>
+              <a:rPr lang="en-US" sz="2000" dirty="0"/>
+              <a:t> consensus sequences</a:t>
+            </a:r>
+          </a:p>
+          <a:p>
+            <a:pPr marL="800100" lvl="1" indent="-342900">
+              <a:buFont typeface="Arial"/>
+              <a:buChar char="•"/>
+            </a:pPr>
             <a:r>
               <a:rPr lang="en-US" sz="2000" dirty="0">
                 <a:solidFill>
                   <a:srgbClr val="FFFF00"/>
                 </a:solidFill>
               </a:rPr>
-              <a:t>long reads spanned repeat regions</a:t>
-            </a:r>
+              <a:t>Shorter reads less likely to span repeat regions</a:t>
+            </a:r>
+          </a:p>
+          <a:p>
+            <a:pPr marL="1257300" lvl="2" indent="-342900">
+              <a:buFont typeface="Arial"/>
+              <a:buChar char="•"/>
+            </a:pPr>
+            <a:r>
+              <a:rPr lang="en-US" sz="2000" dirty="0"/>
+              <a:t>Repeats more problematic than long-read Sanger sequencing</a:t>
+            </a:r>
+          </a:p>
+          <a:p>
+            <a:pPr marL="800100" lvl="1" indent="-342900">
+              <a:buFont typeface="Arial"/>
+              <a:buChar char="•"/>
+            </a:pPr>
+            <a:r>
+              <a:rPr lang="en-US" sz="2000" dirty="0"/>
+              <a:t>Assembly software emphasizes k-</a:t>
+            </a:r>
+            <a:r>
+              <a:rPr lang="en-US" sz="2000" dirty="0" err="1"/>
+              <a:t>mers</a:t>
+            </a:r>
+            <a:r>
+              <a:rPr lang="en-US" sz="2000" dirty="0"/>
+              <a:t>, de </a:t>
+            </a:r>
+            <a:r>
+              <a:rPr lang="en-US" sz="2000" dirty="0" err="1"/>
+              <a:t>Bruijn</a:t>
+            </a:r>
+            <a:r>
+              <a:rPr lang="en-US" sz="2000" dirty="0"/>
+              <a:t> graphs, </a:t>
+            </a:r>
+            <a:r>
+              <a:rPr lang="en-US" sz="2000" dirty="0" err="1"/>
+              <a:t>Eulerian</a:t>
+            </a:r>
+            <a:r>
+              <a:rPr lang="en-US" sz="2000" dirty="0"/>
+              <a:t> paths</a:t>
+            </a:r>
+          </a:p>
+          <a:p>
+            <a:pPr marL="800100" lvl="1" indent="-342900">
+              <a:buFont typeface="Arial"/>
+              <a:buChar char="•"/>
+            </a:pPr>
+            <a:r>
+              <a:rPr lang="en-US" sz="2000" dirty="0"/>
+              <a:t>Modern pipelines include secondary ‘finishing’ or error-correction algorithms; optical mapping experiments can provide validation data</a:t>
+            </a:r>
+          </a:p>
+          <a:p>
+            <a:pPr marL="1257300" lvl="2" indent="-342900">
+              <a:buFont typeface="Arial"/>
+              <a:buChar char="•"/>
+            </a:pPr>
+            <a:endParaRPr lang="en-US" sz="2000" dirty="0"/>
           </a:p>
         </p:txBody>
       </p:sp>
     </p:spTree>
     <p:extLst>
       <p:ext uri="{BB962C8B-B14F-4D97-AF65-F5344CB8AC3E}">
-        <p14:creationId xmlns:p14="http://schemas.microsoft.com/office/powerpoint/2010/main" val="2343416828"/>
+        <p14:creationId xmlns:p14="http://schemas.microsoft.com/office/powerpoint/2010/main" val="617305316"/>
       </p:ext>
     </p:extLst>
   </p:cSld>
@@ -8401,26 +8378,52 @@
             <a:pPr algn="l" eaLnBrk="1" hangingPunct="1"/>
             <a:r>
               <a:rPr lang="en-US" sz="3200" b="1" dirty="0"/>
-              <a:t>Now</a:t>
-            </a:r>
-            <a:r>
-              <a:rPr lang="is-IS" sz="3200" b="1" dirty="0"/>
-              <a:t>…</a:t>
+              <a:t>The A5 microbial genome assembly pipeline</a:t>
             </a:r>
             <a:endParaRPr lang="en-US" sz="3200" dirty="0"/>
           </a:p>
         </p:txBody>
       </p:sp>
-      <p:sp>
-        <p:nvSpPr>
-          <p:cNvPr id="6" name="TextBox 5"/>
+      <p:pic>
+        <p:nvPicPr>
+          <p:cNvPr id="2" name="Picture 1" descr="A5.tiff"/>
+          <p:cNvPicPr>
+            <a:picLocks noChangeAspect="1"/>
+          </p:cNvPicPr>
+          <p:nvPr/>
+        </p:nvPicPr>
+        <p:blipFill>
+          <a:blip r:embed="rId3">
+            <a:extLst>
+              <a:ext uri="{28A0092B-C50C-407E-A947-70E740481C1C}">
+                <a14:useLocalDpi xmlns:a14="http://schemas.microsoft.com/office/drawing/2010/main" val="0"/>
+              </a:ext>
+            </a:extLst>
+          </a:blip>
+          <a:stretch>
+            <a:fillRect/>
+          </a:stretch>
+        </p:blipFill>
+        <p:spPr>
+          <a:xfrm>
+            <a:off x="1619672" y="1052736"/>
+            <a:ext cx="5472608" cy="5383820"/>
+          </a:xfrm>
+          <a:prstGeom prst="rect">
+            <a:avLst/>
+          </a:prstGeom>
+        </p:spPr>
+      </p:pic>
+      <p:sp>
+        <p:nvSpPr>
+          <p:cNvPr id="5" name="TextBox 4"/>
           <p:cNvSpPr txBox="1"/>
           <p:nvPr/>
         </p:nvSpPr>
         <p:spPr>
           <a:xfrm>
-            <a:off x="323528" y="1196752"/>
-            <a:ext cx="8352928" cy="5324535"/>
+            <a:off x="1619672" y="6381328"/>
+            <a:ext cx="4968552" cy="307777"/>
           </a:xfrm>
           <a:prstGeom prst="rect">
             <a:avLst/>
@@ -8436,229 +8439,41 @@
           </a:bodyPr>
           <a:lstStyle/>
           <a:p>
-            <a:pPr marL="342900" indent="-342900">
-              <a:buFont typeface="Arial"/>
-              <a:buChar char="•"/>
-            </a:pPr>
-            <a:r>
-              <a:rPr lang="en-US" sz="2000" dirty="0"/>
-              <a:t>NGS Genome Assembly</a:t>
-            </a:r>
-          </a:p>
-          <a:p>
-            <a:pPr marL="800100" lvl="1" indent="-342900">
-              <a:buFont typeface="Arial"/>
-              <a:buChar char="•"/>
-            </a:pPr>
-            <a:r>
-              <a:rPr lang="en-US" sz="2000" dirty="0"/>
-              <a:t>Currently dominated by </a:t>
-            </a:r>
-            <a:r>
-              <a:rPr lang="en-US" sz="2000" dirty="0" err="1"/>
-              <a:t>Illumina</a:t>
-            </a:r>
-            <a:r>
-              <a:rPr lang="en-US" sz="2000" dirty="0"/>
-              <a:t> short read technology</a:t>
-            </a:r>
-          </a:p>
-          <a:p>
-            <a:pPr marL="1257300" lvl="2" indent="-342900">
-              <a:buFont typeface="Arial"/>
-              <a:buChar char="•"/>
-            </a:pPr>
-            <a:r>
-              <a:rPr lang="en-US" sz="2000" dirty="0">
-                <a:solidFill>
-                  <a:srgbClr val="FFFF00"/>
-                </a:solidFill>
-              </a:rPr>
-              <a:t>250 bp mate pairs but 100s-fold coverage</a:t>
-            </a:r>
-            <a:endParaRPr lang="en-US" sz="2000" baseline="30000" dirty="0">
-              <a:solidFill>
-                <a:srgbClr val="FFFF00"/>
-              </a:solidFill>
-            </a:endParaRPr>
-          </a:p>
-          <a:p>
-            <a:pPr marL="800100" lvl="1" indent="-342900">
-              <a:buFont typeface="Arial"/>
-              <a:buChar char="•"/>
-            </a:pPr>
-            <a:r>
-              <a:rPr lang="en-US" sz="2000" dirty="0">
-                <a:solidFill>
-                  <a:srgbClr val="FFFF00"/>
-                </a:solidFill>
-              </a:rPr>
-              <a:t>No cloning </a:t>
-            </a:r>
-            <a:r>
-              <a:rPr lang="en-US" sz="2000" dirty="0"/>
-              <a:t>– DNA fragments ligated directly to sequencing adapters</a:t>
-            </a:r>
-          </a:p>
-          <a:p>
-            <a:pPr marL="1257300" lvl="2" indent="-342900">
-              <a:buFont typeface="Arial"/>
-              <a:buChar char="•"/>
-            </a:pPr>
-            <a:r>
-              <a:rPr lang="en-US" sz="2000" dirty="0"/>
-              <a:t>No specialist cloning skills</a:t>
-            </a:r>
-          </a:p>
-          <a:p>
-            <a:pPr marL="1257300" lvl="2" indent="-342900">
-              <a:buFont typeface="Arial"/>
-              <a:buChar char="•"/>
-            </a:pPr>
-            <a:r>
-              <a:rPr lang="en-US" sz="2000" dirty="0"/>
-              <a:t>Commercial genome sequencing kits</a:t>
-            </a:r>
-          </a:p>
-          <a:p>
-            <a:pPr marL="1257300" lvl="2" indent="-342900">
-              <a:buFont typeface="Arial"/>
-              <a:buChar char="•"/>
-            </a:pPr>
-            <a:r>
-              <a:rPr lang="en-US" sz="2000" dirty="0"/>
-              <a:t>Considerably less sampling bias</a:t>
-            </a:r>
-          </a:p>
-          <a:p>
-            <a:pPr marL="1257300" lvl="2" indent="-342900">
-              <a:buFont typeface="Arial"/>
-              <a:buChar char="•"/>
-            </a:pPr>
-            <a:r>
-              <a:rPr lang="en-US" sz="2000" dirty="0"/>
-              <a:t>Huge cost savings</a:t>
-            </a:r>
-          </a:p>
-          <a:p>
-            <a:pPr marL="800100" lvl="1" indent="-342900">
-              <a:buFont typeface="Arial"/>
-              <a:buChar char="•"/>
-            </a:pPr>
-            <a:r>
-              <a:rPr lang="en-US" sz="2000" dirty="0"/>
-              <a:t>Different sources of DNA sequencing error</a:t>
-            </a:r>
-          </a:p>
-          <a:p>
-            <a:pPr marL="1257300" lvl="2" indent="-342900">
-              <a:buFont typeface="Arial"/>
-              <a:buChar char="•"/>
-            </a:pPr>
-            <a:r>
-              <a:rPr lang="en-US" sz="2000" dirty="0"/>
-              <a:t>PHRED scores adapted for NGS</a:t>
-            </a:r>
-          </a:p>
-          <a:p>
-            <a:pPr marL="1257300" lvl="2" indent="-342900">
-              <a:buFont typeface="Arial"/>
-              <a:buChar char="•"/>
-            </a:pPr>
-            <a:r>
-              <a:rPr lang="en-US" sz="2000" dirty="0"/>
-              <a:t>High fold-coverage = high quality </a:t>
-            </a:r>
-            <a:r>
-              <a:rPr lang="en-US" sz="2000" dirty="0" err="1"/>
-              <a:t>contig</a:t>
-            </a:r>
-            <a:r>
-              <a:rPr lang="en-US" sz="2000" dirty="0"/>
-              <a:t> consensus sequences</a:t>
-            </a:r>
-          </a:p>
-          <a:p>
-            <a:pPr marL="800100" lvl="1" indent="-342900">
-              <a:buFont typeface="Arial"/>
-              <a:buChar char="•"/>
-            </a:pPr>
-            <a:r>
-              <a:rPr lang="en-US" sz="2000" dirty="0">
-                <a:solidFill>
-                  <a:srgbClr val="FFFF00"/>
-                </a:solidFill>
-              </a:rPr>
-              <a:t>Shorter reads less likely to span repeat regions</a:t>
-            </a:r>
-          </a:p>
-          <a:p>
-            <a:pPr marL="1257300" lvl="2" indent="-342900">
-              <a:buFont typeface="Arial"/>
-              <a:buChar char="•"/>
-            </a:pPr>
-            <a:r>
-              <a:rPr lang="en-US" sz="2000" dirty="0"/>
-              <a:t>Repeats more problematic than long-read Sanger sequencing</a:t>
-            </a:r>
-          </a:p>
-          <a:p>
-            <a:pPr marL="800100" lvl="1" indent="-342900">
-              <a:buFont typeface="Arial"/>
-              <a:buChar char="•"/>
-            </a:pPr>
-            <a:r>
-              <a:rPr lang="en-US" sz="2000" dirty="0"/>
-              <a:t>Assembly software emphasizes k-</a:t>
-            </a:r>
-            <a:r>
-              <a:rPr lang="en-US" sz="2000" dirty="0" err="1"/>
-              <a:t>mers</a:t>
-            </a:r>
-            <a:r>
-              <a:rPr lang="en-US" sz="2000" dirty="0"/>
-              <a:t>, de </a:t>
-            </a:r>
-            <a:r>
-              <a:rPr lang="en-US" sz="2000" dirty="0" err="1"/>
-              <a:t>Bruijn</a:t>
-            </a:r>
-            <a:r>
-              <a:rPr lang="en-US" sz="2000" dirty="0"/>
-              <a:t> graphs, </a:t>
-            </a:r>
-            <a:r>
-              <a:rPr lang="en-US" sz="2000" dirty="0" err="1"/>
-              <a:t>Eulerian</a:t>
-            </a:r>
-            <a:r>
-              <a:rPr lang="en-US" sz="2000" dirty="0"/>
-              <a:t> paths</a:t>
-            </a:r>
-          </a:p>
-          <a:p>
-            <a:pPr marL="800100" lvl="1" indent="-342900">
-              <a:buFont typeface="Arial"/>
-              <a:buChar char="•"/>
-            </a:pPr>
-            <a:r>
-              <a:rPr lang="en-US" sz="2000" dirty="0"/>
-              <a:t>Modern pipelines include secondary ‘finishing’ or error-correction algorithms; optical mapping experiments can provide validation data</a:t>
-            </a:r>
-          </a:p>
-          <a:p>
-            <a:pPr marL="1257300" lvl="2" indent="-342900">
-              <a:buFont typeface="Arial"/>
-              <a:buChar char="•"/>
-            </a:pPr>
-            <a:endParaRPr lang="en-US" sz="2000" dirty="0"/>
+            <a:r>
+              <a:rPr lang="en-US" sz="1400" dirty="0" err="1"/>
+              <a:t>Tritt</a:t>
+            </a:r>
+            <a:r>
+              <a:rPr lang="en-US" sz="1400" dirty="0"/>
+              <a:t> </a:t>
+            </a:r>
+            <a:r>
+              <a:rPr lang="en-US" sz="1400" i="1" dirty="0"/>
+              <a:t>et al</a:t>
+            </a:r>
+            <a:r>
+              <a:rPr lang="en-US" sz="1400" dirty="0"/>
+              <a:t>. 2012. </a:t>
+            </a:r>
+            <a:r>
+              <a:rPr lang="en-US" sz="1400" i="1" dirty="0" err="1"/>
+              <a:t>PLoS</a:t>
+            </a:r>
+            <a:r>
+              <a:rPr lang="en-US" sz="1400" i="1" dirty="0"/>
+              <a:t> One</a:t>
+            </a:r>
+            <a:r>
+              <a:rPr lang="en-US" sz="1400" dirty="0"/>
+              <a:t>. 7:e42304.</a:t>
+            </a:r>
           </a:p>
         </p:txBody>
       </p:sp>
     </p:spTree>
     <p:extLst>
       <p:ext uri="{BB962C8B-B14F-4D97-AF65-F5344CB8AC3E}">
-        <p14:creationId xmlns:p14="http://schemas.microsoft.com/office/powerpoint/2010/main" val="617305316"/>
+        <p14:creationId xmlns:p14="http://schemas.microsoft.com/office/powerpoint/2010/main" val="169026016"/>
       </p:ext>
     </p:extLst>
   </p:cSld>
@@ -8800,151 +8615,6 @@
           </a:p>
         </p:txBody>
       </p:sp>
-    </p:spTree>
-    <p:extLst>
-      <p:ext uri="{BB962C8B-B14F-4D97-AF65-F5344CB8AC3E}">
-        <p14:creationId xmlns:p14="http://schemas.microsoft.com/office/powerpoint/2010/main" val="169026016"/>
-      </p:ext>
-    </p:extLst>
-  </p:cSld>
-  <p:clrMapOvr>
-    <a:masterClrMapping/>
-  </p:clrMapOvr>
-</p:sld>
-</file>
-
-<file path=ppt/slides/slide16.xml><?xml version="1.0" encoding="utf-8"?>
-<p:sld xmlns:a="http://schemas.openxmlformats.org/drawingml/2006/main" xmlns:r="http://schemas.openxmlformats.org/officeDocument/2006/relationships" xmlns:p="http://schemas.openxmlformats.org/presentationml/2006/main">
-  <p:cSld>
-    <p:spTree>
-      <p:nvGrpSpPr>
-        <p:cNvPr id="1" name=""/>
-        <p:cNvGrpSpPr/>
-        <p:nvPr/>
-      </p:nvGrpSpPr>
-      <p:grpSpPr>
-        <a:xfrm>
-          <a:off x="0" y="0"/>
-          <a:ext cx="0" cy="0"/>
-          <a:chOff x="0" y="0"/>
-          <a:chExt cx="0" cy="0"/>
-        </a:xfrm>
-      </p:grpSpPr>
-      <p:sp>
-        <p:nvSpPr>
-          <p:cNvPr id="9" name="Rectangle 2"/>
-          <p:cNvSpPr>
-            <a:spLocks noGrp="1" noChangeArrowheads="1"/>
-          </p:cNvSpPr>
-          <p:nvPr>
-            <p:ph type="ctrTitle"/>
-          </p:nvPr>
-        </p:nvSpPr>
-        <p:spPr>
-          <a:xfrm>
-            <a:off x="323528" y="-171400"/>
-            <a:ext cx="8568952" cy="1535832"/>
-          </a:xfrm>
-        </p:spPr>
-        <p:txBody>
-          <a:bodyPr/>
-          <a:lstStyle/>
-          <a:p>
-            <a:pPr algn="l" eaLnBrk="1" hangingPunct="1"/>
-            <a:r>
-              <a:rPr lang="en-US" sz="3200" b="1" dirty="0"/>
-              <a:t>The A5 microbial genome assembly pipeline</a:t>
-            </a:r>
-            <a:endParaRPr lang="en-US" sz="3200" dirty="0"/>
-          </a:p>
-        </p:txBody>
-      </p:sp>
-      <p:pic>
-        <p:nvPicPr>
-          <p:cNvPr id="2" name="Picture 1" descr="A5.tiff"/>
-          <p:cNvPicPr>
-            <a:picLocks noChangeAspect="1"/>
-          </p:cNvPicPr>
-          <p:nvPr/>
-        </p:nvPicPr>
-        <p:blipFill>
-          <a:blip r:embed="rId3">
-            <a:extLst>
-              <a:ext uri="{28A0092B-C50C-407E-A947-70E740481C1C}">
-                <a14:useLocalDpi xmlns:a14="http://schemas.microsoft.com/office/drawing/2010/main" val="0"/>
-              </a:ext>
-            </a:extLst>
-          </a:blip>
-          <a:stretch>
-            <a:fillRect/>
-          </a:stretch>
-        </p:blipFill>
-        <p:spPr>
-          <a:xfrm>
-            <a:off x="1619672" y="1052736"/>
-            <a:ext cx="5472608" cy="5383820"/>
-          </a:xfrm>
-          <a:prstGeom prst="rect">
-            <a:avLst/>
-          </a:prstGeom>
-        </p:spPr>
-      </p:pic>
-      <p:sp>
-        <p:nvSpPr>
-          <p:cNvPr id="5" name="TextBox 4"/>
-          <p:cNvSpPr txBox="1"/>
-          <p:nvPr/>
-        </p:nvSpPr>
-        <p:spPr>
-          <a:xfrm>
-            <a:off x="1619672" y="6381328"/>
-            <a:ext cx="4968552" cy="307777"/>
-          </a:xfrm>
-          <a:prstGeom prst="rect">
-            <a:avLst/>
-          </a:prstGeom>
-          <a:noFill/>
-          <a:ln>
-            <a:noFill/>
-          </a:ln>
-        </p:spPr>
-        <p:txBody>
-          <a:bodyPr wrap="square" rtlCol="0">
-            <a:spAutoFit/>
-          </a:bodyPr>
-          <a:lstStyle/>
-          <a:p>
-            <a:r>
-              <a:rPr lang="en-US" sz="1400" dirty="0" err="1"/>
-              <a:t>Tritt</a:t>
-            </a:r>
-            <a:r>
-              <a:rPr lang="en-US" sz="1400" dirty="0"/>
-              <a:t> </a:t>
-            </a:r>
-            <a:r>
-              <a:rPr lang="en-US" sz="1400" i="1" dirty="0"/>
-              <a:t>et al</a:t>
-            </a:r>
-            <a:r>
-              <a:rPr lang="en-US" sz="1400" dirty="0"/>
-              <a:t>. 2012. </a:t>
-            </a:r>
-            <a:r>
-              <a:rPr lang="en-US" sz="1400" i="1" dirty="0" err="1"/>
-              <a:t>PLoS</a:t>
-            </a:r>
-            <a:r>
-              <a:rPr lang="en-US" sz="1400" i="1" dirty="0"/>
-              <a:t> One</a:t>
-            </a:r>
-            <a:r>
-              <a:rPr lang="en-US" sz="1400" dirty="0"/>
-              <a:t>. 7:e42304.</a:t>
-            </a:r>
-          </a:p>
-        </p:txBody>
-      </p:sp>
       <p:sp>
         <p:nvSpPr>
           <p:cNvPr id="7" name="Rectangle 6"/>
@@ -9122,7 +8792,7 @@
 </p:sld>
 </file>
 
-<file path=ppt/slides/slide17.xml><?xml version="1.0" encoding="utf-8"?>
+<file path=ppt/slides/slide16.xml><?xml version="1.0" encoding="utf-8"?>
 <p:sld xmlns:a="http://schemas.openxmlformats.org/drawingml/2006/main" xmlns:r="http://schemas.openxmlformats.org/officeDocument/2006/relationships" xmlns:p="http://schemas.openxmlformats.org/presentationml/2006/main">
   <p:cSld>
     <p:spTree>
@@ -9515,7 +9185,7 @@
 </p:sld>
 </file>
 
-<file path=ppt/slides/slide18.xml><?xml version="1.0" encoding="utf-8"?>
+<file path=ppt/slides/slide17.xml><?xml version="1.0" encoding="utf-8"?>
 <p:sld xmlns:a="http://schemas.openxmlformats.org/drawingml/2006/main" xmlns:r="http://schemas.openxmlformats.org/officeDocument/2006/relationships" xmlns:p="http://schemas.openxmlformats.org/presentationml/2006/main">
   <p:cSld>
     <p:spTree>
@@ -9774,6 +9444,313 @@
     <p:extLst>
       <p:ext uri="{BB962C8B-B14F-4D97-AF65-F5344CB8AC3E}">
         <p14:creationId xmlns:p14="http://schemas.microsoft.com/office/powerpoint/2010/main" val="1713784844"/>
+      </p:ext>
+    </p:extLst>
+  </p:cSld>
+  <p:clrMapOvr>
+    <a:masterClrMapping/>
+  </p:clrMapOvr>
+</p:sld>
+</file>
+
+<file path=ppt/slides/slide18.xml><?xml version="1.0" encoding="utf-8"?>
+<p:sld xmlns:a="http://schemas.openxmlformats.org/drawingml/2006/main" xmlns:r="http://schemas.openxmlformats.org/officeDocument/2006/relationships" xmlns:p="http://schemas.openxmlformats.org/presentationml/2006/main">
+  <p:cSld>
+    <p:spTree>
+      <p:nvGrpSpPr>
+        <p:cNvPr id="1" name=""/>
+        <p:cNvGrpSpPr/>
+        <p:nvPr/>
+      </p:nvGrpSpPr>
+      <p:grpSpPr>
+        <a:xfrm>
+          <a:off x="0" y="0"/>
+          <a:ext cx="0" cy="0"/>
+          <a:chOff x="0" y="0"/>
+          <a:chExt cx="0" cy="0"/>
+        </a:xfrm>
+      </p:grpSpPr>
+      <p:sp>
+        <p:nvSpPr>
+          <p:cNvPr id="9" name="Rectangle 2"/>
+          <p:cNvSpPr>
+            <a:spLocks noGrp="1" noChangeArrowheads="1"/>
+          </p:cNvSpPr>
+          <p:nvPr>
+            <p:ph type="ctrTitle"/>
+          </p:nvPr>
+        </p:nvSpPr>
+        <p:spPr>
+          <a:xfrm>
+            <a:off x="323528" y="-171400"/>
+            <a:ext cx="8568952" cy="1535832"/>
+          </a:xfrm>
+        </p:spPr>
+        <p:txBody>
+          <a:bodyPr/>
+          <a:lstStyle/>
+          <a:p>
+            <a:pPr algn="l" eaLnBrk="1" hangingPunct="1"/>
+            <a:r>
+              <a:rPr lang="en-US" sz="3200" b="1" dirty="0"/>
+              <a:t>The A5 microbial genome assembly pipeline</a:t>
+            </a:r>
+            <a:endParaRPr lang="en-US" sz="3200" dirty="0"/>
+          </a:p>
+        </p:txBody>
+      </p:sp>
+      <p:pic>
+        <p:nvPicPr>
+          <p:cNvPr id="2" name="Picture 1" descr="A5.tiff"/>
+          <p:cNvPicPr>
+            <a:picLocks noChangeAspect="1"/>
+          </p:cNvPicPr>
+          <p:nvPr/>
+        </p:nvPicPr>
+        <p:blipFill>
+          <a:blip r:embed="rId3">
+            <a:extLst>
+              <a:ext uri="{28A0092B-C50C-407E-A947-70E740481C1C}">
+                <a14:useLocalDpi xmlns:a14="http://schemas.microsoft.com/office/drawing/2010/main" val="0"/>
+              </a:ext>
+            </a:extLst>
+          </a:blip>
+          <a:stretch>
+            <a:fillRect/>
+          </a:stretch>
+        </p:blipFill>
+        <p:spPr>
+          <a:xfrm>
+            <a:off x="1619672" y="1052736"/>
+            <a:ext cx="5472608" cy="5383820"/>
+          </a:xfrm>
+          <a:prstGeom prst="rect">
+            <a:avLst/>
+          </a:prstGeom>
+        </p:spPr>
+      </p:pic>
+      <p:sp>
+        <p:nvSpPr>
+          <p:cNvPr id="5" name="TextBox 4"/>
+          <p:cNvSpPr txBox="1"/>
+          <p:nvPr/>
+        </p:nvSpPr>
+        <p:spPr>
+          <a:xfrm>
+            <a:off x="1619672" y="6381328"/>
+            <a:ext cx="4968552" cy="307777"/>
+          </a:xfrm>
+          <a:prstGeom prst="rect">
+            <a:avLst/>
+          </a:prstGeom>
+          <a:noFill/>
+          <a:ln>
+            <a:noFill/>
+          </a:ln>
+        </p:spPr>
+        <p:txBody>
+          <a:bodyPr wrap="square" rtlCol="0">
+            <a:spAutoFit/>
+          </a:bodyPr>
+          <a:lstStyle/>
+          <a:p>
+            <a:r>
+              <a:rPr lang="en-US" sz="1400" dirty="0" err="1"/>
+              <a:t>Tritt</a:t>
+            </a:r>
+            <a:r>
+              <a:rPr lang="en-US" sz="1400" dirty="0"/>
+              <a:t> </a:t>
+            </a:r>
+            <a:r>
+              <a:rPr lang="en-US" sz="1400" i="1" dirty="0"/>
+              <a:t>et al</a:t>
+            </a:r>
+            <a:r>
+              <a:rPr lang="en-US" sz="1400" dirty="0"/>
+              <a:t>. 2012. </a:t>
+            </a:r>
+            <a:r>
+              <a:rPr lang="en-US" sz="1400" i="1" dirty="0" err="1"/>
+              <a:t>PLoS</a:t>
+            </a:r>
+            <a:r>
+              <a:rPr lang="en-US" sz="1400" i="1" dirty="0"/>
+              <a:t> One</a:t>
+            </a:r>
+            <a:r>
+              <a:rPr lang="en-US" sz="1400" dirty="0"/>
+              <a:t>. 7:e42304.</a:t>
+            </a:r>
+          </a:p>
+        </p:txBody>
+      </p:sp>
+      <p:sp>
+        <p:nvSpPr>
+          <p:cNvPr id="13" name="Rectangle 12"/>
+          <p:cNvSpPr/>
+          <p:nvPr/>
+        </p:nvSpPr>
+        <p:spPr bwMode="auto">
+          <a:xfrm>
+            <a:off x="1763688" y="4243543"/>
+            <a:ext cx="1584176" cy="1993769"/>
+          </a:xfrm>
+          <a:prstGeom prst="rect">
+            <a:avLst/>
+          </a:prstGeom>
+          <a:solidFill>
+            <a:srgbClr val="008000">
+              <a:alpha val="17000"/>
+            </a:srgbClr>
+          </a:solidFill>
+          <a:ln w="9525" cap="flat" cmpd="sng" algn="ctr">
+            <a:noFill/>
+            <a:prstDash val="solid"/>
+            <a:round/>
+            <a:headEnd type="none" w="med" len="med"/>
+            <a:tailEnd type="none" w="med" len="med"/>
+          </a:ln>
+          <a:effectLst/>
+        </p:spPr>
+        <p:txBody>
+          <a:bodyPr vert="horz" wrap="square" lIns="91440" tIns="45720" rIns="91440" bIns="45720" numCol="1" rtlCol="0" anchor="t" anchorCtr="0" compatLnSpc="1">
+            <a:prstTxWarp prst="textNoShape">
+              <a:avLst/>
+            </a:prstTxWarp>
+          </a:bodyPr>
+          <a:lstStyle/>
+          <a:p>
+            <a:pPr marL="0" marR="0" indent="0" algn="l" defTabSz="914400" rtl="0" eaLnBrk="0" fontAlgn="base" latinLnBrk="0" hangingPunct="0">
+              <a:lnSpc>
+                <a:spcPct val="100000"/>
+              </a:lnSpc>
+              <a:spcBef>
+                <a:spcPct val="0"/>
+              </a:spcBef>
+              <a:spcAft>
+                <a:spcPct val="0"/>
+              </a:spcAft>
+              <a:buClrTx/>
+              <a:buSzTx/>
+              <a:buFontTx/>
+              <a:buNone/>
+              <a:tabLst/>
+            </a:pPr>
+            <a:endParaRPr kumimoji="0" lang="en-US" sz="2400" b="0" i="0" u="none" strike="noStrike" cap="none" normalizeH="0" baseline="0">
+              <a:ln>
+                <a:noFill/>
+              </a:ln>
+              <a:solidFill>
+                <a:schemeClr val="tx1"/>
+              </a:solidFill>
+              <a:effectLst/>
+              <a:latin typeface="Times" charset="0"/>
+            </a:endParaRPr>
+          </a:p>
+        </p:txBody>
+      </p:sp>
+      <p:sp>
+        <p:nvSpPr>
+          <p:cNvPr id="7" name="Rectangle 6"/>
+          <p:cNvSpPr/>
+          <p:nvPr/>
+        </p:nvSpPr>
+        <p:spPr bwMode="auto">
+          <a:xfrm>
+            <a:off x="3347864" y="5157192"/>
+            <a:ext cx="3600400" cy="1057665"/>
+          </a:xfrm>
+          <a:prstGeom prst="rect">
+            <a:avLst/>
+          </a:prstGeom>
+          <a:solidFill>
+            <a:srgbClr val="008000">
+              <a:alpha val="17000"/>
+            </a:srgbClr>
+          </a:solidFill>
+          <a:ln w="9525" cap="flat" cmpd="sng" algn="ctr">
+            <a:noFill/>
+            <a:prstDash val="solid"/>
+            <a:round/>
+            <a:headEnd type="none" w="med" len="med"/>
+            <a:tailEnd type="none" w="med" len="med"/>
+          </a:ln>
+          <a:effectLst/>
+        </p:spPr>
+        <p:txBody>
+          <a:bodyPr vert="horz" wrap="square" lIns="91440" tIns="45720" rIns="91440" bIns="45720" numCol="1" rtlCol="0" anchor="t" anchorCtr="0" compatLnSpc="1">
+            <a:prstTxWarp prst="textNoShape">
+              <a:avLst/>
+            </a:prstTxWarp>
+          </a:bodyPr>
+          <a:lstStyle/>
+          <a:p>
+            <a:pPr marL="0" marR="0" indent="0" algn="l" defTabSz="914400" rtl="0" eaLnBrk="0" fontAlgn="base" latinLnBrk="0" hangingPunct="0">
+              <a:lnSpc>
+                <a:spcPct val="100000"/>
+              </a:lnSpc>
+              <a:spcBef>
+                <a:spcPct val="0"/>
+              </a:spcBef>
+              <a:spcAft>
+                <a:spcPct val="0"/>
+              </a:spcAft>
+              <a:buClrTx/>
+              <a:buSzTx/>
+              <a:buFontTx/>
+              <a:buNone/>
+              <a:tabLst/>
+            </a:pPr>
+            <a:endParaRPr kumimoji="0" lang="en-US" sz="2400" b="0" i="0" u="none" strike="noStrike" cap="none" normalizeH="0" baseline="0">
+              <a:ln>
+                <a:noFill/>
+              </a:ln>
+              <a:solidFill>
+                <a:schemeClr val="tx1"/>
+              </a:solidFill>
+              <a:effectLst/>
+              <a:latin typeface="Times" charset="0"/>
+            </a:endParaRPr>
+          </a:p>
+        </p:txBody>
+      </p:sp>
+      <p:sp>
+        <p:nvSpPr>
+          <p:cNvPr id="8" name="TextBox 7"/>
+          <p:cNvSpPr txBox="1"/>
+          <p:nvPr/>
+        </p:nvSpPr>
+        <p:spPr>
+          <a:xfrm>
+            <a:off x="0" y="5013176"/>
+            <a:ext cx="1691680" cy="738664"/>
+          </a:xfrm>
+          <a:prstGeom prst="rect">
+            <a:avLst/>
+          </a:prstGeom>
+          <a:noFill/>
+          <a:ln>
+            <a:noFill/>
+          </a:ln>
+        </p:spPr>
+        <p:txBody>
+          <a:bodyPr wrap="square" rtlCol="0">
+            <a:spAutoFit/>
+          </a:bodyPr>
+          <a:lstStyle/>
+          <a:p>
+            <a:r>
+              <a:rPr lang="en-US" sz="1400" dirty="0"/>
+              <a:t>library size estimation; bad mate-pair geometry</a:t>
+            </a:r>
+          </a:p>
+        </p:txBody>
+      </p:sp>
+    </p:spTree>
+    <p:extLst>
+      <p:ext uri="{BB962C8B-B14F-4D97-AF65-F5344CB8AC3E}">
+        <p14:creationId xmlns:p14="http://schemas.microsoft.com/office/powerpoint/2010/main" val="3133497534"/>
       </p:ext>
     </p:extLst>
   </p:cSld>
@@ -9823,15 +9800,71 @@
             <a:pPr algn="l" eaLnBrk="1" hangingPunct="1"/>
             <a:r>
               <a:rPr lang="en-US" sz="3200" b="1" dirty="0"/>
-              <a:t>The A5 microbial genome assembly pipeline</a:t>
+              <a:t>A5QC / SSPACE ‘Finishing’</a:t>
             </a:r>
             <a:endParaRPr lang="en-US" sz="3200" dirty="0"/>
+          </a:p>
+        </p:txBody>
+      </p:sp>
+      <p:sp>
+        <p:nvSpPr>
+          <p:cNvPr id="5" name="TextBox 4"/>
+          <p:cNvSpPr txBox="1"/>
+          <p:nvPr/>
+        </p:nvSpPr>
+        <p:spPr>
+          <a:xfrm>
+            <a:off x="1619672" y="6381328"/>
+            <a:ext cx="4968552" cy="307777"/>
+          </a:xfrm>
+          <a:prstGeom prst="rect">
+            <a:avLst/>
+          </a:prstGeom>
+          <a:noFill/>
+          <a:ln>
+            <a:noFill/>
+          </a:ln>
+        </p:spPr>
+        <p:txBody>
+          <a:bodyPr wrap="square" rtlCol="0">
+            <a:spAutoFit/>
+          </a:bodyPr>
+          <a:lstStyle/>
+          <a:p>
+            <a:r>
+              <a:rPr lang="en-US" sz="1400" dirty="0" err="1"/>
+              <a:t>Tritt</a:t>
+            </a:r>
+            <a:r>
+              <a:rPr lang="en-US" sz="1400" dirty="0"/>
+              <a:t> </a:t>
+            </a:r>
+            <a:r>
+              <a:rPr lang="en-US" sz="1400" i="1" dirty="0"/>
+              <a:t>et al</a:t>
+            </a:r>
+            <a:r>
+              <a:rPr lang="en-US" sz="1400" dirty="0"/>
+              <a:t>. 2012. </a:t>
+            </a:r>
+            <a:r>
+              <a:rPr lang="en-US" sz="1400" i="1" dirty="0" err="1"/>
+              <a:t>PLoS</a:t>
+            </a:r>
+            <a:r>
+              <a:rPr lang="en-US" sz="1400" i="1" dirty="0"/>
+              <a:t> One</a:t>
+            </a:r>
+            <a:r>
+              <a:rPr lang="en-US" sz="1400" dirty="0"/>
+              <a:t>. 7:e42304.</a:t>
+            </a:r>
           </a:p>
         </p:txBody>
       </p:sp>
       <p:pic>
         <p:nvPicPr>
-          <p:cNvPr id="2" name="Picture 1" descr="A5.tiff"/>
+          <p:cNvPr id="4" name="Picture 3" descr="A5QC.tiff"/>
           <p:cNvPicPr>
             <a:picLocks noChangeAspect="1"/>
           </p:cNvPicPr>
@@ -9852,7 +9885,7 @@
         <p:spPr>
           <a:xfrm>
             <a:off x="1619672" y="1052736"/>
-            <a:ext cx="5472608" cy="5383820"/>
+            <a:ext cx="5934188" cy="5301208"/>
           </a:xfrm>
           <a:prstGeom prst="rect">
             <a:avLst/>
@@ -9861,14 +9894,14 @@
       </p:pic>
       <p:sp>
         <p:nvSpPr>
-          <p:cNvPr id="5" name="TextBox 4"/>
+          <p:cNvPr id="6" name="TextBox 5"/>
           <p:cNvSpPr txBox="1"/>
           <p:nvPr/>
         </p:nvSpPr>
         <p:spPr>
           <a:xfrm>
-            <a:off x="1619672" y="6381328"/>
-            <a:ext cx="4968552" cy="307777"/>
+            <a:off x="11196" y="1916832"/>
+            <a:ext cx="1691680" cy="738664"/>
           </a:xfrm>
           <a:prstGeom prst="rect">
             <a:avLst/>
@@ -9885,54 +9918,34 @@
           <a:lstStyle/>
           <a:p>
             <a:r>
-              <a:rPr lang="en-US" sz="1400" dirty="0" err="1"/>
-              <a:t>Tritt</a:t>
-            </a:r>
-            <a:r>
               <a:rPr lang="en-US" sz="1400" dirty="0"/>
-              <a:t> </a:t>
-            </a:r>
-            <a:r>
-              <a:rPr lang="en-US" sz="1400" i="1" dirty="0"/>
-              <a:t>et al</a:t>
-            </a:r>
-            <a:r>
-              <a:rPr lang="en-US" sz="1400" dirty="0"/>
-              <a:t>. 2012. </a:t>
-            </a:r>
-            <a:r>
-              <a:rPr lang="en-US" sz="1400" i="1" dirty="0" err="1"/>
-              <a:t>PLoS</a:t>
-            </a:r>
-            <a:r>
-              <a:rPr lang="en-US" sz="1400" i="1" dirty="0"/>
-              <a:t> One</a:t>
-            </a:r>
-            <a:r>
-              <a:rPr lang="en-US" sz="1400" dirty="0"/>
-              <a:t>. 7:e42304.</a:t>
-            </a:r>
-          </a:p>
-        </p:txBody>
-      </p:sp>
-      <p:sp>
-        <p:nvSpPr>
-          <p:cNvPr id="13" name="Rectangle 12"/>
+              <a:t>library size estimation; bad mate-pair geometry</a:t>
+            </a:r>
+          </a:p>
+        </p:txBody>
+      </p:sp>
+      <p:sp>
+        <p:nvSpPr>
+          <p:cNvPr id="2" name="Rectangle 1">
+            <a:extLst>
+              <a:ext uri="{FF2B5EF4-FFF2-40B4-BE49-F238E27FC236}">
+                <a16:creationId xmlns:a16="http://schemas.microsoft.com/office/drawing/2014/main" id="{6C0BA4D8-A85B-BB4F-A9ED-963B9D3BBF69}"/>
+              </a:ext>
+            </a:extLst>
+          </p:cNvPr>
           <p:cNvSpPr/>
           <p:nvPr/>
         </p:nvSpPr>
         <p:spPr bwMode="auto">
           <a:xfrm>
-            <a:off x="1763688" y="4243543"/>
-            <a:ext cx="1584176" cy="1993769"/>
+            <a:off x="4644008" y="1073263"/>
+            <a:ext cx="2808312" cy="555537"/>
           </a:xfrm>
           <a:prstGeom prst="rect">
             <a:avLst/>
           </a:prstGeom>
           <a:solidFill>
-            <a:srgbClr val="008000">
-              <a:alpha val="17000"/>
-            </a:srgbClr>
+            <a:schemeClr val="tx1"/>
           </a:solidFill>
           <a:ln w="9525" cap="flat" cmpd="sng" algn="ctr">
             <a:noFill/>
@@ -9982,22 +9995,26 @@
       </p:sp>
       <p:sp>
         <p:nvSpPr>
-          <p:cNvPr id="7" name="Rectangle 6"/>
+          <p:cNvPr id="7" name="Rectangle 6">
+            <a:extLst>
+              <a:ext uri="{FF2B5EF4-FFF2-40B4-BE49-F238E27FC236}">
+                <a16:creationId xmlns:a16="http://schemas.microsoft.com/office/drawing/2014/main" id="{24F5B180-05B4-C140-9BDF-B3BD36A2D350}"/>
+              </a:ext>
+            </a:extLst>
+          </p:cNvPr>
           <p:cNvSpPr/>
           <p:nvPr/>
         </p:nvSpPr>
         <p:spPr bwMode="auto">
           <a:xfrm>
-            <a:off x="3347864" y="5157192"/>
-            <a:ext cx="3600400" cy="1057665"/>
+            <a:off x="1691680" y="4797152"/>
+            <a:ext cx="5832648" cy="1512168"/>
           </a:xfrm>
           <a:prstGeom prst="rect">
             <a:avLst/>
           </a:prstGeom>
           <a:solidFill>
-            <a:srgbClr val="008000">
-              <a:alpha val="17000"/>
-            </a:srgbClr>
+            <a:schemeClr val="tx1"/>
           </a:solidFill>
           <a:ln w="9525" cap="flat" cmpd="sng" algn="ctr">
             <a:noFill/>
@@ -10047,40 +10064,146 @@
       </p:sp>
       <p:sp>
         <p:nvSpPr>
-          <p:cNvPr id="8" name="TextBox 7"/>
-          <p:cNvSpPr txBox="1"/>
+          <p:cNvPr id="8" name="Rectangle 7">
+            <a:extLst>
+              <a:ext uri="{FF2B5EF4-FFF2-40B4-BE49-F238E27FC236}">
+                <a16:creationId xmlns:a16="http://schemas.microsoft.com/office/drawing/2014/main" id="{20E9BFBE-D7BB-6447-A5D5-392673CACBF7}"/>
+              </a:ext>
+            </a:extLst>
+          </p:cNvPr>
+          <p:cNvSpPr/>
           <p:nvPr/>
         </p:nvSpPr>
-        <p:spPr>
+        <p:spPr bwMode="auto">
           <a:xfrm>
-            <a:off x="0" y="5013176"/>
-            <a:ext cx="1691680" cy="738664"/>
+            <a:off x="5349322" y="1289287"/>
+            <a:ext cx="2175006" cy="555537"/>
           </a:xfrm>
           <a:prstGeom prst="rect">
             <a:avLst/>
           </a:prstGeom>
-          <a:noFill/>
-          <a:ln>
+          <a:solidFill>
+            <a:schemeClr val="tx1"/>
+          </a:solidFill>
+          <a:ln w="9525" cap="flat" cmpd="sng" algn="ctr">
             <a:noFill/>
+            <a:prstDash val="solid"/>
+            <a:round/>
+            <a:headEnd type="none" w="med" len="med"/>
+            <a:tailEnd type="none" w="med" len="med"/>
           </a:ln>
-        </p:spPr>
-        <p:txBody>
-          <a:bodyPr wrap="square" rtlCol="0">
-            <a:spAutoFit/>
+          <a:effectLst/>
+        </p:spPr>
+        <p:txBody>
+          <a:bodyPr vert="horz" wrap="square" lIns="91440" tIns="45720" rIns="91440" bIns="45720" numCol="1" rtlCol="0" anchor="t" anchorCtr="0" compatLnSpc="1">
+            <a:prstTxWarp prst="textNoShape">
+              <a:avLst/>
+            </a:prstTxWarp>
           </a:bodyPr>
           <a:lstStyle/>
           <a:p>
-            <a:r>
-              <a:rPr lang="en-US" sz="1400" dirty="0"/>
-              <a:t>library size estimation; bad mate-pair geometry</a:t>
-            </a:r>
+            <a:pPr marL="0" marR="0" indent="0" algn="l" defTabSz="914400" rtl="0" eaLnBrk="0" fontAlgn="base" latinLnBrk="0" hangingPunct="0">
+              <a:lnSpc>
+                <a:spcPct val="100000"/>
+              </a:lnSpc>
+              <a:spcBef>
+                <a:spcPct val="0"/>
+              </a:spcBef>
+              <a:spcAft>
+                <a:spcPct val="0"/>
+              </a:spcAft>
+              <a:buClrTx/>
+              <a:buSzTx/>
+              <a:buFontTx/>
+              <a:buNone/>
+              <a:tabLst/>
+            </a:pPr>
+            <a:endParaRPr kumimoji="0" lang="en-US" sz="2400" b="0" i="0" u="none" strike="noStrike" cap="none" normalizeH="0" baseline="0">
+              <a:ln>
+                <a:noFill/>
+              </a:ln>
+              <a:solidFill>
+                <a:schemeClr val="tx1"/>
+              </a:solidFill>
+              <a:effectLst/>
+              <a:latin typeface="Times" charset="0"/>
+            </a:endParaRPr>
+          </a:p>
+        </p:txBody>
+      </p:sp>
+      <p:sp>
+        <p:nvSpPr>
+          <p:cNvPr id="10" name="Rectangle 9">
+            <a:extLst>
+              <a:ext uri="{FF2B5EF4-FFF2-40B4-BE49-F238E27FC236}">
+                <a16:creationId xmlns:a16="http://schemas.microsoft.com/office/drawing/2014/main" id="{5ABB478A-5FA1-8E48-A914-841ADA9699D4}"/>
+              </a:ext>
+            </a:extLst>
+          </p:cNvPr>
+          <p:cNvSpPr/>
+          <p:nvPr/>
+        </p:nvSpPr>
+        <p:spPr bwMode="auto">
+          <a:xfrm>
+            <a:off x="1691680" y="3103104"/>
+            <a:ext cx="5832648" cy="1910072"/>
+          </a:xfrm>
+          <a:prstGeom prst="rect">
+            <a:avLst/>
+          </a:prstGeom>
+          <a:solidFill>
+            <a:schemeClr val="tx1"/>
+          </a:solidFill>
+          <a:ln w="9525" cap="flat" cmpd="sng" algn="ctr">
+            <a:noFill/>
+            <a:prstDash val="solid"/>
+            <a:round/>
+            <a:headEnd type="none" w="med" len="med"/>
+            <a:tailEnd type="none" w="med" len="med"/>
+          </a:ln>
+          <a:effectLst/>
+        </p:spPr>
+        <p:txBody>
+          <a:bodyPr vert="horz" wrap="square" lIns="91440" tIns="45720" rIns="91440" bIns="45720" numCol="1" rtlCol="0" anchor="t" anchorCtr="0" compatLnSpc="1">
+            <a:prstTxWarp prst="textNoShape">
+              <a:avLst/>
+            </a:prstTxWarp>
+          </a:bodyPr>
+          <a:lstStyle/>
+          <a:p>
+            <a:pPr marL="0" marR="0" indent="0" algn="l" defTabSz="914400" rtl="0" eaLnBrk="0" fontAlgn="base" latinLnBrk="0" hangingPunct="0">
+              <a:lnSpc>
+                <a:spcPct val="100000"/>
+              </a:lnSpc>
+              <a:spcBef>
+                <a:spcPct val="0"/>
+              </a:spcBef>
+              <a:spcAft>
+                <a:spcPct val="0"/>
+              </a:spcAft>
+              <a:buClrTx/>
+              <a:buSzTx/>
+              <a:buFontTx/>
+              <a:buNone/>
+              <a:tabLst/>
+            </a:pPr>
+            <a:endParaRPr kumimoji="0" lang="en-US" sz="2400" b="0" i="0" u="none" strike="noStrike" cap="none" normalizeH="0" baseline="0">
+              <a:ln>
+                <a:noFill/>
+              </a:ln>
+              <a:solidFill>
+                <a:schemeClr val="tx1"/>
+              </a:solidFill>
+              <a:effectLst/>
+              <a:latin typeface="Times" charset="0"/>
+            </a:endParaRPr>
           </a:p>
         </p:txBody>
       </p:sp>
     </p:spTree>
     <p:extLst>
       <p:ext uri="{BB962C8B-B14F-4D97-AF65-F5344CB8AC3E}">
-        <p14:creationId xmlns:p14="http://schemas.microsoft.com/office/powerpoint/2010/main" val="3133497534"/>
+        <p14:creationId xmlns:p14="http://schemas.microsoft.com/office/powerpoint/2010/main" val="2536845651"/>
       </p:ext>
     </p:extLst>
   </p:cSld>
@@ -10479,10 +10602,79 @@
       </p:sp>
       <p:sp>
         <p:nvSpPr>
-          <p:cNvPr id="2" name="Rectangle 1">
+          <p:cNvPr id="7" name="Rectangle 6">
             <a:extLst>
               <a:ext uri="{FF2B5EF4-FFF2-40B4-BE49-F238E27FC236}">
-                <a16:creationId xmlns:a16="http://schemas.microsoft.com/office/drawing/2014/main" id="{6C0BA4D8-A85B-BB4F-A9ED-963B9D3BBF69}"/>
+                <a16:creationId xmlns:a16="http://schemas.microsoft.com/office/drawing/2014/main" id="{8D13399E-021D-CF4F-B0DA-3A17E6CCF104}"/>
+              </a:ext>
+            </a:extLst>
+          </p:cNvPr>
+          <p:cNvSpPr/>
+          <p:nvPr/>
+        </p:nvSpPr>
+        <p:spPr bwMode="auto">
+          <a:xfrm>
+            <a:off x="1691680" y="4797152"/>
+            <a:ext cx="5832648" cy="1512168"/>
+          </a:xfrm>
+          <a:prstGeom prst="rect">
+            <a:avLst/>
+          </a:prstGeom>
+          <a:solidFill>
+            <a:schemeClr val="tx1"/>
+          </a:solidFill>
+          <a:ln w="9525" cap="flat" cmpd="sng" algn="ctr">
+            <a:noFill/>
+            <a:prstDash val="solid"/>
+            <a:round/>
+            <a:headEnd type="none" w="med" len="med"/>
+            <a:tailEnd type="none" w="med" len="med"/>
+          </a:ln>
+          <a:effectLst/>
+        </p:spPr>
+        <p:txBody>
+          <a:bodyPr vert="horz" wrap="square" lIns="91440" tIns="45720" rIns="91440" bIns="45720" numCol="1" rtlCol="0" anchor="t" anchorCtr="0" compatLnSpc="1">
+            <a:prstTxWarp prst="textNoShape">
+              <a:avLst/>
+            </a:prstTxWarp>
+          </a:bodyPr>
+          <a:lstStyle/>
+          <a:p>
+            <a:pPr marL="0" marR="0" indent="0" algn="l" defTabSz="914400" rtl="0" eaLnBrk="0" fontAlgn="base" latinLnBrk="0" hangingPunct="0">
+              <a:lnSpc>
+                <a:spcPct val="100000"/>
+              </a:lnSpc>
+              <a:spcBef>
+                <a:spcPct val="0"/>
+              </a:spcBef>
+              <a:spcAft>
+                <a:spcPct val="0"/>
+              </a:spcAft>
+              <a:buClrTx/>
+              <a:buSzTx/>
+              <a:buFontTx/>
+              <a:buNone/>
+              <a:tabLst/>
+            </a:pPr>
+            <a:endParaRPr kumimoji="0" lang="en-US" sz="2400" b="0" i="0" u="none" strike="noStrike" cap="none" normalizeH="0" baseline="0">
+              <a:ln>
+                <a:noFill/>
+              </a:ln>
+              <a:solidFill>
+                <a:schemeClr val="tx1"/>
+              </a:solidFill>
+              <a:effectLst/>
+              <a:latin typeface="Times" charset="0"/>
+            </a:endParaRPr>
+          </a:p>
+        </p:txBody>
+      </p:sp>
+      <p:sp>
+        <p:nvSpPr>
+          <p:cNvPr id="8" name="Rectangle 7">
+            <a:extLst>
+              <a:ext uri="{FF2B5EF4-FFF2-40B4-BE49-F238E27FC236}">
+                <a16:creationId xmlns:a16="http://schemas.microsoft.com/office/drawing/2014/main" id="{FFB36E6F-70BA-D64A-97BE-49D59FD6ED9A}"/>
               </a:ext>
             </a:extLst>
           </p:cNvPr>
@@ -10548,79 +10740,10 @@
       </p:sp>
       <p:sp>
         <p:nvSpPr>
-          <p:cNvPr id="7" name="Rectangle 6">
+          <p:cNvPr id="10" name="Rectangle 9">
             <a:extLst>
               <a:ext uri="{FF2B5EF4-FFF2-40B4-BE49-F238E27FC236}">
-                <a16:creationId xmlns:a16="http://schemas.microsoft.com/office/drawing/2014/main" id="{24F5B180-05B4-C140-9BDF-B3BD36A2D350}"/>
-              </a:ext>
-            </a:extLst>
-          </p:cNvPr>
-          <p:cNvSpPr/>
-          <p:nvPr/>
-        </p:nvSpPr>
-        <p:spPr bwMode="auto">
-          <a:xfrm>
-            <a:off x="1691680" y="4797152"/>
-            <a:ext cx="5832648" cy="1512168"/>
-          </a:xfrm>
-          <a:prstGeom prst="rect">
-            <a:avLst/>
-          </a:prstGeom>
-          <a:solidFill>
-            <a:schemeClr val="tx1"/>
-          </a:solidFill>
-          <a:ln w="9525" cap="flat" cmpd="sng" algn="ctr">
-            <a:noFill/>
-            <a:prstDash val="solid"/>
-            <a:round/>
-            <a:headEnd type="none" w="med" len="med"/>
-            <a:tailEnd type="none" w="med" len="med"/>
-          </a:ln>
-          <a:effectLst/>
-        </p:spPr>
-        <p:txBody>
-          <a:bodyPr vert="horz" wrap="square" lIns="91440" tIns="45720" rIns="91440" bIns="45720" numCol="1" rtlCol="0" anchor="t" anchorCtr="0" compatLnSpc="1">
-            <a:prstTxWarp prst="textNoShape">
-              <a:avLst/>
-            </a:prstTxWarp>
-          </a:bodyPr>
-          <a:lstStyle/>
-          <a:p>
-            <a:pPr marL="0" marR="0" indent="0" algn="l" defTabSz="914400" rtl="0" eaLnBrk="0" fontAlgn="base" latinLnBrk="0" hangingPunct="0">
-              <a:lnSpc>
-                <a:spcPct val="100000"/>
-              </a:lnSpc>
-              <a:spcBef>
-                <a:spcPct val="0"/>
-              </a:spcBef>
-              <a:spcAft>
-                <a:spcPct val="0"/>
-              </a:spcAft>
-              <a:buClrTx/>
-              <a:buSzTx/>
-              <a:buFontTx/>
-              <a:buNone/>
-              <a:tabLst/>
-            </a:pPr>
-            <a:endParaRPr kumimoji="0" lang="en-US" sz="2400" b="0" i="0" u="none" strike="noStrike" cap="none" normalizeH="0" baseline="0">
-              <a:ln>
-                <a:noFill/>
-              </a:ln>
-              <a:solidFill>
-                <a:schemeClr val="tx1"/>
-              </a:solidFill>
-              <a:effectLst/>
-              <a:latin typeface="Times" charset="0"/>
-            </a:endParaRPr>
-          </a:p>
-        </p:txBody>
-      </p:sp>
-      <p:sp>
-        <p:nvSpPr>
-          <p:cNvPr id="8" name="Rectangle 7">
-            <a:extLst>
-              <a:ext uri="{FF2B5EF4-FFF2-40B4-BE49-F238E27FC236}">
-                <a16:creationId xmlns:a16="http://schemas.microsoft.com/office/drawing/2014/main" id="{20E9BFBE-D7BB-6447-A5D5-392673CACBF7}"/>
+                <a16:creationId xmlns:a16="http://schemas.microsoft.com/office/drawing/2014/main" id="{8723FB8E-9E4D-114F-B722-FC84AE741ADC}"/>
               </a:ext>
             </a:extLst>
           </p:cNvPr>
@@ -10684,79 +10807,10 @@
           </a:p>
         </p:txBody>
       </p:sp>
-      <p:sp>
-        <p:nvSpPr>
-          <p:cNvPr id="10" name="Rectangle 9">
-            <a:extLst>
-              <a:ext uri="{FF2B5EF4-FFF2-40B4-BE49-F238E27FC236}">
-                <a16:creationId xmlns:a16="http://schemas.microsoft.com/office/drawing/2014/main" id="{5ABB478A-5FA1-8E48-A914-841ADA9699D4}"/>
-              </a:ext>
-            </a:extLst>
-          </p:cNvPr>
-          <p:cNvSpPr/>
-          <p:nvPr/>
-        </p:nvSpPr>
-        <p:spPr bwMode="auto">
-          <a:xfrm>
-            <a:off x="1691680" y="3103104"/>
-            <a:ext cx="5832648" cy="1910072"/>
-          </a:xfrm>
-          <a:prstGeom prst="rect">
-            <a:avLst/>
-          </a:prstGeom>
-          <a:solidFill>
-            <a:schemeClr val="tx1"/>
-          </a:solidFill>
-          <a:ln w="9525" cap="flat" cmpd="sng" algn="ctr">
-            <a:noFill/>
-            <a:prstDash val="solid"/>
-            <a:round/>
-            <a:headEnd type="none" w="med" len="med"/>
-            <a:tailEnd type="none" w="med" len="med"/>
-          </a:ln>
-          <a:effectLst/>
-        </p:spPr>
-        <p:txBody>
-          <a:bodyPr vert="horz" wrap="square" lIns="91440" tIns="45720" rIns="91440" bIns="45720" numCol="1" rtlCol="0" anchor="t" anchorCtr="0" compatLnSpc="1">
-            <a:prstTxWarp prst="textNoShape">
-              <a:avLst/>
-            </a:prstTxWarp>
-          </a:bodyPr>
-          <a:lstStyle/>
-          <a:p>
-            <a:pPr marL="0" marR="0" indent="0" algn="l" defTabSz="914400" rtl="0" eaLnBrk="0" fontAlgn="base" latinLnBrk="0" hangingPunct="0">
-              <a:lnSpc>
-                <a:spcPct val="100000"/>
-              </a:lnSpc>
-              <a:spcBef>
-                <a:spcPct val="0"/>
-              </a:spcBef>
-              <a:spcAft>
-                <a:spcPct val="0"/>
-              </a:spcAft>
-              <a:buClrTx/>
-              <a:buSzTx/>
-              <a:buFontTx/>
-              <a:buNone/>
-              <a:tabLst/>
-            </a:pPr>
-            <a:endParaRPr kumimoji="0" lang="en-US" sz="2400" b="0" i="0" u="none" strike="noStrike" cap="none" normalizeH="0" baseline="0">
-              <a:ln>
-                <a:noFill/>
-              </a:ln>
-              <a:solidFill>
-                <a:schemeClr val="tx1"/>
-              </a:solidFill>
-              <a:effectLst/>
-              <a:latin typeface="Times" charset="0"/>
-            </a:endParaRPr>
-          </a:p>
-        </p:txBody>
-      </p:sp>
     </p:spTree>
     <p:extLst>
       <p:ext uri="{BB962C8B-B14F-4D97-AF65-F5344CB8AC3E}">
-        <p14:creationId xmlns:p14="http://schemas.microsoft.com/office/powerpoint/2010/main" val="2536845651"/>
+        <p14:creationId xmlns:p14="http://schemas.microsoft.com/office/powerpoint/2010/main" val="551282637"/>
       </p:ext>
     </p:extLst>
   </p:cSld>
@@ -10932,79 +10986,10 @@
       </p:sp>
       <p:sp>
         <p:nvSpPr>
-          <p:cNvPr id="7" name="Rectangle 6">
-            <a:extLst>
-              <a:ext uri="{FF2B5EF4-FFF2-40B4-BE49-F238E27FC236}">
-                <a16:creationId xmlns:a16="http://schemas.microsoft.com/office/drawing/2014/main" id="{8D13399E-021D-CF4F-B0DA-3A17E6CCF104}"/>
-              </a:ext>
-            </a:extLst>
-          </p:cNvPr>
-          <p:cNvSpPr/>
-          <p:nvPr/>
-        </p:nvSpPr>
-        <p:spPr bwMode="auto">
-          <a:xfrm>
-            <a:off x="1691680" y="4797152"/>
-            <a:ext cx="5832648" cy="1512168"/>
-          </a:xfrm>
-          <a:prstGeom prst="rect">
-            <a:avLst/>
-          </a:prstGeom>
-          <a:solidFill>
-            <a:schemeClr val="tx1"/>
-          </a:solidFill>
-          <a:ln w="9525" cap="flat" cmpd="sng" algn="ctr">
-            <a:noFill/>
-            <a:prstDash val="solid"/>
-            <a:round/>
-            <a:headEnd type="none" w="med" len="med"/>
-            <a:tailEnd type="none" w="med" len="med"/>
-          </a:ln>
-          <a:effectLst/>
-        </p:spPr>
-        <p:txBody>
-          <a:bodyPr vert="horz" wrap="square" lIns="91440" tIns="45720" rIns="91440" bIns="45720" numCol="1" rtlCol="0" anchor="t" anchorCtr="0" compatLnSpc="1">
-            <a:prstTxWarp prst="textNoShape">
-              <a:avLst/>
-            </a:prstTxWarp>
-          </a:bodyPr>
-          <a:lstStyle/>
-          <a:p>
-            <a:pPr marL="0" marR="0" indent="0" algn="l" defTabSz="914400" rtl="0" eaLnBrk="0" fontAlgn="base" latinLnBrk="0" hangingPunct="0">
-              <a:lnSpc>
-                <a:spcPct val="100000"/>
-              </a:lnSpc>
-              <a:spcBef>
-                <a:spcPct val="0"/>
-              </a:spcBef>
-              <a:spcAft>
-                <a:spcPct val="0"/>
-              </a:spcAft>
-              <a:buClrTx/>
-              <a:buSzTx/>
-              <a:buFontTx/>
-              <a:buNone/>
-              <a:tabLst/>
-            </a:pPr>
-            <a:endParaRPr kumimoji="0" lang="en-US" sz="2400" b="0" i="0" u="none" strike="noStrike" cap="none" normalizeH="0" baseline="0">
-              <a:ln>
-                <a:noFill/>
-              </a:ln>
-              <a:solidFill>
-                <a:schemeClr val="tx1"/>
-              </a:solidFill>
-              <a:effectLst/>
-              <a:latin typeface="Times" charset="0"/>
-            </a:endParaRPr>
-          </a:p>
-        </p:txBody>
-      </p:sp>
-      <p:sp>
-        <p:nvSpPr>
           <p:cNvPr id="8" name="Rectangle 7">
             <a:extLst>
               <a:ext uri="{FF2B5EF4-FFF2-40B4-BE49-F238E27FC236}">
-                <a16:creationId xmlns:a16="http://schemas.microsoft.com/office/drawing/2014/main" id="{FFB36E6F-70BA-D64A-97BE-49D59FD6ED9A}"/>
+                <a16:creationId xmlns:a16="http://schemas.microsoft.com/office/drawing/2014/main" id="{683009F8-6D77-7249-B9E3-1AAF11F31C51}"/>
               </a:ext>
             </a:extLst>
           </p:cNvPr>
@@ -11073,7 +11058,7 @@
           <p:cNvPr id="10" name="Rectangle 9">
             <a:extLst>
               <a:ext uri="{FF2B5EF4-FFF2-40B4-BE49-F238E27FC236}">
-                <a16:creationId xmlns:a16="http://schemas.microsoft.com/office/drawing/2014/main" id="{8723FB8E-9E4D-114F-B722-FC84AE741ADC}"/>
+                <a16:creationId xmlns:a16="http://schemas.microsoft.com/office/drawing/2014/main" id="{6DED73EA-90F6-6846-A8C5-B91ACFF1FE09}"/>
               </a:ext>
             </a:extLst>
           </p:cNvPr>
@@ -11140,7 +11125,7 @@
     </p:spTree>
     <p:extLst>
       <p:ext uri="{BB962C8B-B14F-4D97-AF65-F5344CB8AC3E}">
-        <p14:creationId xmlns:p14="http://schemas.microsoft.com/office/powerpoint/2010/main" val="551282637"/>
+        <p14:creationId xmlns:p14="http://schemas.microsoft.com/office/powerpoint/2010/main" val="4212154858"/>
       </p:ext>
     </p:extLst>
   </p:cSld>
@@ -11151,321 +11136,6 @@
 </file>
 
 <file path=ppt/slides/slide22.xml><?xml version="1.0" encoding="utf-8"?>
-<p:sld xmlns:a="http://schemas.openxmlformats.org/drawingml/2006/main" xmlns:r="http://schemas.openxmlformats.org/officeDocument/2006/relationships" xmlns:p="http://schemas.openxmlformats.org/presentationml/2006/main">
-  <p:cSld>
-    <p:spTree>
-      <p:nvGrpSpPr>
-        <p:cNvPr id="1" name=""/>
-        <p:cNvGrpSpPr/>
-        <p:nvPr/>
-      </p:nvGrpSpPr>
-      <p:grpSpPr>
-        <a:xfrm>
-          <a:off x="0" y="0"/>
-          <a:ext cx="0" cy="0"/>
-          <a:chOff x="0" y="0"/>
-          <a:chExt cx="0" cy="0"/>
-        </a:xfrm>
-      </p:grpSpPr>
-      <p:sp>
-        <p:nvSpPr>
-          <p:cNvPr id="9" name="Rectangle 2"/>
-          <p:cNvSpPr>
-            <a:spLocks noGrp="1" noChangeArrowheads="1"/>
-          </p:cNvSpPr>
-          <p:nvPr>
-            <p:ph type="ctrTitle"/>
-          </p:nvPr>
-        </p:nvSpPr>
-        <p:spPr>
-          <a:xfrm>
-            <a:off x="323528" y="-171400"/>
-            <a:ext cx="8568952" cy="1535832"/>
-          </a:xfrm>
-        </p:spPr>
-        <p:txBody>
-          <a:bodyPr/>
-          <a:lstStyle/>
-          <a:p>
-            <a:pPr algn="l" eaLnBrk="1" hangingPunct="1"/>
-            <a:r>
-              <a:rPr lang="en-US" sz="3200" b="1" dirty="0"/>
-              <a:t>A5QC / SSPACE ‘Finishing’</a:t>
-            </a:r>
-            <a:endParaRPr lang="en-US" sz="3200" dirty="0"/>
-          </a:p>
-        </p:txBody>
-      </p:sp>
-      <p:sp>
-        <p:nvSpPr>
-          <p:cNvPr id="5" name="TextBox 4"/>
-          <p:cNvSpPr txBox="1"/>
-          <p:nvPr/>
-        </p:nvSpPr>
-        <p:spPr>
-          <a:xfrm>
-            <a:off x="1619672" y="6381328"/>
-            <a:ext cx="4968552" cy="307777"/>
-          </a:xfrm>
-          <a:prstGeom prst="rect">
-            <a:avLst/>
-          </a:prstGeom>
-          <a:noFill/>
-          <a:ln>
-            <a:noFill/>
-          </a:ln>
-        </p:spPr>
-        <p:txBody>
-          <a:bodyPr wrap="square" rtlCol="0">
-            <a:spAutoFit/>
-          </a:bodyPr>
-          <a:lstStyle/>
-          <a:p>
-            <a:r>
-              <a:rPr lang="en-US" sz="1400" dirty="0" err="1"/>
-              <a:t>Tritt</a:t>
-            </a:r>
-            <a:r>
-              <a:rPr lang="en-US" sz="1400" dirty="0"/>
-              <a:t> </a:t>
-            </a:r>
-            <a:r>
-              <a:rPr lang="en-US" sz="1400" i="1" dirty="0"/>
-              <a:t>et al</a:t>
-            </a:r>
-            <a:r>
-              <a:rPr lang="en-US" sz="1400" dirty="0"/>
-              <a:t>. 2012. </a:t>
-            </a:r>
-            <a:r>
-              <a:rPr lang="en-US" sz="1400" i="1" dirty="0" err="1"/>
-              <a:t>PLoS</a:t>
-            </a:r>
-            <a:r>
-              <a:rPr lang="en-US" sz="1400" i="1" dirty="0"/>
-              <a:t> One</a:t>
-            </a:r>
-            <a:r>
-              <a:rPr lang="en-US" sz="1400" dirty="0"/>
-              <a:t>. 7:e42304.</a:t>
-            </a:r>
-          </a:p>
-        </p:txBody>
-      </p:sp>
-      <p:pic>
-        <p:nvPicPr>
-          <p:cNvPr id="4" name="Picture 3" descr="A5QC.tiff"/>
-          <p:cNvPicPr>
-            <a:picLocks noChangeAspect="1"/>
-          </p:cNvPicPr>
-          <p:nvPr/>
-        </p:nvPicPr>
-        <p:blipFill>
-          <a:blip r:embed="rId3">
-            <a:extLst>
-              <a:ext uri="{28A0092B-C50C-407E-A947-70E740481C1C}">
-                <a14:useLocalDpi xmlns:a14="http://schemas.microsoft.com/office/drawing/2010/main" val="0"/>
-              </a:ext>
-            </a:extLst>
-          </a:blip>
-          <a:stretch>
-            <a:fillRect/>
-          </a:stretch>
-        </p:blipFill>
-        <p:spPr>
-          <a:xfrm>
-            <a:off x="1619672" y="1052736"/>
-            <a:ext cx="5934188" cy="5301208"/>
-          </a:xfrm>
-          <a:prstGeom prst="rect">
-            <a:avLst/>
-          </a:prstGeom>
-        </p:spPr>
-      </p:pic>
-      <p:sp>
-        <p:nvSpPr>
-          <p:cNvPr id="6" name="TextBox 5"/>
-          <p:cNvSpPr txBox="1"/>
-          <p:nvPr/>
-        </p:nvSpPr>
-        <p:spPr>
-          <a:xfrm>
-            <a:off x="11196" y="1916832"/>
-            <a:ext cx="1691680" cy="738664"/>
-          </a:xfrm>
-          <a:prstGeom prst="rect">
-            <a:avLst/>
-          </a:prstGeom>
-          <a:noFill/>
-          <a:ln>
-            <a:noFill/>
-          </a:ln>
-        </p:spPr>
-        <p:txBody>
-          <a:bodyPr wrap="square" rtlCol="0">
-            <a:spAutoFit/>
-          </a:bodyPr>
-          <a:lstStyle/>
-          <a:p>
-            <a:r>
-              <a:rPr lang="en-US" sz="1400" dirty="0"/>
-              <a:t>library size estimation; bad mate-pair geometry</a:t>
-            </a:r>
-          </a:p>
-        </p:txBody>
-      </p:sp>
-      <p:sp>
-        <p:nvSpPr>
-          <p:cNvPr id="8" name="Rectangle 7">
-            <a:extLst>
-              <a:ext uri="{FF2B5EF4-FFF2-40B4-BE49-F238E27FC236}">
-                <a16:creationId xmlns:a16="http://schemas.microsoft.com/office/drawing/2014/main" id="{683009F8-6D77-7249-B9E3-1AAF11F31C51}"/>
-              </a:ext>
-            </a:extLst>
-          </p:cNvPr>
-          <p:cNvSpPr/>
-          <p:nvPr/>
-        </p:nvSpPr>
-        <p:spPr bwMode="auto">
-          <a:xfrm>
-            <a:off x="4644008" y="1073263"/>
-            <a:ext cx="2808312" cy="555537"/>
-          </a:xfrm>
-          <a:prstGeom prst="rect">
-            <a:avLst/>
-          </a:prstGeom>
-          <a:solidFill>
-            <a:schemeClr val="tx1"/>
-          </a:solidFill>
-          <a:ln w="9525" cap="flat" cmpd="sng" algn="ctr">
-            <a:noFill/>
-            <a:prstDash val="solid"/>
-            <a:round/>
-            <a:headEnd type="none" w="med" len="med"/>
-            <a:tailEnd type="none" w="med" len="med"/>
-          </a:ln>
-          <a:effectLst/>
-        </p:spPr>
-        <p:txBody>
-          <a:bodyPr vert="horz" wrap="square" lIns="91440" tIns="45720" rIns="91440" bIns="45720" numCol="1" rtlCol="0" anchor="t" anchorCtr="0" compatLnSpc="1">
-            <a:prstTxWarp prst="textNoShape">
-              <a:avLst/>
-            </a:prstTxWarp>
-          </a:bodyPr>
-          <a:lstStyle/>
-          <a:p>
-            <a:pPr marL="0" marR="0" indent="0" algn="l" defTabSz="914400" rtl="0" eaLnBrk="0" fontAlgn="base" latinLnBrk="0" hangingPunct="0">
-              <a:lnSpc>
-                <a:spcPct val="100000"/>
-              </a:lnSpc>
-              <a:spcBef>
-                <a:spcPct val="0"/>
-              </a:spcBef>
-              <a:spcAft>
-                <a:spcPct val="0"/>
-              </a:spcAft>
-              <a:buClrTx/>
-              <a:buSzTx/>
-              <a:buFontTx/>
-              <a:buNone/>
-              <a:tabLst/>
-            </a:pPr>
-            <a:endParaRPr kumimoji="0" lang="en-US" sz="2400" b="0" i="0" u="none" strike="noStrike" cap="none" normalizeH="0" baseline="0">
-              <a:ln>
-                <a:noFill/>
-              </a:ln>
-              <a:solidFill>
-                <a:schemeClr val="tx1"/>
-              </a:solidFill>
-              <a:effectLst/>
-              <a:latin typeface="Times" charset="0"/>
-            </a:endParaRPr>
-          </a:p>
-        </p:txBody>
-      </p:sp>
-      <p:sp>
-        <p:nvSpPr>
-          <p:cNvPr id="10" name="Rectangle 9">
-            <a:extLst>
-              <a:ext uri="{FF2B5EF4-FFF2-40B4-BE49-F238E27FC236}">
-                <a16:creationId xmlns:a16="http://schemas.microsoft.com/office/drawing/2014/main" id="{6DED73EA-90F6-6846-A8C5-B91ACFF1FE09}"/>
-              </a:ext>
-            </a:extLst>
-          </p:cNvPr>
-          <p:cNvSpPr/>
-          <p:nvPr/>
-        </p:nvSpPr>
-        <p:spPr bwMode="auto">
-          <a:xfrm>
-            <a:off x="5349322" y="1289287"/>
-            <a:ext cx="2175006" cy="555537"/>
-          </a:xfrm>
-          <a:prstGeom prst="rect">
-            <a:avLst/>
-          </a:prstGeom>
-          <a:solidFill>
-            <a:schemeClr val="tx1"/>
-          </a:solidFill>
-          <a:ln w="9525" cap="flat" cmpd="sng" algn="ctr">
-            <a:noFill/>
-            <a:prstDash val="solid"/>
-            <a:round/>
-            <a:headEnd type="none" w="med" len="med"/>
-            <a:tailEnd type="none" w="med" len="med"/>
-          </a:ln>
-          <a:effectLst/>
-        </p:spPr>
-        <p:txBody>
-          <a:bodyPr vert="horz" wrap="square" lIns="91440" tIns="45720" rIns="91440" bIns="45720" numCol="1" rtlCol="0" anchor="t" anchorCtr="0" compatLnSpc="1">
-            <a:prstTxWarp prst="textNoShape">
-              <a:avLst/>
-            </a:prstTxWarp>
-          </a:bodyPr>
-          <a:lstStyle/>
-          <a:p>
-            <a:pPr marL="0" marR="0" indent="0" algn="l" defTabSz="914400" rtl="0" eaLnBrk="0" fontAlgn="base" latinLnBrk="0" hangingPunct="0">
-              <a:lnSpc>
-                <a:spcPct val="100000"/>
-              </a:lnSpc>
-              <a:spcBef>
-                <a:spcPct val="0"/>
-              </a:spcBef>
-              <a:spcAft>
-                <a:spcPct val="0"/>
-              </a:spcAft>
-              <a:buClrTx/>
-              <a:buSzTx/>
-              <a:buFontTx/>
-              <a:buNone/>
-              <a:tabLst/>
-            </a:pPr>
-            <a:endParaRPr kumimoji="0" lang="en-US" sz="2400" b="0" i="0" u="none" strike="noStrike" cap="none" normalizeH="0" baseline="0">
-              <a:ln>
-                <a:noFill/>
-              </a:ln>
-              <a:solidFill>
-                <a:schemeClr val="tx1"/>
-              </a:solidFill>
-              <a:effectLst/>
-              <a:latin typeface="Times" charset="0"/>
-            </a:endParaRPr>
-          </a:p>
-        </p:txBody>
-      </p:sp>
-    </p:spTree>
-    <p:extLst>
-      <p:ext uri="{BB962C8B-B14F-4D97-AF65-F5344CB8AC3E}">
-        <p14:creationId xmlns:p14="http://schemas.microsoft.com/office/powerpoint/2010/main" val="4212154858"/>
-      </p:ext>
-    </p:extLst>
-  </p:cSld>
-  <p:clrMapOvr>
-    <a:masterClrMapping/>
-  </p:clrMapOvr>
-</p:sld>
-</file>
-
-<file path=ppt/slides/slide23.xml><?xml version="1.0" encoding="utf-8"?>
 <p:sld xmlns:a="http://schemas.openxmlformats.org/drawingml/2006/main" xmlns:r="http://schemas.openxmlformats.org/officeDocument/2006/relationships" xmlns:p="http://schemas.openxmlformats.org/presentationml/2006/main">
   <p:cSld>
     <p:spTree>
@@ -11882,70 +11552,7 @@
 </p:sld>
 </file>
 
-<file path=ppt/slides/slide24.xml><?xml version="1.0" encoding="utf-8"?>
-<p:sld xmlns:a="http://schemas.openxmlformats.org/drawingml/2006/main" xmlns:r="http://schemas.openxmlformats.org/officeDocument/2006/relationships" xmlns:p="http://schemas.openxmlformats.org/presentationml/2006/main">
-  <p:cSld>
-    <p:spTree>
-      <p:nvGrpSpPr>
-        <p:cNvPr id="1" name=""/>
-        <p:cNvGrpSpPr/>
-        <p:nvPr/>
-      </p:nvGrpSpPr>
-      <p:grpSpPr>
-        <a:xfrm>
-          <a:off x="0" y="0"/>
-          <a:ext cx="0" cy="0"/>
-          <a:chOff x="0" y="0"/>
-          <a:chExt cx="0" cy="0"/>
-        </a:xfrm>
-      </p:grpSpPr>
-      <p:pic>
-        <p:nvPicPr>
-          <p:cNvPr id="7" name="Picture 6" descr="A close up of a logo&#10;&#10;Description automatically generated">
-            <a:extLst>
-              <a:ext uri="{FF2B5EF4-FFF2-40B4-BE49-F238E27FC236}">
-                <a16:creationId xmlns:a16="http://schemas.microsoft.com/office/drawing/2014/main" id="{7672D352-A5F2-2E43-BD34-2270507C4F2A}"/>
-              </a:ext>
-            </a:extLst>
-          </p:cNvPr>
-          <p:cNvPicPr>
-            <a:picLocks noChangeAspect="1"/>
-          </p:cNvPicPr>
-          <p:nvPr/>
-        </p:nvPicPr>
-        <p:blipFill>
-          <a:blip r:embed="rId3"/>
-          <a:stretch>
-            <a:fillRect/>
-          </a:stretch>
-        </p:blipFill>
-        <p:spPr>
-          <a:xfrm>
-            <a:off x="3302000" y="2159000"/>
-            <a:ext cx="2540000" cy="2540000"/>
-          </a:xfrm>
-          <a:prstGeom prst="rect">
-            <a:avLst/>
-          </a:prstGeom>
-          <a:solidFill>
-            <a:schemeClr val="tx1"/>
-          </a:solidFill>
-        </p:spPr>
-      </p:pic>
-    </p:spTree>
-    <p:extLst>
-      <p:ext uri="{BB962C8B-B14F-4D97-AF65-F5344CB8AC3E}">
-        <p14:creationId xmlns:p14="http://schemas.microsoft.com/office/powerpoint/2010/main" val="3134965399"/>
-      </p:ext>
-    </p:extLst>
-  </p:cSld>
-  <p:clrMapOvr>
-    <a:masterClrMapping/>
-  </p:clrMapOvr>
-</p:sld>
-</file>
-
-<file path=ppt/slides/slide25.xml><?xml version="1.0" encoding="utf-8"?>
+<file path=ppt/slides/slide23.xml><?xml version="1.0" encoding="utf-8"?>
 <p:sld xmlns:a="http://schemas.openxmlformats.org/drawingml/2006/main" xmlns:r="http://schemas.openxmlformats.org/officeDocument/2006/relationships" xmlns:p="http://schemas.openxmlformats.org/presentationml/2006/main">
   <p:cSld>
     <p:spTree>
@@ -12300,7 +11907,7 @@
 </p:sld>
 </file>
 
-<file path=ppt/slides/slide26.xml><?xml version="1.0" encoding="utf-8"?>
+<file path=ppt/slides/slide24.xml><?xml version="1.0" encoding="utf-8"?>
 <p:sld xmlns:a="http://schemas.openxmlformats.org/drawingml/2006/main" xmlns:r="http://schemas.openxmlformats.org/officeDocument/2006/relationships" xmlns:p="http://schemas.openxmlformats.org/presentationml/2006/main">
   <p:cSld>
     <p:spTree>
@@ -12551,7 +12158,7 @@
 </p:sld>
 </file>
 
-<file path=ppt/slides/slide27.xml><?xml version="1.0" encoding="utf-8"?>
+<file path=ppt/slides/slide25.xml><?xml version="1.0" encoding="utf-8"?>
 <p:sld xmlns:a="http://schemas.openxmlformats.org/drawingml/2006/main" xmlns:r="http://schemas.openxmlformats.org/officeDocument/2006/relationships" xmlns:p="http://schemas.openxmlformats.org/presentationml/2006/main">
   <p:cSld>
     <p:spTree>
@@ -12934,7 +12541,7 @@
 </p:sld>
 </file>
 
-<file path=ppt/slides/slide28.xml><?xml version="1.0" encoding="utf-8"?>
+<file path=ppt/slides/slide26.xml><?xml version="1.0" encoding="utf-8"?>
 <p:sld xmlns:a="http://schemas.openxmlformats.org/drawingml/2006/main" xmlns:r="http://schemas.openxmlformats.org/officeDocument/2006/relationships" xmlns:p="http://schemas.openxmlformats.org/presentationml/2006/main">
   <p:cSld>
     <p:spTree>
@@ -13248,6 +12855,545 @@
     <p:extLst>
       <p:ext uri="{BB962C8B-B14F-4D97-AF65-F5344CB8AC3E}">
         <p14:creationId xmlns:p14="http://schemas.microsoft.com/office/powerpoint/2010/main" val="2521460527"/>
+      </p:ext>
+    </p:extLst>
+  </p:cSld>
+  <p:clrMapOvr>
+    <a:masterClrMapping/>
+  </p:clrMapOvr>
+</p:sld>
+</file>
+
+<file path=ppt/slides/slide27.xml><?xml version="1.0" encoding="utf-8"?>
+<p:sld xmlns:a="http://schemas.openxmlformats.org/drawingml/2006/main" xmlns:r="http://schemas.openxmlformats.org/officeDocument/2006/relationships" xmlns:p="http://schemas.openxmlformats.org/presentationml/2006/main">
+  <p:cSld>
+    <p:spTree>
+      <p:nvGrpSpPr>
+        <p:cNvPr id="1" name=""/>
+        <p:cNvGrpSpPr/>
+        <p:nvPr/>
+      </p:nvGrpSpPr>
+      <p:grpSpPr>
+        <a:xfrm>
+          <a:off x="0" y="0"/>
+          <a:ext cx="0" cy="0"/>
+          <a:chOff x="0" y="0"/>
+          <a:chExt cx="0" cy="0"/>
+        </a:xfrm>
+      </p:grpSpPr>
+      <p:sp>
+        <p:nvSpPr>
+          <p:cNvPr id="9" name="Rectangle 2"/>
+          <p:cNvSpPr>
+            <a:spLocks noGrp="1" noChangeArrowheads="1"/>
+          </p:cNvSpPr>
+          <p:nvPr>
+            <p:ph type="ctrTitle"/>
+          </p:nvPr>
+        </p:nvSpPr>
+        <p:spPr>
+          <a:xfrm>
+            <a:off x="323528" y="-171400"/>
+            <a:ext cx="8568952" cy="1535832"/>
+          </a:xfrm>
+        </p:spPr>
+        <p:txBody>
+          <a:bodyPr/>
+          <a:lstStyle/>
+          <a:p>
+            <a:pPr algn="l" eaLnBrk="1" hangingPunct="1"/>
+            <a:r>
+              <a:rPr lang="en-US" sz="3200" b="1" dirty="0" err="1"/>
+              <a:t>kmers</a:t>
+            </a:r>
+            <a:r>
+              <a:rPr lang="en-US" sz="3200" b="1" dirty="0"/>
+              <a:t>, de </a:t>
+            </a:r>
+            <a:r>
+              <a:rPr lang="en-US" sz="3200" b="1" dirty="0" err="1"/>
+              <a:t>Bruijn</a:t>
+            </a:r>
+            <a:r>
+              <a:rPr lang="en-US" sz="3200" b="1" dirty="0"/>
+              <a:t> graphs, </a:t>
+            </a:r>
+            <a:r>
+              <a:rPr lang="en-US" sz="3200" b="1" dirty="0" err="1"/>
+              <a:t>Eulerian</a:t>
+            </a:r>
+            <a:r>
+              <a:rPr lang="en-US" sz="3200" b="1" dirty="0"/>
+              <a:t> paths</a:t>
+            </a:r>
+            <a:endParaRPr lang="en-US" sz="3200" dirty="0"/>
+          </a:p>
+        </p:txBody>
+      </p:sp>
+      <p:sp>
+        <p:nvSpPr>
+          <p:cNvPr id="6" name="TextBox 5"/>
+          <p:cNvSpPr txBox="1"/>
+          <p:nvPr/>
+        </p:nvSpPr>
+        <p:spPr>
+          <a:xfrm>
+            <a:off x="251520" y="1052736"/>
+            <a:ext cx="4104456" cy="5355312"/>
+          </a:xfrm>
+          <a:prstGeom prst="rect">
+            <a:avLst/>
+          </a:prstGeom>
+          <a:noFill/>
+          <a:ln>
+            <a:noFill/>
+          </a:ln>
+        </p:spPr>
+        <p:txBody>
+          <a:bodyPr wrap="square" rtlCol="0">
+            <a:spAutoFit/>
+          </a:bodyPr>
+          <a:lstStyle/>
+          <a:p>
+            <a:pPr marL="342900" indent="-342900">
+              <a:buFont typeface="Arial"/>
+              <a:buChar char="•"/>
+            </a:pPr>
+            <a:r>
+              <a:rPr lang="en-US" sz="1800" dirty="0"/>
+              <a:t>Sequencing error creates ‘novel’ k-</a:t>
+            </a:r>
+            <a:r>
+              <a:rPr lang="en-US" sz="1800" dirty="0" err="1"/>
+              <a:t>mers</a:t>
+            </a:r>
+            <a:r>
+              <a:rPr lang="en-US" sz="1800" dirty="0"/>
+              <a:t> and complicates the </a:t>
+            </a:r>
+            <a:r>
+              <a:rPr lang="en-US" sz="1800" dirty="0" err="1"/>
+              <a:t>deBruijn</a:t>
+            </a:r>
+            <a:r>
+              <a:rPr lang="en-US" sz="1800" dirty="0"/>
+              <a:t> graph </a:t>
+            </a:r>
+            <a:r>
+              <a:rPr lang="mr-IN" sz="1800" dirty="0"/>
+              <a:t>–</a:t>
+            </a:r>
+            <a:r>
+              <a:rPr lang="en-US" sz="1800" dirty="0"/>
+              <a:t> </a:t>
+            </a:r>
+            <a:r>
+              <a:rPr lang="en-US" sz="1800" b="1" dirty="0"/>
+              <a:t>genome assembly is thus always preceded by an error trimming &amp; correction step</a:t>
+            </a:r>
+          </a:p>
+          <a:p>
+            <a:pPr marL="342900" indent="-342900">
+              <a:buFont typeface="Arial"/>
+              <a:buChar char="•"/>
+            </a:pPr>
+            <a:endParaRPr lang="en-US" sz="1800" dirty="0"/>
+          </a:p>
+          <a:p>
+            <a:pPr marL="342900" indent="-342900">
+              <a:buFont typeface="Arial"/>
+              <a:buChar char="•"/>
+            </a:pPr>
+            <a:r>
+              <a:rPr lang="en-US" sz="1800" dirty="0"/>
+              <a:t>The product of k-</a:t>
+            </a:r>
+            <a:r>
+              <a:rPr lang="en-US" sz="1800" dirty="0" err="1"/>
+              <a:t>mer</a:t>
+            </a:r>
+            <a:r>
+              <a:rPr lang="en-US" sz="1800" dirty="0"/>
+              <a:t> assembly is a robust set of contigs, but what k-</a:t>
+            </a:r>
+            <a:r>
+              <a:rPr lang="en-US" sz="1800" dirty="0" err="1"/>
+              <a:t>mer</a:t>
+            </a:r>
+            <a:r>
+              <a:rPr lang="en-US" sz="1800" dirty="0"/>
+              <a:t> size to use?</a:t>
+            </a:r>
+          </a:p>
+          <a:p>
+            <a:pPr marL="800100" lvl="1" indent="-342900">
+              <a:buFont typeface="Arial"/>
+              <a:buChar char="•"/>
+            </a:pPr>
+            <a:r>
+              <a:rPr lang="en-US" sz="1800" dirty="0"/>
+              <a:t>Shorter </a:t>
+            </a:r>
+            <a:r>
+              <a:rPr lang="mr-IN" sz="1800" dirty="0"/>
+              <a:t>–</a:t>
+            </a:r>
+            <a:r>
+              <a:rPr lang="en-US" sz="1800" dirty="0"/>
+              <a:t> less memory, more complex </a:t>
+            </a:r>
+            <a:r>
+              <a:rPr lang="en-US" sz="1800" dirty="0" err="1"/>
+              <a:t>deBruijn</a:t>
+            </a:r>
+            <a:r>
+              <a:rPr lang="en-US" sz="1800" dirty="0"/>
+              <a:t> graph, difficulty with small tandem repeats</a:t>
+            </a:r>
+          </a:p>
+          <a:p>
+            <a:pPr marL="800100" lvl="1" indent="-342900">
+              <a:buFont typeface="Arial"/>
+              <a:buChar char="•"/>
+            </a:pPr>
+            <a:r>
+              <a:rPr lang="en-US" sz="1800" dirty="0"/>
+              <a:t>Longer </a:t>
+            </a:r>
+            <a:r>
+              <a:rPr lang="mr-IN" sz="1800" dirty="0"/>
+              <a:t>–</a:t>
+            </a:r>
+            <a:r>
+              <a:rPr lang="en-US" sz="1800" dirty="0"/>
+              <a:t> more memory, simpler </a:t>
+            </a:r>
+            <a:r>
+              <a:rPr lang="en-US" sz="1800" dirty="0" err="1"/>
+              <a:t>deBruijn</a:t>
+            </a:r>
+            <a:r>
+              <a:rPr lang="en-US" sz="1800" dirty="0"/>
+              <a:t> graph, overcome small repeats,  upper maximum due to sequencing gaps, error filtering critical</a:t>
+            </a:r>
+          </a:p>
+          <a:p>
+            <a:pPr marL="342900" indent="-342900">
+              <a:buFont typeface="Arial"/>
+              <a:buChar char="•"/>
+            </a:pPr>
+            <a:endParaRPr lang="en-US" sz="1800" dirty="0"/>
+          </a:p>
+        </p:txBody>
+      </p:sp>
+      <p:pic>
+        <p:nvPicPr>
+          <p:cNvPr id="3" name="Picture 2" descr="kmer.tiff"/>
+          <p:cNvPicPr>
+            <a:picLocks noChangeAspect="1"/>
+          </p:cNvPicPr>
+          <p:nvPr/>
+        </p:nvPicPr>
+        <p:blipFill>
+          <a:blip r:embed="rId3">
+            <a:extLst>
+              <a:ext uri="{28A0092B-C50C-407E-A947-70E740481C1C}">
+                <a14:useLocalDpi xmlns:a14="http://schemas.microsoft.com/office/drawing/2010/main" val="0"/>
+              </a:ext>
+            </a:extLst>
+          </a:blip>
+          <a:stretch>
+            <a:fillRect/>
+          </a:stretch>
+        </p:blipFill>
+        <p:spPr>
+          <a:xfrm>
+            <a:off x="4427983" y="1340768"/>
+            <a:ext cx="4336869" cy="5256584"/>
+          </a:xfrm>
+          <a:prstGeom prst="rect">
+            <a:avLst/>
+          </a:prstGeom>
+        </p:spPr>
+      </p:pic>
+    </p:spTree>
+    <p:extLst>
+      <p:ext uri="{BB962C8B-B14F-4D97-AF65-F5344CB8AC3E}">
+        <p14:creationId xmlns:p14="http://schemas.microsoft.com/office/powerpoint/2010/main" val="2731371931"/>
+      </p:ext>
+    </p:extLst>
+  </p:cSld>
+  <p:clrMapOvr>
+    <a:masterClrMapping/>
+  </p:clrMapOvr>
+</p:sld>
+</file>
+
+<file path=ppt/slides/slide28.xml><?xml version="1.0" encoding="utf-8"?>
+<p:sld xmlns:a="http://schemas.openxmlformats.org/drawingml/2006/main" xmlns:r="http://schemas.openxmlformats.org/officeDocument/2006/relationships" xmlns:p="http://schemas.openxmlformats.org/presentationml/2006/main">
+  <p:cSld>
+    <p:spTree>
+      <p:nvGrpSpPr>
+        <p:cNvPr id="1" name=""/>
+        <p:cNvGrpSpPr/>
+        <p:nvPr/>
+      </p:nvGrpSpPr>
+      <p:grpSpPr>
+        <a:xfrm>
+          <a:off x="0" y="0"/>
+          <a:ext cx="0" cy="0"/>
+          <a:chOff x="0" y="0"/>
+          <a:chExt cx="0" cy="0"/>
+        </a:xfrm>
+      </p:grpSpPr>
+      <p:sp>
+        <p:nvSpPr>
+          <p:cNvPr id="9" name="Rectangle 2"/>
+          <p:cNvSpPr>
+            <a:spLocks noGrp="1" noChangeArrowheads="1"/>
+          </p:cNvSpPr>
+          <p:nvPr>
+            <p:ph type="ctrTitle"/>
+          </p:nvPr>
+        </p:nvSpPr>
+        <p:spPr>
+          <a:xfrm>
+            <a:off x="323528" y="-171400"/>
+            <a:ext cx="8568952" cy="1535832"/>
+          </a:xfrm>
+        </p:spPr>
+        <p:txBody>
+          <a:bodyPr/>
+          <a:lstStyle/>
+          <a:p>
+            <a:pPr algn="l" eaLnBrk="1" hangingPunct="1"/>
+            <a:r>
+              <a:rPr lang="en-US" sz="3200" b="1" dirty="0" err="1"/>
+              <a:t>kmers</a:t>
+            </a:r>
+            <a:r>
+              <a:rPr lang="en-US" sz="3200" b="1" dirty="0"/>
+              <a:t>, de </a:t>
+            </a:r>
+            <a:r>
+              <a:rPr lang="en-US" sz="3200" b="1" dirty="0" err="1"/>
+              <a:t>Bruijn</a:t>
+            </a:r>
+            <a:r>
+              <a:rPr lang="en-US" sz="3200" b="1" dirty="0"/>
+              <a:t> graphs, </a:t>
+            </a:r>
+            <a:r>
+              <a:rPr lang="en-US" sz="3200" b="1" dirty="0" err="1"/>
+              <a:t>Eulerian</a:t>
+            </a:r>
+            <a:r>
+              <a:rPr lang="en-US" sz="3200" b="1" dirty="0"/>
+              <a:t> paths</a:t>
+            </a:r>
+            <a:endParaRPr lang="en-US" sz="3200" dirty="0"/>
+          </a:p>
+        </p:txBody>
+      </p:sp>
+      <p:sp>
+        <p:nvSpPr>
+          <p:cNvPr id="6" name="TextBox 5"/>
+          <p:cNvSpPr txBox="1"/>
+          <p:nvPr/>
+        </p:nvSpPr>
+        <p:spPr>
+          <a:xfrm>
+            <a:off x="251520" y="1052736"/>
+            <a:ext cx="4104456" cy="4801315"/>
+          </a:xfrm>
+          <a:prstGeom prst="rect">
+            <a:avLst/>
+          </a:prstGeom>
+          <a:noFill/>
+          <a:ln>
+            <a:noFill/>
+          </a:ln>
+        </p:spPr>
+        <p:txBody>
+          <a:bodyPr wrap="square" rtlCol="0">
+            <a:spAutoFit/>
+          </a:bodyPr>
+          <a:lstStyle/>
+          <a:p>
+            <a:pPr marL="342900" indent="-342900">
+              <a:buFont typeface="Arial"/>
+              <a:buChar char="•"/>
+            </a:pPr>
+            <a:r>
+              <a:rPr lang="en-US" sz="1800" dirty="0"/>
+              <a:t>K-</a:t>
+            </a:r>
+            <a:r>
+              <a:rPr lang="en-US" sz="1800" dirty="0" err="1"/>
+              <a:t>mer</a:t>
+            </a:r>
+            <a:r>
+              <a:rPr lang="en-US" sz="1800" dirty="0"/>
+              <a:t> assembly produces ‘</a:t>
+            </a:r>
+            <a:r>
+              <a:rPr lang="en-US" sz="1800" dirty="0" err="1"/>
+              <a:t>contigs</a:t>
+            </a:r>
+            <a:r>
+              <a:rPr lang="en-US" sz="1800" dirty="0"/>
+              <a:t>’ </a:t>
+            </a:r>
+            <a:r>
+              <a:rPr lang="mr-IN" sz="1800" dirty="0"/>
+              <a:t>–</a:t>
+            </a:r>
+            <a:r>
+              <a:rPr lang="en-US" sz="1800" dirty="0"/>
+              <a:t> stretches of consensus sequences</a:t>
+            </a:r>
+          </a:p>
+          <a:p>
+            <a:pPr marL="342900" indent="-342900">
+              <a:buFont typeface="Arial"/>
+              <a:buChar char="•"/>
+            </a:pPr>
+            <a:endParaRPr lang="en-US" sz="1800" dirty="0"/>
+          </a:p>
+          <a:p>
+            <a:pPr marL="342900" indent="-342900">
+              <a:buFont typeface="Arial"/>
+              <a:buChar char="•"/>
+            </a:pPr>
+            <a:r>
+              <a:rPr lang="en-US" sz="1800" dirty="0"/>
+              <a:t>More read coverage leads to denser </a:t>
+            </a:r>
+            <a:r>
+              <a:rPr lang="en-US" sz="1800" dirty="0" err="1"/>
+              <a:t>deBruijn</a:t>
+            </a:r>
+            <a:r>
+              <a:rPr lang="en-US" sz="1800" dirty="0"/>
+              <a:t> graphs, fewer &amp; bigger </a:t>
+            </a:r>
+            <a:r>
+              <a:rPr lang="en-US" sz="1800" dirty="0" err="1"/>
+              <a:t>contigs</a:t>
+            </a:r>
+            <a:r>
+              <a:rPr lang="en-US" sz="1800" dirty="0"/>
+              <a:t>, less assembly gaps</a:t>
+            </a:r>
+          </a:p>
+          <a:p>
+            <a:pPr marL="342900" indent="-342900">
+              <a:buFont typeface="Arial"/>
+              <a:buChar char="•"/>
+            </a:pPr>
+            <a:endParaRPr lang="en-US" sz="1800" dirty="0"/>
+          </a:p>
+          <a:p>
+            <a:pPr marL="342900" indent="-342900">
+              <a:buFont typeface="Arial"/>
+              <a:buChar char="•"/>
+            </a:pPr>
+            <a:r>
+              <a:rPr lang="en-US" sz="1800" dirty="0"/>
+              <a:t>Mate-pair information can then be used to determine scaffolds </a:t>
+            </a:r>
+            <a:r>
+              <a:rPr lang="mr-IN" sz="1800" dirty="0"/>
+              <a:t>–</a:t>
+            </a:r>
+            <a:r>
+              <a:rPr lang="en-US" sz="1800" dirty="0"/>
+              <a:t> the order of </a:t>
+            </a:r>
+            <a:r>
+              <a:rPr lang="en-US" sz="1800" dirty="0" err="1"/>
+              <a:t>contigs</a:t>
+            </a:r>
+            <a:r>
+              <a:rPr lang="en-US" sz="1800" dirty="0"/>
+              <a:t> along the genome</a:t>
+            </a:r>
+          </a:p>
+          <a:p>
+            <a:pPr marL="342900" indent="-342900">
+              <a:buFont typeface="Arial"/>
+              <a:buChar char="•"/>
+            </a:pPr>
+            <a:endParaRPr lang="en-US" sz="1800" dirty="0"/>
+          </a:p>
+          <a:p>
+            <a:pPr marL="342900" indent="-342900">
+              <a:buFont typeface="Arial"/>
+              <a:buChar char="•"/>
+            </a:pPr>
+            <a:r>
+              <a:rPr lang="en-US" sz="1800" dirty="0"/>
+              <a:t>Scaffolding algorithms are greedy too – de </a:t>
+            </a:r>
+            <a:r>
+              <a:rPr lang="en-US" sz="1800" dirty="0" err="1"/>
+              <a:t>Bruijn</a:t>
+            </a:r>
+            <a:r>
+              <a:rPr lang="en-US" sz="1800" dirty="0"/>
+              <a:t> graphs (Velvet) or secondary algorithms (A5) seek to limit scaffolding errors</a:t>
+            </a:r>
+          </a:p>
+          <a:p>
+            <a:pPr marL="342900" indent="-342900">
+              <a:buFont typeface="Arial"/>
+              <a:buChar char="•"/>
+            </a:pPr>
+            <a:endParaRPr lang="en-US" sz="1800" dirty="0"/>
+          </a:p>
+          <a:p>
+            <a:pPr marL="342900" indent="-342900">
+              <a:buFont typeface="Arial"/>
+              <a:buChar char="•"/>
+            </a:pPr>
+            <a:endParaRPr lang="en-US" sz="1800" dirty="0"/>
+          </a:p>
+        </p:txBody>
+      </p:sp>
+      <p:pic>
+        <p:nvPicPr>
+          <p:cNvPr id="10" name="Picture 9" descr="Chart&#10;&#10;Description automatically generated">
+            <a:extLst>
+              <a:ext uri="{FF2B5EF4-FFF2-40B4-BE49-F238E27FC236}">
+                <a16:creationId xmlns:a16="http://schemas.microsoft.com/office/drawing/2014/main" id="{26F8491D-479A-EC4C-9D2C-7204869B15EA}"/>
+              </a:ext>
+            </a:extLst>
+          </p:cNvPr>
+          <p:cNvPicPr>
+            <a:picLocks noChangeAspect="1"/>
+          </p:cNvPicPr>
+          <p:nvPr/>
+        </p:nvPicPr>
+        <p:blipFill>
+          <a:blip r:embed="rId3"/>
+          <a:stretch>
+            <a:fillRect/>
+          </a:stretch>
+        </p:blipFill>
+        <p:spPr>
+          <a:xfrm>
+            <a:off x="4499992" y="1628800"/>
+            <a:ext cx="4497269" cy="2540124"/>
+          </a:xfrm>
+          <a:prstGeom prst="rect">
+            <a:avLst/>
+          </a:prstGeom>
+        </p:spPr>
+      </p:pic>
+    </p:spTree>
+    <p:extLst>
+      <p:ext uri="{BB962C8B-B14F-4D97-AF65-F5344CB8AC3E}">
+        <p14:creationId xmlns:p14="http://schemas.microsoft.com/office/powerpoint/2010/main" val="3263502073"/>
       </p:ext>
     </p:extLst>
   </p:cSld>
@@ -13296,192 +13442,16 @@
           <a:p>
             <a:pPr algn="l" eaLnBrk="1" hangingPunct="1"/>
             <a:r>
-              <a:rPr lang="en-US" sz="3200" b="1" dirty="0" err="1"/>
-              <a:t>kmers</a:t>
-            </a:r>
-            <a:r>
               <a:rPr lang="en-US" sz="3200" b="1" dirty="0"/>
-              <a:t>, de </a:t>
-            </a:r>
-            <a:r>
-              <a:rPr lang="en-US" sz="3200" b="1" dirty="0" err="1"/>
-              <a:t>Bruijn</a:t>
-            </a:r>
-            <a:r>
-              <a:rPr lang="en-US" sz="3200" b="1" dirty="0"/>
-              <a:t> graphs, </a:t>
-            </a:r>
-            <a:r>
-              <a:rPr lang="en-US" sz="3200" b="1" dirty="0" err="1"/>
-              <a:t>Eulerian</a:t>
-            </a:r>
-            <a:r>
-              <a:rPr lang="en-US" sz="3200" b="1" dirty="0"/>
-              <a:t> paths</a:t>
+              <a:t>Try this example by hand…</a:t>
             </a:r>
             <a:endParaRPr lang="en-US" sz="3200" dirty="0"/>
-          </a:p>
-        </p:txBody>
-      </p:sp>
-      <p:sp>
-        <p:nvSpPr>
-          <p:cNvPr id="6" name="TextBox 5"/>
-          <p:cNvSpPr txBox="1"/>
-          <p:nvPr/>
-        </p:nvSpPr>
-        <p:spPr>
-          <a:xfrm>
-            <a:off x="251520" y="1052736"/>
-            <a:ext cx="4104456" cy="5355312"/>
-          </a:xfrm>
-          <a:prstGeom prst="rect">
-            <a:avLst/>
-          </a:prstGeom>
-          <a:noFill/>
-          <a:ln>
-            <a:noFill/>
-          </a:ln>
-        </p:spPr>
-        <p:txBody>
-          <a:bodyPr wrap="square" rtlCol="0">
-            <a:spAutoFit/>
-          </a:bodyPr>
-          <a:lstStyle/>
-          <a:p>
-            <a:pPr marL="342900" indent="-342900">
-              <a:buFont typeface="Arial"/>
-              <a:buChar char="•"/>
-            </a:pPr>
-            <a:r>
-              <a:rPr lang="en-US" sz="1800" dirty="0"/>
-              <a:t>Sequencing error creates ‘novel’ k-</a:t>
-            </a:r>
-            <a:r>
-              <a:rPr lang="en-US" sz="1800" dirty="0" err="1"/>
-              <a:t>mers</a:t>
-            </a:r>
-            <a:r>
-              <a:rPr lang="en-US" sz="1800" dirty="0"/>
-              <a:t> and complicates the </a:t>
-            </a:r>
-            <a:r>
-              <a:rPr lang="en-US" sz="1800" dirty="0" err="1"/>
-              <a:t>deBruijn</a:t>
-            </a:r>
-            <a:r>
-              <a:rPr lang="en-US" sz="1800" dirty="0"/>
-              <a:t> graph </a:t>
-            </a:r>
-            <a:r>
-              <a:rPr lang="mr-IN" sz="1800" dirty="0"/>
-              <a:t>–</a:t>
-            </a:r>
-            <a:r>
-              <a:rPr lang="en-US" sz="1800" dirty="0"/>
-              <a:t> </a:t>
-            </a:r>
-            <a:r>
-              <a:rPr lang="en-US" sz="1800" b="1" dirty="0"/>
-              <a:t>genome assembly is thus always preceded by an error trimming &amp; correction step</a:t>
-            </a:r>
-          </a:p>
-          <a:p>
-            <a:pPr marL="342900" indent="-342900">
-              <a:buFont typeface="Arial"/>
-              <a:buChar char="•"/>
-            </a:pPr>
-            <a:endParaRPr lang="en-US" sz="1800" dirty="0"/>
-          </a:p>
-          <a:p>
-            <a:pPr marL="342900" indent="-342900">
-              <a:buFont typeface="Arial"/>
-              <a:buChar char="•"/>
-            </a:pPr>
-            <a:r>
-              <a:rPr lang="en-US" sz="1800" dirty="0"/>
-              <a:t>The product of k-</a:t>
-            </a:r>
-            <a:r>
-              <a:rPr lang="en-US" sz="1800" dirty="0" err="1"/>
-              <a:t>mer</a:t>
-            </a:r>
-            <a:r>
-              <a:rPr lang="en-US" sz="1800" dirty="0"/>
-              <a:t> assembly is a robust set of contigs, but what k-</a:t>
-            </a:r>
-            <a:r>
-              <a:rPr lang="en-US" sz="1800" dirty="0" err="1"/>
-              <a:t>mer</a:t>
-            </a:r>
-            <a:r>
-              <a:rPr lang="en-US" sz="1800" dirty="0"/>
-              <a:t> size to use?</a:t>
-            </a:r>
-          </a:p>
-          <a:p>
-            <a:pPr marL="800100" lvl="1" indent="-342900">
-              <a:buFont typeface="Arial"/>
-              <a:buChar char="•"/>
-            </a:pPr>
-            <a:r>
-              <a:rPr lang="en-US" sz="1800" dirty="0"/>
-              <a:t>Shorter </a:t>
-            </a:r>
-            <a:r>
-              <a:rPr lang="mr-IN" sz="1800" dirty="0"/>
-              <a:t>–</a:t>
-            </a:r>
-            <a:r>
-              <a:rPr lang="en-US" sz="1800" dirty="0"/>
-              <a:t> less memory, more complex </a:t>
-            </a:r>
-            <a:r>
-              <a:rPr lang="en-US" sz="1800" dirty="0" err="1"/>
-              <a:t>deBruijn</a:t>
-            </a:r>
-            <a:r>
-              <a:rPr lang="en-US" sz="1800" dirty="0"/>
-              <a:t> graph, difficulty with small tandem repeats</a:t>
-            </a:r>
-          </a:p>
-          <a:p>
-            <a:pPr marL="800100" lvl="1" indent="-342900">
-              <a:buFont typeface="Arial"/>
-              <a:buChar char="•"/>
-            </a:pPr>
-            <a:r>
-              <a:rPr lang="en-US" sz="1800" dirty="0"/>
-              <a:t>Longer </a:t>
-            </a:r>
-            <a:r>
-              <a:rPr lang="mr-IN" sz="1800" dirty="0"/>
-              <a:t>–</a:t>
-            </a:r>
-            <a:r>
-              <a:rPr lang="en-US" sz="1800" dirty="0"/>
-              <a:t> more memory, simpler </a:t>
-            </a:r>
-            <a:r>
-              <a:rPr lang="en-US" sz="1800" dirty="0" err="1"/>
-              <a:t>deBruijn</a:t>
-            </a:r>
-            <a:r>
-              <a:rPr lang="en-US" sz="1800" dirty="0"/>
-              <a:t> graph, overcome small repeats,  upper maximum due to sequencing gaps, error filtering critical</a:t>
-            </a:r>
-          </a:p>
-          <a:p>
-            <a:pPr marL="342900" indent="-342900">
-              <a:buFont typeface="Arial"/>
-              <a:buChar char="•"/>
-            </a:pPr>
-            <a:endParaRPr lang="en-US" sz="1800" dirty="0"/>
           </a:p>
         </p:txBody>
       </p:sp>
       <p:pic>
         <p:nvPicPr>
-          <p:cNvPr id="3" name="Picture 2" descr="kmer.tiff"/>
+          <p:cNvPr id="2" name="Picture 1" descr="graph.jpg"/>
           <p:cNvPicPr>
             <a:picLocks noChangeAspect="1"/>
           </p:cNvPicPr>
@@ -13501,18 +13471,108 @@
         </p:blipFill>
         <p:spPr>
           <a:xfrm>
-            <a:off x="4427983" y="1340768"/>
-            <a:ext cx="4336869" cy="5256584"/>
+            <a:off x="1403648" y="1124744"/>
+            <a:ext cx="6876256" cy="4861023"/>
           </a:xfrm>
           <a:prstGeom prst="rect">
             <a:avLst/>
           </a:prstGeom>
         </p:spPr>
       </p:pic>
+      <p:sp>
+        <p:nvSpPr>
+          <p:cNvPr id="7" name="TextBox 6"/>
+          <p:cNvSpPr txBox="1"/>
+          <p:nvPr/>
+        </p:nvSpPr>
+        <p:spPr>
+          <a:xfrm>
+            <a:off x="107504" y="6381328"/>
+            <a:ext cx="9036496" cy="307777"/>
+          </a:xfrm>
+          <a:prstGeom prst="rect">
+            <a:avLst/>
+          </a:prstGeom>
+          <a:noFill/>
+          <a:ln>
+            <a:noFill/>
+          </a:ln>
+        </p:spPr>
+        <p:txBody>
+          <a:bodyPr wrap="square" rtlCol="0">
+            <a:spAutoFit/>
+          </a:bodyPr>
+          <a:lstStyle/>
+          <a:p>
+            <a:r>
+              <a:rPr lang="en-US" sz="1400" dirty="0" err="1"/>
+              <a:t>Namiki</a:t>
+            </a:r>
+            <a:r>
+              <a:rPr lang="en-US" sz="1400" dirty="0"/>
+              <a:t> </a:t>
+            </a:r>
+            <a:r>
+              <a:rPr lang="en-US" sz="1400" i="1" dirty="0"/>
+              <a:t>et al</a:t>
+            </a:r>
+            <a:r>
+              <a:rPr lang="en-US" sz="1400" dirty="0"/>
+              <a:t>. 2012</a:t>
+            </a:r>
+            <a:r>
+              <a:rPr lang="en-US" sz="1400" i="1" dirty="0"/>
+              <a:t>. Nucleic Acids Research </a:t>
+            </a:r>
+            <a:r>
+              <a:rPr lang="en-US" sz="1400" dirty="0"/>
+              <a:t>40:e155</a:t>
+            </a:r>
+          </a:p>
+        </p:txBody>
+      </p:sp>
+      <p:sp>
+        <p:nvSpPr>
+          <p:cNvPr id="5" name="TextBox 4">
+            <a:extLst>
+              <a:ext uri="{FF2B5EF4-FFF2-40B4-BE49-F238E27FC236}">
+                <a16:creationId xmlns:a16="http://schemas.microsoft.com/office/drawing/2014/main" id="{4504B5B6-F677-36A5-4994-84EF57499002}"/>
+              </a:ext>
+            </a:extLst>
+          </p:cNvPr>
+          <p:cNvSpPr txBox="1"/>
+          <p:nvPr/>
+        </p:nvSpPr>
+        <p:spPr>
+          <a:xfrm>
+            <a:off x="3851920" y="764704"/>
+            <a:ext cx="3761656" cy="307777"/>
+          </a:xfrm>
+          <a:prstGeom prst="rect">
+            <a:avLst/>
+          </a:prstGeom>
+          <a:noFill/>
+          <a:ln>
+            <a:noFill/>
+          </a:ln>
+        </p:spPr>
+        <p:txBody>
+          <a:bodyPr wrap="square" rtlCol="0">
+            <a:spAutoFit/>
+          </a:bodyPr>
+          <a:lstStyle/>
+          <a:p>
+            <a:r>
+              <a:rPr lang="en-US" sz="1400" dirty="0"/>
+              <a:t>Andrew will post a video</a:t>
+            </a:r>
+          </a:p>
+        </p:txBody>
+      </p:sp>
     </p:spTree>
     <p:extLst>
       <p:ext uri="{BB962C8B-B14F-4D97-AF65-F5344CB8AC3E}">
-        <p14:creationId xmlns:p14="http://schemas.microsoft.com/office/powerpoint/2010/main" val="2731371931"/>
+        <p14:creationId xmlns:p14="http://schemas.microsoft.com/office/powerpoint/2010/main" val="3560837831"/>
       </p:ext>
     </p:extLst>
   </p:cSld>
@@ -13824,28 +13884,8 @@
           <a:p>
             <a:pPr algn="l" eaLnBrk="1" hangingPunct="1"/>
             <a:r>
-              <a:rPr lang="en-US" sz="3200" b="1" dirty="0" err="1"/>
-              <a:t>kmers</a:t>
-            </a:r>
-            <a:r>
               <a:rPr lang="en-US" sz="3200" b="1" dirty="0"/>
-              <a:t>, de </a:t>
-            </a:r>
-            <a:r>
-              <a:rPr lang="en-US" sz="3200" b="1" dirty="0" err="1"/>
-              <a:t>Bruijn</a:t>
-            </a:r>
-            <a:r>
-              <a:rPr lang="en-US" sz="3200" b="1" dirty="0"/>
-              <a:t> graphs, </a:t>
-            </a:r>
-            <a:r>
-              <a:rPr lang="en-US" sz="3200" b="1" dirty="0" err="1"/>
-              <a:t>Eulerian</a:t>
-            </a:r>
-            <a:r>
-              <a:rPr lang="en-US" sz="3200" b="1" dirty="0"/>
-              <a:t> paths</a:t>
+              <a:t>A complete assembly…</a:t>
             </a:r>
             <a:endParaRPr lang="en-US" sz="3200" dirty="0"/>
           </a:p>
@@ -13853,14 +13893,14 @@
       </p:sp>
       <p:sp>
         <p:nvSpPr>
-          <p:cNvPr id="6" name="TextBox 5"/>
+          <p:cNvPr id="7" name="TextBox 6"/>
           <p:cNvSpPr txBox="1"/>
           <p:nvPr/>
         </p:nvSpPr>
         <p:spPr>
           <a:xfrm>
-            <a:off x="251520" y="1052736"/>
-            <a:ext cx="4104456" cy="4801315"/>
+            <a:off x="107504" y="6381328"/>
+            <a:ext cx="9036496" cy="307777"/>
           </a:xfrm>
           <a:prstGeom prst="rect">
             <a:avLst/>
@@ -13876,180 +13916,77 @@
           </a:bodyPr>
           <a:lstStyle/>
           <a:p>
-            <a:pPr marL="342900" indent="-342900">
-              <a:buFont typeface="Arial"/>
-              <a:buChar char="•"/>
-            </a:pPr>
-            <a:r>
-              <a:rPr lang="en-US" sz="1800" dirty="0"/>
-              <a:t>K-</a:t>
-            </a:r>
-            <a:r>
-              <a:rPr lang="en-US" sz="1800" dirty="0" err="1"/>
-              <a:t>mer</a:t>
-            </a:r>
-            <a:r>
-              <a:rPr lang="en-US" sz="1800" dirty="0"/>
-              <a:t> assembly produces ‘</a:t>
-            </a:r>
-            <a:r>
-              <a:rPr lang="en-US" sz="1800" dirty="0" err="1"/>
-              <a:t>contigs</a:t>
-            </a:r>
-            <a:r>
-              <a:rPr lang="en-US" sz="1800" dirty="0"/>
-              <a:t>’ </a:t>
-            </a:r>
-            <a:r>
-              <a:rPr lang="mr-IN" sz="1800" dirty="0"/>
-              <a:t>–</a:t>
-            </a:r>
-            <a:r>
-              <a:rPr lang="en-US" sz="1800" dirty="0"/>
-              <a:t> stretches of consensus sequences</a:t>
-            </a:r>
-          </a:p>
-          <a:p>
-            <a:pPr marL="342900" indent="-342900">
-              <a:buFont typeface="Arial"/>
-              <a:buChar char="•"/>
-            </a:pPr>
-            <a:endParaRPr lang="en-US" sz="1800" dirty="0"/>
-          </a:p>
-          <a:p>
-            <a:pPr marL="342900" indent="-342900">
-              <a:buFont typeface="Arial"/>
-              <a:buChar char="•"/>
-            </a:pPr>
-            <a:r>
-              <a:rPr lang="en-US" sz="1800" dirty="0"/>
-              <a:t>More read coverage leads to denser </a:t>
-            </a:r>
-            <a:r>
-              <a:rPr lang="en-US" sz="1800" dirty="0" err="1"/>
-              <a:t>deBruijn</a:t>
-            </a:r>
-            <a:r>
-              <a:rPr lang="en-US" sz="1800" dirty="0"/>
-              <a:t> graphs, fewer &amp; bigger </a:t>
-            </a:r>
-            <a:r>
-              <a:rPr lang="en-US" sz="1800" dirty="0" err="1"/>
-              <a:t>contigs</a:t>
-            </a:r>
-            <a:r>
-              <a:rPr lang="en-US" sz="1800" dirty="0"/>
-              <a:t>, less assembly gaps</a:t>
-            </a:r>
-          </a:p>
-          <a:p>
-            <a:pPr marL="342900" indent="-342900">
-              <a:buFont typeface="Arial"/>
-              <a:buChar char="•"/>
-            </a:pPr>
-            <a:endParaRPr lang="en-US" sz="1800" dirty="0"/>
-          </a:p>
-          <a:p>
-            <a:pPr marL="342900" indent="-342900">
-              <a:buFont typeface="Arial"/>
-              <a:buChar char="•"/>
-            </a:pPr>
-            <a:r>
-              <a:rPr lang="en-US" sz="1800" dirty="0"/>
-              <a:t>Mate-pair information can then be used to determine scaffolds </a:t>
-            </a:r>
-            <a:r>
-              <a:rPr lang="mr-IN" sz="1800" dirty="0"/>
-              <a:t>–</a:t>
-            </a:r>
-            <a:r>
-              <a:rPr lang="en-US" sz="1800" dirty="0"/>
-              <a:t> the order of </a:t>
-            </a:r>
-            <a:r>
-              <a:rPr lang="en-US" sz="1800" dirty="0" err="1"/>
-              <a:t>contigs</a:t>
-            </a:r>
-            <a:r>
-              <a:rPr lang="en-US" sz="1800" dirty="0"/>
-              <a:t> along the genome</a:t>
-            </a:r>
-          </a:p>
-          <a:p>
-            <a:pPr marL="342900" indent="-342900">
-              <a:buFont typeface="Arial"/>
-              <a:buChar char="•"/>
-            </a:pPr>
-            <a:endParaRPr lang="en-US" sz="1800" dirty="0"/>
-          </a:p>
-          <a:p>
-            <a:pPr marL="342900" indent="-342900">
-              <a:buFont typeface="Arial"/>
-              <a:buChar char="•"/>
-            </a:pPr>
-            <a:r>
-              <a:rPr lang="en-US" sz="1800" dirty="0"/>
-              <a:t>Scaffolding algorithms are greedy too – de </a:t>
-            </a:r>
-            <a:r>
-              <a:rPr lang="en-US" sz="1800" dirty="0" err="1"/>
-              <a:t>Bruijn</a:t>
-            </a:r>
-            <a:r>
-              <a:rPr lang="en-US" sz="1800" dirty="0"/>
-              <a:t> graphs (Velvet) or secondary algorithms (A5) seek to limit scaffolding errors</a:t>
-            </a:r>
-          </a:p>
-          <a:p>
-            <a:pPr marL="342900" indent="-342900">
-              <a:buFont typeface="Arial"/>
-              <a:buChar char="•"/>
-            </a:pPr>
-            <a:endParaRPr lang="en-US" sz="1800" dirty="0"/>
-          </a:p>
-          <a:p>
-            <a:pPr marL="342900" indent="-342900">
-              <a:buFont typeface="Arial"/>
-              <a:buChar char="•"/>
-            </a:pPr>
-            <a:endParaRPr lang="en-US" sz="1800" dirty="0"/>
+            <a:r>
+              <a:rPr lang="en-US" sz="1400" dirty="0"/>
+              <a:t>BANDAGE visualization</a:t>
+            </a:r>
           </a:p>
         </p:txBody>
       </p:sp>
       <p:pic>
         <p:nvPicPr>
-          <p:cNvPr id="10" name="Picture 9" descr="Chart&#10;&#10;Description automatically generated">
-            <a:extLst>
-              <a:ext uri="{FF2B5EF4-FFF2-40B4-BE49-F238E27FC236}">
-                <a16:creationId xmlns:a16="http://schemas.microsoft.com/office/drawing/2014/main" id="{26F8491D-479A-EC4C-9D2C-7204869B15EA}"/>
-              </a:ext>
-            </a:extLst>
-          </p:cNvPr>
+          <p:cNvPr id="3" name="Picture 2" descr="bandage1.jpg"/>
           <p:cNvPicPr>
             <a:picLocks noChangeAspect="1"/>
           </p:cNvPicPr>
           <p:nvPr/>
         </p:nvPicPr>
         <p:blipFill>
-          <a:blip r:embed="rId3"/>
+          <a:blip r:embed="rId3">
+            <a:extLst>
+              <a:ext uri="{28A0092B-C50C-407E-A947-70E740481C1C}">
+                <a14:useLocalDpi xmlns:a14="http://schemas.microsoft.com/office/drawing/2010/main" val="0"/>
+              </a:ext>
+            </a:extLst>
+          </a:blip>
           <a:stretch>
             <a:fillRect/>
           </a:stretch>
         </p:blipFill>
         <p:spPr>
           <a:xfrm>
-            <a:off x="4499992" y="1628800"/>
-            <a:ext cx="4497269" cy="2540124"/>
+            <a:off x="683568" y="1124744"/>
+            <a:ext cx="4746318" cy="4437112"/>
           </a:xfrm>
           <a:prstGeom prst="rect">
             <a:avLst/>
           </a:prstGeom>
         </p:spPr>
       </p:pic>
+      <p:pic>
+        <p:nvPicPr>
+          <p:cNvPr id="4" name="Picture 3" descr="bandage2.jpg"/>
+          <p:cNvPicPr>
+            <a:picLocks noChangeAspect="1"/>
+          </p:cNvPicPr>
+          <p:nvPr/>
+        </p:nvPicPr>
+        <p:blipFill>
+          <a:blip r:embed="rId4">
+            <a:extLst>
+              <a:ext uri="{28A0092B-C50C-407E-A947-70E740481C1C}">
+                <a14:useLocalDpi xmlns:a14="http://schemas.microsoft.com/office/drawing/2010/main" val="0"/>
+              </a:ext>
+            </a:extLst>
+          </a:blip>
+          <a:stretch>
+            <a:fillRect/>
+          </a:stretch>
+        </p:blipFill>
+        <p:spPr>
+          <a:xfrm>
+            <a:off x="5724128" y="1988840"/>
+            <a:ext cx="3312368" cy="2875531"/>
+          </a:xfrm>
+          <a:prstGeom prst="rect">
+            <a:avLst/>
+          </a:prstGeom>
+        </p:spPr>
+      </p:pic>
     </p:spTree>
     <p:extLst>
       <p:ext uri="{BB962C8B-B14F-4D97-AF65-F5344CB8AC3E}">
-        <p14:creationId xmlns:p14="http://schemas.microsoft.com/office/powerpoint/2010/main" val="3263502073"/>
+        <p14:creationId xmlns:p14="http://schemas.microsoft.com/office/powerpoint/2010/main" val="4149199389"/>
       </p:ext>
     </p:extLst>
   </p:cSld>
@@ -14099,361 +14036,6 @@
             <a:pPr algn="l" eaLnBrk="1" hangingPunct="1"/>
             <a:r>
               <a:rPr lang="en-US" sz="3200" b="1" dirty="0"/>
-              <a:t>Try this example by hand…</a:t>
-            </a:r>
-            <a:endParaRPr lang="en-US" sz="3200" dirty="0"/>
-          </a:p>
-        </p:txBody>
-      </p:sp>
-      <p:pic>
-        <p:nvPicPr>
-          <p:cNvPr id="2" name="Picture 1" descr="graph.jpg"/>
-          <p:cNvPicPr>
-            <a:picLocks noChangeAspect="1"/>
-          </p:cNvPicPr>
-          <p:nvPr/>
-        </p:nvPicPr>
-        <p:blipFill>
-          <a:blip r:embed="rId3">
-            <a:extLst>
-              <a:ext uri="{28A0092B-C50C-407E-A947-70E740481C1C}">
-                <a14:useLocalDpi xmlns:a14="http://schemas.microsoft.com/office/drawing/2010/main" val="0"/>
-              </a:ext>
-            </a:extLst>
-          </a:blip>
-          <a:stretch>
-            <a:fillRect/>
-          </a:stretch>
-        </p:blipFill>
-        <p:spPr>
-          <a:xfrm>
-            <a:off x="1403648" y="1124744"/>
-            <a:ext cx="6876256" cy="4861023"/>
-          </a:xfrm>
-          <a:prstGeom prst="rect">
-            <a:avLst/>
-          </a:prstGeom>
-        </p:spPr>
-      </p:pic>
-      <p:sp>
-        <p:nvSpPr>
-          <p:cNvPr id="7" name="TextBox 6"/>
-          <p:cNvSpPr txBox="1"/>
-          <p:nvPr/>
-        </p:nvSpPr>
-        <p:spPr>
-          <a:xfrm>
-            <a:off x="107504" y="6381328"/>
-            <a:ext cx="9036496" cy="307777"/>
-          </a:xfrm>
-          <a:prstGeom prst="rect">
-            <a:avLst/>
-          </a:prstGeom>
-          <a:noFill/>
-          <a:ln>
-            <a:noFill/>
-          </a:ln>
-        </p:spPr>
-        <p:txBody>
-          <a:bodyPr wrap="square" rtlCol="0">
-            <a:spAutoFit/>
-          </a:bodyPr>
-          <a:lstStyle/>
-          <a:p>
-            <a:r>
-              <a:rPr lang="en-US" sz="1400" dirty="0" err="1"/>
-              <a:t>Namiki</a:t>
-            </a:r>
-            <a:r>
-              <a:rPr lang="en-US" sz="1400" dirty="0"/>
-              <a:t> </a:t>
-            </a:r>
-            <a:r>
-              <a:rPr lang="en-US" sz="1400" i="1" dirty="0"/>
-              <a:t>et al</a:t>
-            </a:r>
-            <a:r>
-              <a:rPr lang="en-US" sz="1400" dirty="0"/>
-              <a:t>. 2012</a:t>
-            </a:r>
-            <a:r>
-              <a:rPr lang="en-US" sz="1400" i="1" dirty="0"/>
-              <a:t>. Nucleic Acids Research </a:t>
-            </a:r>
-            <a:r>
-              <a:rPr lang="en-US" sz="1400" dirty="0"/>
-              <a:t>40:e155</a:t>
-            </a:r>
-          </a:p>
-        </p:txBody>
-      </p:sp>
-    </p:spTree>
-    <p:extLst>
-      <p:ext uri="{BB962C8B-B14F-4D97-AF65-F5344CB8AC3E}">
-        <p14:creationId xmlns:p14="http://schemas.microsoft.com/office/powerpoint/2010/main" val="3560837831"/>
-      </p:ext>
-    </p:extLst>
-  </p:cSld>
-  <p:clrMapOvr>
-    <a:masterClrMapping/>
-  </p:clrMapOvr>
-</p:sld>
-</file>
-
-<file path=ppt/slides/slide32.xml><?xml version="1.0" encoding="utf-8"?>
-<p:sld xmlns:a="http://schemas.openxmlformats.org/drawingml/2006/main" xmlns:r="http://schemas.openxmlformats.org/officeDocument/2006/relationships" xmlns:p="http://schemas.openxmlformats.org/presentationml/2006/main">
-  <p:cSld>
-    <p:spTree>
-      <p:nvGrpSpPr>
-        <p:cNvPr id="1" name=""/>
-        <p:cNvGrpSpPr/>
-        <p:nvPr/>
-      </p:nvGrpSpPr>
-      <p:grpSpPr>
-        <a:xfrm>
-          <a:off x="0" y="0"/>
-          <a:ext cx="0" cy="0"/>
-          <a:chOff x="0" y="0"/>
-          <a:chExt cx="0" cy="0"/>
-        </a:xfrm>
-      </p:grpSpPr>
-      <p:pic>
-        <p:nvPicPr>
-          <p:cNvPr id="7" name="Picture 6" descr="A close up of a logo&#10;&#10;Description automatically generated">
-            <a:extLst>
-              <a:ext uri="{FF2B5EF4-FFF2-40B4-BE49-F238E27FC236}">
-                <a16:creationId xmlns:a16="http://schemas.microsoft.com/office/drawing/2014/main" id="{437B79DC-5C11-724E-B5D8-8A050E3E3EA1}"/>
-              </a:ext>
-            </a:extLst>
-          </p:cNvPr>
-          <p:cNvPicPr>
-            <a:picLocks noChangeAspect="1"/>
-          </p:cNvPicPr>
-          <p:nvPr/>
-        </p:nvPicPr>
-        <p:blipFill>
-          <a:blip r:embed="rId3"/>
-          <a:stretch>
-            <a:fillRect/>
-          </a:stretch>
-        </p:blipFill>
-        <p:spPr>
-          <a:xfrm>
-            <a:off x="3302000" y="2159000"/>
-            <a:ext cx="2540000" cy="2540000"/>
-          </a:xfrm>
-          <a:prstGeom prst="rect">
-            <a:avLst/>
-          </a:prstGeom>
-          <a:solidFill>
-            <a:schemeClr val="tx1"/>
-          </a:solidFill>
-        </p:spPr>
-      </p:pic>
-    </p:spTree>
-    <p:extLst>
-      <p:ext uri="{BB962C8B-B14F-4D97-AF65-F5344CB8AC3E}">
-        <p14:creationId xmlns:p14="http://schemas.microsoft.com/office/powerpoint/2010/main" val="1286581553"/>
-      </p:ext>
-    </p:extLst>
-  </p:cSld>
-  <p:clrMapOvr>
-    <a:masterClrMapping/>
-  </p:clrMapOvr>
-</p:sld>
-</file>
-
-<file path=ppt/slides/slide33.xml><?xml version="1.0" encoding="utf-8"?>
-<p:sld xmlns:a="http://schemas.openxmlformats.org/drawingml/2006/main" xmlns:r="http://schemas.openxmlformats.org/officeDocument/2006/relationships" xmlns:p="http://schemas.openxmlformats.org/presentationml/2006/main">
-  <p:cSld>
-    <p:spTree>
-      <p:nvGrpSpPr>
-        <p:cNvPr id="1" name=""/>
-        <p:cNvGrpSpPr/>
-        <p:nvPr/>
-      </p:nvGrpSpPr>
-      <p:grpSpPr>
-        <a:xfrm>
-          <a:off x="0" y="0"/>
-          <a:ext cx="0" cy="0"/>
-          <a:chOff x="0" y="0"/>
-          <a:chExt cx="0" cy="0"/>
-        </a:xfrm>
-      </p:grpSpPr>
-      <p:sp>
-        <p:nvSpPr>
-          <p:cNvPr id="9" name="Rectangle 2"/>
-          <p:cNvSpPr>
-            <a:spLocks noGrp="1" noChangeArrowheads="1"/>
-          </p:cNvSpPr>
-          <p:nvPr>
-            <p:ph type="ctrTitle"/>
-          </p:nvPr>
-        </p:nvSpPr>
-        <p:spPr>
-          <a:xfrm>
-            <a:off x="323528" y="-171400"/>
-            <a:ext cx="8568952" cy="1535832"/>
-          </a:xfrm>
-        </p:spPr>
-        <p:txBody>
-          <a:bodyPr/>
-          <a:lstStyle/>
-          <a:p>
-            <a:pPr algn="l" eaLnBrk="1" hangingPunct="1"/>
-            <a:r>
-              <a:rPr lang="en-US" sz="3200" b="1" dirty="0"/>
-              <a:t>A complete assembly…</a:t>
-            </a:r>
-            <a:endParaRPr lang="en-US" sz="3200" dirty="0"/>
-          </a:p>
-        </p:txBody>
-      </p:sp>
-      <p:sp>
-        <p:nvSpPr>
-          <p:cNvPr id="7" name="TextBox 6"/>
-          <p:cNvSpPr txBox="1"/>
-          <p:nvPr/>
-        </p:nvSpPr>
-        <p:spPr>
-          <a:xfrm>
-            <a:off x="107504" y="6381328"/>
-            <a:ext cx="9036496" cy="307777"/>
-          </a:xfrm>
-          <a:prstGeom prst="rect">
-            <a:avLst/>
-          </a:prstGeom>
-          <a:noFill/>
-          <a:ln>
-            <a:noFill/>
-          </a:ln>
-        </p:spPr>
-        <p:txBody>
-          <a:bodyPr wrap="square" rtlCol="0">
-            <a:spAutoFit/>
-          </a:bodyPr>
-          <a:lstStyle/>
-          <a:p>
-            <a:r>
-              <a:rPr lang="en-US" sz="1400" dirty="0"/>
-              <a:t>BANDAGE visualization</a:t>
-            </a:r>
-          </a:p>
-        </p:txBody>
-      </p:sp>
-      <p:pic>
-        <p:nvPicPr>
-          <p:cNvPr id="3" name="Picture 2" descr="bandage1.jpg"/>
-          <p:cNvPicPr>
-            <a:picLocks noChangeAspect="1"/>
-          </p:cNvPicPr>
-          <p:nvPr/>
-        </p:nvPicPr>
-        <p:blipFill>
-          <a:blip r:embed="rId3">
-            <a:extLst>
-              <a:ext uri="{28A0092B-C50C-407E-A947-70E740481C1C}">
-                <a14:useLocalDpi xmlns:a14="http://schemas.microsoft.com/office/drawing/2010/main" val="0"/>
-              </a:ext>
-            </a:extLst>
-          </a:blip>
-          <a:stretch>
-            <a:fillRect/>
-          </a:stretch>
-        </p:blipFill>
-        <p:spPr>
-          <a:xfrm>
-            <a:off x="683568" y="1124744"/>
-            <a:ext cx="4746318" cy="4437112"/>
-          </a:xfrm>
-          <a:prstGeom prst="rect">
-            <a:avLst/>
-          </a:prstGeom>
-        </p:spPr>
-      </p:pic>
-      <p:pic>
-        <p:nvPicPr>
-          <p:cNvPr id="4" name="Picture 3" descr="bandage2.jpg"/>
-          <p:cNvPicPr>
-            <a:picLocks noChangeAspect="1"/>
-          </p:cNvPicPr>
-          <p:nvPr/>
-        </p:nvPicPr>
-        <p:blipFill>
-          <a:blip r:embed="rId4">
-            <a:extLst>
-              <a:ext uri="{28A0092B-C50C-407E-A947-70E740481C1C}">
-                <a14:useLocalDpi xmlns:a14="http://schemas.microsoft.com/office/drawing/2010/main" val="0"/>
-              </a:ext>
-            </a:extLst>
-          </a:blip>
-          <a:stretch>
-            <a:fillRect/>
-          </a:stretch>
-        </p:blipFill>
-        <p:spPr>
-          <a:xfrm>
-            <a:off x="5724128" y="1988840"/>
-            <a:ext cx="3312368" cy="2875531"/>
-          </a:xfrm>
-          <a:prstGeom prst="rect">
-            <a:avLst/>
-          </a:prstGeom>
-        </p:spPr>
-      </p:pic>
-    </p:spTree>
-    <p:extLst>
-      <p:ext uri="{BB962C8B-B14F-4D97-AF65-F5344CB8AC3E}">
-        <p14:creationId xmlns:p14="http://schemas.microsoft.com/office/powerpoint/2010/main" val="4149199389"/>
-      </p:ext>
-    </p:extLst>
-  </p:cSld>
-  <p:clrMapOvr>
-    <a:masterClrMapping/>
-  </p:clrMapOvr>
-</p:sld>
-</file>
-
-<file path=ppt/slides/slide34.xml><?xml version="1.0" encoding="utf-8"?>
-<p:sld xmlns:a="http://schemas.openxmlformats.org/drawingml/2006/main" xmlns:r="http://schemas.openxmlformats.org/officeDocument/2006/relationships" xmlns:p="http://schemas.openxmlformats.org/presentationml/2006/main">
-  <p:cSld>
-    <p:spTree>
-      <p:nvGrpSpPr>
-        <p:cNvPr id="1" name=""/>
-        <p:cNvGrpSpPr/>
-        <p:nvPr/>
-      </p:nvGrpSpPr>
-      <p:grpSpPr>
-        <a:xfrm>
-          <a:off x="0" y="0"/>
-          <a:ext cx="0" cy="0"/>
-          <a:chOff x="0" y="0"/>
-          <a:chExt cx="0" cy="0"/>
-        </a:xfrm>
-      </p:grpSpPr>
-      <p:sp>
-        <p:nvSpPr>
-          <p:cNvPr id="9" name="Rectangle 2"/>
-          <p:cNvSpPr>
-            <a:spLocks noGrp="1" noChangeArrowheads="1"/>
-          </p:cNvSpPr>
-          <p:nvPr>
-            <p:ph type="ctrTitle"/>
-          </p:nvPr>
-        </p:nvSpPr>
-        <p:spPr>
-          <a:xfrm>
-            <a:off x="323528" y="-171400"/>
-            <a:ext cx="8568952" cy="1535832"/>
-          </a:xfrm>
-        </p:spPr>
-        <p:txBody>
-          <a:bodyPr/>
-          <a:lstStyle/>
-          <a:p>
-            <a:pPr algn="l" eaLnBrk="1" hangingPunct="1"/>
-            <a:r>
-              <a:rPr lang="en-US" sz="3200" b="1" dirty="0"/>
               <a:t>Assembly Statistics – A5 example</a:t>
             </a:r>
             <a:endParaRPr lang="en-US" sz="3200" dirty="0"/>
@@ -14946,7 +14528,7 @@
 </p:sld>
 </file>
 
-<file path=ppt/slides/slide35.xml><?xml version="1.0" encoding="utf-8"?>
+<file path=ppt/slides/slide32.xml><?xml version="1.0" encoding="utf-8"?>
 <p:sld xmlns:a="http://schemas.openxmlformats.org/drawingml/2006/main" xmlns:r="http://schemas.openxmlformats.org/officeDocument/2006/relationships" xmlns:p="http://schemas.openxmlformats.org/presentationml/2006/main">
   <p:cSld>
     <p:spTree>
@@ -15821,7 +15403,7 @@
 </p:sld>
 </file>
 
-<file path=ppt/slides/slide36.xml><?xml version="1.0" encoding="utf-8"?>
+<file path=ppt/slides/slide33.xml><?xml version="1.0" encoding="utf-8"?>
 <p:sld xmlns:a="http://schemas.openxmlformats.org/drawingml/2006/main" xmlns:r="http://schemas.openxmlformats.org/officeDocument/2006/relationships" xmlns:p="http://schemas.openxmlformats.org/presentationml/2006/main">
   <p:cSld>
     <p:spTree>
@@ -16127,7 +15709,7 @@
 </p:sld>
 </file>
 
-<file path=ppt/slides/slide37.xml><?xml version="1.0" encoding="utf-8"?>
+<file path=ppt/slides/slide34.xml><?xml version="1.0" encoding="utf-8"?>
 <p:sld xmlns:a="http://schemas.openxmlformats.org/drawingml/2006/main" xmlns:r="http://schemas.openxmlformats.org/officeDocument/2006/relationships" xmlns:p="http://schemas.openxmlformats.org/presentationml/2006/main">
   <p:cSld>
     <p:spTree>
@@ -16343,7 +15925,7 @@
 </p:sld>
 </file>
 
-<file path=ppt/slides/slide38.xml><?xml version="1.0" encoding="utf-8"?>
+<file path=ppt/slides/slide35.xml><?xml version="1.0" encoding="utf-8"?>
 <p:sld xmlns:a="http://schemas.openxmlformats.org/drawingml/2006/main" xmlns:r="http://schemas.openxmlformats.org/officeDocument/2006/relationships" xmlns:p="http://schemas.openxmlformats.org/presentationml/2006/main">
   <p:cSld>
     <p:spTree>
@@ -17254,7 +16836,7 @@
           <a:noFill/>
           <a:extLst>
             <a:ext uri="{909E8E84-426E-40dd-AFC4-6F175D3DCCD1}">
-              <a14:hiddenFill xmlns="" xmlns:a14="http://schemas.microsoft.com/office/drawing/2010/main">
+              <a14:hiddenFill xmlns:a14="http://schemas.microsoft.com/office/drawing/2010/main" xmlns="">
                 <a:solidFill>
                   <a:srgbClr val="FFFFFF"/>
                 </a:solidFill>
@@ -17512,7 +17094,7 @@
           <a:noFill/>
           <a:extLst>
             <a:ext uri="{909E8E84-426E-40dd-AFC4-6F175D3DCCD1}">
-              <a14:hiddenFill xmlns="" xmlns:a14="http://schemas.microsoft.com/office/drawing/2010/main">
+              <a14:hiddenFill xmlns:a14="http://schemas.microsoft.com/office/drawing/2010/main" xmlns="">
                 <a:solidFill>
                   <a:srgbClr val="FFFFFF"/>
                 </a:solidFill>

--- a/Lectures/Lecture 6 - Genome Assembly.pptx
+++ b/Lectures/Lecture 6 - Genome Assembly.pptx
@@ -7675,7 +7675,7 @@
           <a:noFill/>
           <a:extLst>
             <a:ext uri="{909E8E84-426E-40dd-AFC4-6F175D3DCCD1}">
-              <a14:hiddenFill xmlns:a14="http://schemas.microsoft.com/office/drawing/2010/main" xmlns="">
+              <a14:hiddenFill xmlns="" xmlns:a14="http://schemas.microsoft.com/office/drawing/2010/main">
                 <a:solidFill>
                   <a:srgbClr val="FFFFFF"/>
                 </a:solidFill>
@@ -16836,7 +16836,7 @@
           <a:noFill/>
           <a:extLst>
             <a:ext uri="{909E8E84-426E-40dd-AFC4-6F175D3DCCD1}">
-              <a14:hiddenFill xmlns:a14="http://schemas.microsoft.com/office/drawing/2010/main" xmlns="">
+              <a14:hiddenFill xmlns="" xmlns:a14="http://schemas.microsoft.com/office/drawing/2010/main">
                 <a:solidFill>
                   <a:srgbClr val="FFFFFF"/>
                 </a:solidFill>
@@ -17094,7 +17094,7 @@
           <a:noFill/>
           <a:extLst>
             <a:ext uri="{909E8E84-426E-40dd-AFC4-6F175D3DCCD1}">
-              <a14:hiddenFill xmlns:a14="http://schemas.microsoft.com/office/drawing/2010/main" xmlns="">
+              <a14:hiddenFill xmlns="" xmlns:a14="http://schemas.microsoft.com/office/drawing/2010/main">
                 <a:solidFill>
                   <a:srgbClr val="FFFFFF"/>
                 </a:solidFill>

--- a/Lectures/Lecture 6 - Genome Assembly.pptx
+++ b/Lectures/Lecture 6 - Genome Assembly.pptx
@@ -7675,7 +7675,7 @@
           <a:noFill/>
           <a:extLst>
             <a:ext uri="{909E8E84-426E-40dd-AFC4-6F175D3DCCD1}">
-              <a14:hiddenFill xmlns="" xmlns:a14="http://schemas.microsoft.com/office/drawing/2010/main">
+              <a14:hiddenFill xmlns:a14="http://schemas.microsoft.com/office/drawing/2010/main" xmlns="">
                 <a:solidFill>
                   <a:srgbClr val="FFFFFF"/>
                 </a:solidFill>
@@ -13564,7 +13564,7 @@
           <a:p>
             <a:r>
               <a:rPr lang="en-US" sz="1400" dirty="0"/>
-              <a:t>Andrew will post a video</a:t>
+              <a:t>See demo video on GitHub!</a:t>
             </a:r>
           </a:p>
         </p:txBody>
@@ -15979,10 +15979,10 @@
       </p:sp>
       <p:pic>
         <p:nvPicPr>
-          <p:cNvPr id="3" name="Picture 2" descr="A screenshot of a computer&#10;&#10;Description automatically generated">
+          <p:cNvPr id="5" name="Picture 4" descr="A screenshot of a computer&#10;&#10;Description automatically generated">
             <a:extLst>
               <a:ext uri="{FF2B5EF4-FFF2-40B4-BE49-F238E27FC236}">
-                <a16:creationId xmlns:a16="http://schemas.microsoft.com/office/drawing/2014/main" id="{18F61EB1-9F84-9C23-5A74-455E75922FC5}"/>
+                <a16:creationId xmlns:a16="http://schemas.microsoft.com/office/drawing/2014/main" id="{0B30E957-4B30-B604-6B1E-6B65619D4D4E}"/>
               </a:ext>
             </a:extLst>
           </p:cNvPr>
@@ -15999,8 +15999,8 @@
         </p:blipFill>
         <p:spPr>
           <a:xfrm>
-            <a:off x="251520" y="1772816"/>
-            <a:ext cx="7772400" cy="1005485"/>
+            <a:off x="827584" y="3573016"/>
+            <a:ext cx="7772400" cy="2526942"/>
           </a:xfrm>
           <a:prstGeom prst="rect">
             <a:avLst/>
@@ -16009,10 +16009,10 @@
       </p:pic>
       <p:pic>
         <p:nvPicPr>
-          <p:cNvPr id="5" name="Picture 4" descr="A screenshot of a computer&#10;&#10;Description automatically generated">
+          <p:cNvPr id="4" name="Picture 3" descr="A close up of a text&#10;&#10;Description automatically generated">
             <a:extLst>
               <a:ext uri="{FF2B5EF4-FFF2-40B4-BE49-F238E27FC236}">
-                <a16:creationId xmlns:a16="http://schemas.microsoft.com/office/drawing/2014/main" id="{0B30E957-4B30-B604-6B1E-6B65619D4D4E}"/>
+                <a16:creationId xmlns:a16="http://schemas.microsoft.com/office/drawing/2014/main" id="{E6E00326-F89A-95E7-F7C9-5017368F93A4}"/>
               </a:ext>
             </a:extLst>
           </p:cNvPr>
@@ -16029,8 +16029,8 @@
         </p:blipFill>
         <p:spPr>
           <a:xfrm>
-            <a:off x="827584" y="3573016"/>
-            <a:ext cx="7772400" cy="2526942"/>
+            <a:off x="395536" y="1484784"/>
+            <a:ext cx="7772400" cy="1194222"/>
           </a:xfrm>
           <a:prstGeom prst="rect">
             <a:avLst/>
@@ -16836,7 +16836,7 @@
           <a:noFill/>
           <a:extLst>
             <a:ext uri="{909E8E84-426E-40dd-AFC4-6F175D3DCCD1}">
-              <a14:hiddenFill xmlns="" xmlns:a14="http://schemas.microsoft.com/office/drawing/2010/main">
+              <a14:hiddenFill xmlns:a14="http://schemas.microsoft.com/office/drawing/2010/main" xmlns="">
                 <a:solidFill>
                   <a:srgbClr val="FFFFFF"/>
                 </a:solidFill>
@@ -17094,7 +17094,7 @@
           <a:noFill/>
           <a:extLst>
             <a:ext uri="{909E8E84-426E-40dd-AFC4-6F175D3DCCD1}">
-              <a14:hiddenFill xmlns="" xmlns:a14="http://schemas.microsoft.com/office/drawing/2010/main">
+              <a14:hiddenFill xmlns:a14="http://schemas.microsoft.com/office/drawing/2010/main" xmlns="">
                 <a:solidFill>
                   <a:srgbClr val="FFFFFF"/>
                 </a:solidFill>

--- a/Lectures/Lecture 6 - Genome Assembly.pptx
+++ b/Lectures/Lecture 6 - Genome Assembly.pptx
@@ -7675,7 +7675,7 @@
           <a:noFill/>
           <a:extLst>
             <a:ext uri="{909E8E84-426E-40dd-AFC4-6F175D3DCCD1}">
-              <a14:hiddenFill xmlns:a14="http://schemas.microsoft.com/office/drawing/2010/main" xmlns="">
+              <a14:hiddenFill xmlns="" xmlns:a14="http://schemas.microsoft.com/office/drawing/2010/main">
                 <a:solidFill>
                   <a:srgbClr val="FFFFFF"/>
                 </a:solidFill>
@@ -16037,6 +16037,55 @@
           </a:prstGeom>
         </p:spPr>
       </p:pic>
+      <p:sp>
+        <p:nvSpPr>
+          <p:cNvPr id="2" name="TextBox 1">
+            <a:extLst>
+              <a:ext uri="{FF2B5EF4-FFF2-40B4-BE49-F238E27FC236}">
+                <a16:creationId xmlns:a16="http://schemas.microsoft.com/office/drawing/2014/main" id="{B197E0DA-C2E7-55B1-CB07-0252C66B6D0D}"/>
+              </a:ext>
+            </a:extLst>
+          </p:cNvPr>
+          <p:cNvSpPr txBox="1"/>
+          <p:nvPr/>
+        </p:nvSpPr>
+        <p:spPr>
+          <a:xfrm>
+            <a:off x="6228184" y="236831"/>
+            <a:ext cx="2160240" cy="707886"/>
+          </a:xfrm>
+          <a:prstGeom prst="rect">
+            <a:avLst/>
+          </a:prstGeom>
+          <a:noFill/>
+          <a:ln w="25400">
+            <a:solidFill>
+              <a:srgbClr val="FF0000"/>
+            </a:solidFill>
+          </a:ln>
+        </p:spPr>
+        <p:txBody>
+          <a:bodyPr wrap="square" rtlCol="0">
+            <a:spAutoFit/>
+          </a:bodyPr>
+          <a:lstStyle/>
+          <a:p>
+            <a:pPr algn="ctr"/>
+            <a:r>
+              <a:rPr lang="en-US" sz="2000" dirty="0"/>
+              <a:t>Critical Review due October 27</a:t>
+            </a:r>
+            <a:r>
+              <a:rPr lang="en-US" sz="2000" baseline="30000" dirty="0"/>
+              <a:t>th</a:t>
+            </a:r>
+            <a:r>
+              <a:rPr lang="en-US" sz="2000" dirty="0"/>
+              <a:t>!</a:t>
+            </a:r>
+          </a:p>
+        </p:txBody>
+      </p:sp>
     </p:spTree>
     <p:extLst>
       <p:ext uri="{BB962C8B-B14F-4D97-AF65-F5344CB8AC3E}">
@@ -16836,7 +16885,7 @@
           <a:noFill/>
           <a:extLst>
             <a:ext uri="{909E8E84-426E-40dd-AFC4-6F175D3DCCD1}">
-              <a14:hiddenFill xmlns:a14="http://schemas.microsoft.com/office/drawing/2010/main" xmlns="">
+              <a14:hiddenFill xmlns="" xmlns:a14="http://schemas.microsoft.com/office/drawing/2010/main">
                 <a:solidFill>
                   <a:srgbClr val="FFFFFF"/>
                 </a:solidFill>
@@ -17094,7 +17143,7 @@
           <a:noFill/>
           <a:extLst>
             <a:ext uri="{909E8E84-426E-40dd-AFC4-6F175D3DCCD1}">
-              <a14:hiddenFill xmlns:a14="http://schemas.microsoft.com/office/drawing/2010/main" xmlns="">
+              <a14:hiddenFill xmlns="" xmlns:a14="http://schemas.microsoft.com/office/drawing/2010/main">
                 <a:solidFill>
                   <a:srgbClr val="FFFFFF"/>
                 </a:solidFill>

--- a/Lectures/Lecture 6 - Genome Assembly.pptx
+++ b/Lectures/Lecture 6 - Genome Assembly.pptx
@@ -2,7 +2,7 @@
 <file path=ppt/presentation.xml><?xml version="1.0" encoding="utf-8"?>
 <p:presentation xmlns:a="http://schemas.openxmlformats.org/drawingml/2006/main" xmlns:r="http://schemas.openxmlformats.org/officeDocument/2006/relationships" xmlns:p="http://schemas.openxmlformats.org/presentationml/2006/main" strictFirstAndLastChars="0" saveSubsetFonts="1" autoCompressPictures="0">
   <p:sldMasterIdLst>
-    <p:sldMasterId id="2147483649" r:id="rId1"/>
+    <p:sldMasterId id="2147483673" r:id="rId1"/>
   </p:sldMasterIdLst>
   <p:notesMasterIdLst>
     <p:notesMasterId r:id="rId37"/>
@@ -50,122 +50,92 @@
     <a:defPPr>
       <a:defRPr lang="en-US"/>
     </a:defPPr>
-    <a:lvl1pPr algn="l" rtl="0" eaLnBrk="0" fontAlgn="base" hangingPunct="0">
-      <a:spcBef>
-        <a:spcPct val="0"/>
-      </a:spcBef>
-      <a:spcAft>
-        <a:spcPct val="0"/>
-      </a:spcAft>
-      <a:defRPr sz="2400" kern="1200">
+    <a:lvl1pPr marL="0" algn="l" defTabSz="914400" rtl="0" eaLnBrk="1" latinLnBrk="0" hangingPunct="1">
+      <a:defRPr sz="1800" kern="1200">
         <a:solidFill>
           <a:schemeClr val="tx1"/>
         </a:solidFill>
-        <a:latin typeface="Times" charset="0"/>
+        <a:latin typeface="+mn-lt"/>
         <a:ea typeface="+mn-ea"/>
         <a:cs typeface="+mn-cs"/>
       </a:defRPr>
     </a:lvl1pPr>
-    <a:lvl2pPr marL="457200" algn="l" rtl="0" eaLnBrk="0" fontAlgn="base" hangingPunct="0">
-      <a:spcBef>
-        <a:spcPct val="0"/>
-      </a:spcBef>
-      <a:spcAft>
-        <a:spcPct val="0"/>
-      </a:spcAft>
-      <a:defRPr sz="2400" kern="1200">
+    <a:lvl2pPr marL="457200" algn="l" defTabSz="914400" rtl="0" eaLnBrk="1" latinLnBrk="0" hangingPunct="1">
+      <a:defRPr sz="1800" kern="1200">
         <a:solidFill>
           <a:schemeClr val="tx1"/>
         </a:solidFill>
-        <a:latin typeface="Times" charset="0"/>
+        <a:latin typeface="+mn-lt"/>
         <a:ea typeface="+mn-ea"/>
         <a:cs typeface="+mn-cs"/>
       </a:defRPr>
     </a:lvl2pPr>
-    <a:lvl3pPr marL="914400" algn="l" rtl="0" eaLnBrk="0" fontAlgn="base" hangingPunct="0">
-      <a:spcBef>
-        <a:spcPct val="0"/>
-      </a:spcBef>
-      <a:spcAft>
-        <a:spcPct val="0"/>
-      </a:spcAft>
-      <a:defRPr sz="2400" kern="1200">
+    <a:lvl3pPr marL="914400" algn="l" defTabSz="914400" rtl="0" eaLnBrk="1" latinLnBrk="0" hangingPunct="1">
+      <a:defRPr sz="1800" kern="1200">
         <a:solidFill>
           <a:schemeClr val="tx1"/>
         </a:solidFill>
-        <a:latin typeface="Times" charset="0"/>
+        <a:latin typeface="+mn-lt"/>
         <a:ea typeface="+mn-ea"/>
         <a:cs typeface="+mn-cs"/>
       </a:defRPr>
     </a:lvl3pPr>
-    <a:lvl4pPr marL="1371600" algn="l" rtl="0" eaLnBrk="0" fontAlgn="base" hangingPunct="0">
-      <a:spcBef>
-        <a:spcPct val="0"/>
-      </a:spcBef>
-      <a:spcAft>
-        <a:spcPct val="0"/>
-      </a:spcAft>
-      <a:defRPr sz="2400" kern="1200">
+    <a:lvl4pPr marL="1371600" algn="l" defTabSz="914400" rtl="0" eaLnBrk="1" latinLnBrk="0" hangingPunct="1">
+      <a:defRPr sz="1800" kern="1200">
         <a:solidFill>
           <a:schemeClr val="tx1"/>
         </a:solidFill>
-        <a:latin typeface="Times" charset="0"/>
+        <a:latin typeface="+mn-lt"/>
         <a:ea typeface="+mn-ea"/>
         <a:cs typeface="+mn-cs"/>
       </a:defRPr>
     </a:lvl4pPr>
-    <a:lvl5pPr marL="1828800" algn="l" rtl="0" eaLnBrk="0" fontAlgn="base" hangingPunct="0">
-      <a:spcBef>
-        <a:spcPct val="0"/>
-      </a:spcBef>
-      <a:spcAft>
-        <a:spcPct val="0"/>
-      </a:spcAft>
-      <a:defRPr sz="2400" kern="1200">
+    <a:lvl5pPr marL="1828800" algn="l" defTabSz="914400" rtl="0" eaLnBrk="1" latinLnBrk="0" hangingPunct="1">
+      <a:defRPr sz="1800" kern="1200">
         <a:solidFill>
           <a:schemeClr val="tx1"/>
         </a:solidFill>
-        <a:latin typeface="Times" charset="0"/>
+        <a:latin typeface="+mn-lt"/>
         <a:ea typeface="+mn-ea"/>
         <a:cs typeface="+mn-cs"/>
       </a:defRPr>
     </a:lvl5pPr>
-    <a:lvl6pPr marL="2286000" algn="l" defTabSz="457200" rtl="0" eaLnBrk="1" latinLnBrk="0" hangingPunct="1">
-      <a:defRPr sz="2400" kern="1200">
+    <a:lvl6pPr marL="2286000" algn="l" defTabSz="914400" rtl="0" eaLnBrk="1" latinLnBrk="0" hangingPunct="1">
+      <a:defRPr sz="1800" kern="1200">
         <a:solidFill>
           <a:schemeClr val="tx1"/>
         </a:solidFill>
-        <a:latin typeface="Times" charset="0"/>
+        <a:latin typeface="+mn-lt"/>
         <a:ea typeface="+mn-ea"/>
         <a:cs typeface="+mn-cs"/>
       </a:defRPr>
     </a:lvl6pPr>
-    <a:lvl7pPr marL="2743200" algn="l" defTabSz="457200" rtl="0" eaLnBrk="1" latinLnBrk="0" hangingPunct="1">
-      <a:defRPr sz="2400" kern="1200">
+    <a:lvl7pPr marL="2743200" algn="l" defTabSz="914400" rtl="0" eaLnBrk="1" latinLnBrk="0" hangingPunct="1">
+      <a:defRPr sz="1800" kern="1200">
         <a:solidFill>
           <a:schemeClr val="tx1"/>
         </a:solidFill>
-        <a:latin typeface="Times" charset="0"/>
+        <a:latin typeface="+mn-lt"/>
         <a:ea typeface="+mn-ea"/>
         <a:cs typeface="+mn-cs"/>
       </a:defRPr>
     </a:lvl7pPr>
-    <a:lvl8pPr marL="3200400" algn="l" defTabSz="457200" rtl="0" eaLnBrk="1" latinLnBrk="0" hangingPunct="1">
-      <a:defRPr sz="2400" kern="1200">
+    <a:lvl8pPr marL="3200400" algn="l" defTabSz="914400" rtl="0" eaLnBrk="1" latinLnBrk="0" hangingPunct="1">
+      <a:defRPr sz="1800" kern="1200">
         <a:solidFill>
           <a:schemeClr val="tx1"/>
         </a:solidFill>
-        <a:latin typeface="Times" charset="0"/>
+        <a:latin typeface="+mn-lt"/>
         <a:ea typeface="+mn-ea"/>
         <a:cs typeface="+mn-cs"/>
       </a:defRPr>
     </a:lvl8pPr>
-    <a:lvl9pPr marL="3657600" algn="l" defTabSz="457200" rtl="0" eaLnBrk="1" latinLnBrk="0" hangingPunct="1">
-      <a:defRPr sz="2400" kern="1200">
+    <a:lvl9pPr marL="3657600" algn="l" defTabSz="914400" rtl="0" eaLnBrk="1" latinLnBrk="0" hangingPunct="1">
+      <a:defRPr sz="1800" kern="1200">
         <a:solidFill>
           <a:schemeClr val="tx1"/>
         </a:solidFill>
-        <a:latin typeface="Times" charset="0"/>
+        <a:latin typeface="+mn-lt"/>
         <a:ea typeface="+mn-ea"/>
         <a:cs typeface="+mn-cs"/>
       </a:defRPr>
@@ -984,7 +954,7 @@
           <a:lstStyle/>
           <a:p>
             <a:pPr eaLnBrk="1" hangingPunct="1"/>
-            <a:endParaRPr lang="en-US"/>
+            <a:endParaRPr lang="en-US" dirty="0"/>
           </a:p>
         </p:txBody>
       </p:sp>
@@ -1077,7 +1047,7 @@
           <a:lstStyle/>
           <a:p>
             <a:pPr eaLnBrk="1" hangingPunct="1"/>
-            <a:endParaRPr lang="en-US"/>
+            <a:endParaRPr lang="en-US" dirty="0"/>
           </a:p>
         </p:txBody>
       </p:sp>
@@ -1517,7 +1487,7 @@
           <a:lstStyle/>
           <a:p>
             <a:pPr eaLnBrk="1" hangingPunct="1"/>
-            <a:endParaRPr lang="en-US"/>
+            <a:endParaRPr lang="en-US" dirty="0"/>
           </a:p>
         </p:txBody>
       </p:sp>
@@ -3783,25 +3753,31 @@
       </p:grpSpPr>
       <p:sp>
         <p:nvSpPr>
-          <p:cNvPr id="4098" name="Rectangle 2"/>
-          <p:cNvSpPr>
-            <a:spLocks noGrp="1" noChangeArrowheads="1"/>
-          </p:cNvSpPr>
-          <p:nvPr>
-            <p:ph type="ctrTitle" sz="quarter"/>
+          <p:cNvPr id="2" name="Title 1">
+            <a:extLst>
+              <a:ext uri="{FF2B5EF4-FFF2-40B4-BE49-F238E27FC236}">
+                <a16:creationId xmlns:a16="http://schemas.microsoft.com/office/drawing/2014/main" id="{9582E84F-CA0F-F3F1-B11C-057158714E3E}"/>
+              </a:ext>
+            </a:extLst>
+          </p:cNvPr>
+          <p:cNvSpPr>
+            <a:spLocks noGrp="1"/>
+          </p:cNvSpPr>
+          <p:nvPr>
+            <p:ph type="ctrTitle"/>
           </p:nvPr>
         </p:nvSpPr>
         <p:spPr>
           <a:xfrm>
-            <a:off x="685800" y="2057400"/>
-            <a:ext cx="7772400" cy="1143000"/>
+            <a:off x="1143000" y="1122363"/>
+            <a:ext cx="6858000" cy="2387600"/>
           </a:xfrm>
         </p:spPr>
         <p:txBody>
-          <a:bodyPr/>
+          <a:bodyPr anchor="b"/>
           <a:lstStyle>
-            <a:lvl1pPr>
-              <a:defRPr/>
+            <a:lvl1pPr algn="ctr">
+              <a:defRPr sz="4500"/>
             </a:lvl1pPr>
           </a:lstStyle>
           <a:p>
@@ -3814,28 +3790,65 @@
       </p:sp>
       <p:sp>
         <p:nvSpPr>
-          <p:cNvPr id="4099" name="Rectangle 3"/>
-          <p:cNvSpPr>
-            <a:spLocks noGrp="1" noChangeArrowheads="1"/>
-          </p:cNvSpPr>
-          <p:nvPr>
-            <p:ph type="subTitle" sz="quarter" idx="1"/>
+          <p:cNvPr id="3" name="Subtitle 2">
+            <a:extLst>
+              <a:ext uri="{FF2B5EF4-FFF2-40B4-BE49-F238E27FC236}">
+                <a16:creationId xmlns:a16="http://schemas.microsoft.com/office/drawing/2014/main" id="{F324007D-A6F5-1281-1A3B-D8D0B0CB1306}"/>
+              </a:ext>
+            </a:extLst>
+          </p:cNvPr>
+          <p:cNvSpPr>
+            <a:spLocks noGrp="1"/>
+          </p:cNvSpPr>
+          <p:nvPr>
+            <p:ph type="subTitle" idx="1"/>
           </p:nvPr>
         </p:nvSpPr>
         <p:spPr>
           <a:xfrm>
-            <a:off x="1371600" y="3886200"/>
-            <a:ext cx="6400800" cy="1752600"/>
+            <a:off x="1143000" y="3602038"/>
+            <a:ext cx="6858000" cy="1655762"/>
           </a:xfrm>
         </p:spPr>
         <p:txBody>
           <a:bodyPr/>
           <a:lstStyle>
             <a:lvl1pPr marL="0" indent="0" algn="ctr">
-              <a:buFontTx/>
               <a:buNone/>
-              <a:defRPr/>
+              <a:defRPr sz="1800"/>
             </a:lvl1pPr>
+            <a:lvl2pPr marL="342900" indent="0" algn="ctr">
+              <a:buNone/>
+              <a:defRPr sz="1500"/>
+            </a:lvl2pPr>
+            <a:lvl3pPr marL="685800" indent="0" algn="ctr">
+              <a:buNone/>
+              <a:defRPr sz="1350"/>
+            </a:lvl3pPr>
+            <a:lvl4pPr marL="1028700" indent="0" algn="ctr">
+              <a:buNone/>
+              <a:defRPr sz="1200"/>
+            </a:lvl4pPr>
+            <a:lvl5pPr marL="1371600" indent="0" algn="ctr">
+              <a:buNone/>
+              <a:defRPr sz="1200"/>
+            </a:lvl5pPr>
+            <a:lvl6pPr marL="1714500" indent="0" algn="ctr">
+              <a:buNone/>
+              <a:defRPr sz="1200"/>
+            </a:lvl6pPr>
+            <a:lvl7pPr marL="2057400" indent="0" algn="ctr">
+              <a:buNone/>
+              <a:defRPr sz="1200"/>
+            </a:lvl7pPr>
+            <a:lvl8pPr marL="2400300" indent="0" algn="ctr">
+              <a:buNone/>
+              <a:defRPr sz="1200"/>
+            </a:lvl8pPr>
+            <a:lvl9pPr marL="2743200" indent="0" algn="ctr">
+              <a:buNone/>
+              <a:defRPr sz="1200"/>
+            </a:lvl9pPr>
           </a:lstStyle>
           <a:p>
             <a:r>
@@ -3845,7 +3858,95 @@
           </a:p>
         </p:txBody>
       </p:sp>
+      <p:sp>
+        <p:nvSpPr>
+          <p:cNvPr id="4" name="Date Placeholder 3">
+            <a:extLst>
+              <a:ext uri="{FF2B5EF4-FFF2-40B4-BE49-F238E27FC236}">
+                <a16:creationId xmlns:a16="http://schemas.microsoft.com/office/drawing/2014/main" id="{DDDB82E9-9958-2F50-AC82-4966AE52CA7D}"/>
+              </a:ext>
+            </a:extLst>
+          </p:cNvPr>
+          <p:cNvSpPr>
+            <a:spLocks noGrp="1"/>
+          </p:cNvSpPr>
+          <p:nvPr>
+            <p:ph type="dt" sz="half" idx="10"/>
+          </p:nvPr>
+        </p:nvSpPr>
+        <p:spPr/>
+        <p:txBody>
+          <a:bodyPr/>
+          <a:lstStyle/>
+          <a:p>
+            <a:fld id="{6F32340F-EB3C-814E-8CF6-E0459DBB578D}" type="datetimeFigureOut">
+              <a:rPr lang="en-US" smtClean="0"/>
+              <a:t>8/8/25</a:t>
+            </a:fld>
+            <a:endParaRPr lang="en-US"/>
+          </a:p>
+        </p:txBody>
+      </p:sp>
+      <p:sp>
+        <p:nvSpPr>
+          <p:cNvPr id="5" name="Footer Placeholder 4">
+            <a:extLst>
+              <a:ext uri="{FF2B5EF4-FFF2-40B4-BE49-F238E27FC236}">
+                <a16:creationId xmlns:a16="http://schemas.microsoft.com/office/drawing/2014/main" id="{CEAFD1DC-45D2-8F15-979A-F76784F8CAD1}"/>
+              </a:ext>
+            </a:extLst>
+          </p:cNvPr>
+          <p:cNvSpPr>
+            <a:spLocks noGrp="1"/>
+          </p:cNvSpPr>
+          <p:nvPr>
+            <p:ph type="ftr" sz="quarter" idx="11"/>
+          </p:nvPr>
+        </p:nvSpPr>
+        <p:spPr/>
+        <p:txBody>
+          <a:bodyPr/>
+          <a:lstStyle/>
+          <a:p>
+            <a:endParaRPr lang="en-US"/>
+          </a:p>
+        </p:txBody>
+      </p:sp>
+      <p:sp>
+        <p:nvSpPr>
+          <p:cNvPr id="6" name="Slide Number Placeholder 5">
+            <a:extLst>
+              <a:ext uri="{FF2B5EF4-FFF2-40B4-BE49-F238E27FC236}">
+                <a16:creationId xmlns:a16="http://schemas.microsoft.com/office/drawing/2014/main" id="{2A1E828A-6522-3C15-CC48-D2EB7FF6AA88}"/>
+              </a:ext>
+            </a:extLst>
+          </p:cNvPr>
+          <p:cNvSpPr>
+            <a:spLocks noGrp="1"/>
+          </p:cNvSpPr>
+          <p:nvPr>
+            <p:ph type="sldNum" sz="quarter" idx="12"/>
+          </p:nvPr>
+        </p:nvSpPr>
+        <p:spPr/>
+        <p:txBody>
+          <a:bodyPr/>
+          <a:lstStyle/>
+          <a:p>
+            <a:fld id="{E6755A53-597F-F64F-8E34-BA2E7A65C5D8}" type="slidenum">
+              <a:rPr lang="en-US" smtClean="0"/>
+              <a:t>‹#›</a:t>
+            </a:fld>
+            <a:endParaRPr lang="en-US"/>
+          </a:p>
+        </p:txBody>
+      </p:sp>
     </p:spTree>
+    <p:extLst>
+      <p:ext uri="{BB962C8B-B14F-4D97-AF65-F5344CB8AC3E}">
+        <p14:creationId xmlns:p14="http://schemas.microsoft.com/office/powerpoint/2010/main" val="1462111306"/>
+      </p:ext>
+    </p:extLst>
   </p:cSld>
   <p:clrMapOvr>
     <a:masterClrMapping/>
@@ -3872,7 +3973,13 @@
       </p:grpSpPr>
       <p:sp>
         <p:nvSpPr>
-          <p:cNvPr id="2" name="Title 1"/>
+          <p:cNvPr id="2" name="Title 1">
+            <a:extLst>
+              <a:ext uri="{FF2B5EF4-FFF2-40B4-BE49-F238E27FC236}">
+                <a16:creationId xmlns:a16="http://schemas.microsoft.com/office/drawing/2014/main" id="{1E07A185-B097-EC62-7093-A1D5350FF621}"/>
+              </a:ext>
+            </a:extLst>
+          </p:cNvPr>
           <p:cNvSpPr>
             <a:spLocks noGrp="1"/>
           </p:cNvSpPr>
@@ -3894,7 +4001,13 @@
       </p:sp>
       <p:sp>
         <p:nvSpPr>
-          <p:cNvPr id="3" name="Vertical Text Placeholder 2"/>
+          <p:cNvPr id="3" name="Vertical Text Placeholder 2">
+            <a:extLst>
+              <a:ext uri="{FF2B5EF4-FFF2-40B4-BE49-F238E27FC236}">
+                <a16:creationId xmlns:a16="http://schemas.microsoft.com/office/drawing/2014/main" id="{398DF80D-2B05-02C4-29C7-415FD4AE7A7B}"/>
+              </a:ext>
+            </a:extLst>
+          </p:cNvPr>
           <p:cNvSpPr>
             <a:spLocks noGrp="1"/>
           </p:cNvSpPr>
@@ -3945,24 +4058,24 @@
       </p:sp>
       <p:sp>
         <p:nvSpPr>
-          <p:cNvPr id="4" name="Rectangle 14"/>
-          <p:cNvSpPr>
-            <a:spLocks noGrp="1" noChangeArrowheads="1"/>
+          <p:cNvPr id="4" name="Date Placeholder 3">
+            <a:extLst>
+              <a:ext uri="{FF2B5EF4-FFF2-40B4-BE49-F238E27FC236}">
+                <a16:creationId xmlns:a16="http://schemas.microsoft.com/office/drawing/2014/main" id="{E3829E7A-C46B-235A-BE9B-6B586A62F0E6}"/>
+              </a:ext>
+            </a:extLst>
+          </p:cNvPr>
+          <p:cNvSpPr>
+            <a:spLocks noGrp="1"/>
           </p:cNvSpPr>
           <p:nvPr>
             <p:ph type="dt" sz="half" idx="10"/>
           </p:nvPr>
         </p:nvSpPr>
-        <p:spPr>
-          <a:ln/>
-        </p:spPr>
+        <p:spPr/>
         <p:txBody>
           <a:bodyPr/>
-          <a:lstStyle>
-            <a:lvl1pPr>
-              <a:defRPr/>
-            </a:lvl1pPr>
-          </a:lstStyle>
+          <a:lstStyle/>
           <a:p>
             <a:pPr>
               <a:defRPr/>
@@ -3973,24 +4086,24 @@
       </p:sp>
       <p:sp>
         <p:nvSpPr>
-          <p:cNvPr id="5" name="Rectangle 15"/>
-          <p:cNvSpPr>
-            <a:spLocks noGrp="1" noChangeArrowheads="1"/>
+          <p:cNvPr id="5" name="Footer Placeholder 4">
+            <a:extLst>
+              <a:ext uri="{FF2B5EF4-FFF2-40B4-BE49-F238E27FC236}">
+                <a16:creationId xmlns:a16="http://schemas.microsoft.com/office/drawing/2014/main" id="{D907460F-E6F1-473F-EAF8-67F2DEC2C578}"/>
+              </a:ext>
+            </a:extLst>
+          </p:cNvPr>
+          <p:cNvSpPr>
+            <a:spLocks noGrp="1"/>
           </p:cNvSpPr>
           <p:nvPr>
             <p:ph type="ftr" sz="quarter" idx="11"/>
           </p:nvPr>
         </p:nvSpPr>
-        <p:spPr>
-          <a:ln/>
-        </p:spPr>
+        <p:spPr/>
         <p:txBody>
           <a:bodyPr/>
-          <a:lstStyle>
-            <a:lvl1pPr>
-              <a:defRPr/>
-            </a:lvl1pPr>
-          </a:lstStyle>
+          <a:lstStyle/>
           <a:p>
             <a:pPr>
               <a:defRPr/>
@@ -4001,30 +4114,30 @@
       </p:sp>
       <p:sp>
         <p:nvSpPr>
-          <p:cNvPr id="6" name="Rectangle 16"/>
-          <p:cNvSpPr>
-            <a:spLocks noGrp="1" noChangeArrowheads="1"/>
+          <p:cNvPr id="6" name="Slide Number Placeholder 5">
+            <a:extLst>
+              <a:ext uri="{FF2B5EF4-FFF2-40B4-BE49-F238E27FC236}">
+                <a16:creationId xmlns:a16="http://schemas.microsoft.com/office/drawing/2014/main" id="{4CBB9C74-22D4-2DF4-593B-CB952FAB78D3}"/>
+              </a:ext>
+            </a:extLst>
+          </p:cNvPr>
+          <p:cNvSpPr>
+            <a:spLocks noGrp="1"/>
           </p:cNvSpPr>
           <p:nvPr>
             <p:ph type="sldNum" sz="quarter" idx="12"/>
           </p:nvPr>
         </p:nvSpPr>
-        <p:spPr>
-          <a:ln/>
-        </p:spPr>
+        <p:spPr/>
         <p:txBody>
           <a:bodyPr/>
-          <a:lstStyle>
-            <a:lvl1pPr>
-              <a:defRPr/>
-            </a:lvl1pPr>
-          </a:lstStyle>
+          <a:lstStyle/>
           <a:p>
             <a:pPr>
               <a:defRPr/>
             </a:pPr>
             <a:fld id="{A5A5E3B6-6E25-8746-A1EF-0C61A376E09C}" type="slidenum">
-              <a:rPr lang="en-US"/>
+              <a:rPr lang="en-US" smtClean="0"/>
               <a:pPr>
                 <a:defRPr/>
               </a:pPr>
@@ -4035,6 +4148,11 @@
         </p:txBody>
       </p:sp>
     </p:spTree>
+    <p:extLst>
+      <p:ext uri="{BB962C8B-B14F-4D97-AF65-F5344CB8AC3E}">
+        <p14:creationId xmlns:p14="http://schemas.microsoft.com/office/powerpoint/2010/main" val="2963504434"/>
+      </p:ext>
+    </p:extLst>
   </p:cSld>
   <p:clrMapOvr>
     <a:masterClrMapping/>
@@ -4061,7 +4179,13 @@
       </p:grpSpPr>
       <p:sp>
         <p:nvSpPr>
-          <p:cNvPr id="2" name="Vertical Title 1"/>
+          <p:cNvPr id="2" name="Vertical Title 1">
+            <a:extLst>
+              <a:ext uri="{FF2B5EF4-FFF2-40B4-BE49-F238E27FC236}">
+                <a16:creationId xmlns:a16="http://schemas.microsoft.com/office/drawing/2014/main" id="{68642EF2-FC51-3C34-3440-9B2854A38400}"/>
+              </a:ext>
+            </a:extLst>
+          </p:cNvPr>
           <p:cNvSpPr>
             <a:spLocks noGrp="1"/>
           </p:cNvSpPr>
@@ -4071,8 +4195,8 @@
         </p:nvSpPr>
         <p:spPr>
           <a:xfrm>
-            <a:off x="6343650" y="0"/>
-            <a:ext cx="2114550" cy="6096000"/>
+            <a:off x="6543675" y="365125"/>
+            <a:ext cx="1971675" cy="5811838"/>
           </a:xfrm>
         </p:spPr>
         <p:txBody>
@@ -4088,7 +4212,13 @@
       </p:sp>
       <p:sp>
         <p:nvSpPr>
-          <p:cNvPr id="3" name="Vertical Text Placeholder 2"/>
+          <p:cNvPr id="3" name="Vertical Text Placeholder 2">
+            <a:extLst>
+              <a:ext uri="{FF2B5EF4-FFF2-40B4-BE49-F238E27FC236}">
+                <a16:creationId xmlns:a16="http://schemas.microsoft.com/office/drawing/2014/main" id="{D74043B9-FB7A-95D4-5206-D67DD5E26DE4}"/>
+              </a:ext>
+            </a:extLst>
+          </p:cNvPr>
           <p:cNvSpPr>
             <a:spLocks noGrp="1"/>
           </p:cNvSpPr>
@@ -4098,8 +4228,8 @@
         </p:nvSpPr>
         <p:spPr>
           <a:xfrm>
-            <a:off x="0" y="0"/>
-            <a:ext cx="6191250" cy="6096000"/>
+            <a:off x="628650" y="365125"/>
+            <a:ext cx="5800725" cy="5811838"/>
           </a:xfrm>
         </p:spPr>
         <p:txBody>
@@ -4144,24 +4274,24 @@
       </p:sp>
       <p:sp>
         <p:nvSpPr>
-          <p:cNvPr id="4" name="Rectangle 14"/>
-          <p:cNvSpPr>
-            <a:spLocks noGrp="1" noChangeArrowheads="1"/>
+          <p:cNvPr id="4" name="Date Placeholder 3">
+            <a:extLst>
+              <a:ext uri="{FF2B5EF4-FFF2-40B4-BE49-F238E27FC236}">
+                <a16:creationId xmlns:a16="http://schemas.microsoft.com/office/drawing/2014/main" id="{A9DD1C80-E2B2-D4D2-C4C4-F94839BA0F65}"/>
+              </a:ext>
+            </a:extLst>
+          </p:cNvPr>
+          <p:cNvSpPr>
+            <a:spLocks noGrp="1"/>
           </p:cNvSpPr>
           <p:nvPr>
             <p:ph type="dt" sz="half" idx="10"/>
           </p:nvPr>
         </p:nvSpPr>
-        <p:spPr>
-          <a:ln/>
-        </p:spPr>
+        <p:spPr/>
         <p:txBody>
           <a:bodyPr/>
-          <a:lstStyle>
-            <a:lvl1pPr>
-              <a:defRPr/>
-            </a:lvl1pPr>
-          </a:lstStyle>
+          <a:lstStyle/>
           <a:p>
             <a:pPr>
               <a:defRPr/>
@@ -4172,24 +4302,24 @@
       </p:sp>
       <p:sp>
         <p:nvSpPr>
-          <p:cNvPr id="5" name="Rectangle 15"/>
-          <p:cNvSpPr>
-            <a:spLocks noGrp="1" noChangeArrowheads="1"/>
+          <p:cNvPr id="5" name="Footer Placeholder 4">
+            <a:extLst>
+              <a:ext uri="{FF2B5EF4-FFF2-40B4-BE49-F238E27FC236}">
+                <a16:creationId xmlns:a16="http://schemas.microsoft.com/office/drawing/2014/main" id="{80BE7421-5DD7-F4B1-B1E3-7E4C9E637C4E}"/>
+              </a:ext>
+            </a:extLst>
+          </p:cNvPr>
+          <p:cNvSpPr>
+            <a:spLocks noGrp="1"/>
           </p:cNvSpPr>
           <p:nvPr>
             <p:ph type="ftr" sz="quarter" idx="11"/>
           </p:nvPr>
         </p:nvSpPr>
-        <p:spPr>
-          <a:ln/>
-        </p:spPr>
+        <p:spPr/>
         <p:txBody>
           <a:bodyPr/>
-          <a:lstStyle>
-            <a:lvl1pPr>
-              <a:defRPr/>
-            </a:lvl1pPr>
-          </a:lstStyle>
+          <a:lstStyle/>
           <a:p>
             <a:pPr>
               <a:defRPr/>
@@ -4200,30 +4330,30 @@
       </p:sp>
       <p:sp>
         <p:nvSpPr>
-          <p:cNvPr id="6" name="Rectangle 16"/>
-          <p:cNvSpPr>
-            <a:spLocks noGrp="1" noChangeArrowheads="1"/>
+          <p:cNvPr id="6" name="Slide Number Placeholder 5">
+            <a:extLst>
+              <a:ext uri="{FF2B5EF4-FFF2-40B4-BE49-F238E27FC236}">
+                <a16:creationId xmlns:a16="http://schemas.microsoft.com/office/drawing/2014/main" id="{B9C456B3-BF06-4FA9-2F3D-707DD661EDCB}"/>
+              </a:ext>
+            </a:extLst>
+          </p:cNvPr>
+          <p:cNvSpPr>
+            <a:spLocks noGrp="1"/>
           </p:cNvSpPr>
           <p:nvPr>
             <p:ph type="sldNum" sz="quarter" idx="12"/>
           </p:nvPr>
         </p:nvSpPr>
-        <p:spPr>
-          <a:ln/>
-        </p:spPr>
+        <p:spPr/>
         <p:txBody>
           <a:bodyPr/>
-          <a:lstStyle>
-            <a:lvl1pPr>
-              <a:defRPr/>
-            </a:lvl1pPr>
-          </a:lstStyle>
+          <a:lstStyle/>
           <a:p>
             <a:pPr>
               <a:defRPr/>
             </a:pPr>
             <a:fld id="{E34BA3A9-4E0B-FD49-BE1E-B8179035C6A1}" type="slidenum">
-              <a:rPr lang="en-US"/>
+              <a:rPr lang="en-US" smtClean="0"/>
               <a:pPr>
                 <a:defRPr/>
               </a:pPr>
@@ -4234,6 +4364,11 @@
         </p:txBody>
       </p:sp>
     </p:spTree>
+    <p:extLst>
+      <p:ext uri="{BB962C8B-B14F-4D97-AF65-F5344CB8AC3E}">
+        <p14:creationId xmlns:p14="http://schemas.microsoft.com/office/powerpoint/2010/main" val="184835154"/>
+      </p:ext>
+    </p:extLst>
   </p:cSld>
   <p:clrMapOvr>
     <a:masterClrMapping/>
@@ -4260,7 +4395,13 @@
       </p:grpSpPr>
       <p:sp>
         <p:nvSpPr>
-          <p:cNvPr id="2" name="Title 1"/>
+          <p:cNvPr id="2" name="Title 1">
+            <a:extLst>
+              <a:ext uri="{FF2B5EF4-FFF2-40B4-BE49-F238E27FC236}">
+                <a16:creationId xmlns:a16="http://schemas.microsoft.com/office/drawing/2014/main" id="{25E4F5E5-F420-BD6A-F6BB-B2B84A26108D}"/>
+              </a:ext>
+            </a:extLst>
+          </p:cNvPr>
           <p:cNvSpPr>
             <a:spLocks noGrp="1"/>
           </p:cNvSpPr>
@@ -4282,7 +4423,13 @@
       </p:sp>
       <p:sp>
         <p:nvSpPr>
-          <p:cNvPr id="3" name="Content Placeholder 2"/>
+          <p:cNvPr id="3" name="Content Placeholder 2">
+            <a:extLst>
+              <a:ext uri="{FF2B5EF4-FFF2-40B4-BE49-F238E27FC236}">
+                <a16:creationId xmlns:a16="http://schemas.microsoft.com/office/drawing/2014/main" id="{248D8661-3CEE-8911-3F22-3086A04C565D}"/>
+              </a:ext>
+            </a:extLst>
+          </p:cNvPr>
           <p:cNvSpPr>
             <a:spLocks noGrp="1"/>
           </p:cNvSpPr>
@@ -4333,24 +4480,24 @@
       </p:sp>
       <p:sp>
         <p:nvSpPr>
-          <p:cNvPr id="4" name="Rectangle 14"/>
-          <p:cNvSpPr>
-            <a:spLocks noGrp="1" noChangeArrowheads="1"/>
+          <p:cNvPr id="4" name="Date Placeholder 3">
+            <a:extLst>
+              <a:ext uri="{FF2B5EF4-FFF2-40B4-BE49-F238E27FC236}">
+                <a16:creationId xmlns:a16="http://schemas.microsoft.com/office/drawing/2014/main" id="{E2E978DA-BA35-C561-2B1B-B5A4264765B8}"/>
+              </a:ext>
+            </a:extLst>
+          </p:cNvPr>
+          <p:cNvSpPr>
+            <a:spLocks noGrp="1"/>
           </p:cNvSpPr>
           <p:nvPr>
             <p:ph type="dt" sz="half" idx="10"/>
           </p:nvPr>
         </p:nvSpPr>
-        <p:spPr>
-          <a:ln/>
-        </p:spPr>
+        <p:spPr/>
         <p:txBody>
           <a:bodyPr/>
-          <a:lstStyle>
-            <a:lvl1pPr>
-              <a:defRPr/>
-            </a:lvl1pPr>
-          </a:lstStyle>
+          <a:lstStyle/>
           <a:p>
             <a:pPr>
               <a:defRPr/>
@@ -4361,24 +4508,24 @@
       </p:sp>
       <p:sp>
         <p:nvSpPr>
-          <p:cNvPr id="5" name="Rectangle 15"/>
-          <p:cNvSpPr>
-            <a:spLocks noGrp="1" noChangeArrowheads="1"/>
+          <p:cNvPr id="5" name="Footer Placeholder 4">
+            <a:extLst>
+              <a:ext uri="{FF2B5EF4-FFF2-40B4-BE49-F238E27FC236}">
+                <a16:creationId xmlns:a16="http://schemas.microsoft.com/office/drawing/2014/main" id="{F359B693-DBF1-0902-A581-0BF9DE0056E1}"/>
+              </a:ext>
+            </a:extLst>
+          </p:cNvPr>
+          <p:cNvSpPr>
+            <a:spLocks noGrp="1"/>
           </p:cNvSpPr>
           <p:nvPr>
             <p:ph type="ftr" sz="quarter" idx="11"/>
           </p:nvPr>
         </p:nvSpPr>
-        <p:spPr>
-          <a:ln/>
-        </p:spPr>
+        <p:spPr/>
         <p:txBody>
           <a:bodyPr/>
-          <a:lstStyle>
-            <a:lvl1pPr>
-              <a:defRPr/>
-            </a:lvl1pPr>
-          </a:lstStyle>
+          <a:lstStyle/>
           <a:p>
             <a:pPr>
               <a:defRPr/>
@@ -4389,30 +4536,30 @@
       </p:sp>
       <p:sp>
         <p:nvSpPr>
-          <p:cNvPr id="6" name="Rectangle 16"/>
-          <p:cNvSpPr>
-            <a:spLocks noGrp="1" noChangeArrowheads="1"/>
+          <p:cNvPr id="6" name="Slide Number Placeholder 5">
+            <a:extLst>
+              <a:ext uri="{FF2B5EF4-FFF2-40B4-BE49-F238E27FC236}">
+                <a16:creationId xmlns:a16="http://schemas.microsoft.com/office/drawing/2014/main" id="{4DE321F6-1F46-0521-CC03-B5F55070A7A5}"/>
+              </a:ext>
+            </a:extLst>
+          </p:cNvPr>
+          <p:cNvSpPr>
+            <a:spLocks noGrp="1"/>
           </p:cNvSpPr>
           <p:nvPr>
             <p:ph type="sldNum" sz="quarter" idx="12"/>
           </p:nvPr>
         </p:nvSpPr>
-        <p:spPr>
-          <a:ln/>
-        </p:spPr>
+        <p:spPr/>
         <p:txBody>
           <a:bodyPr/>
-          <a:lstStyle>
-            <a:lvl1pPr>
-              <a:defRPr/>
-            </a:lvl1pPr>
-          </a:lstStyle>
+          <a:lstStyle/>
           <a:p>
             <a:pPr>
               <a:defRPr/>
             </a:pPr>
             <a:fld id="{18470F46-84F3-4841-A00A-8EAA56A98436}" type="slidenum">
-              <a:rPr lang="en-US"/>
+              <a:rPr lang="en-US" smtClean="0"/>
               <a:pPr>
                 <a:defRPr/>
               </a:pPr>
@@ -4423,6 +4570,11 @@
         </p:txBody>
       </p:sp>
     </p:spTree>
+    <p:extLst>
+      <p:ext uri="{BB962C8B-B14F-4D97-AF65-F5344CB8AC3E}">
+        <p14:creationId xmlns:p14="http://schemas.microsoft.com/office/powerpoint/2010/main" val="78849287"/>
+      </p:ext>
+    </p:extLst>
   </p:cSld>
   <p:clrMapOvr>
     <a:masterClrMapping/>
@@ -4449,7 +4601,13 @@
       </p:grpSpPr>
       <p:sp>
         <p:nvSpPr>
-          <p:cNvPr id="2" name="Title 1"/>
+          <p:cNvPr id="2" name="Title 1">
+            <a:extLst>
+              <a:ext uri="{FF2B5EF4-FFF2-40B4-BE49-F238E27FC236}">
+                <a16:creationId xmlns:a16="http://schemas.microsoft.com/office/drawing/2014/main" id="{5357010F-6D42-98F9-D77A-0B38EE30961B}"/>
+              </a:ext>
+            </a:extLst>
+          </p:cNvPr>
           <p:cNvSpPr>
             <a:spLocks noGrp="1"/>
           </p:cNvSpPr>
@@ -4459,15 +4617,15 @@
         </p:nvSpPr>
         <p:spPr>
           <a:xfrm>
-            <a:off x="722313" y="4406900"/>
-            <a:ext cx="7772400" cy="1362075"/>
+            <a:off x="623887" y="1709738"/>
+            <a:ext cx="7886700" cy="2852737"/>
           </a:xfrm>
         </p:spPr>
         <p:txBody>
-          <a:bodyPr anchor="t"/>
+          <a:bodyPr anchor="b"/>
           <a:lstStyle>
-            <a:lvl1pPr algn="l">
-              <a:defRPr sz="4000" b="1" cap="all"/>
+            <a:lvl1pPr>
+              <a:defRPr sz="4500"/>
             </a:lvl1pPr>
           </a:lstStyle>
           <a:p>
@@ -4480,7 +4638,13 @@
       </p:sp>
       <p:sp>
         <p:nvSpPr>
-          <p:cNvPr id="3" name="Text Placeholder 2"/>
+          <p:cNvPr id="3" name="Text Placeholder 2">
+            <a:extLst>
+              <a:ext uri="{FF2B5EF4-FFF2-40B4-BE49-F238E27FC236}">
+                <a16:creationId xmlns:a16="http://schemas.microsoft.com/office/drawing/2014/main" id="{C877A62A-9558-B9AD-B2E6-531DB9EFC1D2}"/>
+              </a:ext>
+            </a:extLst>
+          </p:cNvPr>
           <p:cNvSpPr>
             <a:spLocks noGrp="1"/>
           </p:cNvSpPr>
@@ -4490,48 +4654,102 @@
         </p:nvSpPr>
         <p:spPr>
           <a:xfrm>
-            <a:off x="722313" y="2906713"/>
-            <a:ext cx="7772400" cy="1500187"/>
+            <a:off x="623887" y="4589464"/>
+            <a:ext cx="7886700" cy="1500187"/>
           </a:xfrm>
         </p:spPr>
         <p:txBody>
-          <a:bodyPr anchor="b"/>
+          <a:bodyPr/>
           <a:lstStyle>
             <a:lvl1pPr marL="0" indent="0">
               <a:buNone/>
-              <a:defRPr sz="2000"/>
+              <a:defRPr sz="1800">
+                <a:solidFill>
+                  <a:schemeClr val="tx1">
+                    <a:tint val="82000"/>
+                  </a:schemeClr>
+                </a:solidFill>
+              </a:defRPr>
             </a:lvl1pPr>
-            <a:lvl2pPr marL="457200" indent="0">
+            <a:lvl2pPr marL="342900" indent="0">
               <a:buNone/>
-              <a:defRPr sz="1800"/>
+              <a:defRPr sz="1500">
+                <a:solidFill>
+                  <a:schemeClr val="tx1">
+                    <a:tint val="82000"/>
+                  </a:schemeClr>
+                </a:solidFill>
+              </a:defRPr>
             </a:lvl2pPr>
-            <a:lvl3pPr marL="914400" indent="0">
+            <a:lvl3pPr marL="685800" indent="0">
               <a:buNone/>
-              <a:defRPr sz="1600"/>
+              <a:defRPr sz="1350">
+                <a:solidFill>
+                  <a:schemeClr val="tx1">
+                    <a:tint val="82000"/>
+                  </a:schemeClr>
+                </a:solidFill>
+              </a:defRPr>
             </a:lvl3pPr>
-            <a:lvl4pPr marL="1371600" indent="0">
+            <a:lvl4pPr marL="1028700" indent="0">
               <a:buNone/>
-              <a:defRPr sz="1400"/>
+              <a:defRPr sz="1200">
+                <a:solidFill>
+                  <a:schemeClr val="tx1">
+                    <a:tint val="82000"/>
+                  </a:schemeClr>
+                </a:solidFill>
+              </a:defRPr>
             </a:lvl4pPr>
-            <a:lvl5pPr marL="1828800" indent="0">
+            <a:lvl5pPr marL="1371600" indent="0">
               <a:buNone/>
-              <a:defRPr sz="1400"/>
+              <a:defRPr sz="1200">
+                <a:solidFill>
+                  <a:schemeClr val="tx1">
+                    <a:tint val="82000"/>
+                  </a:schemeClr>
+                </a:solidFill>
+              </a:defRPr>
             </a:lvl5pPr>
-            <a:lvl6pPr marL="2286000" indent="0">
+            <a:lvl6pPr marL="1714500" indent="0">
               <a:buNone/>
-              <a:defRPr sz="1400"/>
+              <a:defRPr sz="1200">
+                <a:solidFill>
+                  <a:schemeClr val="tx1">
+                    <a:tint val="82000"/>
+                  </a:schemeClr>
+                </a:solidFill>
+              </a:defRPr>
             </a:lvl6pPr>
-            <a:lvl7pPr marL="2743200" indent="0">
+            <a:lvl7pPr marL="2057400" indent="0">
               <a:buNone/>
-              <a:defRPr sz="1400"/>
+              <a:defRPr sz="1200">
+                <a:solidFill>
+                  <a:schemeClr val="tx1">
+                    <a:tint val="82000"/>
+                  </a:schemeClr>
+                </a:solidFill>
+              </a:defRPr>
             </a:lvl7pPr>
-            <a:lvl8pPr marL="3200400" indent="0">
+            <a:lvl8pPr marL="2400300" indent="0">
               <a:buNone/>
-              <a:defRPr sz="1400"/>
+              <a:defRPr sz="1200">
+                <a:solidFill>
+                  <a:schemeClr val="tx1">
+                    <a:tint val="82000"/>
+                  </a:schemeClr>
+                </a:solidFill>
+              </a:defRPr>
             </a:lvl8pPr>
-            <a:lvl9pPr marL="3657600" indent="0">
+            <a:lvl9pPr marL="2743200" indent="0">
               <a:buNone/>
-              <a:defRPr sz="1400"/>
+              <a:defRPr sz="1200">
+                <a:solidFill>
+                  <a:schemeClr val="tx1">
+                    <a:tint val="82000"/>
+                  </a:schemeClr>
+                </a:solidFill>
+              </a:defRPr>
             </a:lvl9pPr>
           </a:lstStyle>
           <a:p>
@@ -4545,24 +4763,24 @@
       </p:sp>
       <p:sp>
         <p:nvSpPr>
-          <p:cNvPr id="4" name="Rectangle 14"/>
-          <p:cNvSpPr>
-            <a:spLocks noGrp="1" noChangeArrowheads="1"/>
+          <p:cNvPr id="4" name="Date Placeholder 3">
+            <a:extLst>
+              <a:ext uri="{FF2B5EF4-FFF2-40B4-BE49-F238E27FC236}">
+                <a16:creationId xmlns:a16="http://schemas.microsoft.com/office/drawing/2014/main" id="{52D4790C-7437-9E11-583B-4E429733203C}"/>
+              </a:ext>
+            </a:extLst>
+          </p:cNvPr>
+          <p:cNvSpPr>
+            <a:spLocks noGrp="1"/>
           </p:cNvSpPr>
           <p:nvPr>
             <p:ph type="dt" sz="half" idx="10"/>
           </p:nvPr>
         </p:nvSpPr>
-        <p:spPr>
-          <a:ln/>
-        </p:spPr>
+        <p:spPr/>
         <p:txBody>
           <a:bodyPr/>
-          <a:lstStyle>
-            <a:lvl1pPr>
-              <a:defRPr/>
-            </a:lvl1pPr>
-          </a:lstStyle>
+          <a:lstStyle/>
           <a:p>
             <a:pPr>
               <a:defRPr/>
@@ -4573,24 +4791,24 @@
       </p:sp>
       <p:sp>
         <p:nvSpPr>
-          <p:cNvPr id="5" name="Rectangle 15"/>
-          <p:cNvSpPr>
-            <a:spLocks noGrp="1" noChangeArrowheads="1"/>
+          <p:cNvPr id="5" name="Footer Placeholder 4">
+            <a:extLst>
+              <a:ext uri="{FF2B5EF4-FFF2-40B4-BE49-F238E27FC236}">
+                <a16:creationId xmlns:a16="http://schemas.microsoft.com/office/drawing/2014/main" id="{9C8101C5-F34A-82E9-DD27-95FB266196C2}"/>
+              </a:ext>
+            </a:extLst>
+          </p:cNvPr>
+          <p:cNvSpPr>
+            <a:spLocks noGrp="1"/>
           </p:cNvSpPr>
           <p:nvPr>
             <p:ph type="ftr" sz="quarter" idx="11"/>
           </p:nvPr>
         </p:nvSpPr>
-        <p:spPr>
-          <a:ln/>
-        </p:spPr>
+        <p:spPr/>
         <p:txBody>
           <a:bodyPr/>
-          <a:lstStyle>
-            <a:lvl1pPr>
-              <a:defRPr/>
-            </a:lvl1pPr>
-          </a:lstStyle>
+          <a:lstStyle/>
           <a:p>
             <a:pPr>
               <a:defRPr/>
@@ -4601,30 +4819,30 @@
       </p:sp>
       <p:sp>
         <p:nvSpPr>
-          <p:cNvPr id="6" name="Rectangle 16"/>
-          <p:cNvSpPr>
-            <a:spLocks noGrp="1" noChangeArrowheads="1"/>
+          <p:cNvPr id="6" name="Slide Number Placeholder 5">
+            <a:extLst>
+              <a:ext uri="{FF2B5EF4-FFF2-40B4-BE49-F238E27FC236}">
+                <a16:creationId xmlns:a16="http://schemas.microsoft.com/office/drawing/2014/main" id="{E86AF8E9-802A-20D0-5F82-62AEF228CC80}"/>
+              </a:ext>
+            </a:extLst>
+          </p:cNvPr>
+          <p:cNvSpPr>
+            <a:spLocks noGrp="1"/>
           </p:cNvSpPr>
           <p:nvPr>
             <p:ph type="sldNum" sz="quarter" idx="12"/>
           </p:nvPr>
         </p:nvSpPr>
-        <p:spPr>
-          <a:ln/>
-        </p:spPr>
+        <p:spPr/>
         <p:txBody>
           <a:bodyPr/>
-          <a:lstStyle>
-            <a:lvl1pPr>
-              <a:defRPr/>
-            </a:lvl1pPr>
-          </a:lstStyle>
+          <a:lstStyle/>
           <a:p>
             <a:pPr>
               <a:defRPr/>
             </a:pPr>
             <a:fld id="{E91B18E3-807F-A74B-B9B0-A9E08F586304}" type="slidenum">
-              <a:rPr lang="en-US"/>
+              <a:rPr lang="en-US" smtClean="0"/>
               <a:pPr>
                 <a:defRPr/>
               </a:pPr>
@@ -4635,6 +4853,11 @@
         </p:txBody>
       </p:sp>
     </p:spTree>
+    <p:extLst>
+      <p:ext uri="{BB962C8B-B14F-4D97-AF65-F5344CB8AC3E}">
+        <p14:creationId xmlns:p14="http://schemas.microsoft.com/office/powerpoint/2010/main" val="1524808602"/>
+      </p:ext>
+    </p:extLst>
   </p:cSld>
   <p:clrMapOvr>
     <a:masterClrMapping/>
@@ -4661,7 +4884,13 @@
       </p:grpSpPr>
       <p:sp>
         <p:nvSpPr>
-          <p:cNvPr id="2" name="Title 1"/>
+          <p:cNvPr id="2" name="Title 1">
+            <a:extLst>
+              <a:ext uri="{FF2B5EF4-FFF2-40B4-BE49-F238E27FC236}">
+                <a16:creationId xmlns:a16="http://schemas.microsoft.com/office/drawing/2014/main" id="{650E1324-4B2B-2D6E-DA47-C768F5041159}"/>
+              </a:ext>
+            </a:extLst>
+          </p:cNvPr>
           <p:cNvSpPr>
             <a:spLocks noGrp="1"/>
           </p:cNvSpPr>
@@ -4683,7 +4912,13 @@
       </p:sp>
       <p:sp>
         <p:nvSpPr>
-          <p:cNvPr id="3" name="Content Placeholder 2"/>
+          <p:cNvPr id="3" name="Content Placeholder 2">
+            <a:extLst>
+              <a:ext uri="{FF2B5EF4-FFF2-40B4-BE49-F238E27FC236}">
+                <a16:creationId xmlns:a16="http://schemas.microsoft.com/office/drawing/2014/main" id="{85E9EF26-7594-30F4-192D-80655C8456F2}"/>
+              </a:ext>
+            </a:extLst>
+          </p:cNvPr>
           <p:cNvSpPr>
             <a:spLocks noGrp="1"/>
           </p:cNvSpPr>
@@ -4693,41 +4928,13 @@
         </p:nvSpPr>
         <p:spPr>
           <a:xfrm>
-            <a:off x="685800" y="1981200"/>
-            <a:ext cx="3810000" cy="4114800"/>
+            <a:off x="628650" y="1825625"/>
+            <a:ext cx="3886200" cy="4351338"/>
           </a:xfrm>
         </p:spPr>
         <p:txBody>
           <a:bodyPr/>
-          <a:lstStyle>
-            <a:lvl1pPr>
-              <a:defRPr sz="2800"/>
-            </a:lvl1pPr>
-            <a:lvl2pPr>
-              <a:defRPr sz="2400"/>
-            </a:lvl2pPr>
-            <a:lvl3pPr>
-              <a:defRPr sz="2000"/>
-            </a:lvl3pPr>
-            <a:lvl4pPr>
-              <a:defRPr sz="1800"/>
-            </a:lvl4pPr>
-            <a:lvl5pPr>
-              <a:defRPr sz="1800"/>
-            </a:lvl5pPr>
-            <a:lvl6pPr>
-              <a:defRPr sz="1800"/>
-            </a:lvl6pPr>
-            <a:lvl7pPr>
-              <a:defRPr sz="1800"/>
-            </a:lvl7pPr>
-            <a:lvl8pPr>
-              <a:defRPr sz="1800"/>
-            </a:lvl8pPr>
-            <a:lvl9pPr>
-              <a:defRPr sz="1800"/>
-            </a:lvl9pPr>
-          </a:lstStyle>
+          <a:lstStyle/>
           <a:p>
             <a:pPr lvl="0"/>
             <a:r>
@@ -4767,7 +4974,13 @@
       </p:sp>
       <p:sp>
         <p:nvSpPr>
-          <p:cNvPr id="4" name="Content Placeholder 3"/>
+          <p:cNvPr id="4" name="Content Placeholder 3">
+            <a:extLst>
+              <a:ext uri="{FF2B5EF4-FFF2-40B4-BE49-F238E27FC236}">
+                <a16:creationId xmlns:a16="http://schemas.microsoft.com/office/drawing/2014/main" id="{07005AFA-51C4-B8EF-2879-281CA2EAB702}"/>
+              </a:ext>
+            </a:extLst>
+          </p:cNvPr>
           <p:cNvSpPr>
             <a:spLocks noGrp="1"/>
           </p:cNvSpPr>
@@ -4777,41 +4990,13 @@
         </p:nvSpPr>
         <p:spPr>
           <a:xfrm>
-            <a:off x="4648200" y="1981200"/>
-            <a:ext cx="3810000" cy="4114800"/>
+            <a:off x="4629150" y="1825625"/>
+            <a:ext cx="3886200" cy="4351338"/>
           </a:xfrm>
         </p:spPr>
         <p:txBody>
           <a:bodyPr/>
-          <a:lstStyle>
-            <a:lvl1pPr>
-              <a:defRPr sz="2800"/>
-            </a:lvl1pPr>
-            <a:lvl2pPr>
-              <a:defRPr sz="2400"/>
-            </a:lvl2pPr>
-            <a:lvl3pPr>
-              <a:defRPr sz="2000"/>
-            </a:lvl3pPr>
-            <a:lvl4pPr>
-              <a:defRPr sz="1800"/>
-            </a:lvl4pPr>
-            <a:lvl5pPr>
-              <a:defRPr sz="1800"/>
-            </a:lvl5pPr>
-            <a:lvl6pPr>
-              <a:defRPr sz="1800"/>
-            </a:lvl6pPr>
-            <a:lvl7pPr>
-              <a:defRPr sz="1800"/>
-            </a:lvl7pPr>
-            <a:lvl8pPr>
-              <a:defRPr sz="1800"/>
-            </a:lvl8pPr>
-            <a:lvl9pPr>
-              <a:defRPr sz="1800"/>
-            </a:lvl9pPr>
-          </a:lstStyle>
+          <a:lstStyle/>
           <a:p>
             <a:pPr lvl="0"/>
             <a:r>
@@ -4851,24 +5036,24 @@
       </p:sp>
       <p:sp>
         <p:nvSpPr>
-          <p:cNvPr id="5" name="Rectangle 14"/>
-          <p:cNvSpPr>
-            <a:spLocks noGrp="1" noChangeArrowheads="1"/>
+          <p:cNvPr id="5" name="Date Placeholder 4">
+            <a:extLst>
+              <a:ext uri="{FF2B5EF4-FFF2-40B4-BE49-F238E27FC236}">
+                <a16:creationId xmlns:a16="http://schemas.microsoft.com/office/drawing/2014/main" id="{114011E2-755C-C4CD-8558-D90C40E71800}"/>
+              </a:ext>
+            </a:extLst>
+          </p:cNvPr>
+          <p:cNvSpPr>
+            <a:spLocks noGrp="1"/>
           </p:cNvSpPr>
           <p:nvPr>
             <p:ph type="dt" sz="half" idx="10"/>
           </p:nvPr>
         </p:nvSpPr>
-        <p:spPr>
-          <a:ln/>
-        </p:spPr>
+        <p:spPr/>
         <p:txBody>
           <a:bodyPr/>
-          <a:lstStyle>
-            <a:lvl1pPr>
-              <a:defRPr/>
-            </a:lvl1pPr>
-          </a:lstStyle>
+          <a:lstStyle/>
           <a:p>
             <a:pPr>
               <a:defRPr/>
@@ -4879,24 +5064,24 @@
       </p:sp>
       <p:sp>
         <p:nvSpPr>
-          <p:cNvPr id="6" name="Rectangle 15"/>
-          <p:cNvSpPr>
-            <a:spLocks noGrp="1" noChangeArrowheads="1"/>
+          <p:cNvPr id="6" name="Footer Placeholder 5">
+            <a:extLst>
+              <a:ext uri="{FF2B5EF4-FFF2-40B4-BE49-F238E27FC236}">
+                <a16:creationId xmlns:a16="http://schemas.microsoft.com/office/drawing/2014/main" id="{7C359642-EE40-848D-DA1C-F3736B350EA4}"/>
+              </a:ext>
+            </a:extLst>
+          </p:cNvPr>
+          <p:cNvSpPr>
+            <a:spLocks noGrp="1"/>
           </p:cNvSpPr>
           <p:nvPr>
             <p:ph type="ftr" sz="quarter" idx="11"/>
           </p:nvPr>
         </p:nvSpPr>
-        <p:spPr>
-          <a:ln/>
-        </p:spPr>
+        <p:spPr/>
         <p:txBody>
           <a:bodyPr/>
-          <a:lstStyle>
-            <a:lvl1pPr>
-              <a:defRPr/>
-            </a:lvl1pPr>
-          </a:lstStyle>
+          <a:lstStyle/>
           <a:p>
             <a:pPr>
               <a:defRPr/>
@@ -4907,30 +5092,30 @@
       </p:sp>
       <p:sp>
         <p:nvSpPr>
-          <p:cNvPr id="7" name="Rectangle 16"/>
-          <p:cNvSpPr>
-            <a:spLocks noGrp="1" noChangeArrowheads="1"/>
+          <p:cNvPr id="7" name="Slide Number Placeholder 6">
+            <a:extLst>
+              <a:ext uri="{FF2B5EF4-FFF2-40B4-BE49-F238E27FC236}">
+                <a16:creationId xmlns:a16="http://schemas.microsoft.com/office/drawing/2014/main" id="{56FB3FB1-B4D9-E56D-003E-17C8DAAB2B09}"/>
+              </a:ext>
+            </a:extLst>
+          </p:cNvPr>
+          <p:cNvSpPr>
+            <a:spLocks noGrp="1"/>
           </p:cNvSpPr>
           <p:nvPr>
             <p:ph type="sldNum" sz="quarter" idx="12"/>
           </p:nvPr>
         </p:nvSpPr>
-        <p:spPr>
-          <a:ln/>
-        </p:spPr>
+        <p:spPr/>
         <p:txBody>
           <a:bodyPr/>
-          <a:lstStyle>
-            <a:lvl1pPr>
-              <a:defRPr/>
-            </a:lvl1pPr>
-          </a:lstStyle>
+          <a:lstStyle/>
           <a:p>
             <a:pPr>
               <a:defRPr/>
             </a:pPr>
             <a:fld id="{5B2A4FA1-8607-774C-AA86-B85150486884}" type="slidenum">
-              <a:rPr lang="en-US"/>
+              <a:rPr lang="en-US" smtClean="0"/>
               <a:pPr>
                 <a:defRPr/>
               </a:pPr>
@@ -4941,6 +5126,11 @@
         </p:txBody>
       </p:sp>
     </p:spTree>
+    <p:extLst>
+      <p:ext uri="{BB962C8B-B14F-4D97-AF65-F5344CB8AC3E}">
+        <p14:creationId xmlns:p14="http://schemas.microsoft.com/office/powerpoint/2010/main" val="556582451"/>
+      </p:ext>
+    </p:extLst>
   </p:cSld>
   <p:clrMapOvr>
     <a:masterClrMapping/>
@@ -4967,7 +5157,13 @@
       </p:grpSpPr>
       <p:sp>
         <p:nvSpPr>
-          <p:cNvPr id="2" name="Title 1"/>
+          <p:cNvPr id="2" name="Title 1">
+            <a:extLst>
+              <a:ext uri="{FF2B5EF4-FFF2-40B4-BE49-F238E27FC236}">
+                <a16:creationId xmlns:a16="http://schemas.microsoft.com/office/drawing/2014/main" id="{A84B25A6-FD09-6809-277F-D587E7320724}"/>
+              </a:ext>
+            </a:extLst>
+          </p:cNvPr>
           <p:cNvSpPr>
             <a:spLocks noGrp="1"/>
           </p:cNvSpPr>
@@ -4977,17 +5173,13 @@
         </p:nvSpPr>
         <p:spPr>
           <a:xfrm>
-            <a:off x="457200" y="274638"/>
-            <a:ext cx="8229600" cy="1143000"/>
+            <a:off x="629841" y="365126"/>
+            <a:ext cx="7886700" cy="1325563"/>
           </a:xfrm>
         </p:spPr>
         <p:txBody>
           <a:bodyPr/>
-          <a:lstStyle>
-            <a:lvl1pPr>
-              <a:defRPr/>
-            </a:lvl1pPr>
-          </a:lstStyle>
+          <a:lstStyle/>
           <a:p>
             <a:r>
               <a:rPr lang="en-US"/>
@@ -4998,7 +5190,13 @@
       </p:sp>
       <p:sp>
         <p:nvSpPr>
-          <p:cNvPr id="3" name="Text Placeholder 2"/>
+          <p:cNvPr id="3" name="Text Placeholder 2">
+            <a:extLst>
+              <a:ext uri="{FF2B5EF4-FFF2-40B4-BE49-F238E27FC236}">
+                <a16:creationId xmlns:a16="http://schemas.microsoft.com/office/drawing/2014/main" id="{A0EBA403-FA95-6B04-E3AB-0D4FFAC91186}"/>
+              </a:ext>
+            </a:extLst>
+          </p:cNvPr>
           <p:cNvSpPr>
             <a:spLocks noGrp="1"/>
           </p:cNvSpPr>
@@ -5008,8 +5206,8 @@
         </p:nvSpPr>
         <p:spPr>
           <a:xfrm>
-            <a:off x="457200" y="1535113"/>
-            <a:ext cx="4040188" cy="639762"/>
+            <a:off x="629842" y="1681163"/>
+            <a:ext cx="3868340" cy="823912"/>
           </a:xfrm>
         </p:spPr>
         <p:txBody>
@@ -5017,39 +5215,39 @@
           <a:lstStyle>
             <a:lvl1pPr marL="0" indent="0">
               <a:buNone/>
-              <a:defRPr sz="2400" b="1"/>
+              <a:defRPr sz="1800" b="1"/>
             </a:lvl1pPr>
-            <a:lvl2pPr marL="457200" indent="0">
+            <a:lvl2pPr marL="342900" indent="0">
               <a:buNone/>
-              <a:defRPr sz="2000" b="1"/>
+              <a:defRPr sz="1500" b="1"/>
             </a:lvl2pPr>
-            <a:lvl3pPr marL="914400" indent="0">
+            <a:lvl3pPr marL="685800" indent="0">
               <a:buNone/>
-              <a:defRPr sz="1800" b="1"/>
+              <a:defRPr sz="1350" b="1"/>
             </a:lvl3pPr>
-            <a:lvl4pPr marL="1371600" indent="0">
+            <a:lvl4pPr marL="1028700" indent="0">
               <a:buNone/>
-              <a:defRPr sz="1600" b="1"/>
+              <a:defRPr sz="1200" b="1"/>
             </a:lvl4pPr>
-            <a:lvl5pPr marL="1828800" indent="0">
+            <a:lvl5pPr marL="1371600" indent="0">
               <a:buNone/>
-              <a:defRPr sz="1600" b="1"/>
+              <a:defRPr sz="1200" b="1"/>
             </a:lvl5pPr>
-            <a:lvl6pPr marL="2286000" indent="0">
+            <a:lvl6pPr marL="1714500" indent="0">
               <a:buNone/>
-              <a:defRPr sz="1600" b="1"/>
+              <a:defRPr sz="1200" b="1"/>
             </a:lvl6pPr>
-            <a:lvl7pPr marL="2743200" indent="0">
+            <a:lvl7pPr marL="2057400" indent="0">
               <a:buNone/>
-              <a:defRPr sz="1600" b="1"/>
+              <a:defRPr sz="1200" b="1"/>
             </a:lvl7pPr>
-            <a:lvl8pPr marL="3200400" indent="0">
+            <a:lvl8pPr marL="2400300" indent="0">
               <a:buNone/>
-              <a:defRPr sz="1600" b="1"/>
+              <a:defRPr sz="1200" b="1"/>
             </a:lvl8pPr>
-            <a:lvl9pPr marL="3657600" indent="0">
+            <a:lvl9pPr marL="2743200" indent="0">
               <a:buNone/>
-              <a:defRPr sz="1600" b="1"/>
+              <a:defRPr sz="1200" b="1"/>
             </a:lvl9pPr>
           </a:lstStyle>
           <a:p>
@@ -5063,7 +5261,13 @@
       </p:sp>
       <p:sp>
         <p:nvSpPr>
-          <p:cNvPr id="4" name="Content Placeholder 3"/>
+          <p:cNvPr id="4" name="Content Placeholder 3">
+            <a:extLst>
+              <a:ext uri="{FF2B5EF4-FFF2-40B4-BE49-F238E27FC236}">
+                <a16:creationId xmlns:a16="http://schemas.microsoft.com/office/drawing/2014/main" id="{A51D6865-DA91-D932-7392-ACA5B7D1FE3F}"/>
+              </a:ext>
+            </a:extLst>
+          </p:cNvPr>
           <p:cNvSpPr>
             <a:spLocks noGrp="1"/>
           </p:cNvSpPr>
@@ -5073,41 +5277,13 @@
         </p:nvSpPr>
         <p:spPr>
           <a:xfrm>
-            <a:off x="457200" y="2174875"/>
-            <a:ext cx="4040188" cy="3951288"/>
+            <a:off x="629842" y="2505075"/>
+            <a:ext cx="3868340" cy="3684588"/>
           </a:xfrm>
         </p:spPr>
         <p:txBody>
           <a:bodyPr/>
-          <a:lstStyle>
-            <a:lvl1pPr>
-              <a:defRPr sz="2400"/>
-            </a:lvl1pPr>
-            <a:lvl2pPr>
-              <a:defRPr sz="2000"/>
-            </a:lvl2pPr>
-            <a:lvl3pPr>
-              <a:defRPr sz="1800"/>
-            </a:lvl3pPr>
-            <a:lvl4pPr>
-              <a:defRPr sz="1600"/>
-            </a:lvl4pPr>
-            <a:lvl5pPr>
-              <a:defRPr sz="1600"/>
-            </a:lvl5pPr>
-            <a:lvl6pPr>
-              <a:defRPr sz="1600"/>
-            </a:lvl6pPr>
-            <a:lvl7pPr>
-              <a:defRPr sz="1600"/>
-            </a:lvl7pPr>
-            <a:lvl8pPr>
-              <a:defRPr sz="1600"/>
-            </a:lvl8pPr>
-            <a:lvl9pPr>
-              <a:defRPr sz="1600"/>
-            </a:lvl9pPr>
-          </a:lstStyle>
+          <a:lstStyle/>
           <a:p>
             <a:pPr lvl="0"/>
             <a:r>
@@ -5147,7 +5323,13 @@
       </p:sp>
       <p:sp>
         <p:nvSpPr>
-          <p:cNvPr id="5" name="Text Placeholder 4"/>
+          <p:cNvPr id="5" name="Text Placeholder 4">
+            <a:extLst>
+              <a:ext uri="{FF2B5EF4-FFF2-40B4-BE49-F238E27FC236}">
+                <a16:creationId xmlns:a16="http://schemas.microsoft.com/office/drawing/2014/main" id="{91800B66-A797-6651-93C8-F5313B1C46FA}"/>
+              </a:ext>
+            </a:extLst>
+          </p:cNvPr>
           <p:cNvSpPr>
             <a:spLocks noGrp="1"/>
           </p:cNvSpPr>
@@ -5157,8 +5339,8 @@
         </p:nvSpPr>
         <p:spPr>
           <a:xfrm>
-            <a:off x="4645025" y="1535113"/>
-            <a:ext cx="4041775" cy="639762"/>
+            <a:off x="4629150" y="1681163"/>
+            <a:ext cx="3887391" cy="823912"/>
           </a:xfrm>
         </p:spPr>
         <p:txBody>
@@ -5166,39 +5348,39 @@
           <a:lstStyle>
             <a:lvl1pPr marL="0" indent="0">
               <a:buNone/>
-              <a:defRPr sz="2400" b="1"/>
+              <a:defRPr sz="1800" b="1"/>
             </a:lvl1pPr>
-            <a:lvl2pPr marL="457200" indent="0">
+            <a:lvl2pPr marL="342900" indent="0">
               <a:buNone/>
-              <a:defRPr sz="2000" b="1"/>
+              <a:defRPr sz="1500" b="1"/>
             </a:lvl2pPr>
-            <a:lvl3pPr marL="914400" indent="0">
+            <a:lvl3pPr marL="685800" indent="0">
               <a:buNone/>
-              <a:defRPr sz="1800" b="1"/>
+              <a:defRPr sz="1350" b="1"/>
             </a:lvl3pPr>
-            <a:lvl4pPr marL="1371600" indent="0">
+            <a:lvl4pPr marL="1028700" indent="0">
               <a:buNone/>
-              <a:defRPr sz="1600" b="1"/>
+              <a:defRPr sz="1200" b="1"/>
             </a:lvl4pPr>
-            <a:lvl5pPr marL="1828800" indent="0">
+            <a:lvl5pPr marL="1371600" indent="0">
               <a:buNone/>
-              <a:defRPr sz="1600" b="1"/>
+              <a:defRPr sz="1200" b="1"/>
             </a:lvl5pPr>
-            <a:lvl6pPr marL="2286000" indent="0">
+            <a:lvl6pPr marL="1714500" indent="0">
               <a:buNone/>
-              <a:defRPr sz="1600" b="1"/>
+              <a:defRPr sz="1200" b="1"/>
             </a:lvl6pPr>
-            <a:lvl7pPr marL="2743200" indent="0">
+            <a:lvl7pPr marL="2057400" indent="0">
               <a:buNone/>
-              <a:defRPr sz="1600" b="1"/>
+              <a:defRPr sz="1200" b="1"/>
             </a:lvl7pPr>
-            <a:lvl8pPr marL="3200400" indent="0">
+            <a:lvl8pPr marL="2400300" indent="0">
               <a:buNone/>
-              <a:defRPr sz="1600" b="1"/>
+              <a:defRPr sz="1200" b="1"/>
             </a:lvl8pPr>
-            <a:lvl9pPr marL="3657600" indent="0">
+            <a:lvl9pPr marL="2743200" indent="0">
               <a:buNone/>
-              <a:defRPr sz="1600" b="1"/>
+              <a:defRPr sz="1200" b="1"/>
             </a:lvl9pPr>
           </a:lstStyle>
           <a:p>
@@ -5212,7 +5394,13 @@
       </p:sp>
       <p:sp>
         <p:nvSpPr>
-          <p:cNvPr id="6" name="Content Placeholder 5"/>
+          <p:cNvPr id="6" name="Content Placeholder 5">
+            <a:extLst>
+              <a:ext uri="{FF2B5EF4-FFF2-40B4-BE49-F238E27FC236}">
+                <a16:creationId xmlns:a16="http://schemas.microsoft.com/office/drawing/2014/main" id="{6EB2B3E3-77D6-9F7C-9B75-1173C3D2BE61}"/>
+              </a:ext>
+            </a:extLst>
+          </p:cNvPr>
           <p:cNvSpPr>
             <a:spLocks noGrp="1"/>
           </p:cNvSpPr>
@@ -5222,41 +5410,13 @@
         </p:nvSpPr>
         <p:spPr>
           <a:xfrm>
-            <a:off x="4645025" y="2174875"/>
-            <a:ext cx="4041775" cy="3951288"/>
+            <a:off x="4629150" y="2505075"/>
+            <a:ext cx="3887391" cy="3684588"/>
           </a:xfrm>
         </p:spPr>
         <p:txBody>
           <a:bodyPr/>
-          <a:lstStyle>
-            <a:lvl1pPr>
-              <a:defRPr sz="2400"/>
-            </a:lvl1pPr>
-            <a:lvl2pPr>
-              <a:defRPr sz="2000"/>
-            </a:lvl2pPr>
-            <a:lvl3pPr>
-              <a:defRPr sz="1800"/>
-            </a:lvl3pPr>
-            <a:lvl4pPr>
-              <a:defRPr sz="1600"/>
-            </a:lvl4pPr>
-            <a:lvl5pPr>
-              <a:defRPr sz="1600"/>
-            </a:lvl5pPr>
-            <a:lvl6pPr>
-              <a:defRPr sz="1600"/>
-            </a:lvl6pPr>
-            <a:lvl7pPr>
-              <a:defRPr sz="1600"/>
-            </a:lvl7pPr>
-            <a:lvl8pPr>
-              <a:defRPr sz="1600"/>
-            </a:lvl8pPr>
-            <a:lvl9pPr>
-              <a:defRPr sz="1600"/>
-            </a:lvl9pPr>
-          </a:lstStyle>
+          <a:lstStyle/>
           <a:p>
             <a:pPr lvl="0"/>
             <a:r>
@@ -5296,24 +5456,24 @@
       </p:sp>
       <p:sp>
         <p:nvSpPr>
-          <p:cNvPr id="7" name="Rectangle 14"/>
-          <p:cNvSpPr>
-            <a:spLocks noGrp="1" noChangeArrowheads="1"/>
+          <p:cNvPr id="7" name="Date Placeholder 6">
+            <a:extLst>
+              <a:ext uri="{FF2B5EF4-FFF2-40B4-BE49-F238E27FC236}">
+                <a16:creationId xmlns:a16="http://schemas.microsoft.com/office/drawing/2014/main" id="{4126D88B-68A5-D690-378D-B613DD622254}"/>
+              </a:ext>
+            </a:extLst>
+          </p:cNvPr>
+          <p:cNvSpPr>
+            <a:spLocks noGrp="1"/>
           </p:cNvSpPr>
           <p:nvPr>
             <p:ph type="dt" sz="half" idx="10"/>
           </p:nvPr>
         </p:nvSpPr>
-        <p:spPr>
-          <a:ln/>
-        </p:spPr>
+        <p:spPr/>
         <p:txBody>
           <a:bodyPr/>
-          <a:lstStyle>
-            <a:lvl1pPr>
-              <a:defRPr/>
-            </a:lvl1pPr>
-          </a:lstStyle>
+          <a:lstStyle/>
           <a:p>
             <a:pPr>
               <a:defRPr/>
@@ -5324,24 +5484,24 @@
       </p:sp>
       <p:sp>
         <p:nvSpPr>
-          <p:cNvPr id="8" name="Rectangle 15"/>
-          <p:cNvSpPr>
-            <a:spLocks noGrp="1" noChangeArrowheads="1"/>
+          <p:cNvPr id="8" name="Footer Placeholder 7">
+            <a:extLst>
+              <a:ext uri="{FF2B5EF4-FFF2-40B4-BE49-F238E27FC236}">
+                <a16:creationId xmlns:a16="http://schemas.microsoft.com/office/drawing/2014/main" id="{5EC0D2A2-596E-C444-C3AB-0508053982FF}"/>
+              </a:ext>
+            </a:extLst>
+          </p:cNvPr>
+          <p:cNvSpPr>
+            <a:spLocks noGrp="1"/>
           </p:cNvSpPr>
           <p:nvPr>
             <p:ph type="ftr" sz="quarter" idx="11"/>
           </p:nvPr>
         </p:nvSpPr>
-        <p:spPr>
-          <a:ln/>
-        </p:spPr>
+        <p:spPr/>
         <p:txBody>
           <a:bodyPr/>
-          <a:lstStyle>
-            <a:lvl1pPr>
-              <a:defRPr/>
-            </a:lvl1pPr>
-          </a:lstStyle>
+          <a:lstStyle/>
           <a:p>
             <a:pPr>
               <a:defRPr/>
@@ -5352,30 +5512,30 @@
       </p:sp>
       <p:sp>
         <p:nvSpPr>
-          <p:cNvPr id="9" name="Rectangle 16"/>
-          <p:cNvSpPr>
-            <a:spLocks noGrp="1" noChangeArrowheads="1"/>
+          <p:cNvPr id="9" name="Slide Number Placeholder 8">
+            <a:extLst>
+              <a:ext uri="{FF2B5EF4-FFF2-40B4-BE49-F238E27FC236}">
+                <a16:creationId xmlns:a16="http://schemas.microsoft.com/office/drawing/2014/main" id="{9329EED2-709A-87F9-3DD3-CE25B4D44CB1}"/>
+              </a:ext>
+            </a:extLst>
+          </p:cNvPr>
+          <p:cNvSpPr>
+            <a:spLocks noGrp="1"/>
           </p:cNvSpPr>
           <p:nvPr>
             <p:ph type="sldNum" sz="quarter" idx="12"/>
           </p:nvPr>
         </p:nvSpPr>
-        <p:spPr>
-          <a:ln/>
-        </p:spPr>
+        <p:spPr/>
         <p:txBody>
           <a:bodyPr/>
-          <a:lstStyle>
-            <a:lvl1pPr>
-              <a:defRPr/>
-            </a:lvl1pPr>
-          </a:lstStyle>
+          <a:lstStyle/>
           <a:p>
             <a:pPr>
               <a:defRPr/>
             </a:pPr>
             <a:fld id="{E8DEFB5A-64A6-F140-A391-B0801BFA2F38}" type="slidenum">
-              <a:rPr lang="en-US"/>
+              <a:rPr lang="en-US" smtClean="0"/>
               <a:pPr>
                 <a:defRPr/>
               </a:pPr>
@@ -5386,6 +5546,11 @@
         </p:txBody>
       </p:sp>
     </p:spTree>
+    <p:extLst>
+      <p:ext uri="{BB962C8B-B14F-4D97-AF65-F5344CB8AC3E}">
+        <p14:creationId xmlns:p14="http://schemas.microsoft.com/office/powerpoint/2010/main" val="2190365367"/>
+      </p:ext>
+    </p:extLst>
   </p:cSld>
   <p:clrMapOvr>
     <a:masterClrMapping/>
@@ -5412,7 +5577,13 @@
       </p:grpSpPr>
       <p:sp>
         <p:nvSpPr>
-          <p:cNvPr id="2" name="Title 1"/>
+          <p:cNvPr id="2" name="Title 1">
+            <a:extLst>
+              <a:ext uri="{FF2B5EF4-FFF2-40B4-BE49-F238E27FC236}">
+                <a16:creationId xmlns:a16="http://schemas.microsoft.com/office/drawing/2014/main" id="{796B05E4-DEB7-CD91-B6B9-EC7A47CE1622}"/>
+              </a:ext>
+            </a:extLst>
+          </p:cNvPr>
           <p:cNvSpPr>
             <a:spLocks noGrp="1"/>
           </p:cNvSpPr>
@@ -5434,24 +5605,24 @@
       </p:sp>
       <p:sp>
         <p:nvSpPr>
-          <p:cNvPr id="3" name="Rectangle 14"/>
-          <p:cNvSpPr>
-            <a:spLocks noGrp="1" noChangeArrowheads="1"/>
+          <p:cNvPr id="3" name="Date Placeholder 2">
+            <a:extLst>
+              <a:ext uri="{FF2B5EF4-FFF2-40B4-BE49-F238E27FC236}">
+                <a16:creationId xmlns:a16="http://schemas.microsoft.com/office/drawing/2014/main" id="{94F3ECCA-5541-7B9D-C94C-A2FE24B56101}"/>
+              </a:ext>
+            </a:extLst>
+          </p:cNvPr>
+          <p:cNvSpPr>
+            <a:spLocks noGrp="1"/>
           </p:cNvSpPr>
           <p:nvPr>
             <p:ph type="dt" sz="half" idx="10"/>
           </p:nvPr>
         </p:nvSpPr>
-        <p:spPr>
-          <a:ln/>
-        </p:spPr>
+        <p:spPr/>
         <p:txBody>
           <a:bodyPr/>
-          <a:lstStyle>
-            <a:lvl1pPr>
-              <a:defRPr/>
-            </a:lvl1pPr>
-          </a:lstStyle>
+          <a:lstStyle/>
           <a:p>
             <a:pPr>
               <a:defRPr/>
@@ -5462,24 +5633,24 @@
       </p:sp>
       <p:sp>
         <p:nvSpPr>
-          <p:cNvPr id="4" name="Rectangle 15"/>
-          <p:cNvSpPr>
-            <a:spLocks noGrp="1" noChangeArrowheads="1"/>
+          <p:cNvPr id="4" name="Footer Placeholder 3">
+            <a:extLst>
+              <a:ext uri="{FF2B5EF4-FFF2-40B4-BE49-F238E27FC236}">
+                <a16:creationId xmlns:a16="http://schemas.microsoft.com/office/drawing/2014/main" id="{B655A8AD-EA31-B5CD-CF59-4E70C76BCA42}"/>
+              </a:ext>
+            </a:extLst>
+          </p:cNvPr>
+          <p:cNvSpPr>
+            <a:spLocks noGrp="1"/>
           </p:cNvSpPr>
           <p:nvPr>
             <p:ph type="ftr" sz="quarter" idx="11"/>
           </p:nvPr>
         </p:nvSpPr>
-        <p:spPr>
-          <a:ln/>
-        </p:spPr>
+        <p:spPr/>
         <p:txBody>
           <a:bodyPr/>
-          <a:lstStyle>
-            <a:lvl1pPr>
-              <a:defRPr/>
-            </a:lvl1pPr>
-          </a:lstStyle>
+          <a:lstStyle/>
           <a:p>
             <a:pPr>
               <a:defRPr/>
@@ -5490,30 +5661,30 @@
       </p:sp>
       <p:sp>
         <p:nvSpPr>
-          <p:cNvPr id="5" name="Rectangle 16"/>
-          <p:cNvSpPr>
-            <a:spLocks noGrp="1" noChangeArrowheads="1"/>
+          <p:cNvPr id="5" name="Slide Number Placeholder 4">
+            <a:extLst>
+              <a:ext uri="{FF2B5EF4-FFF2-40B4-BE49-F238E27FC236}">
+                <a16:creationId xmlns:a16="http://schemas.microsoft.com/office/drawing/2014/main" id="{6A48A051-EB2D-02C0-084A-89294327C3ED}"/>
+              </a:ext>
+            </a:extLst>
+          </p:cNvPr>
+          <p:cNvSpPr>
+            <a:spLocks noGrp="1"/>
           </p:cNvSpPr>
           <p:nvPr>
             <p:ph type="sldNum" sz="quarter" idx="12"/>
           </p:nvPr>
         </p:nvSpPr>
-        <p:spPr>
-          <a:ln/>
-        </p:spPr>
+        <p:spPr/>
         <p:txBody>
           <a:bodyPr/>
-          <a:lstStyle>
-            <a:lvl1pPr>
-              <a:defRPr/>
-            </a:lvl1pPr>
-          </a:lstStyle>
+          <a:lstStyle/>
           <a:p>
             <a:pPr>
               <a:defRPr/>
             </a:pPr>
             <a:fld id="{4EC0F981-277B-684F-AAEB-A34E77847A0A}" type="slidenum">
-              <a:rPr lang="en-US"/>
+              <a:rPr lang="en-US" smtClean="0"/>
               <a:pPr>
                 <a:defRPr/>
               </a:pPr>
@@ -5524,6 +5695,11 @@
         </p:txBody>
       </p:sp>
     </p:spTree>
+    <p:extLst>
+      <p:ext uri="{BB962C8B-B14F-4D97-AF65-F5344CB8AC3E}">
+        <p14:creationId xmlns:p14="http://schemas.microsoft.com/office/powerpoint/2010/main" val="527456052"/>
+      </p:ext>
+    </p:extLst>
   </p:cSld>
   <p:clrMapOvr>
     <a:masterClrMapping/>
@@ -5550,24 +5726,24 @@
       </p:grpSpPr>
       <p:sp>
         <p:nvSpPr>
-          <p:cNvPr id="2" name="Rectangle 14"/>
-          <p:cNvSpPr>
-            <a:spLocks noGrp="1" noChangeArrowheads="1"/>
+          <p:cNvPr id="2" name="Date Placeholder 1">
+            <a:extLst>
+              <a:ext uri="{FF2B5EF4-FFF2-40B4-BE49-F238E27FC236}">
+                <a16:creationId xmlns:a16="http://schemas.microsoft.com/office/drawing/2014/main" id="{E12758C2-D0E5-65DD-6719-431A826613C1}"/>
+              </a:ext>
+            </a:extLst>
+          </p:cNvPr>
+          <p:cNvSpPr>
+            <a:spLocks noGrp="1"/>
           </p:cNvSpPr>
           <p:nvPr>
             <p:ph type="dt" sz="half" idx="10"/>
           </p:nvPr>
         </p:nvSpPr>
-        <p:spPr>
-          <a:ln/>
-        </p:spPr>
+        <p:spPr/>
         <p:txBody>
           <a:bodyPr/>
-          <a:lstStyle>
-            <a:lvl1pPr>
-              <a:defRPr/>
-            </a:lvl1pPr>
-          </a:lstStyle>
+          <a:lstStyle/>
           <a:p>
             <a:pPr>
               <a:defRPr/>
@@ -5578,24 +5754,24 @@
       </p:sp>
       <p:sp>
         <p:nvSpPr>
-          <p:cNvPr id="3" name="Rectangle 15"/>
-          <p:cNvSpPr>
-            <a:spLocks noGrp="1" noChangeArrowheads="1"/>
+          <p:cNvPr id="3" name="Footer Placeholder 2">
+            <a:extLst>
+              <a:ext uri="{FF2B5EF4-FFF2-40B4-BE49-F238E27FC236}">
+                <a16:creationId xmlns:a16="http://schemas.microsoft.com/office/drawing/2014/main" id="{58420350-B58B-33DF-30DA-61081CF02963}"/>
+              </a:ext>
+            </a:extLst>
+          </p:cNvPr>
+          <p:cNvSpPr>
+            <a:spLocks noGrp="1"/>
           </p:cNvSpPr>
           <p:nvPr>
             <p:ph type="ftr" sz="quarter" idx="11"/>
           </p:nvPr>
         </p:nvSpPr>
-        <p:spPr>
-          <a:ln/>
-        </p:spPr>
+        <p:spPr/>
         <p:txBody>
           <a:bodyPr/>
-          <a:lstStyle>
-            <a:lvl1pPr>
-              <a:defRPr/>
-            </a:lvl1pPr>
-          </a:lstStyle>
+          <a:lstStyle/>
           <a:p>
             <a:pPr>
               <a:defRPr/>
@@ -5606,30 +5782,30 @@
       </p:sp>
       <p:sp>
         <p:nvSpPr>
-          <p:cNvPr id="4" name="Rectangle 16"/>
-          <p:cNvSpPr>
-            <a:spLocks noGrp="1" noChangeArrowheads="1"/>
+          <p:cNvPr id="4" name="Slide Number Placeholder 3">
+            <a:extLst>
+              <a:ext uri="{FF2B5EF4-FFF2-40B4-BE49-F238E27FC236}">
+                <a16:creationId xmlns:a16="http://schemas.microsoft.com/office/drawing/2014/main" id="{93EE8E63-6196-B8BD-7AA3-A6A5954FE5C3}"/>
+              </a:ext>
+            </a:extLst>
+          </p:cNvPr>
+          <p:cNvSpPr>
+            <a:spLocks noGrp="1"/>
           </p:cNvSpPr>
           <p:nvPr>
             <p:ph type="sldNum" sz="quarter" idx="12"/>
           </p:nvPr>
         </p:nvSpPr>
-        <p:spPr>
-          <a:ln/>
-        </p:spPr>
+        <p:spPr/>
         <p:txBody>
           <a:bodyPr/>
-          <a:lstStyle>
-            <a:lvl1pPr>
-              <a:defRPr/>
-            </a:lvl1pPr>
-          </a:lstStyle>
+          <a:lstStyle/>
           <a:p>
             <a:pPr>
               <a:defRPr/>
             </a:pPr>
             <a:fld id="{33276C80-C17C-B849-A7BB-D707942CF59E}" type="slidenum">
-              <a:rPr lang="en-US"/>
+              <a:rPr lang="en-US" smtClean="0"/>
               <a:pPr>
                 <a:defRPr/>
               </a:pPr>
@@ -5640,6 +5816,11 @@
         </p:txBody>
       </p:sp>
     </p:spTree>
+    <p:extLst>
+      <p:ext uri="{BB962C8B-B14F-4D97-AF65-F5344CB8AC3E}">
+        <p14:creationId xmlns:p14="http://schemas.microsoft.com/office/powerpoint/2010/main" val="1121687109"/>
+      </p:ext>
+    </p:extLst>
   </p:cSld>
   <p:clrMapOvr>
     <a:masterClrMapping/>
@@ -5666,7 +5847,13 @@
       </p:grpSpPr>
       <p:sp>
         <p:nvSpPr>
-          <p:cNvPr id="2" name="Title 1"/>
+          <p:cNvPr id="2" name="Title 1">
+            <a:extLst>
+              <a:ext uri="{FF2B5EF4-FFF2-40B4-BE49-F238E27FC236}">
+                <a16:creationId xmlns:a16="http://schemas.microsoft.com/office/drawing/2014/main" id="{DCD48CFE-D6E7-76A4-6B01-4C43169F3B4D}"/>
+              </a:ext>
+            </a:extLst>
+          </p:cNvPr>
           <p:cNvSpPr>
             <a:spLocks noGrp="1"/>
           </p:cNvSpPr>
@@ -5676,15 +5863,15 @@
         </p:nvSpPr>
         <p:spPr>
           <a:xfrm>
-            <a:off x="457200" y="273050"/>
-            <a:ext cx="3008313" cy="1162050"/>
+            <a:off x="629841" y="457200"/>
+            <a:ext cx="2949178" cy="1600200"/>
           </a:xfrm>
         </p:spPr>
         <p:txBody>
           <a:bodyPr anchor="b"/>
           <a:lstStyle>
-            <a:lvl1pPr algn="l">
-              <a:defRPr sz="2000" b="1"/>
+            <a:lvl1pPr>
+              <a:defRPr sz="2400"/>
             </a:lvl1pPr>
           </a:lstStyle>
           <a:p>
@@ -5697,7 +5884,13 @@
       </p:sp>
       <p:sp>
         <p:nvSpPr>
-          <p:cNvPr id="3" name="Content Placeholder 2"/>
+          <p:cNvPr id="3" name="Content Placeholder 2">
+            <a:extLst>
+              <a:ext uri="{FF2B5EF4-FFF2-40B4-BE49-F238E27FC236}">
+                <a16:creationId xmlns:a16="http://schemas.microsoft.com/office/drawing/2014/main" id="{210C4098-00E1-5CCE-F914-305F335425A7}"/>
+              </a:ext>
+            </a:extLst>
+          </p:cNvPr>
           <p:cNvSpPr>
             <a:spLocks noGrp="1"/>
           </p:cNvSpPr>
@@ -5707,39 +5900,39 @@
         </p:nvSpPr>
         <p:spPr>
           <a:xfrm>
-            <a:off x="3575050" y="273050"/>
-            <a:ext cx="5111750" cy="5853113"/>
+            <a:off x="3887391" y="987426"/>
+            <a:ext cx="4629150" cy="4873625"/>
           </a:xfrm>
         </p:spPr>
         <p:txBody>
           <a:bodyPr/>
           <a:lstStyle>
             <a:lvl1pPr>
-              <a:defRPr sz="3200"/>
+              <a:defRPr sz="2400"/>
             </a:lvl1pPr>
             <a:lvl2pPr>
-              <a:defRPr sz="2800"/>
+              <a:defRPr sz="2100"/>
             </a:lvl2pPr>
             <a:lvl3pPr>
-              <a:defRPr sz="2400"/>
+              <a:defRPr sz="1800"/>
             </a:lvl3pPr>
             <a:lvl4pPr>
-              <a:defRPr sz="2000"/>
+              <a:defRPr sz="1500"/>
             </a:lvl4pPr>
             <a:lvl5pPr>
-              <a:defRPr sz="2000"/>
+              <a:defRPr sz="1500"/>
             </a:lvl5pPr>
             <a:lvl6pPr>
-              <a:defRPr sz="2000"/>
+              <a:defRPr sz="1500"/>
             </a:lvl6pPr>
             <a:lvl7pPr>
-              <a:defRPr sz="2000"/>
+              <a:defRPr sz="1500"/>
             </a:lvl7pPr>
             <a:lvl8pPr>
-              <a:defRPr sz="2000"/>
+              <a:defRPr sz="1500"/>
             </a:lvl8pPr>
             <a:lvl9pPr>
-              <a:defRPr sz="2000"/>
+              <a:defRPr sz="1500"/>
             </a:lvl9pPr>
           </a:lstStyle>
           <a:p>
@@ -5781,7 +5974,13 @@
       </p:sp>
       <p:sp>
         <p:nvSpPr>
-          <p:cNvPr id="4" name="Text Placeholder 3"/>
+          <p:cNvPr id="4" name="Text Placeholder 3">
+            <a:extLst>
+              <a:ext uri="{FF2B5EF4-FFF2-40B4-BE49-F238E27FC236}">
+                <a16:creationId xmlns:a16="http://schemas.microsoft.com/office/drawing/2014/main" id="{BF8B0064-2931-AB89-FC0C-9B471CB6E3EF}"/>
+              </a:ext>
+            </a:extLst>
+          </p:cNvPr>
           <p:cNvSpPr>
             <a:spLocks noGrp="1"/>
           </p:cNvSpPr>
@@ -5791,8 +5990,8 @@
         </p:nvSpPr>
         <p:spPr>
           <a:xfrm>
-            <a:off x="457200" y="1435100"/>
-            <a:ext cx="3008313" cy="4691063"/>
+            <a:off x="629841" y="2057400"/>
+            <a:ext cx="2949178" cy="3811588"/>
           </a:xfrm>
         </p:spPr>
         <p:txBody>
@@ -5800,39 +5999,39 @@
           <a:lstStyle>
             <a:lvl1pPr marL="0" indent="0">
               <a:buNone/>
-              <a:defRPr sz="1400"/>
+              <a:defRPr sz="1200"/>
             </a:lvl1pPr>
-            <a:lvl2pPr marL="457200" indent="0">
+            <a:lvl2pPr marL="342900" indent="0">
               <a:buNone/>
-              <a:defRPr sz="1200"/>
+              <a:defRPr sz="1050"/>
             </a:lvl2pPr>
-            <a:lvl3pPr marL="914400" indent="0">
-              <a:buNone/>
-              <a:defRPr sz="1000"/>
-            </a:lvl3pPr>
-            <a:lvl4pPr marL="1371600" indent="0">
+            <a:lvl3pPr marL="685800" indent="0">
               <a:buNone/>
               <a:defRPr sz="900"/>
+            </a:lvl3pPr>
+            <a:lvl4pPr marL="1028700" indent="0">
+              <a:buNone/>
+              <a:defRPr sz="750"/>
             </a:lvl4pPr>
-            <a:lvl5pPr marL="1828800" indent="0">
+            <a:lvl5pPr marL="1371600" indent="0">
               <a:buNone/>
-              <a:defRPr sz="900"/>
+              <a:defRPr sz="750"/>
             </a:lvl5pPr>
-            <a:lvl6pPr marL="2286000" indent="0">
+            <a:lvl6pPr marL="1714500" indent="0">
               <a:buNone/>
-              <a:defRPr sz="900"/>
+              <a:defRPr sz="750"/>
             </a:lvl6pPr>
-            <a:lvl7pPr marL="2743200" indent="0">
+            <a:lvl7pPr marL="2057400" indent="0">
               <a:buNone/>
-              <a:defRPr sz="900"/>
+              <a:defRPr sz="750"/>
             </a:lvl7pPr>
-            <a:lvl8pPr marL="3200400" indent="0">
+            <a:lvl8pPr marL="2400300" indent="0">
               <a:buNone/>
-              <a:defRPr sz="900"/>
+              <a:defRPr sz="750"/>
             </a:lvl8pPr>
-            <a:lvl9pPr marL="3657600" indent="0">
+            <a:lvl9pPr marL="2743200" indent="0">
               <a:buNone/>
-              <a:defRPr sz="900"/>
+              <a:defRPr sz="750"/>
             </a:lvl9pPr>
           </a:lstStyle>
           <a:p>
@@ -5846,24 +6045,24 @@
       </p:sp>
       <p:sp>
         <p:nvSpPr>
-          <p:cNvPr id="5" name="Rectangle 14"/>
-          <p:cNvSpPr>
-            <a:spLocks noGrp="1" noChangeArrowheads="1"/>
+          <p:cNvPr id="5" name="Date Placeholder 4">
+            <a:extLst>
+              <a:ext uri="{FF2B5EF4-FFF2-40B4-BE49-F238E27FC236}">
+                <a16:creationId xmlns:a16="http://schemas.microsoft.com/office/drawing/2014/main" id="{BC6C43A5-CCEF-26DC-CFD6-A877BDBEA51F}"/>
+              </a:ext>
+            </a:extLst>
+          </p:cNvPr>
+          <p:cNvSpPr>
+            <a:spLocks noGrp="1"/>
           </p:cNvSpPr>
           <p:nvPr>
             <p:ph type="dt" sz="half" idx="10"/>
           </p:nvPr>
         </p:nvSpPr>
-        <p:spPr>
-          <a:ln/>
-        </p:spPr>
+        <p:spPr/>
         <p:txBody>
           <a:bodyPr/>
-          <a:lstStyle>
-            <a:lvl1pPr>
-              <a:defRPr/>
-            </a:lvl1pPr>
-          </a:lstStyle>
+          <a:lstStyle/>
           <a:p>
             <a:pPr>
               <a:defRPr/>
@@ -5874,24 +6073,24 @@
       </p:sp>
       <p:sp>
         <p:nvSpPr>
-          <p:cNvPr id="6" name="Rectangle 15"/>
-          <p:cNvSpPr>
-            <a:spLocks noGrp="1" noChangeArrowheads="1"/>
+          <p:cNvPr id="6" name="Footer Placeholder 5">
+            <a:extLst>
+              <a:ext uri="{FF2B5EF4-FFF2-40B4-BE49-F238E27FC236}">
+                <a16:creationId xmlns:a16="http://schemas.microsoft.com/office/drawing/2014/main" id="{D747864D-8440-9A99-E0E3-844F4DA73EB7}"/>
+              </a:ext>
+            </a:extLst>
+          </p:cNvPr>
+          <p:cNvSpPr>
+            <a:spLocks noGrp="1"/>
           </p:cNvSpPr>
           <p:nvPr>
             <p:ph type="ftr" sz="quarter" idx="11"/>
           </p:nvPr>
         </p:nvSpPr>
-        <p:spPr>
-          <a:ln/>
-        </p:spPr>
+        <p:spPr/>
         <p:txBody>
           <a:bodyPr/>
-          <a:lstStyle>
-            <a:lvl1pPr>
-              <a:defRPr/>
-            </a:lvl1pPr>
-          </a:lstStyle>
+          <a:lstStyle/>
           <a:p>
             <a:pPr>
               <a:defRPr/>
@@ -5902,30 +6101,30 @@
       </p:sp>
       <p:sp>
         <p:nvSpPr>
-          <p:cNvPr id="7" name="Rectangle 16"/>
-          <p:cNvSpPr>
-            <a:spLocks noGrp="1" noChangeArrowheads="1"/>
+          <p:cNvPr id="7" name="Slide Number Placeholder 6">
+            <a:extLst>
+              <a:ext uri="{FF2B5EF4-FFF2-40B4-BE49-F238E27FC236}">
+                <a16:creationId xmlns:a16="http://schemas.microsoft.com/office/drawing/2014/main" id="{85B3717B-00FB-6DFF-704E-50486767A7BF}"/>
+              </a:ext>
+            </a:extLst>
+          </p:cNvPr>
+          <p:cNvSpPr>
+            <a:spLocks noGrp="1"/>
           </p:cNvSpPr>
           <p:nvPr>
             <p:ph type="sldNum" sz="quarter" idx="12"/>
           </p:nvPr>
         </p:nvSpPr>
-        <p:spPr>
-          <a:ln/>
-        </p:spPr>
+        <p:spPr/>
         <p:txBody>
           <a:bodyPr/>
-          <a:lstStyle>
-            <a:lvl1pPr>
-              <a:defRPr/>
-            </a:lvl1pPr>
-          </a:lstStyle>
+          <a:lstStyle/>
           <a:p>
             <a:pPr>
               <a:defRPr/>
             </a:pPr>
             <a:fld id="{4E9B9732-B1FD-164D-AD68-D75168F368FF}" type="slidenum">
-              <a:rPr lang="en-US"/>
+              <a:rPr lang="en-US" smtClean="0"/>
               <a:pPr>
                 <a:defRPr/>
               </a:pPr>
@@ -5936,6 +6135,11 @@
         </p:txBody>
       </p:sp>
     </p:spTree>
+    <p:extLst>
+      <p:ext uri="{BB962C8B-B14F-4D97-AF65-F5344CB8AC3E}">
+        <p14:creationId xmlns:p14="http://schemas.microsoft.com/office/powerpoint/2010/main" val="2745603687"/>
+      </p:ext>
+    </p:extLst>
   </p:cSld>
   <p:clrMapOvr>
     <a:masterClrMapping/>
@@ -5962,7 +6166,13 @@
       </p:grpSpPr>
       <p:sp>
         <p:nvSpPr>
-          <p:cNvPr id="2" name="Title 1"/>
+          <p:cNvPr id="2" name="Title 1">
+            <a:extLst>
+              <a:ext uri="{FF2B5EF4-FFF2-40B4-BE49-F238E27FC236}">
+                <a16:creationId xmlns:a16="http://schemas.microsoft.com/office/drawing/2014/main" id="{463102B0-632C-A279-DFBD-3F5222EB8CF8}"/>
+              </a:ext>
+            </a:extLst>
+          </p:cNvPr>
           <p:cNvSpPr>
             <a:spLocks noGrp="1"/>
           </p:cNvSpPr>
@@ -5972,15 +6182,15 @@
         </p:nvSpPr>
         <p:spPr>
           <a:xfrm>
-            <a:off x="1792288" y="4800600"/>
-            <a:ext cx="5486400" cy="566738"/>
+            <a:off x="629841" y="457200"/>
+            <a:ext cx="2949178" cy="1600200"/>
           </a:xfrm>
         </p:spPr>
         <p:txBody>
           <a:bodyPr anchor="b"/>
           <a:lstStyle>
-            <a:lvl1pPr algn="l">
-              <a:defRPr sz="2000" b="1"/>
+            <a:lvl1pPr>
+              <a:defRPr sz="2400"/>
             </a:lvl1pPr>
           </a:lstStyle>
           <a:p>
@@ -5993,7 +6203,13 @@
       </p:sp>
       <p:sp>
         <p:nvSpPr>
-          <p:cNvPr id="3" name="Picture Placeholder 2"/>
+          <p:cNvPr id="3" name="Picture Placeholder 2">
+            <a:extLst>
+              <a:ext uri="{FF2B5EF4-FFF2-40B4-BE49-F238E27FC236}">
+                <a16:creationId xmlns:a16="http://schemas.microsoft.com/office/drawing/2014/main" id="{A2AAB988-3CAC-7529-3441-A0E3BEDFF698}"/>
+              </a:ext>
+            </a:extLst>
+          </p:cNvPr>
           <p:cNvSpPr>
             <a:spLocks noGrp="1"/>
           </p:cNvSpPr>
@@ -6003,8 +6219,8 @@
         </p:nvSpPr>
         <p:spPr>
           <a:xfrm>
-            <a:off x="1792288" y="612775"/>
-            <a:ext cx="5486400" cy="4114800"/>
+            <a:off x="3887391" y="987426"/>
+            <a:ext cx="4629150" cy="4873625"/>
           </a:xfrm>
         </p:spPr>
         <p:txBody>
@@ -6012,50 +6228,55 @@
           <a:lstStyle>
             <a:lvl1pPr marL="0" indent="0">
               <a:buNone/>
-              <a:defRPr sz="3200"/>
+              <a:defRPr sz="2400"/>
             </a:lvl1pPr>
-            <a:lvl2pPr marL="457200" indent="0">
+            <a:lvl2pPr marL="342900" indent="0">
               <a:buNone/>
-              <a:defRPr sz="2800"/>
+              <a:defRPr sz="2100"/>
             </a:lvl2pPr>
-            <a:lvl3pPr marL="914400" indent="0">
+            <a:lvl3pPr marL="685800" indent="0">
               <a:buNone/>
-              <a:defRPr sz="2400"/>
+              <a:defRPr sz="1800"/>
             </a:lvl3pPr>
-            <a:lvl4pPr marL="1371600" indent="0">
+            <a:lvl4pPr marL="1028700" indent="0">
               <a:buNone/>
-              <a:defRPr sz="2000"/>
+              <a:defRPr sz="1500"/>
             </a:lvl4pPr>
-            <a:lvl5pPr marL="1828800" indent="0">
+            <a:lvl5pPr marL="1371600" indent="0">
               <a:buNone/>
-              <a:defRPr sz="2000"/>
+              <a:defRPr sz="1500"/>
             </a:lvl5pPr>
-            <a:lvl6pPr marL="2286000" indent="0">
+            <a:lvl6pPr marL="1714500" indent="0">
               <a:buNone/>
-              <a:defRPr sz="2000"/>
+              <a:defRPr sz="1500"/>
             </a:lvl6pPr>
-            <a:lvl7pPr marL="2743200" indent="0">
+            <a:lvl7pPr marL="2057400" indent="0">
               <a:buNone/>
-              <a:defRPr sz="2000"/>
+              <a:defRPr sz="1500"/>
             </a:lvl7pPr>
-            <a:lvl8pPr marL="3200400" indent="0">
+            <a:lvl8pPr marL="2400300" indent="0">
               <a:buNone/>
-              <a:defRPr sz="2000"/>
+              <a:defRPr sz="1500"/>
             </a:lvl8pPr>
-            <a:lvl9pPr marL="3657600" indent="0">
+            <a:lvl9pPr marL="2743200" indent="0">
               <a:buNone/>
-              <a:defRPr sz="2000"/>
+              <a:defRPr sz="1500"/>
             </a:lvl9pPr>
           </a:lstStyle>
           <a:p>
-            <a:pPr lvl="0"/>
-            <a:endParaRPr lang="en-US" noProof="0"/>
-          </a:p>
-        </p:txBody>
-      </p:sp>
-      <p:sp>
-        <p:nvSpPr>
-          <p:cNvPr id="4" name="Text Placeholder 3"/>
+            <a:endParaRPr lang="en-US"/>
+          </a:p>
+        </p:txBody>
+      </p:sp>
+      <p:sp>
+        <p:nvSpPr>
+          <p:cNvPr id="4" name="Text Placeholder 3">
+            <a:extLst>
+              <a:ext uri="{FF2B5EF4-FFF2-40B4-BE49-F238E27FC236}">
+                <a16:creationId xmlns:a16="http://schemas.microsoft.com/office/drawing/2014/main" id="{10DF516A-C924-E425-1DBE-105ECC89B84A}"/>
+              </a:ext>
+            </a:extLst>
+          </p:cNvPr>
           <p:cNvSpPr>
             <a:spLocks noGrp="1"/>
           </p:cNvSpPr>
@@ -6065,8 +6286,8 @@
         </p:nvSpPr>
         <p:spPr>
           <a:xfrm>
-            <a:off x="1792288" y="5367338"/>
-            <a:ext cx="5486400" cy="804862"/>
+            <a:off x="629841" y="2057400"/>
+            <a:ext cx="2949178" cy="3811588"/>
           </a:xfrm>
         </p:spPr>
         <p:txBody>
@@ -6074,39 +6295,39 @@
           <a:lstStyle>
             <a:lvl1pPr marL="0" indent="0">
               <a:buNone/>
-              <a:defRPr sz="1400"/>
+              <a:defRPr sz="1200"/>
             </a:lvl1pPr>
-            <a:lvl2pPr marL="457200" indent="0">
+            <a:lvl2pPr marL="342900" indent="0">
               <a:buNone/>
-              <a:defRPr sz="1200"/>
+              <a:defRPr sz="1050"/>
             </a:lvl2pPr>
-            <a:lvl3pPr marL="914400" indent="0">
-              <a:buNone/>
-              <a:defRPr sz="1000"/>
-            </a:lvl3pPr>
-            <a:lvl4pPr marL="1371600" indent="0">
+            <a:lvl3pPr marL="685800" indent="0">
               <a:buNone/>
               <a:defRPr sz="900"/>
+            </a:lvl3pPr>
+            <a:lvl4pPr marL="1028700" indent="0">
+              <a:buNone/>
+              <a:defRPr sz="750"/>
             </a:lvl4pPr>
-            <a:lvl5pPr marL="1828800" indent="0">
+            <a:lvl5pPr marL="1371600" indent="0">
               <a:buNone/>
-              <a:defRPr sz="900"/>
+              <a:defRPr sz="750"/>
             </a:lvl5pPr>
-            <a:lvl6pPr marL="2286000" indent="0">
+            <a:lvl6pPr marL="1714500" indent="0">
               <a:buNone/>
-              <a:defRPr sz="900"/>
+              <a:defRPr sz="750"/>
             </a:lvl6pPr>
-            <a:lvl7pPr marL="2743200" indent="0">
+            <a:lvl7pPr marL="2057400" indent="0">
               <a:buNone/>
-              <a:defRPr sz="900"/>
+              <a:defRPr sz="750"/>
             </a:lvl7pPr>
-            <a:lvl8pPr marL="3200400" indent="0">
+            <a:lvl8pPr marL="2400300" indent="0">
               <a:buNone/>
-              <a:defRPr sz="900"/>
+              <a:defRPr sz="750"/>
             </a:lvl8pPr>
-            <a:lvl9pPr marL="3657600" indent="0">
+            <a:lvl9pPr marL="2743200" indent="0">
               <a:buNone/>
-              <a:defRPr sz="900"/>
+              <a:defRPr sz="750"/>
             </a:lvl9pPr>
           </a:lstStyle>
           <a:p>
@@ -6120,24 +6341,24 @@
       </p:sp>
       <p:sp>
         <p:nvSpPr>
-          <p:cNvPr id="5" name="Rectangle 14"/>
-          <p:cNvSpPr>
-            <a:spLocks noGrp="1" noChangeArrowheads="1"/>
+          <p:cNvPr id="5" name="Date Placeholder 4">
+            <a:extLst>
+              <a:ext uri="{FF2B5EF4-FFF2-40B4-BE49-F238E27FC236}">
+                <a16:creationId xmlns:a16="http://schemas.microsoft.com/office/drawing/2014/main" id="{AC617C35-D2C1-234E-7D88-F3455D19D291}"/>
+              </a:ext>
+            </a:extLst>
+          </p:cNvPr>
+          <p:cNvSpPr>
+            <a:spLocks noGrp="1"/>
           </p:cNvSpPr>
           <p:nvPr>
             <p:ph type="dt" sz="half" idx="10"/>
           </p:nvPr>
         </p:nvSpPr>
-        <p:spPr>
-          <a:ln/>
-        </p:spPr>
+        <p:spPr/>
         <p:txBody>
           <a:bodyPr/>
-          <a:lstStyle>
-            <a:lvl1pPr>
-              <a:defRPr/>
-            </a:lvl1pPr>
-          </a:lstStyle>
+          <a:lstStyle/>
           <a:p>
             <a:pPr>
               <a:defRPr/>
@@ -6148,24 +6369,24 @@
       </p:sp>
       <p:sp>
         <p:nvSpPr>
-          <p:cNvPr id="6" name="Rectangle 15"/>
-          <p:cNvSpPr>
-            <a:spLocks noGrp="1" noChangeArrowheads="1"/>
+          <p:cNvPr id="6" name="Footer Placeholder 5">
+            <a:extLst>
+              <a:ext uri="{FF2B5EF4-FFF2-40B4-BE49-F238E27FC236}">
+                <a16:creationId xmlns:a16="http://schemas.microsoft.com/office/drawing/2014/main" id="{F52EAFF6-39ED-ADE6-43D4-DA1D8FA6166E}"/>
+              </a:ext>
+            </a:extLst>
+          </p:cNvPr>
+          <p:cNvSpPr>
+            <a:spLocks noGrp="1"/>
           </p:cNvSpPr>
           <p:nvPr>
             <p:ph type="ftr" sz="quarter" idx="11"/>
           </p:nvPr>
         </p:nvSpPr>
-        <p:spPr>
-          <a:ln/>
-        </p:spPr>
+        <p:spPr/>
         <p:txBody>
           <a:bodyPr/>
-          <a:lstStyle>
-            <a:lvl1pPr>
-              <a:defRPr/>
-            </a:lvl1pPr>
-          </a:lstStyle>
+          <a:lstStyle/>
           <a:p>
             <a:pPr>
               <a:defRPr/>
@@ -6176,30 +6397,30 @@
       </p:sp>
       <p:sp>
         <p:nvSpPr>
-          <p:cNvPr id="7" name="Rectangle 16"/>
-          <p:cNvSpPr>
-            <a:spLocks noGrp="1" noChangeArrowheads="1"/>
+          <p:cNvPr id="7" name="Slide Number Placeholder 6">
+            <a:extLst>
+              <a:ext uri="{FF2B5EF4-FFF2-40B4-BE49-F238E27FC236}">
+                <a16:creationId xmlns:a16="http://schemas.microsoft.com/office/drawing/2014/main" id="{4BD6FB68-2DE9-4E1A-3899-63DC56F2D3B7}"/>
+              </a:ext>
+            </a:extLst>
+          </p:cNvPr>
+          <p:cNvSpPr>
+            <a:spLocks noGrp="1"/>
           </p:cNvSpPr>
           <p:nvPr>
             <p:ph type="sldNum" sz="quarter" idx="12"/>
           </p:nvPr>
         </p:nvSpPr>
-        <p:spPr>
-          <a:ln/>
-        </p:spPr>
+        <p:spPr/>
         <p:txBody>
           <a:bodyPr/>
-          <a:lstStyle>
-            <a:lvl1pPr>
-              <a:defRPr/>
-            </a:lvl1pPr>
-          </a:lstStyle>
+          <a:lstStyle/>
           <a:p>
             <a:pPr>
               <a:defRPr/>
             </a:pPr>
             <a:fld id="{B1F60BCE-8921-4E48-960B-3B67C08157ED}" type="slidenum">
-              <a:rPr lang="en-US"/>
+              <a:rPr lang="en-US" smtClean="0"/>
               <a:pPr>
                 <a:defRPr/>
               </a:pPr>
@@ -6210,6 +6431,11 @@
         </p:txBody>
       </p:sp>
     </p:spTree>
+    <p:extLst>
+      <p:ext uri="{BB962C8B-B14F-4D97-AF65-F5344CB8AC3E}">
+        <p14:creationId xmlns:p14="http://schemas.microsoft.com/office/powerpoint/2010/main" val="2520878450"/>
+      </p:ext>
+    </p:extLst>
   </p:cSld>
   <p:clrMapOvr>
     <a:masterClrMapping/>
@@ -6220,21 +6446,10 @@
 <file path=ppt/slideMasters/slideMaster1.xml><?xml version="1.0" encoding="utf-8"?>
 <p:sldMaster xmlns:a="http://schemas.openxmlformats.org/drawingml/2006/main" xmlns:r="http://schemas.openxmlformats.org/officeDocument/2006/relationships" xmlns:p="http://schemas.openxmlformats.org/presentationml/2006/main">
   <p:cSld>
-    <p:bg bwMode="invGray">
-      <p:bgPr>
-        <a:gradFill rotWithShape="0">
-          <a:gsLst>
-            <a:gs pos="0">
-              <a:schemeClr val="bg2"/>
-            </a:gs>
-            <a:gs pos="100000">
-              <a:schemeClr val="bg1"/>
-            </a:gs>
-          </a:gsLst>
-          <a:lin ang="0" scaled="1"/>
-        </a:gradFill>
-        <a:effectLst/>
-      </p:bgPr>
+    <p:bg>
+      <p:bgRef idx="1001">
+        <a:schemeClr val="bg1"/>
+      </p:bgRef>
     </p:bg>
     <p:spTree>
       <p:nvGrpSpPr>
@@ -6252,39 +6467,35 @@
       </p:grpSpPr>
       <p:sp>
         <p:nvSpPr>
-          <p:cNvPr id="1026" name="Rectangle 12"/>
-          <p:cNvSpPr>
-            <a:spLocks noGrp="1" noChangeArrowheads="1"/>
+          <p:cNvPr id="2" name="Title Placeholder 1">
+            <a:extLst>
+              <a:ext uri="{FF2B5EF4-FFF2-40B4-BE49-F238E27FC236}">
+                <a16:creationId xmlns:a16="http://schemas.microsoft.com/office/drawing/2014/main" id="{8D79386B-2C1F-5991-2884-7CDA2DF330C9}"/>
+              </a:ext>
+            </a:extLst>
+          </p:cNvPr>
+          <p:cNvSpPr>
+            <a:spLocks noGrp="1"/>
           </p:cNvSpPr>
           <p:nvPr>
             <p:ph type="title"/>
           </p:nvPr>
         </p:nvSpPr>
-        <p:spPr bwMode="auto">
+        <p:spPr>
           <a:xfrm>
-            <a:off x="0" y="0"/>
-            <a:ext cx="7772400" cy="1143000"/>
+            <a:off x="628650" y="365126"/>
+            <a:ext cx="7886700" cy="1325563"/>
           </a:xfrm>
           <a:prstGeom prst="rect">
             <a:avLst/>
           </a:prstGeom>
-          <a:noFill/>
-          <a:ln w="9525">
-            <a:noFill/>
-            <a:miter lim="800000"/>
-            <a:headEnd/>
-            <a:tailEnd/>
-          </a:ln>
-        </p:spPr>
-        <p:txBody>
-          <a:bodyPr vert="horz" wrap="square" lIns="91440" tIns="45720" rIns="91440" bIns="45720" numCol="1" anchor="ctr" anchorCtr="0" compatLnSpc="1">
-            <a:prstTxWarp prst="textNoShape">
-              <a:avLst/>
-            </a:prstTxWarp>
+        </p:spPr>
+        <p:txBody>
+          <a:bodyPr vert="horz" lIns="91440" tIns="45720" rIns="91440" bIns="45720" rtlCol="0" anchor="ctr">
+            <a:normAutofit/>
           </a:bodyPr>
           <a:lstStyle/>
           <a:p>
-            <a:pPr lvl="0"/>
             <a:r>
               <a:rPr lang="en-US"/>
               <a:t>Click to edit Master title style</a:t>
@@ -6294,35 +6505,32 @@
       </p:sp>
       <p:sp>
         <p:nvSpPr>
-          <p:cNvPr id="1027" name="Rectangle 13"/>
-          <p:cNvSpPr>
-            <a:spLocks noGrp="1" noChangeArrowheads="1"/>
+          <p:cNvPr id="3" name="Text Placeholder 2">
+            <a:extLst>
+              <a:ext uri="{FF2B5EF4-FFF2-40B4-BE49-F238E27FC236}">
+                <a16:creationId xmlns:a16="http://schemas.microsoft.com/office/drawing/2014/main" id="{9CCA6F6F-F1DD-2595-0354-47462228A62B}"/>
+              </a:ext>
+            </a:extLst>
+          </p:cNvPr>
+          <p:cNvSpPr>
+            <a:spLocks noGrp="1"/>
           </p:cNvSpPr>
           <p:nvPr>
             <p:ph type="body" idx="1"/>
           </p:nvPr>
         </p:nvSpPr>
-        <p:spPr bwMode="auto">
+        <p:spPr>
           <a:xfrm>
-            <a:off x="685800" y="1981200"/>
-            <a:ext cx="7772400" cy="4114800"/>
+            <a:off x="628650" y="1825625"/>
+            <a:ext cx="7886700" cy="4351338"/>
           </a:xfrm>
           <a:prstGeom prst="rect">
             <a:avLst/>
           </a:prstGeom>
-          <a:noFill/>
-          <a:ln w="9525">
-            <a:noFill/>
-            <a:miter lim="800000"/>
-            <a:headEnd/>
-            <a:tailEnd/>
-          </a:ln>
-        </p:spPr>
-        <p:txBody>
-          <a:bodyPr vert="horz" wrap="square" lIns="91440" tIns="45720" rIns="91440" bIns="45720" numCol="1" anchor="t" anchorCtr="0" compatLnSpc="1">
-            <a:prstTxWarp prst="textNoShape">
-              <a:avLst/>
-            </a:prstTxWarp>
+        </p:spPr>
+        <p:txBody>
+          <a:bodyPr vert="horz" lIns="91440" tIns="45720" rIns="91440" bIns="45720" rtlCol="0">
+            <a:normAutofit/>
           </a:bodyPr>
           <a:lstStyle/>
           <a:p>
@@ -6364,41 +6572,39 @@
       </p:sp>
       <p:sp>
         <p:nvSpPr>
-          <p:cNvPr id="3086" name="Rectangle 14"/>
-          <p:cNvSpPr>
-            <a:spLocks noGrp="1" noChangeArrowheads="1"/>
+          <p:cNvPr id="4" name="Date Placeholder 3">
+            <a:extLst>
+              <a:ext uri="{FF2B5EF4-FFF2-40B4-BE49-F238E27FC236}">
+                <a16:creationId xmlns:a16="http://schemas.microsoft.com/office/drawing/2014/main" id="{4121E10A-8F58-2659-1E19-9269DF2F8BFC}"/>
+              </a:ext>
+            </a:extLst>
+          </p:cNvPr>
+          <p:cNvSpPr>
+            <a:spLocks noGrp="1"/>
           </p:cNvSpPr>
           <p:nvPr>
             <p:ph type="dt" sz="half" idx="2"/>
           </p:nvPr>
         </p:nvSpPr>
-        <p:spPr bwMode="auto">
+        <p:spPr>
           <a:xfrm>
-            <a:off x="685800" y="6248400"/>
-            <a:ext cx="1905000" cy="457200"/>
+            <a:off x="628650" y="6356351"/>
+            <a:ext cx="2057400" cy="365125"/>
           </a:xfrm>
           <a:prstGeom prst="rect">
             <a:avLst/>
           </a:prstGeom>
-          <a:noFill/>
-          <a:ln w="9525">
-            <a:noFill/>
-            <a:miter lim="800000"/>
-            <a:headEnd/>
-            <a:tailEnd/>
-          </a:ln>
-          <a:effectLst/>
-        </p:spPr>
-        <p:txBody>
-          <a:bodyPr vert="horz" wrap="square" lIns="91440" tIns="45720" rIns="91440" bIns="45720" numCol="1" anchor="b" anchorCtr="0" compatLnSpc="1">
-            <a:prstTxWarp prst="textNoShape">
-              <a:avLst/>
-            </a:prstTxWarp>
-          </a:bodyPr>
+        </p:spPr>
+        <p:txBody>
+          <a:bodyPr vert="horz" lIns="91440" tIns="45720" rIns="91440" bIns="45720" rtlCol="0" anchor="ctr"/>
           <a:lstStyle>
-            <a:lvl1pPr eaLnBrk="1" hangingPunct="1">
-              <a:defRPr sz="1400">
-                <a:latin typeface="+mn-lt"/>
+            <a:lvl1pPr algn="l">
+              <a:defRPr sz="900">
+                <a:solidFill>
+                  <a:schemeClr val="tx1">
+                    <a:tint val="82000"/>
+                  </a:schemeClr>
+                </a:solidFill>
               </a:defRPr>
             </a:lvl1pPr>
           </a:lstStyle>
@@ -6412,41 +6618,39 @@
       </p:sp>
       <p:sp>
         <p:nvSpPr>
-          <p:cNvPr id="3087" name="Rectangle 15"/>
-          <p:cNvSpPr>
-            <a:spLocks noGrp="1" noChangeArrowheads="1"/>
+          <p:cNvPr id="5" name="Footer Placeholder 4">
+            <a:extLst>
+              <a:ext uri="{FF2B5EF4-FFF2-40B4-BE49-F238E27FC236}">
+                <a16:creationId xmlns:a16="http://schemas.microsoft.com/office/drawing/2014/main" id="{BD94EFF1-3600-94A2-BF85-24391385E862}"/>
+              </a:ext>
+            </a:extLst>
+          </p:cNvPr>
+          <p:cNvSpPr>
+            <a:spLocks noGrp="1"/>
           </p:cNvSpPr>
           <p:nvPr>
             <p:ph type="ftr" sz="quarter" idx="3"/>
           </p:nvPr>
         </p:nvSpPr>
-        <p:spPr bwMode="auto">
+        <p:spPr>
           <a:xfrm>
-            <a:off x="3124200" y="6248400"/>
-            <a:ext cx="2895600" cy="457200"/>
+            <a:off x="3028950" y="6356351"/>
+            <a:ext cx="3086100" cy="365125"/>
           </a:xfrm>
           <a:prstGeom prst="rect">
             <a:avLst/>
           </a:prstGeom>
-          <a:noFill/>
-          <a:ln w="9525">
-            <a:noFill/>
-            <a:miter lim="800000"/>
-            <a:headEnd/>
-            <a:tailEnd/>
-          </a:ln>
-          <a:effectLst/>
-        </p:spPr>
-        <p:txBody>
-          <a:bodyPr vert="horz" wrap="square" lIns="91440" tIns="45720" rIns="91440" bIns="45720" numCol="1" anchor="b" anchorCtr="0" compatLnSpc="1">
-            <a:prstTxWarp prst="textNoShape">
-              <a:avLst/>
-            </a:prstTxWarp>
-          </a:bodyPr>
+        </p:spPr>
+        <p:txBody>
+          <a:bodyPr vert="horz" lIns="91440" tIns="45720" rIns="91440" bIns="45720" rtlCol="0" anchor="ctr"/>
           <a:lstStyle>
-            <a:lvl1pPr algn="ctr" eaLnBrk="1" hangingPunct="1">
-              <a:defRPr sz="1400">
-                <a:latin typeface="+mn-lt"/>
+            <a:lvl1pPr algn="ctr">
+              <a:defRPr sz="900">
+                <a:solidFill>
+                  <a:schemeClr val="tx1">
+                    <a:tint val="82000"/>
+                  </a:schemeClr>
+                </a:solidFill>
               </a:defRPr>
             </a:lvl1pPr>
           </a:lstStyle>
@@ -6460,41 +6664,39 @@
       </p:sp>
       <p:sp>
         <p:nvSpPr>
-          <p:cNvPr id="3088" name="Rectangle 16"/>
-          <p:cNvSpPr>
-            <a:spLocks noGrp="1" noChangeArrowheads="1"/>
+          <p:cNvPr id="6" name="Slide Number Placeholder 5">
+            <a:extLst>
+              <a:ext uri="{FF2B5EF4-FFF2-40B4-BE49-F238E27FC236}">
+                <a16:creationId xmlns:a16="http://schemas.microsoft.com/office/drawing/2014/main" id="{CA2E3C51-3C3F-6864-B170-F3B8BA4AE32D}"/>
+              </a:ext>
+            </a:extLst>
+          </p:cNvPr>
+          <p:cNvSpPr>
+            <a:spLocks noGrp="1"/>
           </p:cNvSpPr>
           <p:nvPr>
             <p:ph type="sldNum" sz="quarter" idx="4"/>
           </p:nvPr>
         </p:nvSpPr>
-        <p:spPr bwMode="auto">
+        <p:spPr>
           <a:xfrm>
-            <a:off x="6553200" y="6248400"/>
-            <a:ext cx="1905000" cy="457200"/>
+            <a:off x="6457950" y="6356351"/>
+            <a:ext cx="2057400" cy="365125"/>
           </a:xfrm>
           <a:prstGeom prst="rect">
             <a:avLst/>
           </a:prstGeom>
-          <a:noFill/>
-          <a:ln w="9525">
-            <a:noFill/>
-            <a:miter lim="800000"/>
-            <a:headEnd/>
-            <a:tailEnd/>
-          </a:ln>
-          <a:effectLst/>
-        </p:spPr>
-        <p:txBody>
-          <a:bodyPr vert="horz" wrap="square" lIns="91440" tIns="45720" rIns="91440" bIns="45720" numCol="1" anchor="b" anchorCtr="0" compatLnSpc="1">
-            <a:prstTxWarp prst="textNoShape">
-              <a:avLst/>
-            </a:prstTxWarp>
-          </a:bodyPr>
+        </p:spPr>
+        <p:txBody>
+          <a:bodyPr vert="horz" lIns="91440" tIns="45720" rIns="91440" bIns="45720" rtlCol="0" anchor="ctr"/>
           <a:lstStyle>
-            <a:lvl1pPr algn="r" eaLnBrk="1" hangingPunct="1">
-              <a:defRPr sz="1400">
-                <a:latin typeface="+mn-lt"/>
+            <a:lvl1pPr algn="r">
+              <a:defRPr sz="900">
+                <a:solidFill>
+                  <a:schemeClr val="tx1">
+                    <a:tint val="82000"/>
+                  </a:schemeClr>
+                </a:solidFill>
               </a:defRPr>
             </a:lvl1pPr>
           </a:lstStyle>
@@ -6503,7 +6705,7 @@
               <a:defRPr/>
             </a:pPr>
             <a:fld id="{2CFD5FCD-E7F1-EF43-8B4F-0EEE40AC401C}" type="slidenum">
-              <a:rPr lang="en-US"/>
+              <a:rPr lang="en-US" smtClean="0"/>
               <a:pPr>
                 <a:defRPr/>
               </a:pPr>
@@ -6514,313 +6716,57 @@
         </p:txBody>
       </p:sp>
     </p:spTree>
+    <p:extLst>
+      <p:ext uri="{BB962C8B-B14F-4D97-AF65-F5344CB8AC3E}">
+        <p14:creationId xmlns:p14="http://schemas.microsoft.com/office/powerpoint/2010/main" val="3651627321"/>
+      </p:ext>
+    </p:extLst>
   </p:cSld>
-  <p:clrMap bg1="dk2" tx1="lt1" bg2="dk1" tx2="lt2" accent1="accent1" accent2="accent2" accent3="accent3" accent4="accent4" accent5="accent5" accent6="accent6" hlink="hlink" folHlink="folHlink"/>
+  <p:clrMap bg1="lt1" tx1="dk1" bg2="lt2" tx2="dk2" accent1="accent1" accent2="accent2" accent3="accent3" accent4="accent4" accent5="accent5" accent6="accent6" hlink="hlink" folHlink="folHlink"/>
   <p:sldLayoutIdLst>
-    <p:sldLayoutId id="2147483672" r:id="rId1"/>
-    <p:sldLayoutId id="2147483662" r:id="rId2"/>
-    <p:sldLayoutId id="2147483663" r:id="rId3"/>
-    <p:sldLayoutId id="2147483664" r:id="rId4"/>
-    <p:sldLayoutId id="2147483665" r:id="rId5"/>
-    <p:sldLayoutId id="2147483666" r:id="rId6"/>
-    <p:sldLayoutId id="2147483667" r:id="rId7"/>
-    <p:sldLayoutId id="2147483668" r:id="rId8"/>
-    <p:sldLayoutId id="2147483669" r:id="rId9"/>
-    <p:sldLayoutId id="2147483670" r:id="rId10"/>
-    <p:sldLayoutId id="2147483671" r:id="rId11"/>
+    <p:sldLayoutId id="2147483674" r:id="rId1"/>
+    <p:sldLayoutId id="2147483675" r:id="rId2"/>
+    <p:sldLayoutId id="2147483676" r:id="rId3"/>
+    <p:sldLayoutId id="2147483677" r:id="rId4"/>
+    <p:sldLayoutId id="2147483678" r:id="rId5"/>
+    <p:sldLayoutId id="2147483679" r:id="rId6"/>
+    <p:sldLayoutId id="2147483680" r:id="rId7"/>
+    <p:sldLayoutId id="2147483681" r:id="rId8"/>
+    <p:sldLayoutId id="2147483682" r:id="rId9"/>
+    <p:sldLayoutId id="2147483683" r:id="rId10"/>
+    <p:sldLayoutId id="2147483684" r:id="rId11"/>
   </p:sldLayoutIdLst>
   <p:txStyles>
     <p:titleStyle>
-      <a:lvl1pPr algn="ctr" rtl="0" eaLnBrk="0" fontAlgn="base" hangingPunct="0">
+      <a:lvl1pPr algn="l" defTabSz="685800" rtl="0" eaLnBrk="1" latinLnBrk="0" hangingPunct="1">
+        <a:lnSpc>
+          <a:spcPct val="90000"/>
+        </a:lnSpc>
         <a:spcBef>
           <a:spcPct val="0"/>
         </a:spcBef>
-        <a:spcAft>
-          <a:spcPct val="0"/>
-        </a:spcAft>
-        <a:defRPr sz="4400">
-          <a:solidFill>
-            <a:schemeClr val="tx2"/>
-          </a:solidFill>
-          <a:latin typeface="+mj-lt"/>
-          <a:ea typeface="ＭＳ Ｐゴシック" charset="-128"/>
-          <a:cs typeface="ＭＳ Ｐゴシック" charset="-128"/>
-        </a:defRPr>
-      </a:lvl1pPr>
-      <a:lvl2pPr algn="ctr" rtl="0" eaLnBrk="0" fontAlgn="base" hangingPunct="0">
-        <a:spcBef>
-          <a:spcPct val="0"/>
-        </a:spcBef>
-        <a:spcAft>
-          <a:spcPct val="0"/>
-        </a:spcAft>
-        <a:defRPr sz="4400">
-          <a:solidFill>
-            <a:schemeClr val="tx2"/>
-          </a:solidFill>
-          <a:latin typeface="Times New Roman" charset="0"/>
-          <a:ea typeface="ＭＳ Ｐゴシック" charset="-128"/>
-          <a:cs typeface="ＭＳ Ｐゴシック" charset="-128"/>
-        </a:defRPr>
-      </a:lvl2pPr>
-      <a:lvl3pPr algn="ctr" rtl="0" eaLnBrk="0" fontAlgn="base" hangingPunct="0">
-        <a:spcBef>
-          <a:spcPct val="0"/>
-        </a:spcBef>
-        <a:spcAft>
-          <a:spcPct val="0"/>
-        </a:spcAft>
-        <a:defRPr sz="4400">
-          <a:solidFill>
-            <a:schemeClr val="tx2"/>
-          </a:solidFill>
-          <a:latin typeface="Times New Roman" charset="0"/>
-          <a:ea typeface="ＭＳ Ｐゴシック" charset="-128"/>
-          <a:cs typeface="ＭＳ Ｐゴシック" charset="-128"/>
-        </a:defRPr>
-      </a:lvl3pPr>
-      <a:lvl4pPr algn="ctr" rtl="0" eaLnBrk="0" fontAlgn="base" hangingPunct="0">
-        <a:spcBef>
-          <a:spcPct val="0"/>
-        </a:spcBef>
-        <a:spcAft>
-          <a:spcPct val="0"/>
-        </a:spcAft>
-        <a:defRPr sz="4400">
-          <a:solidFill>
-            <a:schemeClr val="tx2"/>
-          </a:solidFill>
-          <a:latin typeface="Times New Roman" charset="0"/>
-          <a:ea typeface="ＭＳ Ｐゴシック" charset="-128"/>
-          <a:cs typeface="ＭＳ Ｐゴシック" charset="-128"/>
-        </a:defRPr>
-      </a:lvl4pPr>
-      <a:lvl5pPr algn="ctr" rtl="0" eaLnBrk="0" fontAlgn="base" hangingPunct="0">
-        <a:spcBef>
-          <a:spcPct val="0"/>
-        </a:spcBef>
-        <a:spcAft>
-          <a:spcPct val="0"/>
-        </a:spcAft>
-        <a:defRPr sz="4400">
-          <a:solidFill>
-            <a:schemeClr val="tx2"/>
-          </a:solidFill>
-          <a:latin typeface="Times New Roman" charset="0"/>
-          <a:ea typeface="ＭＳ Ｐゴシック" charset="-128"/>
-          <a:cs typeface="ＭＳ Ｐゴシック" charset="-128"/>
-        </a:defRPr>
-      </a:lvl5pPr>
-      <a:lvl6pPr marL="457200" algn="ctr" rtl="0" fontAlgn="base">
-        <a:spcBef>
-          <a:spcPct val="0"/>
-        </a:spcBef>
-        <a:spcAft>
-          <a:spcPct val="0"/>
-        </a:spcAft>
-        <a:defRPr sz="4400">
-          <a:solidFill>
-            <a:schemeClr val="tx2"/>
-          </a:solidFill>
-          <a:latin typeface="Times New Roman" charset="0"/>
-        </a:defRPr>
-      </a:lvl6pPr>
-      <a:lvl7pPr marL="914400" algn="ctr" rtl="0" fontAlgn="base">
-        <a:spcBef>
-          <a:spcPct val="0"/>
-        </a:spcBef>
-        <a:spcAft>
-          <a:spcPct val="0"/>
-        </a:spcAft>
-        <a:defRPr sz="4400">
-          <a:solidFill>
-            <a:schemeClr val="tx2"/>
-          </a:solidFill>
-          <a:latin typeface="Times New Roman" charset="0"/>
-        </a:defRPr>
-      </a:lvl7pPr>
-      <a:lvl8pPr marL="1371600" algn="ctr" rtl="0" fontAlgn="base">
-        <a:spcBef>
-          <a:spcPct val="0"/>
-        </a:spcBef>
-        <a:spcAft>
-          <a:spcPct val="0"/>
-        </a:spcAft>
-        <a:defRPr sz="4400">
-          <a:solidFill>
-            <a:schemeClr val="tx2"/>
-          </a:solidFill>
-          <a:latin typeface="Times New Roman" charset="0"/>
-        </a:defRPr>
-      </a:lvl8pPr>
-      <a:lvl9pPr marL="1828800" algn="ctr" rtl="0" fontAlgn="base">
-        <a:spcBef>
-          <a:spcPct val="0"/>
-        </a:spcBef>
-        <a:spcAft>
-          <a:spcPct val="0"/>
-        </a:spcAft>
-        <a:defRPr sz="4400">
-          <a:solidFill>
-            <a:schemeClr val="tx2"/>
-          </a:solidFill>
-          <a:latin typeface="Times New Roman" charset="0"/>
-        </a:defRPr>
-      </a:lvl9pPr>
-    </p:titleStyle>
-    <p:bodyStyle>
-      <a:lvl1pPr marL="342900" indent="-342900" algn="l" rtl="0" eaLnBrk="0" fontAlgn="base" hangingPunct="0">
-        <a:spcBef>
-          <a:spcPct val="20000"/>
-        </a:spcBef>
-        <a:spcAft>
-          <a:spcPct val="0"/>
-        </a:spcAft>
-        <a:buChar char="•"/>
-        <a:defRPr sz="3200">
+        <a:buNone/>
+        <a:defRPr sz="3300" kern="1200">
           <a:solidFill>
             <a:schemeClr val="tx1"/>
           </a:solidFill>
-          <a:latin typeface="+mn-lt"/>
-          <a:ea typeface="ＭＳ Ｐゴシック" charset="-128"/>
-          <a:cs typeface="ＭＳ Ｐゴシック" charset="-128"/>
+          <a:latin typeface="+mj-lt"/>
+          <a:ea typeface="+mj-ea"/>
+          <a:cs typeface="+mj-cs"/>
         </a:defRPr>
       </a:lvl1pPr>
-      <a:lvl2pPr marL="742950" indent="-285750" algn="l" rtl="0" eaLnBrk="0" fontAlgn="base" hangingPunct="0">
+    </p:titleStyle>
+    <p:bodyStyle>
+      <a:lvl1pPr marL="171450" indent="-171450" algn="l" defTabSz="685800" rtl="0" eaLnBrk="1" latinLnBrk="0" hangingPunct="1">
+        <a:lnSpc>
+          <a:spcPct val="90000"/>
+        </a:lnSpc>
         <a:spcBef>
-          <a:spcPct val="20000"/>
+          <a:spcPts val="750"/>
         </a:spcBef>
-        <a:spcAft>
-          <a:spcPct val="0"/>
-        </a:spcAft>
-        <a:buChar char="–"/>
-        <a:defRPr sz="2800">
-          <a:solidFill>
-            <a:schemeClr val="tx1"/>
-          </a:solidFill>
-          <a:latin typeface="+mn-lt"/>
-          <a:ea typeface="ＭＳ Ｐゴシック" charset="-128"/>
-        </a:defRPr>
-      </a:lvl2pPr>
-      <a:lvl3pPr marL="1143000" indent="-228600" algn="l" rtl="0" eaLnBrk="0" fontAlgn="base" hangingPunct="0">
-        <a:spcBef>
-          <a:spcPct val="20000"/>
-        </a:spcBef>
-        <a:spcAft>
-          <a:spcPct val="0"/>
-        </a:spcAft>
+        <a:buFont typeface="Arial" panose="020B0604020202020204" pitchFamily="34" charset="0"/>
         <a:buChar char="•"/>
-        <a:defRPr sz="2400">
-          <a:solidFill>
-            <a:schemeClr val="tx1"/>
-          </a:solidFill>
-          <a:latin typeface="+mn-lt"/>
-          <a:ea typeface="ＭＳ Ｐゴシック" charset="-128"/>
-        </a:defRPr>
-      </a:lvl3pPr>
-      <a:lvl4pPr marL="1600200" indent="-228600" algn="l" rtl="0" eaLnBrk="0" fontAlgn="base" hangingPunct="0">
-        <a:spcBef>
-          <a:spcPct val="20000"/>
-        </a:spcBef>
-        <a:spcAft>
-          <a:spcPct val="0"/>
-        </a:spcAft>
-        <a:buChar char="–"/>
-        <a:defRPr sz="2000">
-          <a:solidFill>
-            <a:schemeClr val="tx1"/>
-          </a:solidFill>
-          <a:latin typeface="+mn-lt"/>
-          <a:ea typeface="ＭＳ Ｐゴシック" charset="-128"/>
-        </a:defRPr>
-      </a:lvl4pPr>
-      <a:lvl5pPr marL="2057400" indent="-228600" algn="l" rtl="0" eaLnBrk="0" fontAlgn="base" hangingPunct="0">
-        <a:spcBef>
-          <a:spcPct val="20000"/>
-        </a:spcBef>
-        <a:spcAft>
-          <a:spcPct val="0"/>
-        </a:spcAft>
-        <a:buChar char="»"/>
-        <a:defRPr sz="2000">
-          <a:solidFill>
-            <a:schemeClr val="tx1"/>
-          </a:solidFill>
-          <a:latin typeface="+mn-lt"/>
-          <a:ea typeface="ＭＳ Ｐゴシック" charset="-128"/>
-        </a:defRPr>
-      </a:lvl5pPr>
-      <a:lvl6pPr marL="2514600" indent="-228600" algn="l" rtl="0" fontAlgn="base">
-        <a:spcBef>
-          <a:spcPct val="20000"/>
-        </a:spcBef>
-        <a:spcAft>
-          <a:spcPct val="0"/>
-        </a:spcAft>
-        <a:buChar char="»"/>
-        <a:defRPr sz="2000">
-          <a:solidFill>
-            <a:schemeClr val="tx1"/>
-          </a:solidFill>
-          <a:latin typeface="+mn-lt"/>
-          <a:ea typeface="ＭＳ Ｐゴシック" charset="-128"/>
-        </a:defRPr>
-      </a:lvl6pPr>
-      <a:lvl7pPr marL="2971800" indent="-228600" algn="l" rtl="0" fontAlgn="base">
-        <a:spcBef>
-          <a:spcPct val="20000"/>
-        </a:spcBef>
-        <a:spcAft>
-          <a:spcPct val="0"/>
-        </a:spcAft>
-        <a:buChar char="»"/>
-        <a:defRPr sz="2000">
-          <a:solidFill>
-            <a:schemeClr val="tx1"/>
-          </a:solidFill>
-          <a:latin typeface="+mn-lt"/>
-          <a:ea typeface="ＭＳ Ｐゴシック" charset="-128"/>
-        </a:defRPr>
-      </a:lvl7pPr>
-      <a:lvl8pPr marL="3429000" indent="-228600" algn="l" rtl="0" fontAlgn="base">
-        <a:spcBef>
-          <a:spcPct val="20000"/>
-        </a:spcBef>
-        <a:spcAft>
-          <a:spcPct val="0"/>
-        </a:spcAft>
-        <a:buChar char="»"/>
-        <a:defRPr sz="2000">
-          <a:solidFill>
-            <a:schemeClr val="tx1"/>
-          </a:solidFill>
-          <a:latin typeface="+mn-lt"/>
-          <a:ea typeface="ＭＳ Ｐゴシック" charset="-128"/>
-        </a:defRPr>
-      </a:lvl8pPr>
-      <a:lvl9pPr marL="3886200" indent="-228600" algn="l" rtl="0" fontAlgn="base">
-        <a:spcBef>
-          <a:spcPct val="20000"/>
-        </a:spcBef>
-        <a:spcAft>
-          <a:spcPct val="0"/>
-        </a:spcAft>
-        <a:buChar char="»"/>
-        <a:defRPr sz="2000">
-          <a:solidFill>
-            <a:schemeClr val="tx1"/>
-          </a:solidFill>
-          <a:latin typeface="+mn-lt"/>
-          <a:ea typeface="ＭＳ Ｐゴシック" charset="-128"/>
-        </a:defRPr>
-      </a:lvl9pPr>
-    </p:bodyStyle>
-    <p:otherStyle>
-      <a:defPPr>
-        <a:defRPr lang="en-US"/>
-      </a:defPPr>
-      <a:lvl1pPr marL="0" algn="l" defTabSz="457200" rtl="0" eaLnBrk="1" latinLnBrk="0" hangingPunct="1">
-        <a:defRPr sz="1800" kern="1200">
+        <a:defRPr sz="2100" kern="1200">
           <a:solidFill>
             <a:schemeClr val="tx1"/>
           </a:solidFill>
@@ -6829,7 +6775,15 @@
           <a:cs typeface="+mn-cs"/>
         </a:defRPr>
       </a:lvl1pPr>
-      <a:lvl2pPr marL="457200" algn="l" defTabSz="457200" rtl="0" eaLnBrk="1" latinLnBrk="0" hangingPunct="1">
+      <a:lvl2pPr marL="514350" indent="-171450" algn="l" defTabSz="685800" rtl="0" eaLnBrk="1" latinLnBrk="0" hangingPunct="1">
+        <a:lnSpc>
+          <a:spcPct val="90000"/>
+        </a:lnSpc>
+        <a:spcBef>
+          <a:spcPts val="375"/>
+        </a:spcBef>
+        <a:buFont typeface="Arial" panose="020B0604020202020204" pitchFamily="34" charset="0"/>
+        <a:buChar char="•"/>
         <a:defRPr sz="1800" kern="1200">
           <a:solidFill>
             <a:schemeClr val="tx1"/>
@@ -6839,8 +6793,16 @@
           <a:cs typeface="+mn-cs"/>
         </a:defRPr>
       </a:lvl2pPr>
-      <a:lvl3pPr marL="914400" algn="l" defTabSz="457200" rtl="0" eaLnBrk="1" latinLnBrk="0" hangingPunct="1">
-        <a:defRPr sz="1800" kern="1200">
+      <a:lvl3pPr marL="857250" indent="-171450" algn="l" defTabSz="685800" rtl="0" eaLnBrk="1" latinLnBrk="0" hangingPunct="1">
+        <a:lnSpc>
+          <a:spcPct val="90000"/>
+        </a:lnSpc>
+        <a:spcBef>
+          <a:spcPts val="375"/>
+        </a:spcBef>
+        <a:buFont typeface="Arial" panose="020B0604020202020204" pitchFamily="34" charset="0"/>
+        <a:buChar char="•"/>
+        <a:defRPr sz="1500" kern="1200">
           <a:solidFill>
             <a:schemeClr val="tx1"/>
           </a:solidFill>
@@ -6849,8 +6811,16 @@
           <a:cs typeface="+mn-cs"/>
         </a:defRPr>
       </a:lvl3pPr>
-      <a:lvl4pPr marL="1371600" algn="l" defTabSz="457200" rtl="0" eaLnBrk="1" latinLnBrk="0" hangingPunct="1">
-        <a:defRPr sz="1800" kern="1200">
+      <a:lvl4pPr marL="1200150" indent="-171450" algn="l" defTabSz="685800" rtl="0" eaLnBrk="1" latinLnBrk="0" hangingPunct="1">
+        <a:lnSpc>
+          <a:spcPct val="90000"/>
+        </a:lnSpc>
+        <a:spcBef>
+          <a:spcPts val="375"/>
+        </a:spcBef>
+        <a:buFont typeface="Arial" panose="020B0604020202020204" pitchFamily="34" charset="0"/>
+        <a:buChar char="•"/>
+        <a:defRPr sz="1350" kern="1200">
           <a:solidFill>
             <a:schemeClr val="tx1"/>
           </a:solidFill>
@@ -6859,8 +6829,16 @@
           <a:cs typeface="+mn-cs"/>
         </a:defRPr>
       </a:lvl4pPr>
-      <a:lvl5pPr marL="1828800" algn="l" defTabSz="457200" rtl="0" eaLnBrk="1" latinLnBrk="0" hangingPunct="1">
-        <a:defRPr sz="1800" kern="1200">
+      <a:lvl5pPr marL="1543050" indent="-171450" algn="l" defTabSz="685800" rtl="0" eaLnBrk="1" latinLnBrk="0" hangingPunct="1">
+        <a:lnSpc>
+          <a:spcPct val="90000"/>
+        </a:lnSpc>
+        <a:spcBef>
+          <a:spcPts val="375"/>
+        </a:spcBef>
+        <a:buFont typeface="Arial" panose="020B0604020202020204" pitchFamily="34" charset="0"/>
+        <a:buChar char="•"/>
+        <a:defRPr sz="1350" kern="1200">
           <a:solidFill>
             <a:schemeClr val="tx1"/>
           </a:solidFill>
@@ -6869,8 +6847,16 @@
           <a:cs typeface="+mn-cs"/>
         </a:defRPr>
       </a:lvl5pPr>
-      <a:lvl6pPr marL="2286000" algn="l" defTabSz="457200" rtl="0" eaLnBrk="1" latinLnBrk="0" hangingPunct="1">
-        <a:defRPr sz="1800" kern="1200">
+      <a:lvl6pPr marL="1885950" indent="-171450" algn="l" defTabSz="685800" rtl="0" eaLnBrk="1" latinLnBrk="0" hangingPunct="1">
+        <a:lnSpc>
+          <a:spcPct val="90000"/>
+        </a:lnSpc>
+        <a:spcBef>
+          <a:spcPts val="375"/>
+        </a:spcBef>
+        <a:buFont typeface="Arial" panose="020B0604020202020204" pitchFamily="34" charset="0"/>
+        <a:buChar char="•"/>
+        <a:defRPr sz="1350" kern="1200">
           <a:solidFill>
             <a:schemeClr val="tx1"/>
           </a:solidFill>
@@ -6879,8 +6865,16 @@
           <a:cs typeface="+mn-cs"/>
         </a:defRPr>
       </a:lvl6pPr>
-      <a:lvl7pPr marL="2743200" algn="l" defTabSz="457200" rtl="0" eaLnBrk="1" latinLnBrk="0" hangingPunct="1">
-        <a:defRPr sz="1800" kern="1200">
+      <a:lvl7pPr marL="2228850" indent="-171450" algn="l" defTabSz="685800" rtl="0" eaLnBrk="1" latinLnBrk="0" hangingPunct="1">
+        <a:lnSpc>
+          <a:spcPct val="90000"/>
+        </a:lnSpc>
+        <a:spcBef>
+          <a:spcPts val="375"/>
+        </a:spcBef>
+        <a:buFont typeface="Arial" panose="020B0604020202020204" pitchFamily="34" charset="0"/>
+        <a:buChar char="•"/>
+        <a:defRPr sz="1350" kern="1200">
           <a:solidFill>
             <a:schemeClr val="tx1"/>
           </a:solidFill>
@@ -6889,8 +6883,16 @@
           <a:cs typeface="+mn-cs"/>
         </a:defRPr>
       </a:lvl7pPr>
-      <a:lvl8pPr marL="3200400" algn="l" defTabSz="457200" rtl="0" eaLnBrk="1" latinLnBrk="0" hangingPunct="1">
-        <a:defRPr sz="1800" kern="1200">
+      <a:lvl8pPr marL="2571750" indent="-171450" algn="l" defTabSz="685800" rtl="0" eaLnBrk="1" latinLnBrk="0" hangingPunct="1">
+        <a:lnSpc>
+          <a:spcPct val="90000"/>
+        </a:lnSpc>
+        <a:spcBef>
+          <a:spcPts val="375"/>
+        </a:spcBef>
+        <a:buFont typeface="Arial" panose="020B0604020202020204" pitchFamily="34" charset="0"/>
+        <a:buChar char="•"/>
+        <a:defRPr sz="1350" kern="1200">
           <a:solidFill>
             <a:schemeClr val="tx1"/>
           </a:solidFill>
@@ -6899,8 +6901,111 @@
           <a:cs typeface="+mn-cs"/>
         </a:defRPr>
       </a:lvl8pPr>
-      <a:lvl9pPr marL="3657600" algn="l" defTabSz="457200" rtl="0" eaLnBrk="1" latinLnBrk="0" hangingPunct="1">
-        <a:defRPr sz="1800" kern="1200">
+      <a:lvl9pPr marL="2914650" indent="-171450" algn="l" defTabSz="685800" rtl="0" eaLnBrk="1" latinLnBrk="0" hangingPunct="1">
+        <a:lnSpc>
+          <a:spcPct val="90000"/>
+        </a:lnSpc>
+        <a:spcBef>
+          <a:spcPts val="375"/>
+        </a:spcBef>
+        <a:buFont typeface="Arial" panose="020B0604020202020204" pitchFamily="34" charset="0"/>
+        <a:buChar char="•"/>
+        <a:defRPr sz="1350" kern="1200">
+          <a:solidFill>
+            <a:schemeClr val="tx1"/>
+          </a:solidFill>
+          <a:latin typeface="+mn-lt"/>
+          <a:ea typeface="+mn-ea"/>
+          <a:cs typeface="+mn-cs"/>
+        </a:defRPr>
+      </a:lvl9pPr>
+    </p:bodyStyle>
+    <p:otherStyle>
+      <a:defPPr>
+        <a:defRPr lang="en-US"/>
+      </a:defPPr>
+      <a:lvl1pPr marL="0" algn="l" defTabSz="685800" rtl="0" eaLnBrk="1" latinLnBrk="0" hangingPunct="1">
+        <a:defRPr sz="1350" kern="1200">
+          <a:solidFill>
+            <a:schemeClr val="tx1"/>
+          </a:solidFill>
+          <a:latin typeface="+mn-lt"/>
+          <a:ea typeface="+mn-ea"/>
+          <a:cs typeface="+mn-cs"/>
+        </a:defRPr>
+      </a:lvl1pPr>
+      <a:lvl2pPr marL="342900" algn="l" defTabSz="685800" rtl="0" eaLnBrk="1" latinLnBrk="0" hangingPunct="1">
+        <a:defRPr sz="1350" kern="1200">
+          <a:solidFill>
+            <a:schemeClr val="tx1"/>
+          </a:solidFill>
+          <a:latin typeface="+mn-lt"/>
+          <a:ea typeface="+mn-ea"/>
+          <a:cs typeface="+mn-cs"/>
+        </a:defRPr>
+      </a:lvl2pPr>
+      <a:lvl3pPr marL="685800" algn="l" defTabSz="685800" rtl="0" eaLnBrk="1" latinLnBrk="0" hangingPunct="1">
+        <a:defRPr sz="1350" kern="1200">
+          <a:solidFill>
+            <a:schemeClr val="tx1"/>
+          </a:solidFill>
+          <a:latin typeface="+mn-lt"/>
+          <a:ea typeface="+mn-ea"/>
+          <a:cs typeface="+mn-cs"/>
+        </a:defRPr>
+      </a:lvl3pPr>
+      <a:lvl4pPr marL="1028700" algn="l" defTabSz="685800" rtl="0" eaLnBrk="1" latinLnBrk="0" hangingPunct="1">
+        <a:defRPr sz="1350" kern="1200">
+          <a:solidFill>
+            <a:schemeClr val="tx1"/>
+          </a:solidFill>
+          <a:latin typeface="+mn-lt"/>
+          <a:ea typeface="+mn-ea"/>
+          <a:cs typeface="+mn-cs"/>
+        </a:defRPr>
+      </a:lvl4pPr>
+      <a:lvl5pPr marL="1371600" algn="l" defTabSz="685800" rtl="0" eaLnBrk="1" latinLnBrk="0" hangingPunct="1">
+        <a:defRPr sz="1350" kern="1200">
+          <a:solidFill>
+            <a:schemeClr val="tx1"/>
+          </a:solidFill>
+          <a:latin typeface="+mn-lt"/>
+          <a:ea typeface="+mn-ea"/>
+          <a:cs typeface="+mn-cs"/>
+        </a:defRPr>
+      </a:lvl5pPr>
+      <a:lvl6pPr marL="1714500" algn="l" defTabSz="685800" rtl="0" eaLnBrk="1" latinLnBrk="0" hangingPunct="1">
+        <a:defRPr sz="1350" kern="1200">
+          <a:solidFill>
+            <a:schemeClr val="tx1"/>
+          </a:solidFill>
+          <a:latin typeface="+mn-lt"/>
+          <a:ea typeface="+mn-ea"/>
+          <a:cs typeface="+mn-cs"/>
+        </a:defRPr>
+      </a:lvl6pPr>
+      <a:lvl7pPr marL="2057400" algn="l" defTabSz="685800" rtl="0" eaLnBrk="1" latinLnBrk="0" hangingPunct="1">
+        <a:defRPr sz="1350" kern="1200">
+          <a:solidFill>
+            <a:schemeClr val="tx1"/>
+          </a:solidFill>
+          <a:latin typeface="+mn-lt"/>
+          <a:ea typeface="+mn-ea"/>
+          <a:cs typeface="+mn-cs"/>
+        </a:defRPr>
+      </a:lvl7pPr>
+      <a:lvl8pPr marL="2400300" algn="l" defTabSz="685800" rtl="0" eaLnBrk="1" latinLnBrk="0" hangingPunct="1">
+        <a:defRPr sz="1350" kern="1200">
+          <a:solidFill>
+            <a:schemeClr val="tx1"/>
+          </a:solidFill>
+          <a:latin typeface="+mn-lt"/>
+          <a:ea typeface="+mn-ea"/>
+          <a:cs typeface="+mn-cs"/>
+        </a:defRPr>
+      </a:lvl8pPr>
+      <a:lvl9pPr marL="2743200" algn="l" defTabSz="685800" rtl="0" eaLnBrk="1" latinLnBrk="0" hangingPunct="1">
+        <a:defRPr sz="1350" kern="1200">
           <a:solidFill>
             <a:schemeClr val="tx1"/>
           </a:solidFill>
@@ -7166,35 +7271,6 @@
           <a:chExt cx="0" cy="0"/>
         </a:xfrm>
       </p:grpSpPr>
-      <p:sp>
-        <p:nvSpPr>
-          <p:cNvPr id="9" name="Rectangle 2"/>
-          <p:cNvSpPr>
-            <a:spLocks noGrp="1" noChangeArrowheads="1"/>
-          </p:cNvSpPr>
-          <p:nvPr>
-            <p:ph type="ctrTitle"/>
-          </p:nvPr>
-        </p:nvSpPr>
-        <p:spPr>
-          <a:xfrm>
-            <a:off x="323528" y="-171400"/>
-            <a:ext cx="8568952" cy="1535832"/>
-          </a:xfrm>
-        </p:spPr>
-        <p:txBody>
-          <a:bodyPr/>
-          <a:lstStyle/>
-          <a:p>
-            <a:pPr algn="l" eaLnBrk="1" hangingPunct="1"/>
-            <a:r>
-              <a:rPr lang="en-US" sz="3200" b="1" dirty="0"/>
-              <a:t>Bi-directional sequence (aka Mate Pairs)</a:t>
-            </a:r>
-            <a:endParaRPr lang="en-US" sz="3200" dirty="0"/>
-          </a:p>
-        </p:txBody>
-      </p:sp>
       <p:sp>
         <p:nvSpPr>
           <p:cNvPr id="3" name="TextBox 2"/>
@@ -7584,6 +7660,62 @@
           </a:p>
         </p:txBody>
       </p:sp>
+      <p:sp>
+        <p:nvSpPr>
+          <p:cNvPr id="8" name="Rectangle 2">
+            <a:extLst>
+              <a:ext uri="{FF2B5EF4-FFF2-40B4-BE49-F238E27FC236}">
+                <a16:creationId xmlns:a16="http://schemas.microsoft.com/office/drawing/2014/main" id="{FCADEBD8-53D4-8F9F-7C49-808DDCE9199E}"/>
+              </a:ext>
+            </a:extLst>
+          </p:cNvPr>
+          <p:cNvSpPr txBox="1">
+            <a:spLocks noChangeArrowheads="1"/>
+          </p:cNvSpPr>
+          <p:nvPr/>
+        </p:nvSpPr>
+        <p:spPr>
+          <a:xfrm>
+            <a:off x="323528" y="-171400"/>
+            <a:ext cx="8568952" cy="1080120"/>
+          </a:xfrm>
+          <a:prstGeom prst="rect">
+            <a:avLst/>
+          </a:prstGeom>
+        </p:spPr>
+        <p:txBody>
+          <a:bodyPr vert="horz" lIns="91440" tIns="45720" rIns="91440" bIns="45720" rtlCol="0" anchor="b">
+            <a:normAutofit/>
+          </a:bodyPr>
+          <a:lstStyle>
+            <a:lvl1pPr algn="ctr" defTabSz="685800" rtl="0" eaLnBrk="1" latinLnBrk="0" hangingPunct="1">
+              <a:lnSpc>
+                <a:spcPct val="90000"/>
+              </a:lnSpc>
+              <a:spcBef>
+                <a:spcPct val="0"/>
+              </a:spcBef>
+              <a:buNone/>
+              <a:defRPr sz="4500" kern="1200">
+                <a:solidFill>
+                  <a:schemeClr val="tx1"/>
+                </a:solidFill>
+                <a:latin typeface="+mj-lt"/>
+                <a:ea typeface="+mj-ea"/>
+                <a:cs typeface="+mj-cs"/>
+              </a:defRPr>
+            </a:lvl1pPr>
+          </a:lstStyle>
+          <a:p>
+            <a:pPr algn="l"/>
+            <a:r>
+              <a:rPr lang="en-US" sz="3200" b="1"/>
+              <a:t>Bi-directional sequence (aka Mate Pairs)</a:t>
+            </a:r>
+            <a:endParaRPr lang="en-US" sz="3200" dirty="0"/>
+          </a:p>
+        </p:txBody>
+      </p:sp>
     </p:spTree>
     <p:extLst>
       <p:ext uri="{BB962C8B-B14F-4D97-AF65-F5344CB8AC3E}">
@@ -7614,35 +7746,6 @@
           <a:chExt cx="0" cy="0"/>
         </a:xfrm>
       </p:grpSpPr>
-      <p:sp>
-        <p:nvSpPr>
-          <p:cNvPr id="9" name="Rectangle 2"/>
-          <p:cNvSpPr>
-            <a:spLocks noGrp="1" noChangeArrowheads="1"/>
-          </p:cNvSpPr>
-          <p:nvPr>
-            <p:ph type="ctrTitle"/>
-          </p:nvPr>
-        </p:nvSpPr>
-        <p:spPr>
-          <a:xfrm>
-            <a:off x="323528" y="-171400"/>
-            <a:ext cx="8568952" cy="1535832"/>
-          </a:xfrm>
-        </p:spPr>
-        <p:txBody>
-          <a:bodyPr/>
-          <a:lstStyle/>
-          <a:p>
-            <a:pPr algn="l" eaLnBrk="1" hangingPunct="1"/>
-            <a:r>
-              <a:rPr lang="en-US" sz="3200" b="1" dirty="0"/>
-              <a:t>Bi-directional sequence (aka Mate Pairs)</a:t>
-            </a:r>
-            <a:endParaRPr lang="en-US" sz="3200" dirty="0"/>
-          </a:p>
-        </p:txBody>
-      </p:sp>
       <p:pic>
         <p:nvPicPr>
           <p:cNvPr id="5" name="Picture 10" descr=" Fig4.tiff                                                      0002D616Tuscany                        B9267DE4:"/>
@@ -7789,6 +7892,62 @@
           </a:p>
         </p:txBody>
       </p:sp>
+      <p:sp>
+        <p:nvSpPr>
+          <p:cNvPr id="6" name="Rectangle 2">
+            <a:extLst>
+              <a:ext uri="{FF2B5EF4-FFF2-40B4-BE49-F238E27FC236}">
+                <a16:creationId xmlns:a16="http://schemas.microsoft.com/office/drawing/2014/main" id="{98D2ED7C-E586-A8BA-800F-165627AEC7B8}"/>
+              </a:ext>
+            </a:extLst>
+          </p:cNvPr>
+          <p:cNvSpPr txBox="1">
+            <a:spLocks noChangeArrowheads="1"/>
+          </p:cNvSpPr>
+          <p:nvPr/>
+        </p:nvSpPr>
+        <p:spPr>
+          <a:xfrm>
+            <a:off x="323528" y="-171400"/>
+            <a:ext cx="8568952" cy="1080120"/>
+          </a:xfrm>
+          <a:prstGeom prst="rect">
+            <a:avLst/>
+          </a:prstGeom>
+        </p:spPr>
+        <p:txBody>
+          <a:bodyPr vert="horz" lIns="91440" tIns="45720" rIns="91440" bIns="45720" rtlCol="0" anchor="b">
+            <a:normAutofit/>
+          </a:bodyPr>
+          <a:lstStyle>
+            <a:lvl1pPr algn="ctr" defTabSz="685800" rtl="0" eaLnBrk="1" latinLnBrk="0" hangingPunct="1">
+              <a:lnSpc>
+                <a:spcPct val="90000"/>
+              </a:lnSpc>
+              <a:spcBef>
+                <a:spcPct val="0"/>
+              </a:spcBef>
+              <a:buNone/>
+              <a:defRPr sz="4500" kern="1200">
+                <a:solidFill>
+                  <a:schemeClr val="tx1"/>
+                </a:solidFill>
+                <a:latin typeface="+mj-lt"/>
+                <a:ea typeface="+mj-ea"/>
+                <a:cs typeface="+mj-cs"/>
+              </a:defRPr>
+            </a:lvl1pPr>
+          </a:lstStyle>
+          <a:p>
+            <a:pPr algn="l"/>
+            <a:r>
+              <a:rPr lang="en-US" sz="3200" b="1"/>
+              <a:t>Bi-directional sequence (aka Mate Pairs)</a:t>
+            </a:r>
+            <a:endParaRPr lang="en-US" sz="3200" dirty="0"/>
+          </a:p>
+        </p:txBody>
+      </p:sp>
     </p:spTree>
     <p:extLst>
       <p:ext uri="{BB962C8B-B14F-4D97-AF65-F5344CB8AC3E}">
@@ -7832,7 +7991,7 @@
         <p:spPr>
           <a:xfrm>
             <a:off x="323528" y="-171400"/>
-            <a:ext cx="8568952" cy="1535832"/>
+            <a:ext cx="8568952" cy="1152128"/>
           </a:xfrm>
         </p:spPr>
         <p:txBody>
@@ -7910,9 +8069,11 @@
               <a:buChar char="•"/>
             </a:pPr>
             <a:r>
-              <a:rPr lang="en-US" sz="2000" dirty="0">
+              <a:rPr lang="en-US" sz="2000" b="1" dirty="0">
                 <a:solidFill>
-                  <a:srgbClr val="FFFF00"/>
+                  <a:schemeClr val="accent1">
+                    <a:lumMod val="75000"/>
+                  </a:schemeClr>
                 </a:solidFill>
               </a:rPr>
               <a:t>20-fold was considered good coverage</a:t>
@@ -7990,9 +8151,11 @@
               <a:buChar char="•"/>
             </a:pPr>
             <a:r>
-              <a:rPr lang="en-US" sz="2000" dirty="0">
+              <a:rPr lang="en-US" sz="2000" b="1" dirty="0">
                 <a:solidFill>
-                  <a:srgbClr val="FFFF00"/>
+                  <a:schemeClr val="accent1">
+                    <a:lumMod val="75000"/>
+                  </a:schemeClr>
                 </a:solidFill>
               </a:rPr>
               <a:t>PHRED was a critical advance</a:t>
@@ -8008,9 +8171,11 @@
               <a:t>Assembly software emphasized mate-pairs and used overlap-layout-consensus (OLC) ‘graph theory’ methods; </a:t>
             </a:r>
             <a:r>
-              <a:rPr lang="en-US" sz="2000" dirty="0">
+              <a:rPr lang="en-US" sz="2000" b="1" dirty="0">
                 <a:solidFill>
-                  <a:srgbClr val="FFFF00"/>
+                  <a:schemeClr val="accent1">
+                    <a:lumMod val="75000"/>
+                  </a:schemeClr>
                 </a:solidFill>
               </a:rPr>
               <a:t>long reads spanned repeat regions</a:t>
@@ -8061,7 +8226,7 @@
         <p:spPr>
           <a:xfrm>
             <a:off x="323528" y="-171400"/>
-            <a:ext cx="8568952" cy="1535832"/>
+            <a:ext cx="8568952" cy="1080120"/>
           </a:xfrm>
         </p:spPr>
         <p:txBody>
@@ -8089,8 +8254,8 @@
         </p:nvSpPr>
         <p:spPr>
           <a:xfrm>
-            <a:off x="323528" y="1196752"/>
-            <a:ext cx="8352928" cy="5324535"/>
+            <a:off x="323528" y="923443"/>
+            <a:ext cx="8352928" cy="6247864"/>
           </a:xfrm>
           <a:prstGeom prst="rect">
             <a:avLst/>
@@ -8139,16 +8304,20 @@
               <a:buChar char="•"/>
             </a:pPr>
             <a:r>
-              <a:rPr lang="en-US" sz="2000" dirty="0">
+              <a:rPr lang="en-US" sz="2000" b="1" dirty="0">
                 <a:solidFill>
-                  <a:srgbClr val="FFFF00"/>
+                  <a:schemeClr val="accent1">
+                    <a:lumMod val="75000"/>
+                  </a:schemeClr>
                 </a:solidFill>
               </a:rPr>
               <a:t>250 bp mate pairs but 100s-fold coverage</a:t>
             </a:r>
-            <a:endParaRPr lang="en-US" sz="2000" baseline="30000" dirty="0">
+            <a:endParaRPr lang="en-US" sz="2000" b="1" baseline="30000" dirty="0">
               <a:solidFill>
-                <a:srgbClr val="FFFF00"/>
+                <a:schemeClr val="accent1">
+                  <a:lumMod val="75000"/>
+                </a:schemeClr>
               </a:solidFill>
             </a:endParaRPr>
           </a:p>
@@ -8158,9 +8327,11 @@
               <a:buChar char="•"/>
             </a:pPr>
             <a:r>
-              <a:rPr lang="en-US" sz="2000" dirty="0">
+              <a:rPr lang="en-US" sz="2000" b="1" dirty="0">
                 <a:solidFill>
-                  <a:srgbClr val="FFFF00"/>
+                  <a:schemeClr val="accent1">
+                    <a:lumMod val="75000"/>
+                  </a:schemeClr>
                 </a:solidFill>
               </a:rPr>
               <a:t>No cloning </a:t>
@@ -8254,9 +8425,11 @@
               <a:buChar char="•"/>
             </a:pPr>
             <a:r>
-              <a:rPr lang="en-US" sz="2000" dirty="0">
+              <a:rPr lang="en-US" sz="2000" b="1" dirty="0">
                 <a:solidFill>
-                  <a:srgbClr val="FFFF00"/>
+                  <a:schemeClr val="accent1">
+                    <a:lumMod val="75000"/>
+                  </a:schemeClr>
                 </a:solidFill>
               </a:rPr>
               <a:t>Shorter reads less likely to span repeat regions</a:t>
@@ -8368,7 +8541,7 @@
         <p:spPr>
           <a:xfrm>
             <a:off x="323528" y="-171400"/>
-            <a:ext cx="8568952" cy="1535832"/>
+            <a:ext cx="8568952" cy="1080120"/>
           </a:xfrm>
         </p:spPr>
         <p:txBody>
@@ -8513,7 +8686,7 @@
         <p:spPr>
           <a:xfrm>
             <a:off x="323528" y="-171400"/>
-            <a:ext cx="8568952" cy="1535832"/>
+            <a:ext cx="8568952" cy="1152128"/>
           </a:xfrm>
         </p:spPr>
         <p:txBody>
@@ -8822,7 +8995,7 @@
         <p:spPr>
           <a:xfrm>
             <a:off x="323528" y="-171400"/>
-            <a:ext cx="8568952" cy="1535832"/>
+            <a:ext cx="8568952" cy="1080120"/>
           </a:xfrm>
         </p:spPr>
         <p:txBody>
@@ -9215,7 +9388,7 @@
         <p:spPr>
           <a:xfrm>
             <a:off x="323528" y="-171400"/>
-            <a:ext cx="8568952" cy="1535832"/>
+            <a:ext cx="8568952" cy="1080120"/>
           </a:xfrm>
         </p:spPr>
         <p:txBody>
@@ -9483,7 +9656,7 @@
         <p:spPr>
           <a:xfrm>
             <a:off x="323528" y="-171400"/>
-            <a:ext cx="8568952" cy="1535832"/>
+            <a:ext cx="8568952" cy="1224136"/>
           </a:xfrm>
         </p:spPr>
         <p:txBody>
@@ -9790,7 +9963,7 @@
         <p:spPr>
           <a:xfrm>
             <a:off x="323528" y="-171400"/>
-            <a:ext cx="8568952" cy="1535832"/>
+            <a:ext cx="8568952" cy="1179512"/>
           </a:xfrm>
         </p:spPr>
         <p:txBody>
@@ -9945,7 +10118,7 @@
             <a:avLst/>
           </a:prstGeom>
           <a:solidFill>
-            <a:schemeClr val="tx1"/>
+            <a:schemeClr val="bg1"/>
           </a:solidFill>
           <a:ln w="9525" cap="flat" cmpd="sng" algn="ctr">
             <a:noFill/>
@@ -10014,7 +10187,7 @@
             <a:avLst/>
           </a:prstGeom>
           <a:solidFill>
-            <a:schemeClr val="tx1"/>
+            <a:schemeClr val="bg1"/>
           </a:solidFill>
           <a:ln w="9525" cap="flat" cmpd="sng" algn="ctr">
             <a:noFill/>
@@ -10083,7 +10256,7 @@
             <a:avLst/>
           </a:prstGeom>
           <a:solidFill>
-            <a:schemeClr val="tx1"/>
+            <a:schemeClr val="bg1"/>
           </a:solidFill>
           <a:ln w="9525" cap="flat" cmpd="sng" algn="ctr">
             <a:noFill/>
@@ -10152,7 +10325,7 @@
             <a:avLst/>
           </a:prstGeom>
           <a:solidFill>
-            <a:schemeClr val="tx1"/>
+            <a:schemeClr val="bg1"/>
           </a:solidFill>
           <a:ln w="9525" cap="flat" cmpd="sng" algn="ctr">
             <a:noFill/>
@@ -10243,7 +10416,7 @@
         <p:spPr>
           <a:xfrm>
             <a:off x="323528" y="-171400"/>
-            <a:ext cx="8568952" cy="1535832"/>
+            <a:ext cx="8568952" cy="1152128"/>
           </a:xfrm>
         </p:spPr>
         <p:txBody>
@@ -10455,35 +10628,6 @@
       </p:grpSpPr>
       <p:sp>
         <p:nvSpPr>
-          <p:cNvPr id="9" name="Rectangle 2"/>
-          <p:cNvSpPr>
-            <a:spLocks noGrp="1" noChangeArrowheads="1"/>
-          </p:cNvSpPr>
-          <p:nvPr>
-            <p:ph type="ctrTitle"/>
-          </p:nvPr>
-        </p:nvSpPr>
-        <p:spPr>
-          <a:xfrm>
-            <a:off x="323528" y="-171400"/>
-            <a:ext cx="8568952" cy="1535832"/>
-          </a:xfrm>
-        </p:spPr>
-        <p:txBody>
-          <a:bodyPr/>
-          <a:lstStyle/>
-          <a:p>
-            <a:pPr algn="l" eaLnBrk="1" hangingPunct="1"/>
-            <a:r>
-              <a:rPr lang="en-US" sz="3200" b="1" dirty="0"/>
-              <a:t>A5QC / SSPACE ‘Finishing’</a:t>
-            </a:r>
-            <a:endParaRPr lang="en-US" sz="3200" dirty="0"/>
-          </a:p>
-        </p:txBody>
-      </p:sp>
-      <p:sp>
-        <p:nvSpPr>
           <p:cNvPr id="5" name="TextBox 4"/>
           <p:cNvSpPr txBox="1"/>
           <p:nvPr/>
@@ -10621,7 +10765,7 @@
             <a:avLst/>
           </a:prstGeom>
           <a:solidFill>
-            <a:schemeClr val="tx1"/>
+            <a:schemeClr val="bg1"/>
           </a:solidFill>
           <a:ln w="9525" cap="flat" cmpd="sng" algn="ctr">
             <a:noFill/>
@@ -10690,7 +10834,7 @@
             <a:avLst/>
           </a:prstGeom>
           <a:solidFill>
-            <a:schemeClr val="tx1"/>
+            <a:schemeClr val="bg1"/>
           </a:solidFill>
           <a:ln w="9525" cap="flat" cmpd="sng" algn="ctr">
             <a:noFill/>
@@ -10759,7 +10903,7 @@
             <a:avLst/>
           </a:prstGeom>
           <a:solidFill>
-            <a:schemeClr val="tx1"/>
+            <a:schemeClr val="bg1"/>
           </a:solidFill>
           <a:ln w="9525" cap="flat" cmpd="sng" algn="ctr">
             <a:noFill/>
@@ -10804,6 +10948,62 @@
               <a:effectLst/>
               <a:latin typeface="Times" charset="0"/>
             </a:endParaRPr>
+          </a:p>
+        </p:txBody>
+      </p:sp>
+      <p:sp>
+        <p:nvSpPr>
+          <p:cNvPr id="11" name="Rectangle 2">
+            <a:extLst>
+              <a:ext uri="{FF2B5EF4-FFF2-40B4-BE49-F238E27FC236}">
+                <a16:creationId xmlns:a16="http://schemas.microsoft.com/office/drawing/2014/main" id="{BAFD94E9-922F-1188-0D49-5FB5D469F294}"/>
+              </a:ext>
+            </a:extLst>
+          </p:cNvPr>
+          <p:cNvSpPr txBox="1">
+            <a:spLocks noChangeArrowheads="1"/>
+          </p:cNvSpPr>
+          <p:nvPr/>
+        </p:nvSpPr>
+        <p:spPr>
+          <a:xfrm>
+            <a:off x="323528" y="-171400"/>
+            <a:ext cx="8568952" cy="1179512"/>
+          </a:xfrm>
+          <a:prstGeom prst="rect">
+            <a:avLst/>
+          </a:prstGeom>
+        </p:spPr>
+        <p:txBody>
+          <a:bodyPr vert="horz" lIns="91440" tIns="45720" rIns="91440" bIns="45720" rtlCol="0" anchor="b">
+            <a:normAutofit/>
+          </a:bodyPr>
+          <a:lstStyle>
+            <a:lvl1pPr algn="ctr" defTabSz="685800" rtl="0" eaLnBrk="1" latinLnBrk="0" hangingPunct="1">
+              <a:lnSpc>
+                <a:spcPct val="90000"/>
+              </a:lnSpc>
+              <a:spcBef>
+                <a:spcPct val="0"/>
+              </a:spcBef>
+              <a:buNone/>
+              <a:defRPr sz="4500" kern="1200">
+                <a:solidFill>
+                  <a:schemeClr val="tx1"/>
+                </a:solidFill>
+                <a:latin typeface="+mj-lt"/>
+                <a:ea typeface="+mj-ea"/>
+                <a:cs typeface="+mj-cs"/>
+              </a:defRPr>
+            </a:lvl1pPr>
+          </a:lstStyle>
+          <a:p>
+            <a:pPr algn="l"/>
+            <a:r>
+              <a:rPr lang="en-US" sz="3200" b="1"/>
+              <a:t>A5QC / SSPACE ‘Finishing’</a:t>
+            </a:r>
+            <a:endParaRPr lang="en-US" sz="3200" dirty="0"/>
           </a:p>
         </p:txBody>
       </p:sp>
@@ -10839,35 +11039,6 @@
       </p:grpSpPr>
       <p:sp>
         <p:nvSpPr>
-          <p:cNvPr id="9" name="Rectangle 2"/>
-          <p:cNvSpPr>
-            <a:spLocks noGrp="1" noChangeArrowheads="1"/>
-          </p:cNvSpPr>
-          <p:nvPr>
-            <p:ph type="ctrTitle"/>
-          </p:nvPr>
-        </p:nvSpPr>
-        <p:spPr>
-          <a:xfrm>
-            <a:off x="323528" y="-171400"/>
-            <a:ext cx="8568952" cy="1535832"/>
-          </a:xfrm>
-        </p:spPr>
-        <p:txBody>
-          <a:bodyPr/>
-          <a:lstStyle/>
-          <a:p>
-            <a:pPr algn="l" eaLnBrk="1" hangingPunct="1"/>
-            <a:r>
-              <a:rPr lang="en-US" sz="3200" b="1" dirty="0"/>
-              <a:t>A5QC / SSPACE ‘Finishing’</a:t>
-            </a:r>
-            <a:endParaRPr lang="en-US" sz="3200" dirty="0"/>
-          </a:p>
-        </p:txBody>
-      </p:sp>
-      <p:sp>
-        <p:nvSpPr>
           <p:cNvPr id="5" name="TextBox 4"/>
           <p:cNvSpPr txBox="1"/>
           <p:nvPr/>
@@ -11005,7 +11176,7 @@
             <a:avLst/>
           </a:prstGeom>
           <a:solidFill>
-            <a:schemeClr val="tx1"/>
+            <a:schemeClr val="bg1"/>
           </a:solidFill>
           <a:ln w="9525" cap="flat" cmpd="sng" algn="ctr">
             <a:noFill/>
@@ -11074,7 +11245,7 @@
             <a:avLst/>
           </a:prstGeom>
           <a:solidFill>
-            <a:schemeClr val="tx1"/>
+            <a:schemeClr val="bg1"/>
           </a:solidFill>
           <a:ln w="9525" cap="flat" cmpd="sng" algn="ctr">
             <a:noFill/>
@@ -11119,6 +11290,62 @@
               <a:effectLst/>
               <a:latin typeface="Times" charset="0"/>
             </a:endParaRPr>
+          </a:p>
+        </p:txBody>
+      </p:sp>
+      <p:sp>
+        <p:nvSpPr>
+          <p:cNvPr id="7" name="Rectangle 2">
+            <a:extLst>
+              <a:ext uri="{FF2B5EF4-FFF2-40B4-BE49-F238E27FC236}">
+                <a16:creationId xmlns:a16="http://schemas.microsoft.com/office/drawing/2014/main" id="{DF7ED962-2B09-473A-5538-8EC5414C613A}"/>
+              </a:ext>
+            </a:extLst>
+          </p:cNvPr>
+          <p:cNvSpPr txBox="1">
+            <a:spLocks noChangeArrowheads="1"/>
+          </p:cNvSpPr>
+          <p:nvPr/>
+        </p:nvSpPr>
+        <p:spPr>
+          <a:xfrm>
+            <a:off x="323528" y="-171400"/>
+            <a:ext cx="8568952" cy="1179512"/>
+          </a:xfrm>
+          <a:prstGeom prst="rect">
+            <a:avLst/>
+          </a:prstGeom>
+        </p:spPr>
+        <p:txBody>
+          <a:bodyPr vert="horz" lIns="91440" tIns="45720" rIns="91440" bIns="45720" rtlCol="0" anchor="b">
+            <a:normAutofit/>
+          </a:bodyPr>
+          <a:lstStyle>
+            <a:lvl1pPr algn="ctr" defTabSz="685800" rtl="0" eaLnBrk="1" latinLnBrk="0" hangingPunct="1">
+              <a:lnSpc>
+                <a:spcPct val="90000"/>
+              </a:lnSpc>
+              <a:spcBef>
+                <a:spcPct val="0"/>
+              </a:spcBef>
+              <a:buNone/>
+              <a:defRPr sz="4500" kern="1200">
+                <a:solidFill>
+                  <a:schemeClr val="tx1"/>
+                </a:solidFill>
+                <a:latin typeface="+mj-lt"/>
+                <a:ea typeface="+mj-ea"/>
+                <a:cs typeface="+mj-cs"/>
+              </a:defRPr>
+            </a:lvl1pPr>
+          </a:lstStyle>
+          <a:p>
+            <a:pPr algn="l"/>
+            <a:r>
+              <a:rPr lang="en-US" sz="3200" b="1"/>
+              <a:t>A5QC / SSPACE ‘Finishing’</a:t>
+            </a:r>
+            <a:endParaRPr lang="en-US" sz="3200" dirty="0"/>
           </a:p>
         </p:txBody>
       </p:sp>
@@ -11476,8 +11703,12 @@
           <a:p>
             <a:pPr algn="l" eaLnBrk="1" hangingPunct="1"/>
             <a:r>
-              <a:rPr lang="en-US" sz="3200" b="1"/>
-              <a:t>kmers, de Bruijn graphs, Eulerian paths</a:t>
+              <a:rPr lang="en-US" sz="3200" b="1" dirty="0" err="1"/>
+              <a:t>kmers</a:t>
+            </a:r>
+            <a:r>
+              <a:rPr lang="en-US" sz="3200" b="1" dirty="0"/>
+              <a:t>, de Bruijn graphs, Eulerian paths</a:t>
             </a:r>
             <a:endParaRPr lang="en-US" sz="3200" dirty="0"/>
           </a:p>
@@ -11571,55 +11802,6 @@
       </p:grpSpPr>
       <p:sp>
         <p:nvSpPr>
-          <p:cNvPr id="9" name="Rectangle 2"/>
-          <p:cNvSpPr>
-            <a:spLocks noGrp="1" noChangeArrowheads="1"/>
-          </p:cNvSpPr>
-          <p:nvPr>
-            <p:ph type="ctrTitle"/>
-          </p:nvPr>
-        </p:nvSpPr>
-        <p:spPr>
-          <a:xfrm>
-            <a:off x="323528" y="-171400"/>
-            <a:ext cx="8568952" cy="1535832"/>
-          </a:xfrm>
-        </p:spPr>
-        <p:txBody>
-          <a:bodyPr/>
-          <a:lstStyle/>
-          <a:p>
-            <a:pPr algn="l" eaLnBrk="1" hangingPunct="1"/>
-            <a:r>
-              <a:rPr lang="en-US" sz="3200" b="1" dirty="0" err="1"/>
-              <a:t>kmers</a:t>
-            </a:r>
-            <a:r>
-              <a:rPr lang="en-US" sz="3200" b="1" dirty="0"/>
-              <a:t>, de </a:t>
-            </a:r>
-            <a:r>
-              <a:rPr lang="en-US" sz="3200" b="1" dirty="0" err="1"/>
-              <a:t>Bruijn</a:t>
-            </a:r>
-            <a:r>
-              <a:rPr lang="en-US" sz="3200" b="1" dirty="0"/>
-              <a:t> graphs, </a:t>
-            </a:r>
-            <a:r>
-              <a:rPr lang="en-US" sz="3200" b="1" dirty="0" err="1"/>
-              <a:t>Eulerian</a:t>
-            </a:r>
-            <a:r>
-              <a:rPr lang="en-US" sz="3200" b="1" dirty="0"/>
-              <a:t> paths</a:t>
-            </a:r>
-            <a:endParaRPr lang="en-US" sz="3200" dirty="0"/>
-          </a:p>
-        </p:txBody>
-      </p:sp>
-      <p:sp>
-        <p:nvSpPr>
           <p:cNvPr id="6" name="TextBox 5"/>
           <p:cNvSpPr txBox="1"/>
           <p:nvPr/>
@@ -11846,7 +12028,7 @@
             <a:avLst/>
           </a:prstGeom>
           <a:solidFill>
-            <a:schemeClr val="tx1"/>
+            <a:schemeClr val="bg1"/>
           </a:solidFill>
           <a:ln w="9525" cap="flat" cmpd="sng" algn="ctr">
             <a:noFill/>
@@ -11891,6 +12073,194 @@
               <a:effectLst/>
               <a:latin typeface="Times" charset="0"/>
             </a:endParaRPr>
+          </a:p>
+        </p:txBody>
+      </p:sp>
+      <p:sp>
+        <p:nvSpPr>
+          <p:cNvPr id="7" name="Rectangle 2">
+            <a:extLst>
+              <a:ext uri="{FF2B5EF4-FFF2-40B4-BE49-F238E27FC236}">
+                <a16:creationId xmlns:a16="http://schemas.microsoft.com/office/drawing/2014/main" id="{E89B3761-CA0C-E9E0-11F4-ED8D3976971C}"/>
+              </a:ext>
+            </a:extLst>
+          </p:cNvPr>
+          <p:cNvSpPr txBox="1">
+            <a:spLocks noChangeArrowheads="1"/>
+          </p:cNvSpPr>
+          <p:nvPr/>
+        </p:nvSpPr>
+        <p:spPr bwMode="auto">
+          <a:xfrm>
+            <a:off x="323528" y="-176672"/>
+            <a:ext cx="8568952" cy="1535832"/>
+          </a:xfrm>
+          <a:prstGeom prst="rect">
+            <a:avLst/>
+          </a:prstGeom>
+          <a:noFill/>
+          <a:ln w="9525">
+            <a:noFill/>
+            <a:miter lim="800000"/>
+            <a:headEnd/>
+            <a:tailEnd/>
+          </a:ln>
+        </p:spPr>
+        <p:txBody>
+          <a:bodyPr vert="horz" wrap="square" lIns="91440" tIns="45720" rIns="91440" bIns="45720" numCol="1" anchor="ctr" anchorCtr="0" compatLnSpc="1">
+            <a:prstTxWarp prst="textNoShape">
+              <a:avLst/>
+            </a:prstTxWarp>
+          </a:bodyPr>
+          <a:lstStyle>
+            <a:lvl1pPr algn="ctr" rtl="0" eaLnBrk="0" fontAlgn="base" hangingPunct="0">
+              <a:spcBef>
+                <a:spcPct val="0"/>
+              </a:spcBef>
+              <a:spcAft>
+                <a:spcPct val="0"/>
+              </a:spcAft>
+              <a:defRPr sz="4400">
+                <a:solidFill>
+                  <a:schemeClr val="tx2"/>
+                </a:solidFill>
+                <a:latin typeface="+mj-lt"/>
+                <a:ea typeface="ＭＳ Ｐゴシック" charset="-128"/>
+                <a:cs typeface="ＭＳ Ｐゴシック" charset="-128"/>
+              </a:defRPr>
+            </a:lvl1pPr>
+            <a:lvl2pPr algn="ctr" rtl="0" eaLnBrk="0" fontAlgn="base" hangingPunct="0">
+              <a:spcBef>
+                <a:spcPct val="0"/>
+              </a:spcBef>
+              <a:spcAft>
+                <a:spcPct val="0"/>
+              </a:spcAft>
+              <a:defRPr sz="4400">
+                <a:solidFill>
+                  <a:schemeClr val="tx2"/>
+                </a:solidFill>
+                <a:latin typeface="Times New Roman" charset="0"/>
+                <a:ea typeface="ＭＳ Ｐゴシック" charset="-128"/>
+                <a:cs typeface="ＭＳ Ｐゴシック" charset="-128"/>
+              </a:defRPr>
+            </a:lvl2pPr>
+            <a:lvl3pPr algn="ctr" rtl="0" eaLnBrk="0" fontAlgn="base" hangingPunct="0">
+              <a:spcBef>
+                <a:spcPct val="0"/>
+              </a:spcBef>
+              <a:spcAft>
+                <a:spcPct val="0"/>
+              </a:spcAft>
+              <a:defRPr sz="4400">
+                <a:solidFill>
+                  <a:schemeClr val="tx2"/>
+                </a:solidFill>
+                <a:latin typeface="Times New Roman" charset="0"/>
+                <a:ea typeface="ＭＳ Ｐゴシック" charset="-128"/>
+                <a:cs typeface="ＭＳ Ｐゴシック" charset="-128"/>
+              </a:defRPr>
+            </a:lvl3pPr>
+            <a:lvl4pPr algn="ctr" rtl="0" eaLnBrk="0" fontAlgn="base" hangingPunct="0">
+              <a:spcBef>
+                <a:spcPct val="0"/>
+              </a:spcBef>
+              <a:spcAft>
+                <a:spcPct val="0"/>
+              </a:spcAft>
+              <a:defRPr sz="4400">
+                <a:solidFill>
+                  <a:schemeClr val="tx2"/>
+                </a:solidFill>
+                <a:latin typeface="Times New Roman" charset="0"/>
+                <a:ea typeface="ＭＳ Ｐゴシック" charset="-128"/>
+                <a:cs typeface="ＭＳ Ｐゴシック" charset="-128"/>
+              </a:defRPr>
+            </a:lvl4pPr>
+            <a:lvl5pPr algn="ctr" rtl="0" eaLnBrk="0" fontAlgn="base" hangingPunct="0">
+              <a:spcBef>
+                <a:spcPct val="0"/>
+              </a:spcBef>
+              <a:spcAft>
+                <a:spcPct val="0"/>
+              </a:spcAft>
+              <a:defRPr sz="4400">
+                <a:solidFill>
+                  <a:schemeClr val="tx2"/>
+                </a:solidFill>
+                <a:latin typeface="Times New Roman" charset="0"/>
+                <a:ea typeface="ＭＳ Ｐゴシック" charset="-128"/>
+                <a:cs typeface="ＭＳ Ｐゴシック" charset="-128"/>
+              </a:defRPr>
+            </a:lvl5pPr>
+            <a:lvl6pPr marL="457200" algn="ctr" rtl="0" fontAlgn="base">
+              <a:spcBef>
+                <a:spcPct val="0"/>
+              </a:spcBef>
+              <a:spcAft>
+                <a:spcPct val="0"/>
+              </a:spcAft>
+              <a:defRPr sz="4400">
+                <a:solidFill>
+                  <a:schemeClr val="tx2"/>
+                </a:solidFill>
+                <a:latin typeface="Times New Roman" charset="0"/>
+              </a:defRPr>
+            </a:lvl6pPr>
+            <a:lvl7pPr marL="914400" algn="ctr" rtl="0" fontAlgn="base">
+              <a:spcBef>
+                <a:spcPct val="0"/>
+              </a:spcBef>
+              <a:spcAft>
+                <a:spcPct val="0"/>
+              </a:spcAft>
+              <a:defRPr sz="4400">
+                <a:solidFill>
+                  <a:schemeClr val="tx2"/>
+                </a:solidFill>
+                <a:latin typeface="Times New Roman" charset="0"/>
+              </a:defRPr>
+            </a:lvl7pPr>
+            <a:lvl8pPr marL="1371600" algn="ctr" rtl="0" fontAlgn="base">
+              <a:spcBef>
+                <a:spcPct val="0"/>
+              </a:spcBef>
+              <a:spcAft>
+                <a:spcPct val="0"/>
+              </a:spcAft>
+              <a:defRPr sz="4400">
+                <a:solidFill>
+                  <a:schemeClr val="tx2"/>
+                </a:solidFill>
+                <a:latin typeface="Times New Roman" charset="0"/>
+              </a:defRPr>
+            </a:lvl8pPr>
+            <a:lvl9pPr marL="1828800" algn="ctr" rtl="0" fontAlgn="base">
+              <a:spcBef>
+                <a:spcPct val="0"/>
+              </a:spcBef>
+              <a:spcAft>
+                <a:spcPct val="0"/>
+              </a:spcAft>
+              <a:defRPr sz="4400">
+                <a:solidFill>
+                  <a:schemeClr val="tx2"/>
+                </a:solidFill>
+                <a:latin typeface="Times New Roman" charset="0"/>
+              </a:defRPr>
+            </a:lvl9pPr>
+          </a:lstStyle>
+          <a:p>
+            <a:pPr algn="l" eaLnBrk="1" hangingPunct="1"/>
+            <a:r>
+              <a:rPr lang="en-US" sz="3200" b="1" dirty="0" err="1"/>
+              <a:t>kmers</a:t>
+            </a:r>
+            <a:r>
+              <a:rPr lang="en-US" sz="3200" b="1" dirty="0"/>
+              <a:t>, de Bruijn graphs, Eulerian paths</a:t>
+            </a:r>
+            <a:endParaRPr lang="en-US" sz="3200" dirty="0"/>
           </a:p>
         </p:txBody>
       </p:sp>
@@ -11926,55 +12296,6 @@
       </p:grpSpPr>
       <p:sp>
         <p:nvSpPr>
-          <p:cNvPr id="9" name="Rectangle 2"/>
-          <p:cNvSpPr>
-            <a:spLocks noGrp="1" noChangeArrowheads="1"/>
-          </p:cNvSpPr>
-          <p:nvPr>
-            <p:ph type="ctrTitle"/>
-          </p:nvPr>
-        </p:nvSpPr>
-        <p:spPr>
-          <a:xfrm>
-            <a:off x="323528" y="-171400"/>
-            <a:ext cx="8568952" cy="1535832"/>
-          </a:xfrm>
-        </p:spPr>
-        <p:txBody>
-          <a:bodyPr/>
-          <a:lstStyle/>
-          <a:p>
-            <a:pPr algn="l" eaLnBrk="1" hangingPunct="1"/>
-            <a:r>
-              <a:rPr lang="en-US" sz="3200" b="1" dirty="0" err="1"/>
-              <a:t>kmers</a:t>
-            </a:r>
-            <a:r>
-              <a:rPr lang="en-US" sz="3200" b="1" dirty="0"/>
-              <a:t>, de </a:t>
-            </a:r>
-            <a:r>
-              <a:rPr lang="en-US" sz="3200" b="1" dirty="0" err="1"/>
-              <a:t>Bruijn</a:t>
-            </a:r>
-            <a:r>
-              <a:rPr lang="en-US" sz="3200" b="1" dirty="0"/>
-              <a:t> graphs, </a:t>
-            </a:r>
-            <a:r>
-              <a:rPr lang="en-US" sz="3200" b="1" dirty="0" err="1"/>
-              <a:t>Eulerian</a:t>
-            </a:r>
-            <a:r>
-              <a:rPr lang="en-US" sz="3200" b="1" dirty="0"/>
-              <a:t> paths</a:t>
-            </a:r>
-            <a:endParaRPr lang="en-US" sz="3200" dirty="0"/>
-          </a:p>
-        </p:txBody>
-      </p:sp>
-      <p:sp>
-        <p:nvSpPr>
           <p:cNvPr id="6" name="TextBox 5"/>
           <p:cNvSpPr txBox="1"/>
           <p:nvPr/>
@@ -12097,7 +12418,7 @@
             <a:avLst/>
           </a:prstGeom>
           <a:solidFill>
-            <a:schemeClr val="tx1"/>
+            <a:schemeClr val="bg1"/>
           </a:solidFill>
           <a:ln w="9525" cap="flat" cmpd="sng" algn="ctr">
             <a:noFill/>
@@ -12142,6 +12463,194 @@
               <a:effectLst/>
               <a:latin typeface="Times" charset="0"/>
             </a:endParaRPr>
+          </a:p>
+        </p:txBody>
+      </p:sp>
+      <p:sp>
+        <p:nvSpPr>
+          <p:cNvPr id="7" name="Rectangle 2">
+            <a:extLst>
+              <a:ext uri="{FF2B5EF4-FFF2-40B4-BE49-F238E27FC236}">
+                <a16:creationId xmlns:a16="http://schemas.microsoft.com/office/drawing/2014/main" id="{325379EF-01BF-D002-9640-ABA443F4BE5E}"/>
+              </a:ext>
+            </a:extLst>
+          </p:cNvPr>
+          <p:cNvSpPr txBox="1">
+            <a:spLocks noChangeArrowheads="1"/>
+          </p:cNvSpPr>
+          <p:nvPr/>
+        </p:nvSpPr>
+        <p:spPr bwMode="auto">
+          <a:xfrm>
+            <a:off x="323528" y="-171400"/>
+            <a:ext cx="8568952" cy="1535832"/>
+          </a:xfrm>
+          <a:prstGeom prst="rect">
+            <a:avLst/>
+          </a:prstGeom>
+          <a:noFill/>
+          <a:ln w="9525">
+            <a:noFill/>
+            <a:miter lim="800000"/>
+            <a:headEnd/>
+            <a:tailEnd/>
+          </a:ln>
+        </p:spPr>
+        <p:txBody>
+          <a:bodyPr vert="horz" wrap="square" lIns="91440" tIns="45720" rIns="91440" bIns="45720" numCol="1" anchor="ctr" anchorCtr="0" compatLnSpc="1">
+            <a:prstTxWarp prst="textNoShape">
+              <a:avLst/>
+            </a:prstTxWarp>
+          </a:bodyPr>
+          <a:lstStyle>
+            <a:lvl1pPr algn="ctr" rtl="0" eaLnBrk="0" fontAlgn="base" hangingPunct="0">
+              <a:spcBef>
+                <a:spcPct val="0"/>
+              </a:spcBef>
+              <a:spcAft>
+                <a:spcPct val="0"/>
+              </a:spcAft>
+              <a:defRPr sz="4400">
+                <a:solidFill>
+                  <a:schemeClr val="tx2"/>
+                </a:solidFill>
+                <a:latin typeface="+mj-lt"/>
+                <a:ea typeface="ＭＳ Ｐゴシック" charset="-128"/>
+                <a:cs typeface="ＭＳ Ｐゴシック" charset="-128"/>
+              </a:defRPr>
+            </a:lvl1pPr>
+            <a:lvl2pPr algn="ctr" rtl="0" eaLnBrk="0" fontAlgn="base" hangingPunct="0">
+              <a:spcBef>
+                <a:spcPct val="0"/>
+              </a:spcBef>
+              <a:spcAft>
+                <a:spcPct val="0"/>
+              </a:spcAft>
+              <a:defRPr sz="4400">
+                <a:solidFill>
+                  <a:schemeClr val="tx2"/>
+                </a:solidFill>
+                <a:latin typeface="Times New Roman" charset="0"/>
+                <a:ea typeface="ＭＳ Ｐゴシック" charset="-128"/>
+                <a:cs typeface="ＭＳ Ｐゴシック" charset="-128"/>
+              </a:defRPr>
+            </a:lvl2pPr>
+            <a:lvl3pPr algn="ctr" rtl="0" eaLnBrk="0" fontAlgn="base" hangingPunct="0">
+              <a:spcBef>
+                <a:spcPct val="0"/>
+              </a:spcBef>
+              <a:spcAft>
+                <a:spcPct val="0"/>
+              </a:spcAft>
+              <a:defRPr sz="4400">
+                <a:solidFill>
+                  <a:schemeClr val="tx2"/>
+                </a:solidFill>
+                <a:latin typeface="Times New Roman" charset="0"/>
+                <a:ea typeface="ＭＳ Ｐゴシック" charset="-128"/>
+                <a:cs typeface="ＭＳ Ｐゴシック" charset="-128"/>
+              </a:defRPr>
+            </a:lvl3pPr>
+            <a:lvl4pPr algn="ctr" rtl="0" eaLnBrk="0" fontAlgn="base" hangingPunct="0">
+              <a:spcBef>
+                <a:spcPct val="0"/>
+              </a:spcBef>
+              <a:spcAft>
+                <a:spcPct val="0"/>
+              </a:spcAft>
+              <a:defRPr sz="4400">
+                <a:solidFill>
+                  <a:schemeClr val="tx2"/>
+                </a:solidFill>
+                <a:latin typeface="Times New Roman" charset="0"/>
+                <a:ea typeface="ＭＳ Ｐゴシック" charset="-128"/>
+                <a:cs typeface="ＭＳ Ｐゴシック" charset="-128"/>
+              </a:defRPr>
+            </a:lvl4pPr>
+            <a:lvl5pPr algn="ctr" rtl="0" eaLnBrk="0" fontAlgn="base" hangingPunct="0">
+              <a:spcBef>
+                <a:spcPct val="0"/>
+              </a:spcBef>
+              <a:spcAft>
+                <a:spcPct val="0"/>
+              </a:spcAft>
+              <a:defRPr sz="4400">
+                <a:solidFill>
+                  <a:schemeClr val="tx2"/>
+                </a:solidFill>
+                <a:latin typeface="Times New Roman" charset="0"/>
+                <a:ea typeface="ＭＳ Ｐゴシック" charset="-128"/>
+                <a:cs typeface="ＭＳ Ｐゴシック" charset="-128"/>
+              </a:defRPr>
+            </a:lvl5pPr>
+            <a:lvl6pPr marL="457200" algn="ctr" rtl="0" fontAlgn="base">
+              <a:spcBef>
+                <a:spcPct val="0"/>
+              </a:spcBef>
+              <a:spcAft>
+                <a:spcPct val="0"/>
+              </a:spcAft>
+              <a:defRPr sz="4400">
+                <a:solidFill>
+                  <a:schemeClr val="tx2"/>
+                </a:solidFill>
+                <a:latin typeface="Times New Roman" charset="0"/>
+              </a:defRPr>
+            </a:lvl6pPr>
+            <a:lvl7pPr marL="914400" algn="ctr" rtl="0" fontAlgn="base">
+              <a:spcBef>
+                <a:spcPct val="0"/>
+              </a:spcBef>
+              <a:spcAft>
+                <a:spcPct val="0"/>
+              </a:spcAft>
+              <a:defRPr sz="4400">
+                <a:solidFill>
+                  <a:schemeClr val="tx2"/>
+                </a:solidFill>
+                <a:latin typeface="Times New Roman" charset="0"/>
+              </a:defRPr>
+            </a:lvl7pPr>
+            <a:lvl8pPr marL="1371600" algn="ctr" rtl="0" fontAlgn="base">
+              <a:spcBef>
+                <a:spcPct val="0"/>
+              </a:spcBef>
+              <a:spcAft>
+                <a:spcPct val="0"/>
+              </a:spcAft>
+              <a:defRPr sz="4400">
+                <a:solidFill>
+                  <a:schemeClr val="tx2"/>
+                </a:solidFill>
+                <a:latin typeface="Times New Roman" charset="0"/>
+              </a:defRPr>
+            </a:lvl8pPr>
+            <a:lvl9pPr marL="1828800" algn="ctr" rtl="0" fontAlgn="base">
+              <a:spcBef>
+                <a:spcPct val="0"/>
+              </a:spcBef>
+              <a:spcAft>
+                <a:spcPct val="0"/>
+              </a:spcAft>
+              <a:defRPr sz="4400">
+                <a:solidFill>
+                  <a:schemeClr val="tx2"/>
+                </a:solidFill>
+                <a:latin typeface="Times New Roman" charset="0"/>
+              </a:defRPr>
+            </a:lvl9pPr>
+          </a:lstStyle>
+          <a:p>
+            <a:pPr algn="l" eaLnBrk="1" hangingPunct="1"/>
+            <a:r>
+              <a:rPr lang="en-US" sz="3200" b="1" dirty="0" err="1"/>
+              <a:t>kmers</a:t>
+            </a:r>
+            <a:r>
+              <a:rPr lang="en-US" sz="3200" b="1" dirty="0"/>
+              <a:t>, de Bruijn graphs, Eulerian paths</a:t>
+            </a:r>
+            <a:endParaRPr lang="en-US" sz="3200" dirty="0"/>
           </a:p>
         </p:txBody>
       </p:sp>
@@ -12177,55 +12686,6 @@
       </p:grpSpPr>
       <p:sp>
         <p:nvSpPr>
-          <p:cNvPr id="9" name="Rectangle 2"/>
-          <p:cNvSpPr>
-            <a:spLocks noGrp="1" noChangeArrowheads="1"/>
-          </p:cNvSpPr>
-          <p:nvPr>
-            <p:ph type="ctrTitle"/>
-          </p:nvPr>
-        </p:nvSpPr>
-        <p:spPr>
-          <a:xfrm>
-            <a:off x="323528" y="-171400"/>
-            <a:ext cx="8568952" cy="1535832"/>
-          </a:xfrm>
-        </p:spPr>
-        <p:txBody>
-          <a:bodyPr/>
-          <a:lstStyle/>
-          <a:p>
-            <a:pPr algn="l" eaLnBrk="1" hangingPunct="1"/>
-            <a:r>
-              <a:rPr lang="en-US" sz="3200" b="1" dirty="0" err="1"/>
-              <a:t>kmers</a:t>
-            </a:r>
-            <a:r>
-              <a:rPr lang="en-US" sz="3200" b="1" dirty="0"/>
-              <a:t>, de </a:t>
-            </a:r>
-            <a:r>
-              <a:rPr lang="en-US" sz="3200" b="1" dirty="0" err="1"/>
-              <a:t>Bruijn</a:t>
-            </a:r>
-            <a:r>
-              <a:rPr lang="en-US" sz="3200" b="1" dirty="0"/>
-              <a:t> graphs, </a:t>
-            </a:r>
-            <a:r>
-              <a:rPr lang="en-US" sz="3200" b="1" dirty="0" err="1"/>
-              <a:t>Eulerian</a:t>
-            </a:r>
-            <a:r>
-              <a:rPr lang="en-US" sz="3200" b="1" dirty="0"/>
-              <a:t> paths</a:t>
-            </a:r>
-            <a:endParaRPr lang="en-US" sz="3200" dirty="0"/>
-          </a:p>
-        </p:txBody>
-      </p:sp>
-      <p:sp>
-        <p:nvSpPr>
           <p:cNvPr id="6" name="TextBox 5"/>
           <p:cNvSpPr txBox="1"/>
           <p:nvPr/>
@@ -12404,7 +12864,7 @@
             <a:avLst/>
           </a:prstGeom>
           <a:solidFill>
-            <a:schemeClr val="tx1"/>
+            <a:schemeClr val="bg1"/>
           </a:solidFill>
           <a:ln w="9525" cap="flat" cmpd="sng" algn="ctr">
             <a:noFill/>
@@ -12479,7 +12939,7 @@
           </a:solidFill>
           <a:ln w="25400" cap="flat" cmpd="sng" algn="ctr">
             <a:solidFill>
-              <a:schemeClr val="bg2"/>
+              <a:schemeClr val="tx1"/>
             </a:solidFill>
             <a:prstDash val="solid"/>
             <a:round/>
@@ -12504,7 +12964,7 @@
         <p:spPr>
           <a:xfrm>
             <a:off x="6022221" y="4187606"/>
-            <a:ext cx="574196" cy="261610"/>
+            <a:ext cx="619080" cy="261610"/>
           </a:xfrm>
           <a:prstGeom prst="rect">
             <a:avLst/>
@@ -12518,13 +12978,197 @@
           <a:lstStyle/>
           <a:p>
             <a:r>
-              <a:rPr lang="en-US" sz="1100" dirty="0">
+              <a:rPr lang="en-US" sz="1100" dirty="0"/>
+              <a:t>repeat!</a:t>
+            </a:r>
+          </a:p>
+        </p:txBody>
+      </p:sp>
+      <p:sp>
+        <p:nvSpPr>
+          <p:cNvPr id="10" name="Rectangle 2">
+            <a:extLst>
+              <a:ext uri="{FF2B5EF4-FFF2-40B4-BE49-F238E27FC236}">
+                <a16:creationId xmlns:a16="http://schemas.microsoft.com/office/drawing/2014/main" id="{73034CF8-F7B6-22B3-28D3-304BB9C1D561}"/>
+              </a:ext>
+            </a:extLst>
+          </p:cNvPr>
+          <p:cNvSpPr txBox="1">
+            <a:spLocks noChangeArrowheads="1"/>
+          </p:cNvSpPr>
+          <p:nvPr/>
+        </p:nvSpPr>
+        <p:spPr bwMode="auto">
+          <a:xfrm>
+            <a:off x="323528" y="-171400"/>
+            <a:ext cx="8568952" cy="1535832"/>
+          </a:xfrm>
+          <a:prstGeom prst="rect">
+            <a:avLst/>
+          </a:prstGeom>
+          <a:noFill/>
+          <a:ln w="9525">
+            <a:noFill/>
+            <a:miter lim="800000"/>
+            <a:headEnd/>
+            <a:tailEnd/>
+          </a:ln>
+        </p:spPr>
+        <p:txBody>
+          <a:bodyPr vert="horz" wrap="square" lIns="91440" tIns="45720" rIns="91440" bIns="45720" numCol="1" anchor="ctr" anchorCtr="0" compatLnSpc="1">
+            <a:prstTxWarp prst="textNoShape">
+              <a:avLst/>
+            </a:prstTxWarp>
+          </a:bodyPr>
+          <a:lstStyle>
+            <a:lvl1pPr algn="ctr" rtl="0" eaLnBrk="0" fontAlgn="base" hangingPunct="0">
+              <a:spcBef>
+                <a:spcPct val="0"/>
+              </a:spcBef>
+              <a:spcAft>
+                <a:spcPct val="0"/>
+              </a:spcAft>
+              <a:defRPr sz="4400">
                 <a:solidFill>
-                  <a:schemeClr val="bg2"/>
+                  <a:schemeClr val="tx2"/>
                 </a:solidFill>
-              </a:rPr>
-              <a:t>repeat!</a:t>
-            </a:r>
+                <a:latin typeface="+mj-lt"/>
+                <a:ea typeface="ＭＳ Ｐゴシック" charset="-128"/>
+                <a:cs typeface="ＭＳ Ｐゴシック" charset="-128"/>
+              </a:defRPr>
+            </a:lvl1pPr>
+            <a:lvl2pPr algn="ctr" rtl="0" eaLnBrk="0" fontAlgn="base" hangingPunct="0">
+              <a:spcBef>
+                <a:spcPct val="0"/>
+              </a:spcBef>
+              <a:spcAft>
+                <a:spcPct val="0"/>
+              </a:spcAft>
+              <a:defRPr sz="4400">
+                <a:solidFill>
+                  <a:schemeClr val="tx2"/>
+                </a:solidFill>
+                <a:latin typeface="Times New Roman" charset="0"/>
+                <a:ea typeface="ＭＳ Ｐゴシック" charset="-128"/>
+                <a:cs typeface="ＭＳ Ｐゴシック" charset="-128"/>
+              </a:defRPr>
+            </a:lvl2pPr>
+            <a:lvl3pPr algn="ctr" rtl="0" eaLnBrk="0" fontAlgn="base" hangingPunct="0">
+              <a:spcBef>
+                <a:spcPct val="0"/>
+              </a:spcBef>
+              <a:spcAft>
+                <a:spcPct val="0"/>
+              </a:spcAft>
+              <a:defRPr sz="4400">
+                <a:solidFill>
+                  <a:schemeClr val="tx2"/>
+                </a:solidFill>
+                <a:latin typeface="Times New Roman" charset="0"/>
+                <a:ea typeface="ＭＳ Ｐゴシック" charset="-128"/>
+                <a:cs typeface="ＭＳ Ｐゴシック" charset="-128"/>
+              </a:defRPr>
+            </a:lvl3pPr>
+            <a:lvl4pPr algn="ctr" rtl="0" eaLnBrk="0" fontAlgn="base" hangingPunct="0">
+              <a:spcBef>
+                <a:spcPct val="0"/>
+              </a:spcBef>
+              <a:spcAft>
+                <a:spcPct val="0"/>
+              </a:spcAft>
+              <a:defRPr sz="4400">
+                <a:solidFill>
+                  <a:schemeClr val="tx2"/>
+                </a:solidFill>
+                <a:latin typeface="Times New Roman" charset="0"/>
+                <a:ea typeface="ＭＳ Ｐゴシック" charset="-128"/>
+                <a:cs typeface="ＭＳ Ｐゴシック" charset="-128"/>
+              </a:defRPr>
+            </a:lvl4pPr>
+            <a:lvl5pPr algn="ctr" rtl="0" eaLnBrk="0" fontAlgn="base" hangingPunct="0">
+              <a:spcBef>
+                <a:spcPct val="0"/>
+              </a:spcBef>
+              <a:spcAft>
+                <a:spcPct val="0"/>
+              </a:spcAft>
+              <a:defRPr sz="4400">
+                <a:solidFill>
+                  <a:schemeClr val="tx2"/>
+                </a:solidFill>
+                <a:latin typeface="Times New Roman" charset="0"/>
+                <a:ea typeface="ＭＳ Ｐゴシック" charset="-128"/>
+                <a:cs typeface="ＭＳ Ｐゴシック" charset="-128"/>
+              </a:defRPr>
+            </a:lvl5pPr>
+            <a:lvl6pPr marL="457200" algn="ctr" rtl="0" fontAlgn="base">
+              <a:spcBef>
+                <a:spcPct val="0"/>
+              </a:spcBef>
+              <a:spcAft>
+                <a:spcPct val="0"/>
+              </a:spcAft>
+              <a:defRPr sz="4400">
+                <a:solidFill>
+                  <a:schemeClr val="tx2"/>
+                </a:solidFill>
+                <a:latin typeface="Times New Roman" charset="0"/>
+              </a:defRPr>
+            </a:lvl6pPr>
+            <a:lvl7pPr marL="914400" algn="ctr" rtl="0" fontAlgn="base">
+              <a:spcBef>
+                <a:spcPct val="0"/>
+              </a:spcBef>
+              <a:spcAft>
+                <a:spcPct val="0"/>
+              </a:spcAft>
+              <a:defRPr sz="4400">
+                <a:solidFill>
+                  <a:schemeClr val="tx2"/>
+                </a:solidFill>
+                <a:latin typeface="Times New Roman" charset="0"/>
+              </a:defRPr>
+            </a:lvl7pPr>
+            <a:lvl8pPr marL="1371600" algn="ctr" rtl="0" fontAlgn="base">
+              <a:spcBef>
+                <a:spcPct val="0"/>
+              </a:spcBef>
+              <a:spcAft>
+                <a:spcPct val="0"/>
+              </a:spcAft>
+              <a:defRPr sz="4400">
+                <a:solidFill>
+                  <a:schemeClr val="tx2"/>
+                </a:solidFill>
+                <a:latin typeface="Times New Roman" charset="0"/>
+              </a:defRPr>
+            </a:lvl8pPr>
+            <a:lvl9pPr marL="1828800" algn="ctr" rtl="0" fontAlgn="base">
+              <a:spcBef>
+                <a:spcPct val="0"/>
+              </a:spcBef>
+              <a:spcAft>
+                <a:spcPct val="0"/>
+              </a:spcAft>
+              <a:defRPr sz="4400">
+                <a:solidFill>
+                  <a:schemeClr val="tx2"/>
+                </a:solidFill>
+                <a:latin typeface="Times New Roman" charset="0"/>
+              </a:defRPr>
+            </a:lvl9pPr>
+          </a:lstStyle>
+          <a:p>
+            <a:pPr algn="l" eaLnBrk="1" hangingPunct="1"/>
+            <a:r>
+              <a:rPr lang="en-US" sz="3200" b="1" dirty="0" err="1"/>
+              <a:t>kmers</a:t>
+            </a:r>
+            <a:r>
+              <a:rPr lang="en-US" sz="3200" b="1" dirty="0"/>
+              <a:t>, de Bruijn graphs, Eulerian paths</a:t>
+            </a:r>
+            <a:endParaRPr lang="en-US" sz="3200" dirty="0"/>
           </a:p>
         </p:txBody>
       </p:sp>
@@ -12560,55 +13204,6 @@
       </p:grpSpPr>
       <p:sp>
         <p:nvSpPr>
-          <p:cNvPr id="9" name="Rectangle 2"/>
-          <p:cNvSpPr>
-            <a:spLocks noGrp="1" noChangeArrowheads="1"/>
-          </p:cNvSpPr>
-          <p:nvPr>
-            <p:ph type="ctrTitle"/>
-          </p:nvPr>
-        </p:nvSpPr>
-        <p:spPr>
-          <a:xfrm>
-            <a:off x="323528" y="-171400"/>
-            <a:ext cx="8568952" cy="1535832"/>
-          </a:xfrm>
-        </p:spPr>
-        <p:txBody>
-          <a:bodyPr/>
-          <a:lstStyle/>
-          <a:p>
-            <a:pPr algn="l" eaLnBrk="1" hangingPunct="1"/>
-            <a:r>
-              <a:rPr lang="en-US" sz="3200" b="1" dirty="0" err="1"/>
-              <a:t>kmers</a:t>
-            </a:r>
-            <a:r>
-              <a:rPr lang="en-US" sz="3200" b="1" dirty="0"/>
-              <a:t>, de </a:t>
-            </a:r>
-            <a:r>
-              <a:rPr lang="en-US" sz="3200" b="1" dirty="0" err="1"/>
-              <a:t>Bruijn</a:t>
-            </a:r>
-            <a:r>
-              <a:rPr lang="en-US" sz="3200" b="1" dirty="0"/>
-              <a:t> graphs, </a:t>
-            </a:r>
-            <a:r>
-              <a:rPr lang="en-US" sz="3200" b="1" dirty="0" err="1"/>
-              <a:t>Eulerian</a:t>
-            </a:r>
-            <a:r>
-              <a:rPr lang="en-US" sz="3200" b="1" dirty="0"/>
-              <a:t> paths</a:t>
-            </a:r>
-            <a:endParaRPr lang="en-US" sz="3200" dirty="0"/>
-          </a:p>
-        </p:txBody>
-      </p:sp>
-      <p:sp>
-        <p:nvSpPr>
           <p:cNvPr id="6" name="TextBox 5"/>
           <p:cNvSpPr txBox="1"/>
           <p:nvPr/>
@@ -12851,6 +13446,194 @@
           </a:prstGeom>
         </p:spPr>
       </p:pic>
+      <p:sp>
+        <p:nvSpPr>
+          <p:cNvPr id="5" name="Rectangle 2">
+            <a:extLst>
+              <a:ext uri="{FF2B5EF4-FFF2-40B4-BE49-F238E27FC236}">
+                <a16:creationId xmlns:a16="http://schemas.microsoft.com/office/drawing/2014/main" id="{82EDFB97-7B26-6697-9139-4CAE81AF7AE7}"/>
+              </a:ext>
+            </a:extLst>
+          </p:cNvPr>
+          <p:cNvSpPr txBox="1">
+            <a:spLocks noChangeArrowheads="1"/>
+          </p:cNvSpPr>
+          <p:nvPr/>
+        </p:nvSpPr>
+        <p:spPr bwMode="auto">
+          <a:xfrm>
+            <a:off x="323528" y="-195064"/>
+            <a:ext cx="8568952" cy="1535832"/>
+          </a:xfrm>
+          <a:prstGeom prst="rect">
+            <a:avLst/>
+          </a:prstGeom>
+          <a:noFill/>
+          <a:ln w="9525">
+            <a:noFill/>
+            <a:miter lim="800000"/>
+            <a:headEnd/>
+            <a:tailEnd/>
+          </a:ln>
+        </p:spPr>
+        <p:txBody>
+          <a:bodyPr vert="horz" wrap="square" lIns="91440" tIns="45720" rIns="91440" bIns="45720" numCol="1" anchor="ctr" anchorCtr="0" compatLnSpc="1">
+            <a:prstTxWarp prst="textNoShape">
+              <a:avLst/>
+            </a:prstTxWarp>
+          </a:bodyPr>
+          <a:lstStyle>
+            <a:lvl1pPr algn="ctr" rtl="0" eaLnBrk="0" fontAlgn="base" hangingPunct="0">
+              <a:spcBef>
+                <a:spcPct val="0"/>
+              </a:spcBef>
+              <a:spcAft>
+                <a:spcPct val="0"/>
+              </a:spcAft>
+              <a:defRPr sz="4400">
+                <a:solidFill>
+                  <a:schemeClr val="tx2"/>
+                </a:solidFill>
+                <a:latin typeface="+mj-lt"/>
+                <a:ea typeface="ＭＳ Ｐゴシック" charset="-128"/>
+                <a:cs typeface="ＭＳ Ｐゴシック" charset="-128"/>
+              </a:defRPr>
+            </a:lvl1pPr>
+            <a:lvl2pPr algn="ctr" rtl="0" eaLnBrk="0" fontAlgn="base" hangingPunct="0">
+              <a:spcBef>
+                <a:spcPct val="0"/>
+              </a:spcBef>
+              <a:spcAft>
+                <a:spcPct val="0"/>
+              </a:spcAft>
+              <a:defRPr sz="4400">
+                <a:solidFill>
+                  <a:schemeClr val="tx2"/>
+                </a:solidFill>
+                <a:latin typeface="Times New Roman" charset="0"/>
+                <a:ea typeface="ＭＳ Ｐゴシック" charset="-128"/>
+                <a:cs typeface="ＭＳ Ｐゴシック" charset="-128"/>
+              </a:defRPr>
+            </a:lvl2pPr>
+            <a:lvl3pPr algn="ctr" rtl="0" eaLnBrk="0" fontAlgn="base" hangingPunct="0">
+              <a:spcBef>
+                <a:spcPct val="0"/>
+              </a:spcBef>
+              <a:spcAft>
+                <a:spcPct val="0"/>
+              </a:spcAft>
+              <a:defRPr sz="4400">
+                <a:solidFill>
+                  <a:schemeClr val="tx2"/>
+                </a:solidFill>
+                <a:latin typeface="Times New Roman" charset="0"/>
+                <a:ea typeface="ＭＳ Ｐゴシック" charset="-128"/>
+                <a:cs typeface="ＭＳ Ｐゴシック" charset="-128"/>
+              </a:defRPr>
+            </a:lvl3pPr>
+            <a:lvl4pPr algn="ctr" rtl="0" eaLnBrk="0" fontAlgn="base" hangingPunct="0">
+              <a:spcBef>
+                <a:spcPct val="0"/>
+              </a:spcBef>
+              <a:spcAft>
+                <a:spcPct val="0"/>
+              </a:spcAft>
+              <a:defRPr sz="4400">
+                <a:solidFill>
+                  <a:schemeClr val="tx2"/>
+                </a:solidFill>
+                <a:latin typeface="Times New Roman" charset="0"/>
+                <a:ea typeface="ＭＳ Ｐゴシック" charset="-128"/>
+                <a:cs typeface="ＭＳ Ｐゴシック" charset="-128"/>
+              </a:defRPr>
+            </a:lvl4pPr>
+            <a:lvl5pPr algn="ctr" rtl="0" eaLnBrk="0" fontAlgn="base" hangingPunct="0">
+              <a:spcBef>
+                <a:spcPct val="0"/>
+              </a:spcBef>
+              <a:spcAft>
+                <a:spcPct val="0"/>
+              </a:spcAft>
+              <a:defRPr sz="4400">
+                <a:solidFill>
+                  <a:schemeClr val="tx2"/>
+                </a:solidFill>
+                <a:latin typeface="Times New Roman" charset="0"/>
+                <a:ea typeface="ＭＳ Ｐゴシック" charset="-128"/>
+                <a:cs typeface="ＭＳ Ｐゴシック" charset="-128"/>
+              </a:defRPr>
+            </a:lvl5pPr>
+            <a:lvl6pPr marL="457200" algn="ctr" rtl="0" fontAlgn="base">
+              <a:spcBef>
+                <a:spcPct val="0"/>
+              </a:spcBef>
+              <a:spcAft>
+                <a:spcPct val="0"/>
+              </a:spcAft>
+              <a:defRPr sz="4400">
+                <a:solidFill>
+                  <a:schemeClr val="tx2"/>
+                </a:solidFill>
+                <a:latin typeface="Times New Roman" charset="0"/>
+              </a:defRPr>
+            </a:lvl6pPr>
+            <a:lvl7pPr marL="914400" algn="ctr" rtl="0" fontAlgn="base">
+              <a:spcBef>
+                <a:spcPct val="0"/>
+              </a:spcBef>
+              <a:spcAft>
+                <a:spcPct val="0"/>
+              </a:spcAft>
+              <a:defRPr sz="4400">
+                <a:solidFill>
+                  <a:schemeClr val="tx2"/>
+                </a:solidFill>
+                <a:latin typeface="Times New Roman" charset="0"/>
+              </a:defRPr>
+            </a:lvl7pPr>
+            <a:lvl8pPr marL="1371600" algn="ctr" rtl="0" fontAlgn="base">
+              <a:spcBef>
+                <a:spcPct val="0"/>
+              </a:spcBef>
+              <a:spcAft>
+                <a:spcPct val="0"/>
+              </a:spcAft>
+              <a:defRPr sz="4400">
+                <a:solidFill>
+                  <a:schemeClr val="tx2"/>
+                </a:solidFill>
+                <a:latin typeface="Times New Roman" charset="0"/>
+              </a:defRPr>
+            </a:lvl8pPr>
+            <a:lvl9pPr marL="1828800" algn="ctr" rtl="0" fontAlgn="base">
+              <a:spcBef>
+                <a:spcPct val="0"/>
+              </a:spcBef>
+              <a:spcAft>
+                <a:spcPct val="0"/>
+              </a:spcAft>
+              <a:defRPr sz="4400">
+                <a:solidFill>
+                  <a:schemeClr val="tx2"/>
+                </a:solidFill>
+                <a:latin typeface="Times New Roman" charset="0"/>
+              </a:defRPr>
+            </a:lvl9pPr>
+          </a:lstStyle>
+          <a:p>
+            <a:pPr algn="l" eaLnBrk="1" hangingPunct="1"/>
+            <a:r>
+              <a:rPr lang="en-US" sz="3200" b="1" dirty="0" err="1"/>
+              <a:t>kmers</a:t>
+            </a:r>
+            <a:r>
+              <a:rPr lang="en-US" sz="3200" b="1" dirty="0"/>
+              <a:t>, de Bruijn graphs, Eulerian paths</a:t>
+            </a:r>
+            <a:endParaRPr lang="en-US" sz="3200" dirty="0"/>
+          </a:p>
+        </p:txBody>
+      </p:sp>
     </p:spTree>
     <p:extLst>
       <p:ext uri="{BB962C8B-B14F-4D97-AF65-F5344CB8AC3E}">
@@ -12883,55 +13666,6 @@
       </p:grpSpPr>
       <p:sp>
         <p:nvSpPr>
-          <p:cNvPr id="9" name="Rectangle 2"/>
-          <p:cNvSpPr>
-            <a:spLocks noGrp="1" noChangeArrowheads="1"/>
-          </p:cNvSpPr>
-          <p:nvPr>
-            <p:ph type="ctrTitle"/>
-          </p:nvPr>
-        </p:nvSpPr>
-        <p:spPr>
-          <a:xfrm>
-            <a:off x="323528" y="-171400"/>
-            <a:ext cx="8568952" cy="1535832"/>
-          </a:xfrm>
-        </p:spPr>
-        <p:txBody>
-          <a:bodyPr/>
-          <a:lstStyle/>
-          <a:p>
-            <a:pPr algn="l" eaLnBrk="1" hangingPunct="1"/>
-            <a:r>
-              <a:rPr lang="en-US" sz="3200" b="1" dirty="0" err="1"/>
-              <a:t>kmers</a:t>
-            </a:r>
-            <a:r>
-              <a:rPr lang="en-US" sz="3200" b="1" dirty="0"/>
-              <a:t>, de </a:t>
-            </a:r>
-            <a:r>
-              <a:rPr lang="en-US" sz="3200" b="1" dirty="0" err="1"/>
-              <a:t>Bruijn</a:t>
-            </a:r>
-            <a:r>
-              <a:rPr lang="en-US" sz="3200" b="1" dirty="0"/>
-              <a:t> graphs, </a:t>
-            </a:r>
-            <a:r>
-              <a:rPr lang="en-US" sz="3200" b="1" dirty="0" err="1"/>
-              <a:t>Eulerian</a:t>
-            </a:r>
-            <a:r>
-              <a:rPr lang="en-US" sz="3200" b="1" dirty="0"/>
-              <a:t> paths</a:t>
-            </a:r>
-            <a:endParaRPr lang="en-US" sz="3200" dirty="0"/>
-          </a:p>
-        </p:txBody>
-      </p:sp>
-      <p:sp>
-        <p:nvSpPr>
           <p:cNvPr id="6" name="TextBox 5"/>
           <p:cNvSpPr txBox="1"/>
           <p:nvPr/>
@@ -13116,6 +13850,194 @@
           </a:prstGeom>
         </p:spPr>
       </p:pic>
+      <p:sp>
+        <p:nvSpPr>
+          <p:cNvPr id="5" name="Rectangle 2">
+            <a:extLst>
+              <a:ext uri="{FF2B5EF4-FFF2-40B4-BE49-F238E27FC236}">
+                <a16:creationId xmlns:a16="http://schemas.microsoft.com/office/drawing/2014/main" id="{191A255C-019B-392E-D3D4-973B17668F6B}"/>
+              </a:ext>
+            </a:extLst>
+          </p:cNvPr>
+          <p:cNvSpPr txBox="1">
+            <a:spLocks noChangeArrowheads="1"/>
+          </p:cNvSpPr>
+          <p:nvPr/>
+        </p:nvSpPr>
+        <p:spPr bwMode="auto">
+          <a:xfrm>
+            <a:off x="323528" y="-171400"/>
+            <a:ext cx="8568952" cy="1535832"/>
+          </a:xfrm>
+          <a:prstGeom prst="rect">
+            <a:avLst/>
+          </a:prstGeom>
+          <a:noFill/>
+          <a:ln w="9525">
+            <a:noFill/>
+            <a:miter lim="800000"/>
+            <a:headEnd/>
+            <a:tailEnd/>
+          </a:ln>
+        </p:spPr>
+        <p:txBody>
+          <a:bodyPr vert="horz" wrap="square" lIns="91440" tIns="45720" rIns="91440" bIns="45720" numCol="1" anchor="ctr" anchorCtr="0" compatLnSpc="1">
+            <a:prstTxWarp prst="textNoShape">
+              <a:avLst/>
+            </a:prstTxWarp>
+          </a:bodyPr>
+          <a:lstStyle>
+            <a:lvl1pPr algn="ctr" rtl="0" eaLnBrk="0" fontAlgn="base" hangingPunct="0">
+              <a:spcBef>
+                <a:spcPct val="0"/>
+              </a:spcBef>
+              <a:spcAft>
+                <a:spcPct val="0"/>
+              </a:spcAft>
+              <a:defRPr sz="4400">
+                <a:solidFill>
+                  <a:schemeClr val="tx2"/>
+                </a:solidFill>
+                <a:latin typeface="+mj-lt"/>
+                <a:ea typeface="ＭＳ Ｐゴシック" charset="-128"/>
+                <a:cs typeface="ＭＳ Ｐゴシック" charset="-128"/>
+              </a:defRPr>
+            </a:lvl1pPr>
+            <a:lvl2pPr algn="ctr" rtl="0" eaLnBrk="0" fontAlgn="base" hangingPunct="0">
+              <a:spcBef>
+                <a:spcPct val="0"/>
+              </a:spcBef>
+              <a:spcAft>
+                <a:spcPct val="0"/>
+              </a:spcAft>
+              <a:defRPr sz="4400">
+                <a:solidFill>
+                  <a:schemeClr val="tx2"/>
+                </a:solidFill>
+                <a:latin typeface="Times New Roman" charset="0"/>
+                <a:ea typeface="ＭＳ Ｐゴシック" charset="-128"/>
+                <a:cs typeface="ＭＳ Ｐゴシック" charset="-128"/>
+              </a:defRPr>
+            </a:lvl2pPr>
+            <a:lvl3pPr algn="ctr" rtl="0" eaLnBrk="0" fontAlgn="base" hangingPunct="0">
+              <a:spcBef>
+                <a:spcPct val="0"/>
+              </a:spcBef>
+              <a:spcAft>
+                <a:spcPct val="0"/>
+              </a:spcAft>
+              <a:defRPr sz="4400">
+                <a:solidFill>
+                  <a:schemeClr val="tx2"/>
+                </a:solidFill>
+                <a:latin typeface="Times New Roman" charset="0"/>
+                <a:ea typeface="ＭＳ Ｐゴシック" charset="-128"/>
+                <a:cs typeface="ＭＳ Ｐゴシック" charset="-128"/>
+              </a:defRPr>
+            </a:lvl3pPr>
+            <a:lvl4pPr algn="ctr" rtl="0" eaLnBrk="0" fontAlgn="base" hangingPunct="0">
+              <a:spcBef>
+                <a:spcPct val="0"/>
+              </a:spcBef>
+              <a:spcAft>
+                <a:spcPct val="0"/>
+              </a:spcAft>
+              <a:defRPr sz="4400">
+                <a:solidFill>
+                  <a:schemeClr val="tx2"/>
+                </a:solidFill>
+                <a:latin typeface="Times New Roman" charset="0"/>
+                <a:ea typeface="ＭＳ Ｐゴシック" charset="-128"/>
+                <a:cs typeface="ＭＳ Ｐゴシック" charset="-128"/>
+              </a:defRPr>
+            </a:lvl4pPr>
+            <a:lvl5pPr algn="ctr" rtl="0" eaLnBrk="0" fontAlgn="base" hangingPunct="0">
+              <a:spcBef>
+                <a:spcPct val="0"/>
+              </a:spcBef>
+              <a:spcAft>
+                <a:spcPct val="0"/>
+              </a:spcAft>
+              <a:defRPr sz="4400">
+                <a:solidFill>
+                  <a:schemeClr val="tx2"/>
+                </a:solidFill>
+                <a:latin typeface="Times New Roman" charset="0"/>
+                <a:ea typeface="ＭＳ Ｐゴシック" charset="-128"/>
+                <a:cs typeface="ＭＳ Ｐゴシック" charset="-128"/>
+              </a:defRPr>
+            </a:lvl5pPr>
+            <a:lvl6pPr marL="457200" algn="ctr" rtl="0" fontAlgn="base">
+              <a:spcBef>
+                <a:spcPct val="0"/>
+              </a:spcBef>
+              <a:spcAft>
+                <a:spcPct val="0"/>
+              </a:spcAft>
+              <a:defRPr sz="4400">
+                <a:solidFill>
+                  <a:schemeClr val="tx2"/>
+                </a:solidFill>
+                <a:latin typeface="Times New Roman" charset="0"/>
+              </a:defRPr>
+            </a:lvl6pPr>
+            <a:lvl7pPr marL="914400" algn="ctr" rtl="0" fontAlgn="base">
+              <a:spcBef>
+                <a:spcPct val="0"/>
+              </a:spcBef>
+              <a:spcAft>
+                <a:spcPct val="0"/>
+              </a:spcAft>
+              <a:defRPr sz="4400">
+                <a:solidFill>
+                  <a:schemeClr val="tx2"/>
+                </a:solidFill>
+                <a:latin typeface="Times New Roman" charset="0"/>
+              </a:defRPr>
+            </a:lvl7pPr>
+            <a:lvl8pPr marL="1371600" algn="ctr" rtl="0" fontAlgn="base">
+              <a:spcBef>
+                <a:spcPct val="0"/>
+              </a:spcBef>
+              <a:spcAft>
+                <a:spcPct val="0"/>
+              </a:spcAft>
+              <a:defRPr sz="4400">
+                <a:solidFill>
+                  <a:schemeClr val="tx2"/>
+                </a:solidFill>
+                <a:latin typeface="Times New Roman" charset="0"/>
+              </a:defRPr>
+            </a:lvl8pPr>
+            <a:lvl9pPr marL="1828800" algn="ctr" rtl="0" fontAlgn="base">
+              <a:spcBef>
+                <a:spcPct val="0"/>
+              </a:spcBef>
+              <a:spcAft>
+                <a:spcPct val="0"/>
+              </a:spcAft>
+              <a:defRPr sz="4400">
+                <a:solidFill>
+                  <a:schemeClr val="tx2"/>
+                </a:solidFill>
+                <a:latin typeface="Times New Roman" charset="0"/>
+              </a:defRPr>
+            </a:lvl9pPr>
+          </a:lstStyle>
+          <a:p>
+            <a:pPr algn="l" eaLnBrk="1" hangingPunct="1"/>
+            <a:r>
+              <a:rPr lang="en-US" sz="3200" b="1" dirty="0" err="1"/>
+              <a:t>kmers</a:t>
+            </a:r>
+            <a:r>
+              <a:rPr lang="en-US" sz="3200" b="1" dirty="0"/>
+              <a:t>, de Bruijn graphs, Eulerian paths</a:t>
+            </a:r>
+            <a:endParaRPr lang="en-US" sz="3200" dirty="0"/>
+          </a:p>
+        </p:txBody>
+      </p:sp>
     </p:spTree>
     <p:extLst>
       <p:ext uri="{BB962C8B-B14F-4D97-AF65-F5344CB8AC3E}">
@@ -13148,55 +14070,6 @@
       </p:grpSpPr>
       <p:sp>
         <p:nvSpPr>
-          <p:cNvPr id="9" name="Rectangle 2"/>
-          <p:cNvSpPr>
-            <a:spLocks noGrp="1" noChangeArrowheads="1"/>
-          </p:cNvSpPr>
-          <p:nvPr>
-            <p:ph type="ctrTitle"/>
-          </p:nvPr>
-        </p:nvSpPr>
-        <p:spPr>
-          <a:xfrm>
-            <a:off x="323528" y="-171400"/>
-            <a:ext cx="8568952" cy="1535832"/>
-          </a:xfrm>
-        </p:spPr>
-        <p:txBody>
-          <a:bodyPr/>
-          <a:lstStyle/>
-          <a:p>
-            <a:pPr algn="l" eaLnBrk="1" hangingPunct="1"/>
-            <a:r>
-              <a:rPr lang="en-US" sz="3200" b="1" dirty="0" err="1"/>
-              <a:t>kmers</a:t>
-            </a:r>
-            <a:r>
-              <a:rPr lang="en-US" sz="3200" b="1" dirty="0"/>
-              <a:t>, de </a:t>
-            </a:r>
-            <a:r>
-              <a:rPr lang="en-US" sz="3200" b="1" dirty="0" err="1"/>
-              <a:t>Bruijn</a:t>
-            </a:r>
-            <a:r>
-              <a:rPr lang="en-US" sz="3200" b="1" dirty="0"/>
-              <a:t> graphs, </a:t>
-            </a:r>
-            <a:r>
-              <a:rPr lang="en-US" sz="3200" b="1" dirty="0" err="1"/>
-              <a:t>Eulerian</a:t>
-            </a:r>
-            <a:r>
-              <a:rPr lang="en-US" sz="3200" b="1" dirty="0"/>
-              <a:t> paths</a:t>
-            </a:r>
-            <a:endParaRPr lang="en-US" sz="3200" dirty="0"/>
-          </a:p>
-        </p:txBody>
-      </p:sp>
-      <p:sp>
-        <p:nvSpPr>
           <p:cNvPr id="6" name="TextBox 5"/>
           <p:cNvSpPr txBox="1"/>
           <p:nvPr/>
@@ -13382,7 +14255,7 @@
         </p:blipFill>
         <p:spPr>
           <a:xfrm>
-            <a:off x="4499992" y="1628800"/>
+            <a:off x="4521820" y="1628800"/>
             <a:ext cx="4497269" cy="2540124"/>
           </a:xfrm>
           <a:prstGeom prst="rect">
@@ -13390,6 +14263,194 @@
           </a:prstGeom>
         </p:spPr>
       </p:pic>
+      <p:sp>
+        <p:nvSpPr>
+          <p:cNvPr id="4" name="Rectangle 2">
+            <a:extLst>
+              <a:ext uri="{FF2B5EF4-FFF2-40B4-BE49-F238E27FC236}">
+                <a16:creationId xmlns:a16="http://schemas.microsoft.com/office/drawing/2014/main" id="{3B578AE0-A287-E863-656F-493C650C8D3A}"/>
+              </a:ext>
+            </a:extLst>
+          </p:cNvPr>
+          <p:cNvSpPr txBox="1">
+            <a:spLocks noChangeArrowheads="1"/>
+          </p:cNvSpPr>
+          <p:nvPr/>
+        </p:nvSpPr>
+        <p:spPr bwMode="auto">
+          <a:xfrm>
+            <a:off x="323528" y="-171400"/>
+            <a:ext cx="8568952" cy="1535832"/>
+          </a:xfrm>
+          <a:prstGeom prst="rect">
+            <a:avLst/>
+          </a:prstGeom>
+          <a:noFill/>
+          <a:ln w="9525">
+            <a:noFill/>
+            <a:miter lim="800000"/>
+            <a:headEnd/>
+            <a:tailEnd/>
+          </a:ln>
+        </p:spPr>
+        <p:txBody>
+          <a:bodyPr vert="horz" wrap="square" lIns="91440" tIns="45720" rIns="91440" bIns="45720" numCol="1" anchor="ctr" anchorCtr="0" compatLnSpc="1">
+            <a:prstTxWarp prst="textNoShape">
+              <a:avLst/>
+            </a:prstTxWarp>
+          </a:bodyPr>
+          <a:lstStyle>
+            <a:lvl1pPr algn="ctr" rtl="0" eaLnBrk="0" fontAlgn="base" hangingPunct="0">
+              <a:spcBef>
+                <a:spcPct val="0"/>
+              </a:spcBef>
+              <a:spcAft>
+                <a:spcPct val="0"/>
+              </a:spcAft>
+              <a:defRPr sz="4400">
+                <a:solidFill>
+                  <a:schemeClr val="tx2"/>
+                </a:solidFill>
+                <a:latin typeface="+mj-lt"/>
+                <a:ea typeface="ＭＳ Ｐゴシック" charset="-128"/>
+                <a:cs typeface="ＭＳ Ｐゴシック" charset="-128"/>
+              </a:defRPr>
+            </a:lvl1pPr>
+            <a:lvl2pPr algn="ctr" rtl="0" eaLnBrk="0" fontAlgn="base" hangingPunct="0">
+              <a:spcBef>
+                <a:spcPct val="0"/>
+              </a:spcBef>
+              <a:spcAft>
+                <a:spcPct val="0"/>
+              </a:spcAft>
+              <a:defRPr sz="4400">
+                <a:solidFill>
+                  <a:schemeClr val="tx2"/>
+                </a:solidFill>
+                <a:latin typeface="Times New Roman" charset="0"/>
+                <a:ea typeface="ＭＳ Ｐゴシック" charset="-128"/>
+                <a:cs typeface="ＭＳ Ｐゴシック" charset="-128"/>
+              </a:defRPr>
+            </a:lvl2pPr>
+            <a:lvl3pPr algn="ctr" rtl="0" eaLnBrk="0" fontAlgn="base" hangingPunct="0">
+              <a:spcBef>
+                <a:spcPct val="0"/>
+              </a:spcBef>
+              <a:spcAft>
+                <a:spcPct val="0"/>
+              </a:spcAft>
+              <a:defRPr sz="4400">
+                <a:solidFill>
+                  <a:schemeClr val="tx2"/>
+                </a:solidFill>
+                <a:latin typeface="Times New Roman" charset="0"/>
+                <a:ea typeface="ＭＳ Ｐゴシック" charset="-128"/>
+                <a:cs typeface="ＭＳ Ｐゴシック" charset="-128"/>
+              </a:defRPr>
+            </a:lvl3pPr>
+            <a:lvl4pPr algn="ctr" rtl="0" eaLnBrk="0" fontAlgn="base" hangingPunct="0">
+              <a:spcBef>
+                <a:spcPct val="0"/>
+              </a:spcBef>
+              <a:spcAft>
+                <a:spcPct val="0"/>
+              </a:spcAft>
+              <a:defRPr sz="4400">
+                <a:solidFill>
+                  <a:schemeClr val="tx2"/>
+                </a:solidFill>
+                <a:latin typeface="Times New Roman" charset="0"/>
+                <a:ea typeface="ＭＳ Ｐゴシック" charset="-128"/>
+                <a:cs typeface="ＭＳ Ｐゴシック" charset="-128"/>
+              </a:defRPr>
+            </a:lvl4pPr>
+            <a:lvl5pPr algn="ctr" rtl="0" eaLnBrk="0" fontAlgn="base" hangingPunct="0">
+              <a:spcBef>
+                <a:spcPct val="0"/>
+              </a:spcBef>
+              <a:spcAft>
+                <a:spcPct val="0"/>
+              </a:spcAft>
+              <a:defRPr sz="4400">
+                <a:solidFill>
+                  <a:schemeClr val="tx2"/>
+                </a:solidFill>
+                <a:latin typeface="Times New Roman" charset="0"/>
+                <a:ea typeface="ＭＳ Ｐゴシック" charset="-128"/>
+                <a:cs typeface="ＭＳ Ｐゴシック" charset="-128"/>
+              </a:defRPr>
+            </a:lvl5pPr>
+            <a:lvl6pPr marL="457200" algn="ctr" rtl="0" fontAlgn="base">
+              <a:spcBef>
+                <a:spcPct val="0"/>
+              </a:spcBef>
+              <a:spcAft>
+                <a:spcPct val="0"/>
+              </a:spcAft>
+              <a:defRPr sz="4400">
+                <a:solidFill>
+                  <a:schemeClr val="tx2"/>
+                </a:solidFill>
+                <a:latin typeface="Times New Roman" charset="0"/>
+              </a:defRPr>
+            </a:lvl6pPr>
+            <a:lvl7pPr marL="914400" algn="ctr" rtl="0" fontAlgn="base">
+              <a:spcBef>
+                <a:spcPct val="0"/>
+              </a:spcBef>
+              <a:spcAft>
+                <a:spcPct val="0"/>
+              </a:spcAft>
+              <a:defRPr sz="4400">
+                <a:solidFill>
+                  <a:schemeClr val="tx2"/>
+                </a:solidFill>
+                <a:latin typeface="Times New Roman" charset="0"/>
+              </a:defRPr>
+            </a:lvl7pPr>
+            <a:lvl8pPr marL="1371600" algn="ctr" rtl="0" fontAlgn="base">
+              <a:spcBef>
+                <a:spcPct val="0"/>
+              </a:spcBef>
+              <a:spcAft>
+                <a:spcPct val="0"/>
+              </a:spcAft>
+              <a:defRPr sz="4400">
+                <a:solidFill>
+                  <a:schemeClr val="tx2"/>
+                </a:solidFill>
+                <a:latin typeface="Times New Roman" charset="0"/>
+              </a:defRPr>
+            </a:lvl8pPr>
+            <a:lvl9pPr marL="1828800" algn="ctr" rtl="0" fontAlgn="base">
+              <a:spcBef>
+                <a:spcPct val="0"/>
+              </a:spcBef>
+              <a:spcAft>
+                <a:spcPct val="0"/>
+              </a:spcAft>
+              <a:defRPr sz="4400">
+                <a:solidFill>
+                  <a:schemeClr val="tx2"/>
+                </a:solidFill>
+                <a:latin typeface="Times New Roman" charset="0"/>
+              </a:defRPr>
+            </a:lvl9pPr>
+          </a:lstStyle>
+          <a:p>
+            <a:pPr algn="l" eaLnBrk="1" hangingPunct="1"/>
+            <a:r>
+              <a:rPr lang="en-US" sz="3200" b="1" dirty="0" err="1"/>
+              <a:t>kmers</a:t>
+            </a:r>
+            <a:r>
+              <a:rPr lang="en-US" sz="3200" b="1" dirty="0"/>
+              <a:t>, de Bruijn graphs, Eulerian paths</a:t>
+            </a:r>
+            <a:endParaRPr lang="en-US" sz="3200" dirty="0"/>
+          </a:p>
+        </p:txBody>
+      </p:sp>
     </p:spTree>
     <p:extLst>
       <p:ext uri="{BB962C8B-B14F-4D97-AF65-F5344CB8AC3E}">
@@ -13433,7 +14494,7 @@
         <p:spPr>
           <a:xfrm>
             <a:off x="323528" y="-171400"/>
-            <a:ext cx="8568952" cy="1535832"/>
+            <a:ext cx="8568952" cy="1043633"/>
           </a:xfrm>
         </p:spPr>
         <p:txBody>
@@ -13612,7 +14673,7 @@
         <p:spPr>
           <a:xfrm>
             <a:off x="323528" y="-171400"/>
-            <a:ext cx="8568952" cy="1535832"/>
+            <a:ext cx="8568952" cy="1224136"/>
           </a:xfrm>
         </p:spPr>
         <p:txBody>
@@ -13875,7 +14936,7 @@
         <p:spPr>
           <a:xfrm>
             <a:off x="323528" y="-171400"/>
-            <a:ext cx="8568952" cy="1535832"/>
+            <a:ext cx="8568952" cy="1080120"/>
           </a:xfrm>
         </p:spPr>
         <p:txBody>
@@ -14026,7 +15087,7 @@
         <p:spPr>
           <a:xfrm>
             <a:off x="323528" y="-171400"/>
-            <a:ext cx="8568952" cy="1535832"/>
+            <a:ext cx="8568952" cy="1224136"/>
           </a:xfrm>
         </p:spPr>
         <p:txBody>
@@ -14051,7 +15112,7 @@
         <p:spPr>
           <a:xfrm>
             <a:off x="251520" y="1052736"/>
-            <a:ext cx="8640960" cy="8402300"/>
+            <a:ext cx="9073008" cy="8710077"/>
           </a:xfrm>
           <a:prstGeom prst="rect">
             <a:avLst/>
@@ -14243,16 +15304,16 @@
               <a:buChar char="•"/>
             </a:pPr>
             <a:r>
-              <a:rPr lang="en-US" sz="2000" dirty="0">
+              <a:rPr lang="en-US" sz="2000" b="1" dirty="0">
                 <a:solidFill>
-                  <a:srgbClr val="FFD699"/>
+                  <a:srgbClr val="FFC000"/>
                 </a:solidFill>
               </a:rPr>
               <a:t>bases ≥ Q40 = 5,243,991 (99.9% of assembly; Q40 = 1 in 10,000 error rate)</a:t>
             </a:r>
-            <a:endParaRPr lang="is-IS" sz="2000" dirty="0">
+            <a:endParaRPr lang="is-IS" sz="2000" b="1" dirty="0">
               <a:solidFill>
-                <a:srgbClr val="FFD699"/>
+                <a:srgbClr val="FFC000"/>
               </a:solidFill>
             </a:endParaRPr>
           </a:p>
@@ -14297,18 +15358,7 @@
               </a:rPr>
               <a:t>at least 50% of the assembly is contained in </a:t>
             </a:r>
-            <a:r>
-              <a:rPr lang="en-US" sz="2000" dirty="0" err="1">
-                <a:solidFill>
-                  <a:schemeClr val="accent1">
-                    <a:lumMod val="40000"/>
-                    <a:lumOff val="60000"/>
-                  </a:schemeClr>
-                </a:solidFill>
-              </a:rPr>
-              <a:t>contigs</a:t>
-            </a:r>
-            <a:r>
+            <a:br>
               <a:rPr lang="en-US" sz="2000" dirty="0">
                 <a:solidFill>
                   <a:schemeClr val="accent1">
@@ -14317,7 +15367,17 @@
                   </a:schemeClr>
                 </a:solidFill>
               </a:rPr>
-              <a:t> of this size or larger</a:t>
+            </a:br>
+            <a:r>
+              <a:rPr lang="en-US" sz="2000" dirty="0">
+                <a:solidFill>
+                  <a:schemeClr val="accent1">
+                    <a:lumMod val="40000"/>
+                    <a:lumOff val="60000"/>
+                  </a:schemeClr>
+                </a:solidFill>
+              </a:rPr>
+              <a:t>contigs of this size or larger</a:t>
             </a:r>
             <a:r>
               <a:rPr lang="is-IS" sz="2000" dirty="0">
@@ -14354,9 +15414,9 @@
               <a:buChar char="•"/>
             </a:pPr>
             <a:r>
-              <a:rPr lang="is-IS" sz="2000" dirty="0">
+              <a:rPr lang="is-IS" sz="2000" b="1" dirty="0">
                 <a:solidFill>
-                  <a:srgbClr val="FFD699"/>
+                  <a:srgbClr val="FFC000"/>
                 </a:solidFill>
               </a:rPr>
               <a:t>Observed read coverage = 178.65 fold</a:t>
@@ -14368,9 +15428,9 @@
               <a:buChar char="•"/>
             </a:pPr>
             <a:r>
-              <a:rPr lang="is-IS" sz="2000" dirty="0">
+              <a:rPr lang="is-IS" sz="2000" b="1" dirty="0">
                 <a:solidFill>
-                  <a:srgbClr val="FFD699"/>
+                  <a:srgbClr val="FFC000"/>
                 </a:solidFill>
               </a:rPr>
               <a:t>Median = 154 fold; 10th percentile = 97 fold</a:t>
@@ -14568,7 +15628,9 @@
           </a:xfrm>
         </p:spPr>
         <p:txBody>
-          <a:bodyPr/>
+          <a:bodyPr>
+            <a:normAutofit fontScale="90000"/>
+          </a:bodyPr>
           <a:lstStyle/>
           <a:p>
             <a:pPr algn="l" eaLnBrk="1" hangingPunct="1"/>
@@ -14717,7 +15779,7 @@
         <p:spPr>
           <a:xfrm>
             <a:off x="950114" y="1661547"/>
-            <a:ext cx="2874117" cy="523220"/>
+            <a:ext cx="3021981" cy="523220"/>
           </a:xfrm>
           <a:prstGeom prst="rect">
             <a:avLst/>
@@ -14733,7 +15795,9 @@
             <a:r>
               <a:rPr lang="en-US" sz="1400" dirty="0">
                 <a:solidFill>
-                  <a:schemeClr val="bg2"/>
+                  <a:schemeClr val="bg2">
+                    <a:lumMod val="25000"/>
+                  </a:schemeClr>
                 </a:solidFill>
               </a:rPr>
               <a:t>sum of all </a:t>
@@ -14741,7 +15805,9 @@
             <a:r>
               <a:rPr lang="en-US" sz="1400" dirty="0" err="1">
                 <a:solidFill>
-                  <a:schemeClr val="bg2"/>
+                  <a:schemeClr val="bg2">
+                    <a:lumMod val="25000"/>
+                  </a:schemeClr>
                 </a:solidFill>
               </a:rPr>
               <a:t>contigs</a:t>
@@ -14749,7 +15815,9 @@
             <a:r>
               <a:rPr lang="en-US" sz="1400" dirty="0">
                 <a:solidFill>
-                  <a:schemeClr val="bg2"/>
+                  <a:schemeClr val="bg2">
+                    <a:lumMod val="25000"/>
+                  </a:schemeClr>
                 </a:solidFill>
               </a:rPr>
               <a:t> = </a:t>
@@ -14757,7 +15825,9 @@
             <a:r>
               <a:rPr lang="cs-CZ" sz="1400" dirty="0">
                 <a:solidFill>
-                  <a:schemeClr val="bg2"/>
+                  <a:schemeClr val="bg2">
+                    <a:lumMod val="25000"/>
+                  </a:schemeClr>
                 </a:solidFill>
               </a:rPr>
               <a:t>4,740,890 </a:t>
@@ -14765,14 +15835,18 @@
             <a:r>
               <a:rPr lang="cs-CZ" sz="1400" dirty="0" err="1">
                 <a:solidFill>
-                  <a:schemeClr val="bg2"/>
+                  <a:schemeClr val="bg2">
+                    <a:lumMod val="25000"/>
+                  </a:schemeClr>
                 </a:solidFill>
               </a:rPr>
               <a:t>bp</a:t>
             </a:r>
             <a:endParaRPr lang="cs-CZ" sz="1400" dirty="0">
               <a:solidFill>
-                <a:schemeClr val="bg2"/>
+                <a:schemeClr val="bg2">
+                  <a:lumMod val="25000"/>
+                </a:schemeClr>
               </a:solidFill>
             </a:endParaRPr>
           </a:p>
@@ -14780,7 +15854,9 @@
             <a:r>
               <a:rPr lang="cs-CZ" sz="1400" dirty="0">
                 <a:solidFill>
-                  <a:schemeClr val="bg2"/>
+                  <a:schemeClr val="bg2">
+                    <a:lumMod val="25000"/>
+                  </a:schemeClr>
                 </a:solidFill>
               </a:rPr>
               <a:t>1/2 sum </a:t>
@@ -14788,7 +15864,9 @@
             <a:r>
               <a:rPr lang="cs-CZ" sz="1400" dirty="0" err="1">
                 <a:solidFill>
-                  <a:schemeClr val="bg2"/>
+                  <a:schemeClr val="bg2">
+                    <a:lumMod val="25000"/>
+                  </a:schemeClr>
                 </a:solidFill>
               </a:rPr>
               <a:t>of</a:t>
@@ -14796,7 +15874,9 @@
             <a:r>
               <a:rPr lang="cs-CZ" sz="1400" dirty="0">
                 <a:solidFill>
-                  <a:schemeClr val="bg2"/>
+                  <a:schemeClr val="bg2">
+                    <a:lumMod val="25000"/>
+                  </a:schemeClr>
                 </a:solidFill>
               </a:rPr>
               <a:t> </a:t>
@@ -14804,7 +15884,9 @@
             <a:r>
               <a:rPr lang="cs-CZ" sz="1400" dirty="0" err="1">
                 <a:solidFill>
-                  <a:schemeClr val="bg2"/>
+                  <a:schemeClr val="bg2">
+                    <a:lumMod val="25000"/>
+                  </a:schemeClr>
                 </a:solidFill>
               </a:rPr>
               <a:t>all</a:t>
@@ -14812,7 +15894,9 @@
             <a:r>
               <a:rPr lang="cs-CZ" sz="1400" dirty="0">
                 <a:solidFill>
-                  <a:schemeClr val="bg2"/>
+                  <a:schemeClr val="bg2">
+                    <a:lumMod val="25000"/>
+                  </a:schemeClr>
                 </a:solidFill>
               </a:rPr>
               <a:t> </a:t>
@@ -14820,7 +15904,9 @@
             <a:r>
               <a:rPr lang="cs-CZ" sz="1400" dirty="0" err="1">
                 <a:solidFill>
-                  <a:schemeClr val="bg2"/>
+                  <a:schemeClr val="bg2">
+                    <a:lumMod val="25000"/>
+                  </a:schemeClr>
                 </a:solidFill>
               </a:rPr>
               <a:t>contigs</a:t>
@@ -14828,7 +15914,9 @@
             <a:r>
               <a:rPr lang="cs-CZ" sz="1400" dirty="0">
                 <a:solidFill>
-                  <a:schemeClr val="bg2"/>
+                  <a:schemeClr val="bg2">
+                    <a:lumMod val="25000"/>
+                  </a:schemeClr>
                 </a:solidFill>
               </a:rPr>
               <a:t> = </a:t>
@@ -14836,14 +15924,18 @@
             <a:r>
               <a:rPr lang="is-IS" sz="1400" dirty="0">
                 <a:solidFill>
-                  <a:schemeClr val="bg2"/>
+                  <a:schemeClr val="bg2">
+                    <a:lumMod val="25000"/>
+                  </a:schemeClr>
                 </a:solidFill>
               </a:rPr>
               <a:t>2,370,445 bp</a:t>
             </a:r>
             <a:endParaRPr lang="en-US" sz="1400" dirty="0">
               <a:solidFill>
-                <a:schemeClr val="bg2"/>
+                <a:schemeClr val="bg2">
+                  <a:lumMod val="25000"/>
+                </a:schemeClr>
               </a:solidFill>
             </a:endParaRPr>
           </a:p>
@@ -14872,7 +15964,9 @@
           <a:noFill/>
           <a:ln w="38100" cap="flat" cmpd="sng" algn="ctr">
             <a:solidFill>
-              <a:schemeClr val="bg2"/>
+              <a:schemeClr val="bg2">
+                <a:lumMod val="50000"/>
+              </a:schemeClr>
             </a:solidFill>
             <a:prstDash val="solid"/>
             <a:round/>
@@ -14903,8 +15997,8 @@
         </p:nvSpPr>
         <p:spPr>
           <a:xfrm>
-            <a:off x="6876256" y="1877571"/>
-            <a:ext cx="2267744" cy="461665"/>
+            <a:off x="6795781" y="1877571"/>
+            <a:ext cx="2348219" cy="461665"/>
           </a:xfrm>
           <a:prstGeom prst="rect">
             <a:avLst/>
@@ -14919,23 +16013,7 @@
           <a:p>
             <a:r>
               <a:rPr lang="en-US" sz="1200" dirty="0"/>
-              <a:t>top 4 </a:t>
-            </a:r>
-            <a:r>
-              <a:rPr lang="en-US" sz="1200" dirty="0" err="1"/>
-              <a:t>contigs</a:t>
-            </a:r>
-            <a:r>
-              <a:rPr lang="en-US" sz="1200" dirty="0"/>
-              <a:t> </a:t>
-            </a:r>
-            <a:r>
-              <a:rPr lang="en-US" sz="1200"/>
-              <a:t>contain 1</a:t>
-            </a:r>
-            <a:r>
-              <a:rPr lang="en-US" sz="1200" dirty="0"/>
-              <a:t>/2 of the assembly, sum = </a:t>
+              <a:t>top 4 contigs contain 1/2 of the assembly, sum = </a:t>
             </a:r>
             <a:r>
               <a:rPr lang="is-IS" sz="1200" dirty="0"/>
@@ -14987,7 +16065,9 @@
             <a:r>
               <a:rPr lang="en-US" sz="1200" dirty="0">
                 <a:solidFill>
-                  <a:schemeClr val="bg2"/>
+                  <a:schemeClr val="bg2">
+                    <a:lumMod val="25000"/>
+                  </a:schemeClr>
                 </a:solidFill>
               </a:rPr>
               <a:t>this is the N50 </a:t>
@@ -14995,7 +16075,9 @@
             <a:r>
               <a:rPr lang="en-US" sz="1200" dirty="0" err="1">
                 <a:solidFill>
-                  <a:schemeClr val="bg2"/>
+                  <a:schemeClr val="bg2">
+                    <a:lumMod val="25000"/>
+                  </a:schemeClr>
                 </a:solidFill>
               </a:rPr>
               <a:t>contig</a:t>
@@ -15003,7 +16085,9 @@
             <a:r>
               <a:rPr lang="en-US" sz="1200" dirty="0">
                 <a:solidFill>
-                  <a:schemeClr val="bg2"/>
+                  <a:schemeClr val="bg2">
+                    <a:lumMod val="25000"/>
+                  </a:schemeClr>
                 </a:solidFill>
               </a:rPr>
               <a:t>, with length </a:t>
@@ -15011,7 +16095,9 @@
             <a:r>
               <a:rPr lang="is-IS" sz="1200" dirty="0">
                 <a:solidFill>
-                  <a:schemeClr val="bg2"/>
+                  <a:schemeClr val="bg2">
+                    <a:lumMod val="25000"/>
+                  </a:schemeClr>
                 </a:solidFill>
               </a:rPr>
               <a:t>405,903 bp</a:t>
@@ -15044,7 +16130,9 @@
           </a:solidFill>
           <a:ln w="9525" cap="flat" cmpd="sng" algn="ctr">
             <a:solidFill>
-              <a:schemeClr val="bg2"/>
+              <a:schemeClr val="bg2">
+                <a:lumMod val="50000"/>
+              </a:schemeClr>
             </a:solidFill>
             <a:prstDash val="solid"/>
             <a:round/>
@@ -15069,7 +16157,7 @@
         <p:spPr>
           <a:xfrm>
             <a:off x="1115616" y="509419"/>
-            <a:ext cx="6912768" cy="276999"/>
+            <a:ext cx="6912768" cy="461665"/>
           </a:xfrm>
           <a:prstGeom prst="rect">
             <a:avLst/>
@@ -15083,43 +16171,23 @@
           <a:lstStyle/>
           <a:p>
             <a:r>
-              <a:rPr lang="en-US" sz="1200" dirty="0">
-                <a:solidFill>
-                  <a:srgbClr val="FFFFFF"/>
-                </a:solidFill>
-              </a:rPr>
+              <a:rPr lang="en-US" sz="1200" dirty="0"/>
               <a:t>N50 is the size of the </a:t>
             </a:r>
             <a:r>
-              <a:rPr lang="en-US" sz="1200" dirty="0" err="1">
-                <a:solidFill>
-                  <a:srgbClr val="FFFFFF"/>
-                </a:solidFill>
-              </a:rPr>
+              <a:rPr lang="en-US" sz="1200" dirty="0" err="1"/>
               <a:t>contig</a:t>
             </a:r>
             <a:r>
-              <a:rPr lang="en-US" sz="1200" dirty="0">
-                <a:solidFill>
-                  <a:srgbClr val="FFFFFF"/>
-                </a:solidFill>
-              </a:rPr>
+              <a:rPr lang="en-US" sz="1200" dirty="0"/>
               <a:t> which, along with all larger </a:t>
             </a:r>
             <a:r>
-              <a:rPr lang="en-US" sz="1200" dirty="0" err="1">
-                <a:solidFill>
-                  <a:srgbClr val="FFFFFF"/>
-                </a:solidFill>
-              </a:rPr>
+              <a:rPr lang="en-US" sz="1200" dirty="0" err="1"/>
               <a:t>contigs</a:t>
             </a:r>
             <a:r>
-              <a:rPr lang="en-US" sz="1200" dirty="0">
-                <a:solidFill>
-                  <a:srgbClr val="FFFFFF"/>
-                </a:solidFill>
-              </a:rPr>
+              <a:rPr lang="en-US" sz="1200" dirty="0"/>
               <a:t>, contains half of sequence of an assembly.</a:t>
             </a:r>
           </a:p>
@@ -15139,8 +16207,8 @@
         </p:nvSpPr>
         <p:spPr>
           <a:xfrm>
-            <a:off x="6876256" y="1600572"/>
-            <a:ext cx="2267744" cy="276999"/>
+            <a:off x="6708191" y="1600572"/>
+            <a:ext cx="2435809" cy="276999"/>
           </a:xfrm>
           <a:prstGeom prst="rect">
             <a:avLst/>
@@ -15195,8 +16263,8 @@
         </p:nvSpPr>
         <p:spPr>
           <a:xfrm>
-            <a:off x="6878819" y="1312540"/>
-            <a:ext cx="2267744" cy="276999"/>
+            <a:off x="6710754" y="1312540"/>
+            <a:ext cx="2435809" cy="276999"/>
           </a:xfrm>
           <a:prstGeom prst="rect">
             <a:avLst/>
@@ -15251,8 +16319,8 @@
         </p:nvSpPr>
         <p:spPr>
           <a:xfrm>
-            <a:off x="6876256" y="1024508"/>
-            <a:ext cx="2267744" cy="276999"/>
+            <a:off x="6708191" y="1024508"/>
+            <a:ext cx="2435809" cy="276999"/>
           </a:xfrm>
           <a:prstGeom prst="rect">
             <a:avLst/>
@@ -15308,7 +16376,7 @@
         <p:spPr>
           <a:xfrm>
             <a:off x="4139952" y="2135986"/>
-            <a:ext cx="1728192" cy="276999"/>
+            <a:ext cx="1490681" cy="276999"/>
           </a:xfrm>
           <a:prstGeom prst="rect">
             <a:avLst/>
@@ -15324,7 +16392,9 @@
             <a:r>
               <a:rPr lang="mr-IN" sz="1200" b="1" dirty="0">
                 <a:solidFill>
-                  <a:schemeClr val="bg2"/>
+                  <a:schemeClr val="bg2">
+                    <a:lumMod val="25000"/>
+                  </a:schemeClr>
                 </a:solidFill>
               </a:rPr>
               <a:t>N50 </a:t>
@@ -15332,7 +16402,9 @@
             <a:r>
               <a:rPr lang="en-US" sz="1200" b="1" dirty="0">
                 <a:solidFill>
-                  <a:schemeClr val="bg2"/>
+                  <a:schemeClr val="bg2">
+                    <a:lumMod val="25000"/>
+                  </a:schemeClr>
                 </a:solidFill>
               </a:rPr>
               <a:t>=</a:t>
@@ -15340,7 +16412,9 @@
             <a:r>
               <a:rPr lang="mr-IN" sz="1200" b="1" dirty="0">
                 <a:solidFill>
-                  <a:schemeClr val="bg2"/>
+                  <a:schemeClr val="bg2">
+                    <a:lumMod val="25000"/>
+                  </a:schemeClr>
                 </a:solidFill>
               </a:rPr>
               <a:t> 405,903 bp</a:t>
@@ -15433,7 +16507,7 @@
         <p:spPr>
           <a:xfrm>
             <a:off x="323528" y="-171400"/>
-            <a:ext cx="8568952" cy="1535832"/>
+            <a:ext cx="8568952" cy="1224136"/>
           </a:xfrm>
         </p:spPr>
         <p:txBody>
@@ -15728,35 +16802,6 @@
       </p:grpSpPr>
       <p:sp>
         <p:nvSpPr>
-          <p:cNvPr id="9" name="Rectangle 2"/>
-          <p:cNvSpPr>
-            <a:spLocks noGrp="1" noChangeArrowheads="1"/>
-          </p:cNvSpPr>
-          <p:nvPr>
-            <p:ph type="ctrTitle"/>
-          </p:nvPr>
-        </p:nvSpPr>
-        <p:spPr>
-          <a:xfrm>
-            <a:off x="323528" y="-171400"/>
-            <a:ext cx="8568952" cy="1535832"/>
-          </a:xfrm>
-        </p:spPr>
-        <p:txBody>
-          <a:bodyPr/>
-          <a:lstStyle/>
-          <a:p>
-            <a:pPr algn="l" eaLnBrk="1" hangingPunct="1"/>
-            <a:r>
-              <a:rPr lang="en-US" sz="3200" b="1" dirty="0"/>
-              <a:t>Finishing, Validation, Confidence</a:t>
-            </a:r>
-            <a:endParaRPr lang="en-US" sz="3200" dirty="0"/>
-          </a:p>
-        </p:txBody>
-      </p:sp>
-      <p:sp>
-        <p:nvSpPr>
           <p:cNvPr id="6" name="TextBox 5"/>
           <p:cNvSpPr txBox="1"/>
           <p:nvPr/>
@@ -15909,6 +16954,62 @@
               <a:buChar char="•"/>
             </a:pPr>
             <a:endParaRPr lang="en-US" sz="2000" dirty="0"/>
+          </a:p>
+        </p:txBody>
+      </p:sp>
+      <p:sp>
+        <p:nvSpPr>
+          <p:cNvPr id="4" name="Rectangle 2">
+            <a:extLst>
+              <a:ext uri="{FF2B5EF4-FFF2-40B4-BE49-F238E27FC236}">
+                <a16:creationId xmlns:a16="http://schemas.microsoft.com/office/drawing/2014/main" id="{BB323D01-2714-A561-4321-CDF17D30FBEE}"/>
+              </a:ext>
+            </a:extLst>
+          </p:cNvPr>
+          <p:cNvSpPr txBox="1">
+            <a:spLocks noChangeArrowheads="1"/>
+          </p:cNvSpPr>
+          <p:nvPr/>
+        </p:nvSpPr>
+        <p:spPr>
+          <a:xfrm>
+            <a:off x="323528" y="-171400"/>
+            <a:ext cx="8568952" cy="1224136"/>
+          </a:xfrm>
+          <a:prstGeom prst="rect">
+            <a:avLst/>
+          </a:prstGeom>
+        </p:spPr>
+        <p:txBody>
+          <a:bodyPr vert="horz" lIns="91440" tIns="45720" rIns="91440" bIns="45720" rtlCol="0" anchor="b">
+            <a:normAutofit/>
+          </a:bodyPr>
+          <a:lstStyle>
+            <a:lvl1pPr algn="ctr" defTabSz="685800" rtl="0" eaLnBrk="1" latinLnBrk="0" hangingPunct="1">
+              <a:lnSpc>
+                <a:spcPct val="90000"/>
+              </a:lnSpc>
+              <a:spcBef>
+                <a:spcPct val="0"/>
+              </a:spcBef>
+              <a:buNone/>
+              <a:defRPr sz="4500" kern="1200">
+                <a:solidFill>
+                  <a:schemeClr val="tx1"/>
+                </a:solidFill>
+                <a:latin typeface="+mj-lt"/>
+                <a:ea typeface="+mj-ea"/>
+                <a:cs typeface="+mj-cs"/>
+              </a:defRPr>
+            </a:lvl1pPr>
+          </a:lstStyle>
+          <a:p>
+            <a:pPr algn="l"/>
+            <a:r>
+              <a:rPr lang="en-US" sz="3200" b="1"/>
+              <a:t>Finishing, Validation, Confidence</a:t>
+            </a:r>
+            <a:endParaRPr lang="en-US" sz="3200" dirty="0"/>
           </a:p>
         </p:txBody>
       </p:sp>
@@ -16007,12 +17108,61 @@
           </a:prstGeom>
         </p:spPr>
       </p:pic>
+      <p:sp>
+        <p:nvSpPr>
+          <p:cNvPr id="2" name="TextBox 1">
+            <a:extLst>
+              <a:ext uri="{FF2B5EF4-FFF2-40B4-BE49-F238E27FC236}">
+                <a16:creationId xmlns:a16="http://schemas.microsoft.com/office/drawing/2014/main" id="{B197E0DA-C2E7-55B1-CB07-0252C66B6D0D}"/>
+              </a:ext>
+            </a:extLst>
+          </p:cNvPr>
+          <p:cNvSpPr txBox="1"/>
+          <p:nvPr/>
+        </p:nvSpPr>
+        <p:spPr>
+          <a:xfrm>
+            <a:off x="6228184" y="236831"/>
+            <a:ext cx="2160240" cy="707886"/>
+          </a:xfrm>
+          <a:prstGeom prst="rect">
+            <a:avLst/>
+          </a:prstGeom>
+          <a:noFill/>
+          <a:ln w="25400">
+            <a:solidFill>
+              <a:srgbClr val="FF0000"/>
+            </a:solidFill>
+          </a:ln>
+        </p:spPr>
+        <p:txBody>
+          <a:bodyPr wrap="square" rtlCol="0">
+            <a:spAutoFit/>
+          </a:bodyPr>
+          <a:lstStyle/>
+          <a:p>
+            <a:pPr algn="ctr"/>
+            <a:r>
+              <a:rPr lang="en-US" sz="2000" dirty="0"/>
+              <a:t>Critical Review due October 26</a:t>
+            </a:r>
+            <a:r>
+              <a:rPr lang="en-US" sz="2000" baseline="30000" dirty="0"/>
+              <a:t>th</a:t>
+            </a:r>
+            <a:r>
+              <a:rPr lang="en-US" sz="2000" dirty="0"/>
+              <a:t>!</a:t>
+            </a:r>
+          </a:p>
+        </p:txBody>
+      </p:sp>
       <p:pic>
         <p:nvPicPr>
-          <p:cNvPr id="4" name="Picture 3" descr="A close up of a text&#10;&#10;Description automatically generated">
+          <p:cNvPr id="6" name="Picture 5" descr="A screenshot of a phone&#10;&#10;Description automatically generated">
             <a:extLst>
               <a:ext uri="{FF2B5EF4-FFF2-40B4-BE49-F238E27FC236}">
-                <a16:creationId xmlns:a16="http://schemas.microsoft.com/office/drawing/2014/main" id="{E6E00326-F89A-95E7-F7C9-5017368F93A4}"/>
+                <a16:creationId xmlns:a16="http://schemas.microsoft.com/office/drawing/2014/main" id="{FE8D4C34-B6C9-0F02-3373-CD0A7C4A2512}"/>
               </a:ext>
             </a:extLst>
           </p:cNvPr>
@@ -16029,63 +17179,14 @@
         </p:blipFill>
         <p:spPr>
           <a:xfrm>
-            <a:off x="395536" y="1484784"/>
-            <a:ext cx="7772400" cy="1194222"/>
+            <a:off x="616024" y="1772663"/>
+            <a:ext cx="7772400" cy="1234867"/>
           </a:xfrm>
           <a:prstGeom prst="rect">
             <a:avLst/>
           </a:prstGeom>
         </p:spPr>
       </p:pic>
-      <p:sp>
-        <p:nvSpPr>
-          <p:cNvPr id="2" name="TextBox 1">
-            <a:extLst>
-              <a:ext uri="{FF2B5EF4-FFF2-40B4-BE49-F238E27FC236}">
-                <a16:creationId xmlns:a16="http://schemas.microsoft.com/office/drawing/2014/main" id="{B197E0DA-C2E7-55B1-CB07-0252C66B6D0D}"/>
-              </a:ext>
-            </a:extLst>
-          </p:cNvPr>
-          <p:cNvSpPr txBox="1"/>
-          <p:nvPr/>
-        </p:nvSpPr>
-        <p:spPr>
-          <a:xfrm>
-            <a:off x="6228184" y="236831"/>
-            <a:ext cx="2160240" cy="707886"/>
-          </a:xfrm>
-          <a:prstGeom prst="rect">
-            <a:avLst/>
-          </a:prstGeom>
-          <a:noFill/>
-          <a:ln w="25400">
-            <a:solidFill>
-              <a:srgbClr val="FF0000"/>
-            </a:solidFill>
-          </a:ln>
-        </p:spPr>
-        <p:txBody>
-          <a:bodyPr wrap="square" rtlCol="0">
-            <a:spAutoFit/>
-          </a:bodyPr>
-          <a:lstStyle/>
-          <a:p>
-            <a:pPr algn="ctr"/>
-            <a:r>
-              <a:rPr lang="en-US" sz="2000" dirty="0"/>
-              <a:t>Critical Review due October 27</a:t>
-            </a:r>
-            <a:r>
-              <a:rPr lang="en-US" sz="2000" baseline="30000" dirty="0"/>
-              <a:t>th</a:t>
-            </a:r>
-            <a:r>
-              <a:rPr lang="en-US" sz="2000" dirty="0"/>
-              <a:t>!</a:t>
-            </a:r>
-          </a:p>
-        </p:txBody>
-      </p:sp>
     </p:spTree>
     <p:extLst>
       <p:ext uri="{BB962C8B-B14F-4D97-AF65-F5344CB8AC3E}">
@@ -16129,7 +17230,7 @@
         <p:spPr>
           <a:xfrm>
             <a:off x="323528" y="-171400"/>
-            <a:ext cx="8568952" cy="1535832"/>
+            <a:ext cx="8568952" cy="1224136"/>
           </a:xfrm>
         </p:spPr>
         <p:txBody>
@@ -16403,7 +17504,7 @@
         <p:spPr>
           <a:xfrm>
             <a:off x="323528" y="-171400"/>
-            <a:ext cx="8568952" cy="1535832"/>
+            <a:ext cx="8568952" cy="1085673"/>
           </a:xfrm>
         </p:spPr>
         <p:txBody>
@@ -16529,7 +17630,7 @@
         <p:spPr>
           <a:xfrm>
             <a:off x="323528" y="-171400"/>
-            <a:ext cx="8568952" cy="1535832"/>
+            <a:ext cx="8568952" cy="1080120"/>
           </a:xfrm>
         </p:spPr>
         <p:txBody>
@@ -16674,7 +17775,7 @@
         <p:spPr>
           <a:xfrm>
             <a:off x="323528" y="-171400"/>
-            <a:ext cx="8568952" cy="1535832"/>
+            <a:ext cx="8568952" cy="984448"/>
           </a:xfrm>
         </p:spPr>
         <p:txBody>
@@ -16876,8 +17977,8 @@
         </p:blipFill>
         <p:spPr bwMode="auto">
           <a:xfrm>
-            <a:off x="1043608" y="2996952"/>
-            <a:ext cx="6705600" cy="3048000"/>
+            <a:off x="1871700" y="2924944"/>
+            <a:ext cx="5400600" cy="2975992"/>
           </a:xfrm>
           <a:prstGeom prst="rect">
             <a:avLst/>
@@ -16937,7 +18038,7 @@
         <p:spPr>
           <a:xfrm>
             <a:off x="323528" y="-171400"/>
-            <a:ext cx="8568952" cy="1535832"/>
+            <a:ext cx="8568952" cy="1084177"/>
           </a:xfrm>
         </p:spPr>
         <p:txBody>
@@ -17195,7 +18296,7 @@
         <p:spPr>
           <a:xfrm>
             <a:off x="323528" y="-171400"/>
-            <a:ext cx="8568952" cy="1535832"/>
+            <a:ext cx="8568952" cy="1080120"/>
           </a:xfrm>
         </p:spPr>
         <p:txBody>
@@ -17360,56 +18461,150 @@
 </file>
 
 <file path=ppt/theme/theme1.xml><?xml version="1.0" encoding="utf-8"?>
-<a:theme xmlns:a="http://schemas.openxmlformats.org/drawingml/2006/main" name="DalhousieTemplate">
+<a:theme xmlns:a="http://schemas.openxmlformats.org/drawingml/2006/main" name="Office Theme">
   <a:themeElements>
-    <a:clrScheme name="DalhousieTemplate 2">
+    <a:clrScheme name="Office">
       <a:dk1>
-        <a:srgbClr val="000000"/>
+        <a:sysClr val="windowText" lastClr="000000"/>
       </a:dk1>
       <a:lt1>
-        <a:srgbClr val="FFFFFF"/>
+        <a:sysClr val="window" lastClr="FFFFFF"/>
       </a:lt1>
       <a:dk2>
-        <a:srgbClr val="000066"/>
+        <a:srgbClr val="0E2841"/>
       </a:dk2>
       <a:lt2>
-        <a:srgbClr val="FFCC66"/>
+        <a:srgbClr val="E8E8E8"/>
       </a:lt2>
       <a:accent1>
-        <a:srgbClr val="FF9900"/>
+        <a:srgbClr val="156082"/>
       </a:accent1>
       <a:accent2>
-        <a:srgbClr val="000044"/>
+        <a:srgbClr val="E97132"/>
       </a:accent2>
       <a:accent3>
-        <a:srgbClr val="AAAAB8"/>
+        <a:srgbClr val="196B24"/>
       </a:accent3>
       <a:accent4>
-        <a:srgbClr val="DADADA"/>
+        <a:srgbClr val="0F9ED5"/>
       </a:accent4>
       <a:accent5>
-        <a:srgbClr val="FFCAAA"/>
+        <a:srgbClr val="A02B93"/>
       </a:accent5>
       <a:accent6>
-        <a:srgbClr val="00003D"/>
+        <a:srgbClr val="4EA72E"/>
       </a:accent6>
       <a:hlink>
-        <a:srgbClr val="3366FF"/>
+        <a:srgbClr val="467886"/>
       </a:hlink>
       <a:folHlink>
-        <a:srgbClr val="FFFF00"/>
+        <a:srgbClr val="96607D"/>
       </a:folHlink>
     </a:clrScheme>
-    <a:fontScheme name="DalhousieTemplate">
+    <a:fontScheme name="Office">
       <a:majorFont>
-        <a:latin typeface="Times New Roman"/>
+        <a:latin typeface="Aptos Display" panose="02110004020202020204"/>
         <a:ea typeface=""/>
         <a:cs typeface=""/>
+        <a:font script="Jpan" typeface="游ゴシック Light"/>
+        <a:font script="Hang" typeface="맑은 고딕"/>
+        <a:font script="Hans" typeface="等线 Light"/>
+        <a:font script="Hant" typeface="新細明體"/>
+        <a:font script="Arab" typeface="Times New Roman"/>
+        <a:font script="Hebr" typeface="Times New Roman"/>
+        <a:font script="Thai" typeface="Angsana New"/>
+        <a:font script="Ethi" typeface="Nyala"/>
+        <a:font script="Beng" typeface="Vrinda"/>
+        <a:font script="Gujr" typeface="Shruti"/>
+        <a:font script="Khmr" typeface="MoolBoran"/>
+        <a:font script="Knda" typeface="Tunga"/>
+        <a:font script="Guru" typeface="Raavi"/>
+        <a:font script="Cans" typeface="Euphemia"/>
+        <a:font script="Cher" typeface="Plantagenet Cherokee"/>
+        <a:font script="Yiii" typeface="Microsoft Yi Baiti"/>
+        <a:font script="Tibt" typeface="Microsoft Himalaya"/>
+        <a:font script="Thaa" typeface="MV Boli"/>
+        <a:font script="Deva" typeface="Mangal"/>
+        <a:font script="Telu" typeface="Gautami"/>
+        <a:font script="Taml" typeface="Latha"/>
+        <a:font script="Syrc" typeface="Estrangelo Edessa"/>
+        <a:font script="Orya" typeface="Kalinga"/>
+        <a:font script="Mlym" typeface="Kartika"/>
+        <a:font script="Laoo" typeface="DokChampa"/>
+        <a:font script="Sinh" typeface="Iskoola Pota"/>
+        <a:font script="Mong" typeface="Mongolian Baiti"/>
+        <a:font script="Viet" typeface="Times New Roman"/>
+        <a:font script="Uigh" typeface="Microsoft Uighur"/>
+        <a:font script="Geor" typeface="Sylfaen"/>
+        <a:font script="Armn" typeface="Arial"/>
+        <a:font script="Bugi" typeface="Leelawadee UI"/>
+        <a:font script="Bopo" typeface="Microsoft JhengHei"/>
+        <a:font script="Java" typeface="Javanese Text"/>
+        <a:font script="Lisu" typeface="Segoe UI"/>
+        <a:font script="Mymr" typeface="Myanmar Text"/>
+        <a:font script="Nkoo" typeface="Ebrima"/>
+        <a:font script="Olck" typeface="Nirmala UI"/>
+        <a:font script="Osma" typeface="Ebrima"/>
+        <a:font script="Phag" typeface="Phagspa"/>
+        <a:font script="Syrn" typeface="Estrangelo Edessa"/>
+        <a:font script="Syrj" typeface="Estrangelo Edessa"/>
+        <a:font script="Syre" typeface="Estrangelo Edessa"/>
+        <a:font script="Sora" typeface="Nirmala UI"/>
+        <a:font script="Tale" typeface="Microsoft Tai Le"/>
+        <a:font script="Talu" typeface="Microsoft New Tai Lue"/>
+        <a:font script="Tfng" typeface="Ebrima"/>
       </a:majorFont>
       <a:minorFont>
-        <a:latin typeface="Times New Roman"/>
+        <a:latin typeface="Aptos" panose="02110004020202020204"/>
         <a:ea typeface=""/>
         <a:cs typeface=""/>
+        <a:font script="Jpan" typeface="游ゴシック"/>
+        <a:font script="Hang" typeface="맑은 고딕"/>
+        <a:font script="Hans" typeface="等线"/>
+        <a:font script="Hant" typeface="新細明體"/>
+        <a:font script="Arab" typeface="Arial"/>
+        <a:font script="Hebr" typeface="Arial"/>
+        <a:font script="Thai" typeface="Cordia New"/>
+        <a:font script="Ethi" typeface="Nyala"/>
+        <a:font script="Beng" typeface="Vrinda"/>
+        <a:font script="Gujr" typeface="Shruti"/>
+        <a:font script="Khmr" typeface="DaunPenh"/>
+        <a:font script="Knda" typeface="Tunga"/>
+        <a:font script="Guru" typeface="Raavi"/>
+        <a:font script="Cans" typeface="Euphemia"/>
+        <a:font script="Cher" typeface="Plantagenet Cherokee"/>
+        <a:font script="Yiii" typeface="Microsoft Yi Baiti"/>
+        <a:font script="Tibt" typeface="Microsoft Himalaya"/>
+        <a:font script="Thaa" typeface="MV Boli"/>
+        <a:font script="Deva" typeface="Mangal"/>
+        <a:font script="Telu" typeface="Gautami"/>
+        <a:font script="Taml" typeface="Latha"/>
+        <a:font script="Syrc" typeface="Estrangelo Edessa"/>
+        <a:font script="Orya" typeface="Kalinga"/>
+        <a:font script="Mlym" typeface="Kartika"/>
+        <a:font script="Laoo" typeface="DokChampa"/>
+        <a:font script="Sinh" typeface="Iskoola Pota"/>
+        <a:font script="Mong" typeface="Mongolian Baiti"/>
+        <a:font script="Viet" typeface="Arial"/>
+        <a:font script="Uigh" typeface="Microsoft Uighur"/>
+        <a:font script="Geor" typeface="Sylfaen"/>
+        <a:font script="Armn" typeface="Arial"/>
+        <a:font script="Bugi" typeface="Leelawadee UI"/>
+        <a:font script="Bopo" typeface="Microsoft JhengHei"/>
+        <a:font script="Java" typeface="Javanese Text"/>
+        <a:font script="Lisu" typeface="Segoe UI"/>
+        <a:font script="Mymr" typeface="Myanmar Text"/>
+        <a:font script="Nkoo" typeface="Ebrima"/>
+        <a:font script="Olck" typeface="Nirmala UI"/>
+        <a:font script="Osma" typeface="Ebrima"/>
+        <a:font script="Phag" typeface="Phagspa"/>
+        <a:font script="Syrn" typeface="Estrangelo Edessa"/>
+        <a:font script="Syrj" typeface="Estrangelo Edessa"/>
+        <a:font script="Syre" typeface="Estrangelo Edessa"/>
+        <a:font script="Sora" typeface="Nirmala UI"/>
+        <a:font script="Tale" typeface="Microsoft Tai Le"/>
+        <a:font script="Talu" typeface="Microsoft New Tai Lue"/>
+        <a:font script="Tfng" typeface="Ebrima"/>
       </a:minorFont>
     </a:fontScheme>
     <a:fmtScheme name="Office">
@@ -17421,534 +18616,162 @@
           <a:gsLst>
             <a:gs pos="0">
               <a:schemeClr val="phClr">
-                <a:tint val="50000"/>
-                <a:satMod val="300000"/>
+                <a:lumMod val="110000"/>
+                <a:satMod val="105000"/>
+                <a:tint val="67000"/>
               </a:schemeClr>
             </a:gs>
-            <a:gs pos="35000">
+            <a:gs pos="50000">
               <a:schemeClr val="phClr">
-                <a:tint val="37000"/>
-                <a:satMod val="300000"/>
+                <a:lumMod val="105000"/>
+                <a:satMod val="103000"/>
+                <a:tint val="73000"/>
               </a:schemeClr>
             </a:gs>
             <a:gs pos="100000">
               <a:schemeClr val="phClr">
-                <a:tint val="15000"/>
-                <a:satMod val="350000"/>
+                <a:lumMod val="105000"/>
+                <a:satMod val="109000"/>
+                <a:tint val="81000"/>
               </a:schemeClr>
             </a:gs>
           </a:gsLst>
-          <a:lin ang="16200000" scaled="1"/>
+          <a:lin ang="5400000" scaled="0"/>
         </a:gradFill>
         <a:gradFill rotWithShape="1">
           <a:gsLst>
             <a:gs pos="0">
               <a:schemeClr val="phClr">
-                <a:tint val="100000"/>
+                <a:satMod val="103000"/>
+                <a:lumMod val="102000"/>
+                <a:tint val="94000"/>
+              </a:schemeClr>
+            </a:gs>
+            <a:gs pos="50000">
+              <a:schemeClr val="phClr">
+                <a:satMod val="110000"/>
+                <a:lumMod val="100000"/>
                 <a:shade val="100000"/>
-                <a:satMod val="130000"/>
               </a:schemeClr>
             </a:gs>
             <a:gs pos="100000">
               <a:schemeClr val="phClr">
-                <a:tint val="50000"/>
-                <a:shade val="100000"/>
-                <a:satMod val="350000"/>
+                <a:lumMod val="99000"/>
+                <a:satMod val="120000"/>
+                <a:shade val="78000"/>
               </a:schemeClr>
             </a:gs>
           </a:gsLst>
-          <a:lin ang="16200000" scaled="0"/>
+          <a:lin ang="5400000" scaled="0"/>
         </a:gradFill>
       </a:fillStyleLst>
       <a:lnStyleLst>
-        <a:ln w="9525" cap="flat" cmpd="sng" algn="ctr">
+        <a:ln w="12700" cap="flat" cmpd="sng" algn="ctr">
           <a:solidFill>
-            <a:schemeClr val="phClr">
-              <a:shade val="95000"/>
-              <a:satMod val="105000"/>
-            </a:schemeClr>
+            <a:schemeClr val="phClr"/>
           </a:solidFill>
           <a:prstDash val="solid"/>
+          <a:miter lim="800000"/>
+        </a:ln>
+        <a:ln w="19050" cap="flat" cmpd="sng" algn="ctr">
+          <a:solidFill>
+            <a:schemeClr val="phClr"/>
+          </a:solidFill>
+          <a:prstDash val="solid"/>
+          <a:miter lim="800000"/>
         </a:ln>
         <a:ln w="25400" cap="flat" cmpd="sng" algn="ctr">
           <a:solidFill>
             <a:schemeClr val="phClr"/>
           </a:solidFill>
           <a:prstDash val="solid"/>
-        </a:ln>
-        <a:ln w="38100" cap="flat" cmpd="sng" algn="ctr">
-          <a:solidFill>
-            <a:schemeClr val="phClr"/>
-          </a:solidFill>
-          <a:prstDash val="solid"/>
+          <a:miter lim="800000"/>
         </a:ln>
       </a:lnStyleLst>
       <a:effectStyleLst>
         <a:effectStyle>
+          <a:effectLst/>
+        </a:effectStyle>
+        <a:effectStyle>
+          <a:effectLst/>
+        </a:effectStyle>
+        <a:effectStyle>
           <a:effectLst>
-            <a:outerShdw blurRad="40000" dist="20000" dir="5400000" rotWithShape="0">
+            <a:outerShdw blurRad="57150" dist="19050" dir="5400000" algn="ctr" rotWithShape="0">
               <a:srgbClr val="000000">
-                <a:alpha val="38000"/>
+                <a:alpha val="63000"/>
               </a:srgbClr>
             </a:outerShdw>
           </a:effectLst>
-        </a:effectStyle>
-        <a:effectStyle>
-          <a:effectLst>
-            <a:outerShdw blurRad="40000" dist="23000" dir="5400000" rotWithShape="0">
-              <a:srgbClr val="000000">
-                <a:alpha val="35000"/>
-              </a:srgbClr>
-            </a:outerShdw>
-          </a:effectLst>
-        </a:effectStyle>
-        <a:effectStyle>
-          <a:effectLst>
-            <a:outerShdw blurRad="40000" dist="23000" dir="5400000" rotWithShape="0">
-              <a:srgbClr val="000000">
-                <a:alpha val="35000"/>
-              </a:srgbClr>
-            </a:outerShdw>
-          </a:effectLst>
-          <a:scene3d>
-            <a:camera prst="orthographicFront">
-              <a:rot lat="0" lon="0" rev="0"/>
-            </a:camera>
-            <a:lightRig rig="threePt" dir="t">
-              <a:rot lat="0" lon="0" rev="1200000"/>
-            </a:lightRig>
-          </a:scene3d>
-          <a:sp3d>
-            <a:bevelT w="63500" h="25400"/>
-          </a:sp3d>
         </a:effectStyle>
       </a:effectStyleLst>
       <a:bgFillStyleLst>
         <a:solidFill>
           <a:schemeClr val="phClr"/>
         </a:solidFill>
+        <a:solidFill>
+          <a:schemeClr val="phClr">
+            <a:tint val="95000"/>
+            <a:satMod val="170000"/>
+          </a:schemeClr>
+        </a:solidFill>
         <a:gradFill rotWithShape="1">
           <a:gsLst>
             <a:gs pos="0">
               <a:schemeClr val="phClr">
-                <a:tint val="40000"/>
-                <a:satMod val="350000"/>
+                <a:tint val="93000"/>
+                <a:satMod val="150000"/>
+                <a:shade val="98000"/>
+                <a:lumMod val="102000"/>
               </a:schemeClr>
             </a:gs>
-            <a:gs pos="40000">
+            <a:gs pos="50000">
               <a:schemeClr val="phClr">
-                <a:tint val="45000"/>
-                <a:shade val="99000"/>
-                <a:satMod val="350000"/>
+                <a:tint val="98000"/>
+                <a:satMod val="130000"/>
+                <a:shade val="90000"/>
+                <a:lumMod val="103000"/>
               </a:schemeClr>
             </a:gs>
             <a:gs pos="100000">
               <a:schemeClr val="phClr">
-                <a:shade val="20000"/>
-                <a:satMod val="255000"/>
+                <a:shade val="63000"/>
+                <a:satMod val="120000"/>
               </a:schemeClr>
             </a:gs>
           </a:gsLst>
-          <a:path path="circle">
-            <a:fillToRect l="50000" t="-80000" r="50000" b="180000"/>
-          </a:path>
-        </a:gradFill>
-        <a:gradFill rotWithShape="1">
-          <a:gsLst>
-            <a:gs pos="0">
-              <a:schemeClr val="phClr">
-                <a:tint val="80000"/>
-                <a:satMod val="300000"/>
-              </a:schemeClr>
-            </a:gs>
-            <a:gs pos="100000">
-              <a:schemeClr val="phClr">
-                <a:shade val="30000"/>
-                <a:satMod val="200000"/>
-              </a:schemeClr>
-            </a:gs>
-          </a:gsLst>
-          <a:path path="circle">
-            <a:fillToRect l="50000" t="50000" r="50000" b="50000"/>
-          </a:path>
+          <a:lin ang="5400000" scaled="0"/>
         </a:gradFill>
       </a:bgFillStyleLst>
     </a:fmtScheme>
   </a:themeElements>
   <a:objectDefaults>
-    <a:spDef>
-      <a:spPr bwMode="auto">
-        <a:xfrm>
-          <a:off x="0" y="0"/>
-          <a:ext cx="1" cy="1"/>
-        </a:xfrm>
-        <a:custGeom>
-          <a:avLst/>
-          <a:gdLst/>
-          <a:ahLst/>
-          <a:cxnLst/>
-          <a:rect l="0" t="0" r="0" b="0"/>
-          <a:pathLst/>
-        </a:custGeom>
-        <a:solidFill>
+    <a:lnDef>
+      <a:spPr/>
+      <a:bodyPr/>
+      <a:lstStyle/>
+      <a:style>
+        <a:lnRef idx="2">
           <a:schemeClr val="accent1"/>
-        </a:solidFill>
-        <a:ln w="9525" cap="flat" cmpd="sng" algn="ctr">
-          <a:solidFill>
-            <a:schemeClr val="tx1"/>
-          </a:solidFill>
-          <a:prstDash val="solid"/>
-          <a:round/>
-          <a:headEnd type="none" w="med" len="med"/>
-          <a:tailEnd type="none" w="med" len="med"/>
-        </a:ln>
-        <a:effectLst/>
-      </a:spPr>
-      <a:bodyPr vert="horz" wrap="square" lIns="91440" tIns="45720" rIns="91440" bIns="45720" numCol="1" anchor="t" anchorCtr="0" compatLnSpc="1">
-        <a:prstTxWarp prst="textNoShape">
-          <a:avLst/>
-        </a:prstTxWarp>
-      </a:bodyPr>
-      <a:lstStyle>
-        <a:defPPr marL="0" marR="0" indent="0" algn="l" defTabSz="914400" rtl="0" eaLnBrk="0" fontAlgn="base" latinLnBrk="0" hangingPunct="0">
-          <a:lnSpc>
-            <a:spcPct val="100000"/>
-          </a:lnSpc>
-          <a:spcBef>
-            <a:spcPct val="0"/>
-          </a:spcBef>
-          <a:spcAft>
-            <a:spcPct val="0"/>
-          </a:spcAft>
-          <a:buClrTx/>
-          <a:buSzTx/>
-          <a:buFontTx/>
-          <a:buNone/>
-          <a:tabLst/>
-          <a:defRPr kumimoji="0" lang="en-US" sz="2400" b="0" i="0" u="none" strike="noStrike" cap="none" normalizeH="0" baseline="0">
-            <a:ln>
-              <a:noFill/>
-            </a:ln>
-            <a:solidFill>
-              <a:schemeClr val="tx1"/>
-            </a:solidFill>
-            <a:effectLst/>
-            <a:latin typeface="Times" charset="0"/>
-          </a:defRPr>
-        </a:defPPr>
-      </a:lstStyle>
-    </a:spDef>
-    <a:lnDef>
-      <a:spPr bwMode="auto">
-        <a:xfrm>
-          <a:off x="0" y="0"/>
-          <a:ext cx="1" cy="1"/>
-        </a:xfrm>
-        <a:custGeom>
-          <a:avLst/>
-          <a:gdLst/>
-          <a:ahLst/>
-          <a:cxnLst/>
-          <a:rect l="0" t="0" r="0" b="0"/>
-          <a:pathLst/>
-        </a:custGeom>
-        <a:solidFill>
+        </a:lnRef>
+        <a:fillRef idx="0">
           <a:schemeClr val="accent1"/>
-        </a:solidFill>
-        <a:ln w="9525" cap="flat" cmpd="sng" algn="ctr">
-          <a:solidFill>
-            <a:schemeClr val="tx1"/>
-          </a:solidFill>
-          <a:prstDash val="solid"/>
-          <a:round/>
-          <a:headEnd type="none" w="med" len="med"/>
-          <a:tailEnd type="none" w="med" len="med"/>
-        </a:ln>
-        <a:effectLst/>
-      </a:spPr>
-      <a:bodyPr vert="horz" wrap="square" lIns="91440" tIns="45720" rIns="91440" bIns="45720" numCol="1" anchor="t" anchorCtr="0" compatLnSpc="1">
-        <a:prstTxWarp prst="textNoShape">
-          <a:avLst/>
-        </a:prstTxWarp>
-      </a:bodyPr>
-      <a:lstStyle>
-        <a:defPPr marL="0" marR="0" indent="0" algn="l" defTabSz="914400" rtl="0" eaLnBrk="0" fontAlgn="base" latinLnBrk="0" hangingPunct="0">
-          <a:lnSpc>
-            <a:spcPct val="100000"/>
-          </a:lnSpc>
-          <a:spcBef>
-            <a:spcPct val="0"/>
-          </a:spcBef>
-          <a:spcAft>
-            <a:spcPct val="0"/>
-          </a:spcAft>
-          <a:buClrTx/>
-          <a:buSzTx/>
-          <a:buFontTx/>
-          <a:buNone/>
-          <a:tabLst/>
-          <a:defRPr kumimoji="0" lang="en-US" sz="2400" b="0" i="0" u="none" strike="noStrike" cap="none" normalizeH="0" baseline="0">
-            <a:ln>
-              <a:noFill/>
-            </a:ln>
-            <a:solidFill>
-              <a:schemeClr val="tx1"/>
-            </a:solidFill>
-            <a:effectLst/>
-            <a:latin typeface="Times" charset="0"/>
-          </a:defRPr>
-        </a:defPPr>
-      </a:lstStyle>
+        </a:fillRef>
+        <a:effectRef idx="1">
+          <a:schemeClr val="accent1"/>
+        </a:effectRef>
+        <a:fontRef idx="minor">
+          <a:schemeClr val="tx1"/>
+        </a:fontRef>
+      </a:style>
     </a:lnDef>
   </a:objectDefaults>
-  <a:extraClrSchemeLst>
-    <a:extraClrScheme>
-      <a:clrScheme name="DalhousieTemplate 1">
-        <a:dk1>
-          <a:srgbClr val="000000"/>
-        </a:dk1>
-        <a:lt1>
-          <a:srgbClr val="CCECFF"/>
-        </a:lt1>
-        <a:dk2>
-          <a:srgbClr val="000066"/>
-        </a:dk2>
-        <a:lt2>
-          <a:srgbClr val="6699FF"/>
-        </a:lt2>
-        <a:accent1>
-          <a:srgbClr val="33CCCC"/>
-        </a:accent1>
-        <a:accent2>
-          <a:srgbClr val="0099FF"/>
-        </a:accent2>
-        <a:accent3>
-          <a:srgbClr val="E2F4FF"/>
-        </a:accent3>
-        <a:accent4>
-          <a:srgbClr val="000000"/>
-        </a:accent4>
-        <a:accent5>
-          <a:srgbClr val="ADE2E2"/>
-        </a:accent5>
-        <a:accent6>
-          <a:srgbClr val="008AE7"/>
-        </a:accent6>
-        <a:hlink>
-          <a:srgbClr val="FFFFFF"/>
-        </a:hlink>
-        <a:folHlink>
-          <a:srgbClr val="3366FF"/>
-        </a:folHlink>
-      </a:clrScheme>
-      <a:clrMap bg1="lt1" tx1="dk1" bg2="lt2" tx2="dk2" accent1="accent1" accent2="accent2" accent3="accent3" accent4="accent4" accent5="accent5" accent6="accent6" hlink="hlink" folHlink="folHlink"/>
-    </a:extraClrScheme>
-    <a:extraClrScheme>
-      <a:clrScheme name="DalhousieTemplate 2">
-        <a:dk1>
-          <a:srgbClr val="000000"/>
-        </a:dk1>
-        <a:lt1>
-          <a:srgbClr val="FFFFFF"/>
-        </a:lt1>
-        <a:dk2>
-          <a:srgbClr val="000066"/>
-        </a:dk2>
-        <a:lt2>
-          <a:srgbClr val="FFCC66"/>
-        </a:lt2>
-        <a:accent1>
-          <a:srgbClr val="FF9900"/>
-        </a:accent1>
-        <a:accent2>
-          <a:srgbClr val="000044"/>
-        </a:accent2>
-        <a:accent3>
-          <a:srgbClr val="AAAAB8"/>
-        </a:accent3>
-        <a:accent4>
-          <a:srgbClr val="DADADA"/>
-        </a:accent4>
-        <a:accent5>
-          <a:srgbClr val="FFCAAA"/>
-        </a:accent5>
-        <a:accent6>
-          <a:srgbClr val="00003D"/>
-        </a:accent6>
-        <a:hlink>
-          <a:srgbClr val="3366FF"/>
-        </a:hlink>
-        <a:folHlink>
-          <a:srgbClr val="FFFF00"/>
-        </a:folHlink>
-      </a:clrScheme>
-      <a:clrMap bg1="dk2" tx1="lt1" bg2="dk1" tx2="lt2" accent1="accent1" accent2="accent2" accent3="accent3" accent4="accent4" accent5="accent5" accent6="accent6" hlink="hlink" folHlink="folHlink"/>
-    </a:extraClrScheme>
-    <a:extraClrScheme>
-      <a:clrScheme name="DalhousieTemplate 3">
-        <a:dk1>
-          <a:srgbClr val="000000"/>
-        </a:dk1>
-        <a:lt1>
-          <a:srgbClr val="FFFFFF"/>
-        </a:lt1>
-        <a:dk2>
-          <a:srgbClr val="000000"/>
-        </a:dk2>
-        <a:lt2>
-          <a:srgbClr val="DDDDDD"/>
-        </a:lt2>
-        <a:accent1>
-          <a:srgbClr val="CBCBCB"/>
-        </a:accent1>
-        <a:accent2>
-          <a:srgbClr val="C0C0C0"/>
-        </a:accent2>
-        <a:accent3>
-          <a:srgbClr val="FFFFFF"/>
-        </a:accent3>
-        <a:accent4>
-          <a:srgbClr val="000000"/>
-        </a:accent4>
-        <a:accent5>
-          <a:srgbClr val="E2E2E2"/>
-        </a:accent5>
-        <a:accent6>
-          <a:srgbClr val="AEAEAE"/>
-        </a:accent6>
-        <a:hlink>
-          <a:srgbClr val="4D4D4D"/>
-        </a:hlink>
-        <a:folHlink>
-          <a:srgbClr val="868686"/>
-        </a:folHlink>
-      </a:clrScheme>
-      <a:clrMap bg1="lt1" tx1="dk1" bg2="lt2" tx2="dk2" accent1="accent1" accent2="accent2" accent3="accent3" accent4="accent4" accent5="accent5" accent6="accent6" hlink="hlink" folHlink="folHlink"/>
-    </a:extraClrScheme>
-    <a:extraClrScheme>
-      <a:clrScheme name="DalhousieTemplate 4">
-        <a:dk1>
-          <a:srgbClr val="000000"/>
-        </a:dk1>
-        <a:lt1>
-          <a:srgbClr val="FFFFFF"/>
-        </a:lt1>
-        <a:dk2>
-          <a:srgbClr val="660033"/>
-        </a:dk2>
-        <a:lt2>
-          <a:srgbClr val="FFCC66"/>
-        </a:lt2>
-        <a:accent1>
-          <a:srgbClr val="FF9900"/>
-        </a:accent1>
-        <a:accent2>
-          <a:srgbClr val="440022"/>
-        </a:accent2>
-        <a:accent3>
-          <a:srgbClr val="B8AAAD"/>
-        </a:accent3>
-        <a:accent4>
-          <a:srgbClr val="DADADA"/>
-        </a:accent4>
-        <a:accent5>
-          <a:srgbClr val="FFCAAA"/>
-        </a:accent5>
-        <a:accent6>
-          <a:srgbClr val="3D001E"/>
-        </a:accent6>
-        <a:hlink>
-          <a:srgbClr val="B20059"/>
-        </a:hlink>
-        <a:folHlink>
-          <a:srgbClr val="FF6699"/>
-        </a:folHlink>
-      </a:clrScheme>
-      <a:clrMap bg1="dk2" tx1="lt1" bg2="dk1" tx2="lt2" accent1="accent1" accent2="accent2" accent3="accent3" accent4="accent4" accent5="accent5" accent6="accent6" hlink="hlink" folHlink="folHlink"/>
-    </a:extraClrScheme>
-    <a:extraClrScheme>
-      <a:clrScheme name="DalhousieTemplate 5">
-        <a:dk1>
-          <a:srgbClr val="000000"/>
-        </a:dk1>
-        <a:lt1>
-          <a:srgbClr val="FFFFFF"/>
-        </a:lt1>
-        <a:dk2>
-          <a:srgbClr val="663300"/>
-        </a:dk2>
-        <a:lt2>
-          <a:srgbClr val="FFCC66"/>
-        </a:lt2>
-        <a:accent1>
-          <a:srgbClr val="FF9900"/>
-        </a:accent1>
-        <a:accent2>
-          <a:srgbClr val="361B00"/>
-        </a:accent2>
-        <a:accent3>
-          <a:srgbClr val="B8ADAA"/>
-        </a:accent3>
-        <a:accent4>
-          <a:srgbClr val="DADADA"/>
-        </a:accent4>
-        <a:accent5>
-          <a:srgbClr val="FFCAAA"/>
-        </a:accent5>
-        <a:accent6>
-          <a:srgbClr val="301700"/>
-        </a:accent6>
-        <a:hlink>
-          <a:srgbClr val="996633"/>
-        </a:hlink>
-        <a:folHlink>
-          <a:srgbClr val="FF6699"/>
-        </a:folHlink>
-      </a:clrScheme>
-      <a:clrMap bg1="dk2" tx1="lt1" bg2="dk1" tx2="lt2" accent1="accent1" accent2="accent2" accent3="accent3" accent4="accent4" accent5="accent5" accent6="accent6" hlink="hlink" folHlink="folHlink"/>
-    </a:extraClrScheme>
-    <a:extraClrScheme>
-      <a:clrScheme name="DalhousieTemplate 6">
-        <a:dk1>
-          <a:srgbClr val="000000"/>
-        </a:dk1>
-        <a:lt1>
-          <a:srgbClr val="FFFFFF"/>
-        </a:lt1>
-        <a:dk2>
-          <a:srgbClr val="003300"/>
-        </a:dk2>
-        <a:lt2>
-          <a:srgbClr val="FFCC66"/>
-        </a:lt2>
-        <a:accent1>
-          <a:srgbClr val="CC9900"/>
-        </a:accent1>
-        <a:accent2>
-          <a:srgbClr val="001600"/>
-        </a:accent2>
-        <a:accent3>
-          <a:srgbClr val="AAADAA"/>
-        </a:accent3>
-        <a:accent4>
-          <a:srgbClr val="DADADA"/>
-        </a:accent4>
-        <a:accent5>
-          <a:srgbClr val="E2CAAA"/>
-        </a:accent5>
-        <a:accent6>
-          <a:srgbClr val="001300"/>
-        </a:accent6>
-        <a:hlink>
-          <a:srgbClr val="006600"/>
-        </a:hlink>
-        <a:folHlink>
-          <a:srgbClr val="009999"/>
-        </a:folHlink>
-      </a:clrScheme>
-      <a:clrMap bg1="dk2" tx1="lt1" bg2="dk1" tx2="lt2" accent1="accent1" accent2="accent2" accent3="accent3" accent4="accent4" accent5="accent5" accent6="accent6" hlink="hlink" folHlink="folHlink"/>
-    </a:extraClrScheme>
-  </a:extraClrSchemeLst>
+  <a:extraClrSchemeLst/>
+  <a:extLst>
+    <a:ext uri="{05A4C25C-085E-4340-85A3-A5531E510DB2}">
+      <thm15:themeFamily xmlns:thm15="http://schemas.microsoft.com/office/thememl/2012/main" name="Office Theme" id="{2E142A2C-CD16-42D6-873A-C26D2A0506FA}" vid="{1BDDFF52-6CD6-40A5-AB3C-68EB2F1E4D0A}"/>
+    </a:ext>
+  </a:extLst>
 </a:theme>
 </file>
 
